--- a/one-template-to-rule-them-all_emet-part.pptx
+++ b/one-template-to-rule-them-all_emet-part.pptx
@@ -168,7 +168,7 @@
             </a:lvl1pPr>
           </a:lstStyle>
           <a:p>
-            <a:endParaRPr lang="en-GB"/>
+            <a:endParaRPr lang="en-GB" dirty="0"/>
           </a:p>
         </p:txBody>
       </p:sp>
@@ -203,7 +203,7 @@
               <a:rPr lang="en-GB" smtClean="0"/>
               <a:t>31/05/2016</a:t>
             </a:fld>
-            <a:endParaRPr lang="en-GB"/>
+            <a:endParaRPr lang="en-GB" dirty="0"/>
           </a:p>
         </p:txBody>
       </p:sp>
@@ -234,7 +234,7 @@
             </a:lvl1pPr>
           </a:lstStyle>
           <a:p>
-            <a:endParaRPr lang="en-GB"/>
+            <a:endParaRPr lang="en-GB" dirty="0"/>
           </a:p>
         </p:txBody>
       </p:sp>
@@ -269,7 +269,7 @@
               <a:rPr lang="en-GB" smtClean="0"/>
               <a:t>‹#›</a:t>
             </a:fld>
-            <a:endParaRPr lang="en-GB"/>
+            <a:endParaRPr lang="en-GB" dirty="0"/>
           </a:p>
         </p:txBody>
       </p:sp>
@@ -330,7 +330,7 @@
           <a:lstStyle/>
           <a:p>
             <a:pPr lvl="0"/>
-            <a:endParaRPr/>
+            <a:endParaRPr dirty="0"/>
           </a:p>
         </p:txBody>
       </p:sp>
@@ -520,40 +520,25 @@
           <a:p>
             <a:r>
               <a:rPr lang="en-US" dirty="0" smtClean="0"/>
-              <a:t>Hello everyone and thanks</a:t>
+              <a:t>Hello everyone</a:t>
             </a:r>
             <a:r>
               <a:rPr lang="en-US" baseline="0" dirty="0" smtClean="0"/>
-              <a:t> for coming to our QNX security talk titled QNX – 99 problems but a microkernel </a:t>
-            </a:r>
-            <a:r>
-              <a:rPr lang="en-US" baseline="0" dirty="0" err="1" smtClean="0"/>
-              <a:t>ain’t</a:t>
+              <a:t>, our talk is titled ‘One Template To Rule Them All’</a:t>
+            </a:r>
+          </a:p>
+          <a:p>
+            <a:endParaRPr lang="en-US" dirty="0" smtClean="0"/>
+          </a:p>
+          <a:p>
+            <a:r>
+              <a:rPr lang="en-US" dirty="0" smtClean="0"/>
+              <a:t>Kostas</a:t>
             </a:r>
             <a:r>
               <a:rPr lang="en-US" baseline="0" dirty="0" smtClean="0"/>
-              <a:t> one!</a:t>
-            </a:r>
-          </a:p>
-          <a:p>
-            <a:endParaRPr lang="en-US" baseline="0" dirty="0" smtClean="0"/>
-          </a:p>
-          <a:p>
-            <a:r>
-              <a:rPr lang="en-US" baseline="0" dirty="0" smtClean="0"/>
-              <a:t>Alex </a:t>
-            </a:r>
-            <a:r>
-              <a:rPr lang="en-US" baseline="0" dirty="0" err="1" smtClean="0"/>
-              <a:t>Plaskett</a:t>
-            </a:r>
-            <a:r>
-              <a:rPr lang="en-US" baseline="0" dirty="0" smtClean="0"/>
-              <a:t> and I are security researchers for MWR in the UK and today we’ll be sharing our findings from looking at the QNX operating system.</a:t>
-            </a:r>
-            <a:endParaRPr lang="en-US" dirty="0" smtClean="0"/>
-          </a:p>
-          <a:p>
+              <a:t> and I are security consultants for MWR in the UK and today we’ll be sharing an overview of how Microsoft Office macros can be used in different ways as part of an APT.</a:t>
+            </a:r>
             <a:endParaRPr lang="en-US" dirty="0"/>
           </a:p>
         </p:txBody>
@@ -692,7 +677,6 @@
               <a:rPr lang="en-GB" baseline="0" dirty="0" smtClean="0"/>
               <a:t>, Cobalt Strike and PowerShell Empire. Some of these will be blocked by EMET.</a:t>
             </a:r>
-            <a:endParaRPr lang="en-GB" baseline="0" dirty="0" smtClean="0"/>
           </a:p>
         </p:txBody>
       </p:sp>
@@ -804,7 +788,6 @@
               <a:rPr lang="en-GB" baseline="0" dirty="0" smtClean="0"/>
               <a:t> outputs a payload that makes use of VBA code to inject shell code into itself. For example, if the payload was opened in Microsoft Word, it would run in WINWORD.exe. This payload would fail if EMET is enabled on Word.</a:t>
             </a:r>
-            <a:endParaRPr lang="en-GB" baseline="0" dirty="0" smtClean="0"/>
           </a:p>
         </p:txBody>
       </p:sp>
@@ -904,8 +887,38 @@
             </a:r>
             <a:r>
               <a:rPr lang="en-GB" baseline="0" dirty="0" smtClean="0"/>
-              <a:t>, the macro payload generated will spawn Rundll32.exe in it’s 32 bit format regardless of the system architecture it is ran on and inject shell code into it. This payload would fail if Rundll32.exe is blocked or EMET is protecting Rundll32.exe.</a:t>
-            </a:r>
+              <a:t>, the macro payload generated will spawn Rundll32.exe in it’s 32 bit format regardless of the system architecture it is ran on and inject shell code into it. This payload would fail if Rundll32.exe is blocked or EMET is protecting Rundll32.exe</a:t>
+            </a:r>
+            <a:r>
+              <a:rPr lang="en-GB" baseline="0" dirty="0" smtClean="0"/>
+              <a:t>.</a:t>
+            </a:r>
+          </a:p>
+          <a:p>
+            <a:endParaRPr lang="en-GB" baseline="0" dirty="0" smtClean="0"/>
+          </a:p>
+          <a:p>
+            <a:r>
+              <a:rPr lang="en-GB" baseline="0" dirty="0" smtClean="0"/>
+              <a:t>Suggestion in general to stop all the </a:t>
+            </a:r>
+            <a:r>
+              <a:rPr lang="en-GB" baseline="0" dirty="0" err="1" smtClean="0"/>
+              <a:t>CobaltStrike</a:t>
+            </a:r>
+            <a:r>
+              <a:rPr lang="en-GB" baseline="0" dirty="0" smtClean="0"/>
+              <a:t> copy and </a:t>
+            </a:r>
+            <a:r>
+              <a:rPr lang="en-GB" baseline="0" dirty="0" err="1" smtClean="0"/>
+              <a:t>pasters</a:t>
+            </a:r>
+            <a:r>
+              <a:rPr lang="en-GB" baseline="0" dirty="0" smtClean="0"/>
+              <a:t>. EMET Protect Rundll32.exe.</a:t>
+            </a:r>
+            <a:endParaRPr lang="en-GB" baseline="0" dirty="0" smtClean="0"/>
           </a:p>
           <a:p>
             <a:endParaRPr lang="en-GB" baseline="0" dirty="0" smtClean="0"/>
@@ -919,7 +932,6 @@
               <a:rPr lang="en-GB" baseline="0" dirty="0" smtClean="0"/>
               <a:t>The Empire payload will make use of the popular download cradle to connect to your server and pull the second stage of the payload. This payload however, runs in pure PowerShell and does not need to inject shell code. This payload fails when PowerShell.exe is blocked.</a:t>
             </a:r>
-            <a:endParaRPr lang="en-GB" baseline="0" dirty="0" smtClean="0"/>
           </a:p>
         </p:txBody>
       </p:sp>
@@ -1027,7 +1039,6 @@
               <a:rPr lang="en-GB" baseline="0" dirty="0" smtClean="0"/>
               <a:t>, Cobalt Strike or Empire for capturing call backs.</a:t>
             </a:r>
-            <a:endParaRPr lang="en-GB" baseline="0" dirty="0" smtClean="0"/>
           </a:p>
         </p:txBody>
       </p:sp>
@@ -1212,7 +1223,6 @@
               <a:rPr lang="en-GB" baseline="0" dirty="0" smtClean="0"/>
               <a:t>I will write this later.</a:t>
             </a:r>
-            <a:endParaRPr lang="en-GB" baseline="0" dirty="0" smtClean="0"/>
           </a:p>
         </p:txBody>
       </p:sp>
@@ -1521,7 +1531,7 @@
               <a:pPr lvl="0">
                 <a:defRPr sz="3200"/>
               </a:pPr>
-              <a:endParaRPr sz="3200"/>
+              <a:endParaRPr sz="3200" dirty="0"/>
             </a:p>
           </p:txBody>
         </p:sp>
@@ -1558,7 +1568,7 @@
               <a:pPr lvl="0">
                 <a:defRPr sz="3200"/>
               </a:pPr>
-              <a:endParaRPr sz="3200"/>
+              <a:endParaRPr sz="3200" dirty="0"/>
             </a:p>
           </p:txBody>
         </p:sp>
@@ -1591,7 +1601,7 @@
             <a:pPr lvl="0">
               <a:defRPr sz="3200"/>
             </a:pPr>
-            <a:endParaRPr sz="3200"/>
+            <a:endParaRPr sz="3200" dirty="0"/>
           </a:p>
         </p:txBody>
       </p:sp>
@@ -2059,7 +2069,7 @@
               <a:pPr lvl="0">
                 <a:defRPr sz="3200"/>
               </a:pPr>
-              <a:endParaRPr sz="3200"/>
+              <a:endParaRPr sz="3200" dirty="0"/>
             </a:p>
           </p:txBody>
         </p:sp>
@@ -2096,7 +2106,7 @@
               <a:pPr lvl="0">
                 <a:defRPr sz="3200"/>
               </a:pPr>
-              <a:endParaRPr sz="3200"/>
+              <a:endParaRPr sz="3200" dirty="0"/>
             </a:p>
           </p:txBody>
         </p:sp>
@@ -2129,7 +2139,7 @@
             <a:pPr lvl="0">
               <a:defRPr sz="3200"/>
             </a:pPr>
-            <a:endParaRPr sz="3200"/>
+            <a:endParaRPr sz="3200" dirty="0"/>
           </a:p>
         </p:txBody>
       </p:sp>
@@ -2490,7 +2500,7 @@
               <a:pPr lvl="0">
                 <a:defRPr sz="3200"/>
               </a:pPr>
-              <a:endParaRPr sz="3200"/>
+              <a:endParaRPr sz="3200" dirty="0"/>
             </a:p>
           </p:txBody>
         </p:sp>
@@ -2527,7 +2537,7 @@
               <a:pPr lvl="0">
                 <a:defRPr sz="3200"/>
               </a:pPr>
-              <a:endParaRPr sz="3200"/>
+              <a:endParaRPr sz="3200" dirty="0"/>
             </a:p>
           </p:txBody>
         </p:sp>
@@ -2560,7 +2570,7 @@
             <a:pPr lvl="0">
               <a:defRPr sz="3200"/>
             </a:pPr>
-            <a:endParaRPr sz="3200"/>
+            <a:endParaRPr sz="3200" dirty="0"/>
           </a:p>
         </p:txBody>
       </p:sp>
@@ -2906,7 +2916,7 @@
               <a:pPr/>
               <a:t>‹#›</a:t>
             </a:fld>
-            <a:endParaRPr lang="en-GB"/>
+            <a:endParaRPr lang="en-GB" dirty="0"/>
           </a:p>
         </p:txBody>
       </p:sp>
@@ -2957,7 +2967,7 @@
               <a:pPr lvl="0">
                 <a:defRPr sz="3200"/>
               </a:pPr>
-              <a:endParaRPr sz="3200"/>
+              <a:endParaRPr sz="3200" dirty="0"/>
             </a:p>
           </p:txBody>
         </p:sp>
@@ -2994,7 +3004,7 @@
               <a:pPr lvl="0">
                 <a:defRPr sz="3200"/>
               </a:pPr>
-              <a:endParaRPr sz="3200"/>
+              <a:endParaRPr sz="3200" dirty="0"/>
             </a:p>
           </p:txBody>
         </p:sp>
@@ -3027,7 +3037,7 @@
             <a:pPr lvl="0">
               <a:defRPr sz="3200"/>
             </a:pPr>
-            <a:endParaRPr sz="3200"/>
+            <a:endParaRPr sz="3200" dirty="0"/>
           </a:p>
         </p:txBody>
       </p:sp>
@@ -3691,7 +3701,7 @@
               <a:pPr lvl="0">
                 <a:defRPr sz="3200"/>
               </a:pPr>
-              <a:endParaRPr sz="3200"/>
+              <a:endParaRPr sz="3200" dirty="0"/>
             </a:p>
           </p:txBody>
         </p:sp>
@@ -3728,7 +3738,7 @@
               <a:pPr lvl="0">
                 <a:defRPr sz="3200"/>
               </a:pPr>
-              <a:endParaRPr sz="3200"/>
+              <a:endParaRPr sz="3200" dirty="0"/>
             </a:p>
           </p:txBody>
         </p:sp>
@@ -3761,7 +3771,7 @@
             <a:pPr lvl="0">
               <a:defRPr sz="3200"/>
             </a:pPr>
-            <a:endParaRPr sz="3200"/>
+            <a:endParaRPr sz="3200" dirty="0"/>
           </a:p>
         </p:txBody>
       </p:sp>
@@ -3942,7 +3952,7 @@
             <a:fld id="{86CB4B4D-7CA3-9044-876B-883B54F8677D}" type="slidenum">
               <a:t>‹#›</a:t>
             </a:fld>
-            <a:endParaRPr/>
+            <a:endParaRPr dirty="0"/>
           </a:p>
         </p:txBody>
       </p:sp>
@@ -4202,7 +4212,7 @@
               <a:pPr lvl="0">
                 <a:defRPr sz="3200"/>
               </a:pPr>
-              <a:endParaRPr sz="3200"/>
+              <a:endParaRPr sz="3200" dirty="0"/>
             </a:p>
           </p:txBody>
         </p:sp>
@@ -4239,7 +4249,7 @@
               <a:pPr lvl="0">
                 <a:defRPr sz="3200"/>
               </a:pPr>
-              <a:endParaRPr sz="3200"/>
+              <a:endParaRPr sz="3200" dirty="0"/>
             </a:p>
           </p:txBody>
         </p:sp>
@@ -4272,7 +4282,7 @@
             <a:pPr lvl="0">
               <a:defRPr sz="3200"/>
             </a:pPr>
-            <a:endParaRPr sz="3200"/>
+            <a:endParaRPr sz="3200" dirty="0"/>
           </a:p>
         </p:txBody>
       </p:sp>
@@ -4453,7 +4463,7 @@
             <a:fld id="{86CB4B4D-7CA3-9044-876B-883B54F8677D}" type="slidenum">
               <a:t>‹#›</a:t>
             </a:fld>
-            <a:endParaRPr/>
+            <a:endParaRPr dirty="0"/>
           </a:p>
         </p:txBody>
       </p:sp>
@@ -4617,7 +4627,7 @@
               <a:pPr lvl="0">
                 <a:defRPr sz="3200"/>
               </a:pPr>
-              <a:endParaRPr sz="3200"/>
+              <a:endParaRPr sz="3200" dirty="0"/>
             </a:p>
           </p:txBody>
         </p:sp>
@@ -4654,7 +4664,7 @@
               <a:pPr lvl="0">
                 <a:defRPr sz="3200"/>
               </a:pPr>
-              <a:endParaRPr sz="3200"/>
+              <a:endParaRPr sz="3200" dirty="0"/>
             </a:p>
           </p:txBody>
         </p:sp>
@@ -4687,7 +4697,7 @@
             <a:pPr lvl="0">
               <a:defRPr sz="3200"/>
             </a:pPr>
-            <a:endParaRPr sz="3200"/>
+            <a:endParaRPr sz="3200" dirty="0"/>
           </a:p>
         </p:txBody>
       </p:sp>
@@ -5368,7 +5378,6 @@
               <a:rPr lang="en-GB" dirty="0"/>
               <a:t>One Template To Rule Them All</a:t>
             </a:r>
-            <a:endParaRPr lang="en-GB" dirty="0"/>
           </a:p>
         </p:txBody>
       </p:sp>
@@ -5432,11 +5441,11 @@
             </a:pPr>
             <a:r>
               <a:rPr lang="en-GB" dirty="0" smtClean="0"/>
-              <a:t>22</a:t>
+              <a:t>29</a:t>
             </a:r>
             <a:r>
               <a:rPr lang="en-GB" baseline="30000" dirty="0" smtClean="0"/>
-              <a:t>nd</a:t>
+              <a:t>th</a:t>
             </a:r>
             <a:r>
               <a:rPr lang="en-GB" dirty="0" smtClean="0"/>
@@ -6617,10 +6626,8 @@
                 </a:solidFill>
                 <a:latin typeface="+mj-lt"/>
               </a:rPr>
-              <a:t>Inject into Rundll32 (32 Bit)</a:t>
-            </a:r>
-          </a:p>
-          <a:p>
+              <a:t>Inject into Rundll32 (32 Bit</a:t>
+            </a:r>
             <a:r>
               <a:rPr lang="en-GB" sz="6000" dirty="0" smtClean="0">
                 <a:solidFill>
@@ -6628,7 +6635,35 @@
                 </a:solidFill>
                 <a:latin typeface="+mj-lt"/>
               </a:rPr>
-              <a:t>PowerShell Native</a:t>
+              <a:t>)</a:t>
+            </a:r>
+          </a:p>
+          <a:p>
+            <a:r>
+              <a:rPr lang="en-GB" sz="6000" dirty="0" smtClean="0">
+                <a:solidFill>
+                  <a:schemeClr val="bg1"/>
+                </a:solidFill>
+                <a:latin typeface="+mj-lt"/>
+              </a:rPr>
+              <a:t>EMET Protect Rundll32.exe</a:t>
+            </a:r>
+            <a:endParaRPr lang="en-GB" sz="6000" dirty="0" smtClean="0">
+              <a:solidFill>
+                <a:schemeClr val="bg1"/>
+              </a:solidFill>
+              <a:latin typeface="+mj-lt"/>
+            </a:endParaRPr>
+          </a:p>
+          <a:p>
+            <a:r>
+              <a:rPr lang="en-GB" sz="6000" dirty="0" smtClean="0">
+                <a:solidFill>
+                  <a:schemeClr val="bg1"/>
+                </a:solidFill>
+                <a:latin typeface="+mj-lt"/>
+              </a:rPr>
+              <a:t>Native PowerShell</a:t>
             </a:r>
             <a:endParaRPr lang="en-GB" sz="6000" dirty="0">
               <a:solidFill>
@@ -6662,15 +6697,7 @@
                   <a:schemeClr val="bg2"/>
                 </a:solidFill>
               </a:rPr>
-              <a:t>Current Macro Payloads (Cobalt Strike / Empire</a:t>
-            </a:r>
-            <a:r>
-              <a:rPr lang="en-GB" sz="3600" dirty="0" smtClean="0">
-                <a:solidFill>
-                  <a:schemeClr val="bg2"/>
-                </a:solidFill>
-              </a:rPr>
-              <a:t>)</a:t>
+              <a:t>Current Macro Payloads (Cobalt Strike / Empire)</a:t>
             </a:r>
             <a:endParaRPr lang="en-GB" sz="3600" dirty="0">
               <a:solidFill>
@@ -6680,6 +6707,77 @@
           </a:p>
         </p:txBody>
       </p:sp>
+      <p:pic>
+        <p:nvPicPr>
+          <p:cNvPr id="2" name="Picture 1"/>
+          <p:cNvPicPr>
+            <a:picLocks noChangeAspect="1"/>
+          </p:cNvPicPr>
+          <p:nvPr/>
+        </p:nvPicPr>
+        <p:blipFill>
+          <a:blip r:embed="rId3">
+            <a:extLst>
+              <a:ext uri="{28A0092B-C50C-407E-A947-70E740481C1C}">
+                <a14:useLocalDpi xmlns:a14="http://schemas.microsoft.com/office/drawing/2010/main" val="0"/>
+              </a:ext>
+            </a:extLst>
+          </a:blip>
+          <a:stretch>
+            <a:fillRect/>
+          </a:stretch>
+        </p:blipFill>
+        <p:spPr>
+          <a:xfrm>
+            <a:off x="14551862" y="6348277"/>
+            <a:ext cx="8976380" cy="5909160"/>
+          </a:xfrm>
+          <a:prstGeom prst="rect">
+            <a:avLst/>
+          </a:prstGeom>
+        </p:spPr>
+      </p:pic>
+      <p:pic>
+        <p:nvPicPr>
+          <p:cNvPr id="1026" name="Picture 2" descr="http://4.bp.blogspot.com/-dDoWUcaMEf0/VLvMv4JbhHI/AAAAAAAAAXI/CD6rMFxVulc/s1600/script%2Bkiddies.jpg"/>
+          <p:cNvPicPr>
+            <a:picLocks noChangeAspect="1" noChangeArrowheads="1"/>
+          </p:cNvPicPr>
+          <p:nvPr/>
+        </p:nvPicPr>
+        <p:blipFill>
+          <a:blip r:embed="rId4">
+            <a:extLst>
+              <a:ext uri="{28A0092B-C50C-407E-A947-70E740481C1C}">
+                <a14:useLocalDpi xmlns:a14="http://schemas.microsoft.com/office/drawing/2010/main" val="0"/>
+              </a:ext>
+            </a:extLst>
+          </a:blip>
+          <a:srcRect/>
+          <a:stretch>
+            <a:fillRect/>
+          </a:stretch>
+        </p:blipFill>
+        <p:spPr bwMode="auto">
+          <a:xfrm>
+            <a:off x="16681154" y="4663519"/>
+            <a:ext cx="5503819" cy="8270766"/>
+          </a:xfrm>
+          <a:prstGeom prst="rect">
+            <a:avLst/>
+          </a:prstGeom>
+          <a:noFill/>
+          <a:extLst>
+            <a:ext uri="{909E8E84-426E-40DD-AFC4-6F175D3DCCD1}">
+              <a14:hiddenFill xmlns:a14="http://schemas.microsoft.com/office/drawing/2010/main">
+                <a:solidFill>
+                  <a:srgbClr val="FFFFFF"/>
+                </a:solidFill>
+              </a14:hiddenFill>
+            </a:ext>
+          </a:extLst>
+        </p:spPr>
+      </p:pic>
     </p:spTree>
     <p:extLst>
       <p:ext uri="{BB962C8B-B14F-4D97-AF65-F5344CB8AC3E}">
@@ -6715,7 +6813,7 @@
                             </p:stCondLst>
                             <p:childTnLst>
                               <p:par>
-                                <p:cTn id="5" presetID="9" presetClass="emph" presetSubtype="0" nodeType="withEffect">
+                                <p:cTn id="5" presetID="9" presetClass="emph" presetSubtype="0" grpId="0" nodeType="withEffect">
                                   <p:stCondLst>
                                     <p:cond delay="0"/>
                                   </p:stCondLst>
@@ -6754,7 +6852,7 @@
                                 </p:cTn>
                               </p:par>
                               <p:par>
-                                <p:cTn id="8" presetID="9" presetClass="emph" presetSubtype="0" nodeType="withEffect">
+                                <p:cTn id="8" presetID="9" presetClass="emph" presetSubtype="0" grpId="0" nodeType="withEffect">
                                   <p:stCondLst>
                                     <p:cond delay="0"/>
                                   </p:stCondLst>
@@ -6792,6 +6890,76 @@
                                   </p:childTnLst>
                                 </p:cTn>
                               </p:par>
+                              <p:par>
+                                <p:cTn id="11" presetID="9" presetClass="emph" presetSubtype="0" grpId="0" nodeType="withEffect">
+                                  <p:stCondLst>
+                                    <p:cond delay="0"/>
+                                  </p:stCondLst>
+                                  <p:childTnLst>
+                                    <p:set>
+                                      <p:cBhvr rctx="PPT">
+                                        <p:cTn id="12" dur="indefinite"/>
+                                        <p:tgtEl>
+                                          <p:spTgt spid="6">
+                                            <p:txEl>
+                                              <p:pRg st="2" end="2"/>
+                                            </p:txEl>
+                                          </p:spTgt>
+                                        </p:tgtEl>
+                                        <p:attrNameLst>
+                                          <p:attrName>style.opacity</p:attrName>
+                                        </p:attrNameLst>
+                                      </p:cBhvr>
+                                      <p:to>
+                                        <p:strVal val="0.25"/>
+                                      </p:to>
+                                    </p:set>
+                                    <p:animEffect filter="image" prLst="opacity: 0.25">
+                                      <p:cBhvr rctx="IE">
+                                        <p:cTn id="13" dur="indefinite"/>
+                                        <p:tgtEl>
+                                          <p:spTgt spid="6">
+                                            <p:txEl>
+                                              <p:pRg st="2" end="2"/>
+                                            </p:txEl>
+                                          </p:spTgt>
+                                        </p:tgtEl>
+                                      </p:cBhvr>
+                                    </p:animEffect>
+                                  </p:childTnLst>
+                                </p:cTn>
+                              </p:par>
+                              <p:par>
+                                <p:cTn id="14" presetID="9" presetClass="emph" presetSubtype="0" nodeType="withEffect">
+                                  <p:stCondLst>
+                                    <p:cond delay="0"/>
+                                  </p:stCondLst>
+                                  <p:childTnLst>
+                                    <p:set>
+                                      <p:cBhvr rctx="PPT">
+                                        <p:cTn id="15" dur="indefinite"/>
+                                        <p:tgtEl>
+                                          <p:spTgt spid="2"/>
+                                        </p:tgtEl>
+                                        <p:attrNameLst>
+                                          <p:attrName>style.opacity</p:attrName>
+                                        </p:attrNameLst>
+                                      </p:cBhvr>
+                                      <p:to>
+                                        <p:strVal val="0.25"/>
+                                      </p:to>
+                                    </p:set>
+                                    <p:animEffect filter="image" prLst="opacity: 0.25">
+                                      <p:cBhvr rctx="IE">
+                                        <p:cTn id="16" dur="indefinite"/>
+                                        <p:tgtEl>
+                                          <p:spTgt spid="2"/>
+                                        </p:tgtEl>
+                                      </p:cBhvr>
+                                    </p:animEffect>
+                                  </p:childTnLst>
+                                </p:cTn>
+                              </p:par>
                             </p:childTnLst>
                           </p:cTn>
                         </p:par>
@@ -6799,26 +6967,26 @@
                     </p:cTn>
                   </p:par>
                   <p:par>
-                    <p:cTn id="11" fill="hold">
+                    <p:cTn id="17" fill="hold">
                       <p:stCondLst>
                         <p:cond delay="indefinite"/>
                       </p:stCondLst>
                       <p:childTnLst>
                         <p:par>
-                          <p:cTn id="12" fill="hold">
+                          <p:cTn id="18" fill="hold">
                             <p:stCondLst>
                               <p:cond delay="0"/>
                             </p:stCondLst>
                             <p:childTnLst>
                               <p:par>
-                                <p:cTn id="13" presetID="9" presetClass="emph" presetSubtype="0" nodeType="clickEffect">
+                                <p:cTn id="19" presetID="9" presetClass="emph" presetSubtype="0" nodeType="clickEffect">
                                   <p:stCondLst>
                                     <p:cond delay="0"/>
                                   </p:stCondLst>
                                   <p:childTnLst>
                                     <p:set>
                                       <p:cBhvr rctx="PPT">
-                                        <p:cTn id="14" dur="indefinite"/>
+                                        <p:cTn id="20" dur="indefinite"/>
                                         <p:tgtEl>
                                           <p:spTgt spid="6">
                                             <p:txEl>
@@ -6836,7 +7004,7 @@
                                     </p:set>
                                     <p:animEffect filter="image" prLst="opacity: 0.25">
                                       <p:cBhvr rctx="IE">
-                                        <p:cTn id="15" dur="indefinite"/>
+                                        <p:cTn id="21" dur="indefinite"/>
                                         <p:tgtEl>
                                           <p:spTgt spid="6">
                                             <p:txEl>
@@ -6850,14 +7018,14 @@
                                 </p:cTn>
                               </p:par>
                               <p:par>
-                                <p:cTn id="16" presetID="9" presetClass="emph" presetSubtype="0" nodeType="withEffect">
+                                <p:cTn id="22" presetID="9" presetClass="emph" presetSubtype="0" nodeType="withEffect">
                                   <p:stCondLst>
                                     <p:cond delay="0"/>
                                   </p:stCondLst>
                                   <p:childTnLst>
                                     <p:set>
                                       <p:cBhvr rctx="PPT">
-                                        <p:cTn id="17" dur="indefinite"/>
+                                        <p:cTn id="23" dur="indefinite"/>
                                         <p:tgtEl>
                                           <p:spTgt spid="6">
                                             <p:txEl>
@@ -6875,7 +7043,7 @@
                                     </p:set>
                                     <p:animEffect filter="image" prLst="opacity: 1">
                                       <p:cBhvr rctx="IE">
-                                        <p:cTn id="18" dur="indefinite"/>
+                                        <p:cTn id="24" dur="indefinite"/>
                                         <p:tgtEl>
                                           <p:spTgt spid="6">
                                             <p:txEl>
@@ -6885,6 +7053,282 @@
                                         </p:tgtEl>
                                       </p:cBhvr>
                                     </p:animEffect>
+                                  </p:childTnLst>
+                                </p:cTn>
+                              </p:par>
+                              <p:par>
+                                <p:cTn id="25" presetID="9" presetClass="emph" presetSubtype="0" nodeType="withEffect">
+                                  <p:stCondLst>
+                                    <p:cond delay="0"/>
+                                  </p:stCondLst>
+                                  <p:childTnLst>
+                                    <p:set>
+                                      <p:cBhvr rctx="PPT">
+                                        <p:cTn id="26" dur="indefinite"/>
+                                        <p:tgtEl>
+                                          <p:spTgt spid="2"/>
+                                        </p:tgtEl>
+                                        <p:attrNameLst>
+                                          <p:attrName>style.opacity</p:attrName>
+                                        </p:attrNameLst>
+                                      </p:cBhvr>
+                                      <p:to>
+                                        <p:strVal val="1"/>
+                                      </p:to>
+                                    </p:set>
+                                    <p:animEffect filter="image" prLst="opacity: 1">
+                                      <p:cBhvr rctx="IE">
+                                        <p:cTn id="27" dur="indefinite"/>
+                                        <p:tgtEl>
+                                          <p:spTgt spid="2"/>
+                                        </p:tgtEl>
+                                      </p:cBhvr>
+                                    </p:animEffect>
+                                  </p:childTnLst>
+                                </p:cTn>
+                              </p:par>
+                            </p:childTnLst>
+                          </p:cTn>
+                        </p:par>
+                      </p:childTnLst>
+                    </p:cTn>
+                  </p:par>
+                  <p:par>
+                    <p:cTn id="28" fill="hold">
+                      <p:stCondLst>
+                        <p:cond delay="indefinite"/>
+                      </p:stCondLst>
+                      <p:childTnLst>
+                        <p:par>
+                          <p:cTn id="29" fill="hold">
+                            <p:stCondLst>
+                              <p:cond delay="0"/>
+                            </p:stCondLst>
+                            <p:childTnLst>
+                              <p:par>
+                                <p:cTn id="30" presetID="2" presetClass="entr" presetSubtype="4" fill="hold" nodeType="clickEffect">
+                                  <p:stCondLst>
+                                    <p:cond delay="0"/>
+                                  </p:stCondLst>
+                                  <p:childTnLst>
+                                    <p:set>
+                                      <p:cBhvr>
+                                        <p:cTn id="31" dur="1" fill="hold">
+                                          <p:stCondLst>
+                                            <p:cond delay="0"/>
+                                          </p:stCondLst>
+                                        </p:cTn>
+                                        <p:tgtEl>
+                                          <p:spTgt spid="1026"/>
+                                        </p:tgtEl>
+                                        <p:attrNameLst>
+                                          <p:attrName>style.visibility</p:attrName>
+                                        </p:attrNameLst>
+                                      </p:cBhvr>
+                                      <p:to>
+                                        <p:strVal val="visible"/>
+                                      </p:to>
+                                    </p:set>
+                                    <p:anim calcmode="lin" valueType="num">
+                                      <p:cBhvr additive="base">
+                                        <p:cTn id="32" dur="500" fill="hold"/>
+                                        <p:tgtEl>
+                                          <p:spTgt spid="1026"/>
+                                        </p:tgtEl>
+                                        <p:attrNameLst>
+                                          <p:attrName>ppt_x</p:attrName>
+                                        </p:attrNameLst>
+                                      </p:cBhvr>
+                                      <p:tavLst>
+                                        <p:tav tm="0">
+                                          <p:val>
+                                            <p:strVal val="#ppt_x"/>
+                                          </p:val>
+                                        </p:tav>
+                                        <p:tav tm="100000">
+                                          <p:val>
+                                            <p:strVal val="#ppt_x"/>
+                                          </p:val>
+                                        </p:tav>
+                                      </p:tavLst>
+                                    </p:anim>
+                                    <p:anim calcmode="lin" valueType="num">
+                                      <p:cBhvr additive="base">
+                                        <p:cTn id="33" dur="500" fill="hold"/>
+                                        <p:tgtEl>
+                                          <p:spTgt spid="1026"/>
+                                        </p:tgtEl>
+                                        <p:attrNameLst>
+                                          <p:attrName>ppt_y</p:attrName>
+                                        </p:attrNameLst>
+                                      </p:cBhvr>
+                                      <p:tavLst>
+                                        <p:tav tm="0">
+                                          <p:val>
+                                            <p:strVal val="1+#ppt_h/2"/>
+                                          </p:val>
+                                        </p:tav>
+                                        <p:tav tm="100000">
+                                          <p:val>
+                                            <p:strVal val="#ppt_y"/>
+                                          </p:val>
+                                        </p:tav>
+                                      </p:tavLst>
+                                    </p:anim>
+                                  </p:childTnLst>
+                                </p:cTn>
+                              </p:par>
+                            </p:childTnLst>
+                          </p:cTn>
+                        </p:par>
+                      </p:childTnLst>
+                    </p:cTn>
+                  </p:par>
+                  <p:par>
+                    <p:cTn id="34" fill="hold">
+                      <p:stCondLst>
+                        <p:cond delay="indefinite"/>
+                      </p:stCondLst>
+                      <p:childTnLst>
+                        <p:par>
+                          <p:cTn id="35" fill="hold">
+                            <p:stCondLst>
+                              <p:cond delay="0"/>
+                            </p:stCondLst>
+                            <p:childTnLst>
+                              <p:par>
+                                <p:cTn id="36" presetID="9" presetClass="emph" presetSubtype="0" nodeType="clickEffect">
+                                  <p:stCondLst>
+                                    <p:cond delay="0"/>
+                                  </p:stCondLst>
+                                  <p:childTnLst>
+                                    <p:set>
+                                      <p:cBhvr rctx="PPT">
+                                        <p:cTn id="37" dur="indefinite"/>
+                                        <p:tgtEl>
+                                          <p:spTgt spid="6">
+                                            <p:txEl>
+                                              <p:pRg st="1" end="1"/>
+                                            </p:txEl>
+                                          </p:spTgt>
+                                        </p:tgtEl>
+                                        <p:attrNameLst>
+                                          <p:attrName>style.opacity</p:attrName>
+                                        </p:attrNameLst>
+                                      </p:cBhvr>
+                                      <p:to>
+                                        <p:strVal val="0.25"/>
+                                      </p:to>
+                                    </p:set>
+                                    <p:animEffect filter="image" prLst="opacity: 0.25">
+                                      <p:cBhvr rctx="IE">
+                                        <p:cTn id="38" dur="indefinite"/>
+                                        <p:tgtEl>
+                                          <p:spTgt spid="6">
+                                            <p:txEl>
+                                              <p:pRg st="1" end="1"/>
+                                            </p:txEl>
+                                          </p:spTgt>
+                                        </p:tgtEl>
+                                      </p:cBhvr>
+                                    </p:animEffect>
+                                  </p:childTnLst>
+                                </p:cTn>
+                              </p:par>
+                              <p:par>
+                                <p:cTn id="39" presetID="9" presetClass="emph" presetSubtype="0" nodeType="withEffect">
+                                  <p:stCondLst>
+                                    <p:cond delay="0"/>
+                                  </p:stCondLst>
+                                  <p:childTnLst>
+                                    <p:set>
+                                      <p:cBhvr rctx="PPT">
+                                        <p:cTn id="40" dur="indefinite"/>
+                                        <p:tgtEl>
+                                          <p:spTgt spid="6">
+                                            <p:txEl>
+                                              <p:pRg st="2" end="2"/>
+                                            </p:txEl>
+                                          </p:spTgt>
+                                        </p:tgtEl>
+                                        <p:attrNameLst>
+                                          <p:attrName>style.opacity</p:attrName>
+                                        </p:attrNameLst>
+                                      </p:cBhvr>
+                                      <p:to>
+                                        <p:strVal val="1"/>
+                                      </p:to>
+                                    </p:set>
+                                    <p:animEffect filter="image" prLst="opacity: 1">
+                                      <p:cBhvr rctx="IE">
+                                        <p:cTn id="41" dur="indefinite"/>
+                                        <p:tgtEl>
+                                          <p:spTgt spid="6">
+                                            <p:txEl>
+                                              <p:pRg st="2" end="2"/>
+                                            </p:txEl>
+                                          </p:spTgt>
+                                        </p:tgtEl>
+                                      </p:cBhvr>
+                                    </p:animEffect>
+                                  </p:childTnLst>
+                                </p:cTn>
+                              </p:par>
+                              <p:par>
+                                <p:cTn id="42" presetID="9" presetClass="emph" presetSubtype="0" nodeType="withEffect">
+                                  <p:stCondLst>
+                                    <p:cond delay="0"/>
+                                  </p:stCondLst>
+                                  <p:childTnLst>
+                                    <p:set>
+                                      <p:cBhvr rctx="PPT">
+                                        <p:cTn id="43" dur="indefinite"/>
+                                        <p:tgtEl>
+                                          <p:spTgt spid="2"/>
+                                        </p:tgtEl>
+                                        <p:attrNameLst>
+                                          <p:attrName>style.opacity</p:attrName>
+                                        </p:attrNameLst>
+                                      </p:cBhvr>
+                                      <p:to>
+                                        <p:strVal val="0.25"/>
+                                      </p:to>
+                                    </p:set>
+                                    <p:animEffect filter="image" prLst="opacity: 0.25">
+                                      <p:cBhvr rctx="IE">
+                                        <p:cTn id="44" dur="indefinite"/>
+                                        <p:tgtEl>
+                                          <p:spTgt spid="2"/>
+                                        </p:tgtEl>
+                                      </p:cBhvr>
+                                    </p:animEffect>
+                                  </p:childTnLst>
+                                </p:cTn>
+                              </p:par>
+                              <p:par>
+                                <p:cTn id="45" presetID="1" presetClass="exit" presetSubtype="0" fill="hold" nodeType="withEffect">
+                                  <p:stCondLst>
+                                    <p:cond delay="0"/>
+                                  </p:stCondLst>
+                                  <p:childTnLst>
+                                    <p:set>
+                                      <p:cBhvr>
+                                        <p:cTn id="46" dur="1" fill="hold">
+                                          <p:stCondLst>
+                                            <p:cond delay="0"/>
+                                          </p:stCondLst>
+                                        </p:cTn>
+                                        <p:tgtEl>
+                                          <p:spTgt spid="1026"/>
+                                        </p:tgtEl>
+                                        <p:attrNameLst>
+                                          <p:attrName>style.visibility</p:attrName>
+                                        </p:attrNameLst>
+                                      </p:cBhvr>
+                                      <p:to>
+                                        <p:strVal val="hidden"/>
+                                      </p:to>
+                                    </p:set>
                                   </p:childTnLst>
                                 </p:cTn>
                               </p:par>
@@ -6915,6 +7359,9 @@
         </p:cTn>
       </p:par>
     </p:tnLst>
+    <p:bldLst>
+      <p:bldP spid="6" grpId="0" build="p"/>
+    </p:bldLst>
   </p:timing>
 </p:sld>
 </file>
@@ -7856,8 +8303,14 @@
                 </a:solidFill>
                 <a:latin typeface="+mj-lt"/>
               </a:rPr>
-              <a:t>Native VBA Injection</a:t>
-            </a:r>
+              <a:t>Injection via Native VBA</a:t>
+            </a:r>
+            <a:endParaRPr lang="en-GB" sz="6000" dirty="0" smtClean="0">
+              <a:solidFill>
+                <a:schemeClr val="bg1"/>
+              </a:solidFill>
+              <a:latin typeface="+mj-lt"/>
+            </a:endParaRPr>
           </a:p>
           <a:p>
             <a:endParaRPr lang="en-GB" sz="6000" dirty="0">
@@ -8453,6 +8906,14 @@
           <a:lstStyle/>
           <a:p>
             <a:r>
+              <a:rPr lang="en-GB" dirty="0" smtClean="0">
+                <a:solidFill>
+                  <a:schemeClr val="bg1"/>
+                </a:solidFill>
+              </a:rPr>
+              <a:t>Anti-</a:t>
+            </a:r>
+            <a:r>
               <a:rPr lang="en-GB" dirty="0" err="1" smtClean="0">
                 <a:solidFill>
                   <a:schemeClr val="bg1"/>
@@ -8817,6 +9278,14 @@
           <a:bodyPr/>
           <a:lstStyle/>
           <a:p>
+            <a:r>
+              <a:rPr lang="en-GB" dirty="0" smtClean="0">
+                <a:solidFill>
+                  <a:schemeClr val="bg1"/>
+                </a:solidFill>
+              </a:rPr>
+              <a:t>Anti-</a:t>
+            </a:r>
             <a:r>
               <a:rPr lang="en-GB" dirty="0" err="1" smtClean="0">
                 <a:solidFill>

--- a/one-template-to-rule-them-all_emet-part.pptx
+++ b/one-template-to-rule-them-all_emet-part.pptx
@@ -5,21 +5,25 @@
     <p:sldMasterId id="2147483648" r:id="rId1"/>
   </p:sldMasterIdLst>
   <p:notesMasterIdLst>
-    <p:notesMasterId r:id="rId11"/>
+    <p:notesMasterId r:id="rId15"/>
   </p:notesMasterIdLst>
   <p:handoutMasterIdLst>
-    <p:handoutMasterId r:id="rId12"/>
+    <p:handoutMasterId r:id="rId16"/>
   </p:handoutMasterIdLst>
   <p:sldIdLst>
     <p:sldId id="256" r:id="rId2"/>
     <p:sldId id="257" r:id="rId3"/>
-    <p:sldId id="322" r:id="rId4"/>
-    <p:sldId id="323" r:id="rId5"/>
-    <p:sldId id="324" r:id="rId6"/>
-    <p:sldId id="328" r:id="rId7"/>
-    <p:sldId id="326" r:id="rId8"/>
-    <p:sldId id="325" r:id="rId9"/>
-    <p:sldId id="329" r:id="rId10"/>
+    <p:sldId id="331" r:id="rId4"/>
+    <p:sldId id="330" r:id="rId5"/>
+    <p:sldId id="322" r:id="rId6"/>
+    <p:sldId id="323" r:id="rId7"/>
+    <p:sldId id="324" r:id="rId8"/>
+    <p:sldId id="332" r:id="rId9"/>
+    <p:sldId id="328" r:id="rId10"/>
+    <p:sldId id="333" r:id="rId11"/>
+    <p:sldId id="326" r:id="rId12"/>
+    <p:sldId id="325" r:id="rId13"/>
+    <p:sldId id="329" r:id="rId14"/>
   </p:sldIdLst>
   <p:sldSz cx="24384000" cy="13716000"/>
   <p:notesSz cx="6858000" cy="9144000"/>
@@ -201,7 +205,7 @@
           <a:p>
             <a:fld id="{92BA5E9F-E6B7-407C-971A-EA18535AE401}" type="datetimeFigureOut">
               <a:rPr lang="en-GB" smtClean="0"/>
-              <a:t>31/05/2016</a:t>
+              <a:t>01/06/2016</a:t>
             </a:fld>
             <a:endParaRPr lang="en-GB" dirty="0"/>
           </a:p>
@@ -556,6 +560,372 @@
 </p:notes>
 </file>
 
+<file path=ppt/notesSlides/notesSlide10.xml><?xml version="1.0" encoding="utf-8"?>
+<p:notes xmlns:a="http://schemas.openxmlformats.org/drawingml/2006/main" xmlns:r="http://schemas.openxmlformats.org/officeDocument/2006/relationships" xmlns:p="http://schemas.openxmlformats.org/presentationml/2006/main">
+  <p:cSld>
+    <p:spTree>
+      <p:nvGrpSpPr>
+        <p:cNvPr id="1" name=""/>
+        <p:cNvGrpSpPr/>
+        <p:nvPr/>
+      </p:nvGrpSpPr>
+      <p:grpSpPr>
+        <a:xfrm>
+          <a:off x="0" y="0"/>
+          <a:ext cx="0" cy="0"/>
+          <a:chOff x="0" y="0"/>
+          <a:chExt cx="0" cy="0"/>
+        </a:xfrm>
+      </p:grpSpPr>
+      <p:sp>
+        <p:nvSpPr>
+          <p:cNvPr id="2" name="Slide Image Placeholder 1"/>
+          <p:cNvSpPr>
+            <a:spLocks noGrp="1" noRot="1" noChangeAspect="1"/>
+          </p:cNvSpPr>
+          <p:nvPr>
+            <p:ph type="sldImg"/>
+          </p:nvPr>
+        </p:nvSpPr>
+        <p:spPr/>
+      </p:sp>
+      <p:sp>
+        <p:nvSpPr>
+          <p:cNvPr id="3" name="Notes Placeholder 2"/>
+          <p:cNvSpPr>
+            <a:spLocks noGrp="1"/>
+          </p:cNvSpPr>
+          <p:nvPr>
+            <p:ph type="body" idx="1"/>
+          </p:nvPr>
+        </p:nvSpPr>
+        <p:spPr/>
+        <p:txBody>
+          <a:bodyPr/>
+          <a:lstStyle/>
+          <a:p>
+            <a:r>
+              <a:rPr lang="en-GB" baseline="0" dirty="0" smtClean="0"/>
+              <a:t>&lt;WRITE DISCUSSION ABOUT WEPWNISE MACRO CODE AND WHAT IT DOES&gt;</a:t>
+            </a:r>
+            <a:endParaRPr lang="en-GB" baseline="0" dirty="0" smtClean="0"/>
+          </a:p>
+        </p:txBody>
+      </p:sp>
+    </p:spTree>
+    <p:extLst>
+      <p:ext uri="{BB962C8B-B14F-4D97-AF65-F5344CB8AC3E}">
+        <p14:creationId xmlns:p14="http://schemas.microsoft.com/office/powerpoint/2010/main" val="205860889"/>
+      </p:ext>
+    </p:extLst>
+  </p:cSld>
+  <p:clrMapOvr>
+    <a:masterClrMapping/>
+  </p:clrMapOvr>
+</p:notes>
+</file>
+
+<file path=ppt/notesSlides/notesSlide11.xml><?xml version="1.0" encoding="utf-8"?>
+<p:notes xmlns:a="http://schemas.openxmlformats.org/drawingml/2006/main" xmlns:r="http://schemas.openxmlformats.org/officeDocument/2006/relationships" xmlns:p="http://schemas.openxmlformats.org/presentationml/2006/main">
+  <p:cSld>
+    <p:spTree>
+      <p:nvGrpSpPr>
+        <p:cNvPr id="1" name=""/>
+        <p:cNvGrpSpPr/>
+        <p:nvPr/>
+      </p:nvGrpSpPr>
+      <p:grpSpPr>
+        <a:xfrm>
+          <a:off x="0" y="0"/>
+          <a:ext cx="0" cy="0"/>
+          <a:chOff x="0" y="0"/>
+          <a:chExt cx="0" cy="0"/>
+        </a:xfrm>
+      </p:grpSpPr>
+      <p:sp>
+        <p:nvSpPr>
+          <p:cNvPr id="2" name="Slide Image Placeholder 1"/>
+          <p:cNvSpPr>
+            <a:spLocks noGrp="1" noRot="1" noChangeAspect="1"/>
+          </p:cNvSpPr>
+          <p:nvPr>
+            <p:ph type="sldImg"/>
+          </p:nvPr>
+        </p:nvSpPr>
+        <p:spPr/>
+      </p:sp>
+      <p:sp>
+        <p:nvSpPr>
+          <p:cNvPr id="3" name="Notes Placeholder 2"/>
+          <p:cNvSpPr>
+            <a:spLocks noGrp="1"/>
+          </p:cNvSpPr>
+          <p:nvPr>
+            <p:ph type="body" idx="1"/>
+          </p:nvPr>
+        </p:nvSpPr>
+        <p:spPr/>
+        <p:txBody>
+          <a:bodyPr/>
+          <a:lstStyle/>
+          <a:p>
+            <a:r>
+              <a:rPr lang="en-GB" baseline="0" dirty="0" smtClean="0"/>
+              <a:t>------------------ TALK AUDIENCE THROUGH VIDEO ------------------------</a:t>
+            </a:r>
+          </a:p>
+          <a:p>
+            <a:endParaRPr lang="en-GB" baseline="0" dirty="0" smtClean="0"/>
+          </a:p>
+          <a:p>
+            <a:r>
+              <a:rPr lang="en-GB" baseline="0" dirty="0" smtClean="0"/>
+              <a:t>I will write this later.</a:t>
+            </a:r>
+          </a:p>
+        </p:txBody>
+      </p:sp>
+    </p:spTree>
+    <p:extLst>
+      <p:ext uri="{BB962C8B-B14F-4D97-AF65-F5344CB8AC3E}">
+        <p14:creationId xmlns:p14="http://schemas.microsoft.com/office/powerpoint/2010/main" val="2336706203"/>
+      </p:ext>
+    </p:extLst>
+  </p:cSld>
+  <p:clrMapOvr>
+    <a:masterClrMapping/>
+  </p:clrMapOvr>
+</p:notes>
+</file>
+
+<file path=ppt/notesSlides/notesSlide12.xml><?xml version="1.0" encoding="utf-8"?>
+<p:notes xmlns:a="http://schemas.openxmlformats.org/drawingml/2006/main" xmlns:r="http://schemas.openxmlformats.org/officeDocument/2006/relationships" xmlns:p="http://schemas.openxmlformats.org/presentationml/2006/main">
+  <p:cSld>
+    <p:spTree>
+      <p:nvGrpSpPr>
+        <p:cNvPr id="1" name=""/>
+        <p:cNvGrpSpPr/>
+        <p:nvPr/>
+      </p:nvGrpSpPr>
+      <p:grpSpPr>
+        <a:xfrm>
+          <a:off x="0" y="0"/>
+          <a:ext cx="0" cy="0"/>
+          <a:chOff x="0" y="0"/>
+          <a:chExt cx="0" cy="0"/>
+        </a:xfrm>
+      </p:grpSpPr>
+      <p:sp>
+        <p:nvSpPr>
+          <p:cNvPr id="2" name="Slide Image Placeholder 1"/>
+          <p:cNvSpPr>
+            <a:spLocks noGrp="1" noRot="1" noChangeAspect="1"/>
+          </p:cNvSpPr>
+          <p:nvPr>
+            <p:ph type="sldImg"/>
+          </p:nvPr>
+        </p:nvSpPr>
+        <p:spPr/>
+      </p:sp>
+      <p:sp>
+        <p:nvSpPr>
+          <p:cNvPr id="3" name="Notes Placeholder 2"/>
+          <p:cNvSpPr>
+            <a:spLocks noGrp="1"/>
+          </p:cNvSpPr>
+          <p:nvPr>
+            <p:ph type="body" idx="1"/>
+          </p:nvPr>
+        </p:nvSpPr>
+        <p:spPr/>
+        <p:txBody>
+          <a:bodyPr/>
+          <a:lstStyle/>
+          <a:p>
+            <a:r>
+              <a:rPr lang="en-GB" baseline="0" dirty="0" smtClean="0"/>
+              <a:t>In the case of EMET, </a:t>
+            </a:r>
+            <a:r>
+              <a:rPr lang="en-GB" baseline="0" dirty="0" err="1" smtClean="0"/>
+              <a:t>WePWNise</a:t>
+            </a:r>
+            <a:r>
+              <a:rPr lang="en-GB" baseline="0" dirty="0" smtClean="0"/>
+              <a:t> grabs the EMET configuration through registry and determines what is protected.</a:t>
+            </a:r>
+          </a:p>
+          <a:p>
+            <a:endParaRPr lang="en-GB" baseline="0" dirty="0" smtClean="0"/>
+          </a:p>
+          <a:p>
+            <a:r>
+              <a:rPr lang="en-GB" baseline="0" dirty="0" smtClean="0"/>
+              <a:t>EMET is then avoided by providing the macro with a list of directories to scan for unprotected executables. Once an executable is found, the process is spawned then shell code is injected.</a:t>
+            </a:r>
+          </a:p>
+          <a:p>
+            <a:endParaRPr lang="en-GB" baseline="0" dirty="0" smtClean="0"/>
+          </a:p>
+          <a:p>
+            <a:pPr marL="0" marR="0" indent="0" defTabSz="457200" eaLnBrk="1" fontAlgn="auto" latinLnBrk="0" hangingPunct="1">
+              <a:lnSpc>
+                <a:spcPct val="117999"/>
+              </a:lnSpc>
+              <a:spcBef>
+                <a:spcPts val="0"/>
+              </a:spcBef>
+              <a:spcAft>
+                <a:spcPts val="0"/>
+              </a:spcAft>
+              <a:buClrTx/>
+              <a:buSzTx/>
+              <a:buFontTx/>
+              <a:buNone/>
+              <a:tabLst/>
+              <a:defRPr/>
+            </a:pPr>
+            <a:r>
+              <a:rPr lang="en-GB" baseline="0" dirty="0" err="1" smtClean="0"/>
+              <a:t>WePWNIse</a:t>
+            </a:r>
+            <a:r>
+              <a:rPr lang="en-GB" baseline="0" dirty="0" smtClean="0"/>
+              <a:t> creates a call back through the use of shell code injection. This is written in native VBA as we do not want to have a dependency on PowerShell.</a:t>
+            </a:r>
+          </a:p>
+        </p:txBody>
+      </p:sp>
+    </p:spTree>
+    <p:extLst>
+      <p:ext uri="{BB962C8B-B14F-4D97-AF65-F5344CB8AC3E}">
+        <p14:creationId xmlns:p14="http://schemas.microsoft.com/office/powerpoint/2010/main" val="1473285384"/>
+      </p:ext>
+    </p:extLst>
+  </p:cSld>
+  <p:clrMapOvr>
+    <a:masterClrMapping/>
+  </p:clrMapOvr>
+</p:notes>
+</file>
+
+<file path=ppt/notesSlides/notesSlide13.xml><?xml version="1.0" encoding="utf-8"?>
+<p:notes xmlns:a="http://schemas.openxmlformats.org/drawingml/2006/main" xmlns:r="http://schemas.openxmlformats.org/officeDocument/2006/relationships" xmlns:p="http://schemas.openxmlformats.org/presentationml/2006/main">
+  <p:cSld>
+    <p:spTree>
+      <p:nvGrpSpPr>
+        <p:cNvPr id="1" name=""/>
+        <p:cNvGrpSpPr/>
+        <p:nvPr/>
+      </p:nvGrpSpPr>
+      <p:grpSpPr>
+        <a:xfrm>
+          <a:off x="0" y="0"/>
+          <a:ext cx="0" cy="0"/>
+          <a:chOff x="0" y="0"/>
+          <a:chExt cx="0" cy="0"/>
+        </a:xfrm>
+      </p:grpSpPr>
+      <p:sp>
+        <p:nvSpPr>
+          <p:cNvPr id="2" name="Slide Image Placeholder 1"/>
+          <p:cNvSpPr>
+            <a:spLocks noGrp="1" noRot="1" noChangeAspect="1"/>
+          </p:cNvSpPr>
+          <p:nvPr>
+            <p:ph type="sldImg"/>
+          </p:nvPr>
+        </p:nvSpPr>
+        <p:spPr/>
+      </p:sp>
+      <p:sp>
+        <p:nvSpPr>
+          <p:cNvPr id="3" name="Notes Placeholder 2"/>
+          <p:cNvSpPr>
+            <a:spLocks noGrp="1"/>
+          </p:cNvSpPr>
+          <p:nvPr>
+            <p:ph type="body" idx="1"/>
+          </p:nvPr>
+        </p:nvSpPr>
+        <p:spPr/>
+        <p:txBody>
+          <a:bodyPr/>
+          <a:lstStyle/>
+          <a:p>
+            <a:r>
+              <a:rPr lang="en-GB" baseline="0" dirty="0" smtClean="0"/>
+              <a:t>There is a solution!</a:t>
+            </a:r>
+          </a:p>
+          <a:p>
+            <a:endParaRPr lang="en-GB" baseline="0" dirty="0" smtClean="0"/>
+          </a:p>
+          <a:p>
+            <a:r>
+              <a:rPr lang="en-GB" baseline="0" dirty="0" smtClean="0"/>
+              <a:t>If you white list and allow for example, calc.exe – then you should also EMET calc.exe</a:t>
+            </a:r>
+          </a:p>
+          <a:p>
+            <a:endParaRPr lang="en-GB" baseline="0" dirty="0" smtClean="0"/>
+          </a:p>
+          <a:p>
+            <a:r>
+              <a:rPr lang="en-GB" baseline="0" dirty="0" smtClean="0"/>
+              <a:t>In the scenario where an attacker can spawn calc.exe, they would then be able to inject into it if it was not protected. Therefore, EMET should be turned on for every binary that is white listed.</a:t>
+            </a:r>
+          </a:p>
+          <a:p>
+            <a:endParaRPr lang="en-GB" baseline="0" dirty="0" smtClean="0"/>
+          </a:p>
+          <a:p>
+            <a:pPr marL="0" marR="0" indent="0" defTabSz="457200" eaLnBrk="1" fontAlgn="auto" latinLnBrk="0" hangingPunct="1">
+              <a:lnSpc>
+                <a:spcPct val="117999"/>
+              </a:lnSpc>
+              <a:spcBef>
+                <a:spcPts val="0"/>
+              </a:spcBef>
+              <a:spcAft>
+                <a:spcPts val="0"/>
+              </a:spcAft>
+              <a:buClrTx/>
+              <a:buSzTx/>
+              <a:buFontTx/>
+              <a:buNone/>
+              <a:tabLst/>
+              <a:defRPr/>
+            </a:pPr>
+            <a:r>
+              <a:rPr lang="en-GB" baseline="0" dirty="0" smtClean="0"/>
+              <a:t>It is important to note that, windows will not block applications such as Winlogon.exe</a:t>
+            </a:r>
+          </a:p>
+          <a:p>
+            <a:endParaRPr lang="en-GB" baseline="0" dirty="0" smtClean="0"/>
+          </a:p>
+          <a:p>
+            <a:r>
+              <a:rPr lang="en-GB" baseline="0" dirty="0" smtClean="0"/>
+              <a:t>This implies that we should EMET all windows default executables.</a:t>
+            </a:r>
+          </a:p>
+        </p:txBody>
+      </p:sp>
+    </p:spTree>
+    <p:extLst>
+      <p:ext uri="{BB962C8B-B14F-4D97-AF65-F5344CB8AC3E}">
+        <p14:creationId xmlns:p14="http://schemas.microsoft.com/office/powerpoint/2010/main" val="860323317"/>
+      </p:ext>
+    </p:extLst>
+  </p:cSld>
+  <p:clrMapOvr>
+    <a:masterClrMapping/>
+  </p:clrMapOvr>
+</p:notes>
+</file>
+
 <file path=ppt/notesSlides/notesSlide2.xml><?xml version="1.0" encoding="utf-8"?>
 <p:notes xmlns:a="http://schemas.openxmlformats.org/drawingml/2006/main" xmlns:r="http://schemas.openxmlformats.org/officeDocument/2006/relationships" xmlns:p="http://schemas.openxmlformats.org/presentationml/2006/main">
   <p:cSld>
@@ -628,55 +998,13 @@
             </a:r>
             <a:r>
               <a:rPr lang="en-GB" baseline="0" dirty="0" smtClean="0"/>
-              <a:t> against exploitation.</a:t>
-            </a:r>
-          </a:p>
-          <a:p>
+              <a:t> against exploitation</a:t>
+            </a:r>
             <a:r>
               <a:rPr lang="en-GB" baseline="0" dirty="0" smtClean="0"/>
-              <a:t/>
-            </a:r>
-            <a:br>
-              <a:rPr lang="en-GB" baseline="0" dirty="0" smtClean="0"/>
-            </a:br>
-            <a:r>
-              <a:rPr lang="en-GB" baseline="0" dirty="0" smtClean="0"/>
-              <a:t>EMET is not designed to be used to prevent macros from executing.</a:t>
-            </a:r>
-          </a:p>
-          <a:p>
+              <a:t>.</a:t>
+            </a:r>
             <a:endParaRPr lang="en-GB" baseline="0" dirty="0" smtClean="0"/>
-          </a:p>
-          <a:p>
-            <a:r>
-              <a:rPr lang="en-GB" dirty="0" smtClean="0"/>
-              <a:t>What we are particularly interested in is the Export</a:t>
-            </a:r>
-            <a:r>
-              <a:rPr lang="en-GB" baseline="0" dirty="0" smtClean="0"/>
-              <a:t> Address Table Filtering. This mechanism prevents shell code from being able to lookup useful addresses to windows function calls.</a:t>
-            </a:r>
-          </a:p>
-          <a:p>
-            <a:endParaRPr lang="en-GB" baseline="0" dirty="0" smtClean="0"/>
-          </a:p>
-          <a:p>
-            <a:r>
-              <a:rPr lang="en-GB" dirty="0" smtClean="0"/>
-              <a:t>Macro</a:t>
-            </a:r>
-            <a:r>
-              <a:rPr lang="en-GB" baseline="0" dirty="0" smtClean="0"/>
-              <a:t> payloads can be generated through popular frameworks such as </a:t>
-            </a:r>
-            <a:r>
-              <a:rPr lang="en-GB" baseline="0" dirty="0" err="1" smtClean="0"/>
-              <a:t>Metasploit</a:t>
-            </a:r>
-            <a:r>
-              <a:rPr lang="en-GB" baseline="0" dirty="0" smtClean="0"/>
-              <a:t>, Cobalt Strike and PowerShell Empire. Some of these will be blocked by EMET.</a:t>
-            </a:r>
           </a:p>
         </p:txBody>
       </p:sp>
@@ -738,55 +1066,17 @@
           <a:lstStyle/>
           <a:p>
             <a:r>
-              <a:rPr lang="en-GB" dirty="0" smtClean="0"/>
-              <a:t>Starting with</a:t>
-            </a:r>
-            <a:r>
               <a:rPr lang="en-GB" baseline="0" dirty="0" smtClean="0"/>
-              <a:t> </a:t>
-            </a:r>
-            <a:r>
-              <a:rPr lang="en-GB" baseline="0" dirty="0" err="1" smtClean="0"/>
-              <a:t>Metasploit</a:t>
-            </a:r>
+              <a:t>EMET offers a range of protections against exploitation such as Data Execution Prevention, Heap Spray Protection, Address Space Reduction. As we are not limited in buffer space and are simply relying on a user to execute a macro, a lot of these protections do not serve any purpose. Execution of macros is a legitimate function that a normal Office user may want to use.</a:t>
+            </a:r>
+          </a:p>
+          <a:p>
+            <a:endParaRPr lang="en-GB" baseline="0" dirty="0" smtClean="0"/>
+          </a:p>
+          <a:p>
             <a:r>
               <a:rPr lang="en-GB" baseline="0" dirty="0" smtClean="0"/>
-              <a:t>, there are three formats available to the user.</a:t>
-            </a:r>
-          </a:p>
-          <a:p>
-            <a:endParaRPr lang="en-GB" baseline="0" dirty="0" smtClean="0"/>
-          </a:p>
-          <a:p>
-            <a:r>
-              <a:rPr lang="en-GB" baseline="0" dirty="0" smtClean="0"/>
-              <a:t>VBA-PSH. This particular method spawns a PowerShell payload that will inject shell code into itself. If PowerShell is blocked or EMET is protecting it, the payload will fail on two scenarios.</a:t>
-            </a:r>
-          </a:p>
-          <a:p>
-            <a:endParaRPr lang="en-GB" baseline="0" dirty="0" smtClean="0"/>
-          </a:p>
-          <a:p>
-            <a:r>
-              <a:rPr lang="en-GB" baseline="0" dirty="0" smtClean="0"/>
-              <a:t>VBA-EXE. An executable binary is written to a file then it is executed. We can make the payload it drops FUD but we want to prevent having multiple files on disk. This payload will fail when failing to write to disk or AV picks it up.</a:t>
-            </a:r>
-          </a:p>
-          <a:p>
-            <a:endParaRPr lang="en-GB" baseline="0" dirty="0" smtClean="0"/>
-          </a:p>
-          <a:p>
-            <a:r>
-              <a:rPr lang="en-GB" baseline="0" dirty="0" smtClean="0"/>
-              <a:t>The VBA format in </a:t>
-            </a:r>
-            <a:r>
-              <a:rPr lang="en-GB" baseline="0" dirty="0" err="1" smtClean="0"/>
-              <a:t>Metasploit</a:t>
-            </a:r>
-            <a:r>
-              <a:rPr lang="en-GB" baseline="0" dirty="0" smtClean="0"/>
-              <a:t> outputs a payload that makes use of VBA code to inject shell code into itself. For example, if the payload was opened in Microsoft Word, it would run in WINWORD.exe. This payload would fail if EMET is enabled on Word.</a:t>
+              <a:t>EMET has a mechanism named EAF and EAF+.</a:t>
             </a:r>
           </a:p>
         </p:txBody>
@@ -794,7 +1084,7 @@
     </p:spTree>
     <p:extLst>
       <p:ext uri="{BB962C8B-B14F-4D97-AF65-F5344CB8AC3E}">
-        <p14:creationId xmlns:p14="http://schemas.microsoft.com/office/powerpoint/2010/main" val="167367714"/>
+        <p14:creationId xmlns:p14="http://schemas.microsoft.com/office/powerpoint/2010/main" val="1145609247"/>
       </p:ext>
     </p:extLst>
   </p:cSld>
@@ -849,12 +1139,29 @@
           <a:lstStyle/>
           <a:p>
             <a:r>
+              <a:rPr lang="en-GB" baseline="0" dirty="0" smtClean="0"/>
+              <a:t>EAF stands for Export Address Table Filtering. This </a:t>
+            </a:r>
+            <a:r>
+              <a:rPr lang="en-GB" baseline="0" dirty="0" smtClean="0"/>
+              <a:t>mechanism prevents shell code from being able to lookup useful addresses to windows function calls.</a:t>
+            </a:r>
+          </a:p>
+          <a:p>
+            <a:endParaRPr lang="en-GB" baseline="0" dirty="0" smtClean="0"/>
+          </a:p>
+          <a:p>
+            <a:r>
               <a:rPr lang="en-GB" dirty="0" smtClean="0"/>
-              <a:t>So</a:t>
+              <a:t>Macro</a:t>
             </a:r>
             <a:r>
               <a:rPr lang="en-GB" baseline="0" dirty="0" smtClean="0"/>
-              <a:t> other than </a:t>
+              <a:t> payloads can be generated through popular frameworks such </a:t>
+            </a:r>
+            <a:r>
+              <a:rPr lang="en-GB" baseline="0" dirty="0" smtClean="0"/>
+              <a:t>as the </a:t>
             </a:r>
             <a:r>
               <a:rPr lang="en-GB" baseline="0" dirty="0" err="1" smtClean="0"/>
@@ -862,75 +1169,19 @@
             </a:r>
             <a:r>
               <a:rPr lang="en-GB" baseline="0" dirty="0" smtClean="0"/>
-              <a:t>, we have Cobalt Strike and Empire which are two upcoming and widely used frameworks for managing listeners and </a:t>
-            </a:r>
-            <a:r>
-              <a:rPr lang="en-GB" baseline="0" dirty="0" err="1" smtClean="0"/>
-              <a:t>callbacks</a:t>
+              <a:t> Framework, </a:t>
             </a:r>
             <a:r>
               <a:rPr lang="en-GB" baseline="0" dirty="0" smtClean="0"/>
-              <a:t>.</a:t>
-            </a:r>
-          </a:p>
-          <a:p>
-            <a:endParaRPr lang="en-GB" baseline="0" dirty="0" smtClean="0"/>
-          </a:p>
-          <a:p>
+              <a:t>Cobalt Strike and PowerShell Empire. Some of these </a:t>
+            </a:r>
             <a:r>
               <a:rPr lang="en-GB" baseline="0" dirty="0" smtClean="0"/>
-              <a:t>In </a:t>
-            </a:r>
-            <a:r>
-              <a:rPr lang="en-GB" baseline="0" dirty="0" err="1" smtClean="0"/>
-              <a:t>CobaltStrike</a:t>
+              <a:t>payloads will </a:t>
             </a:r>
             <a:r>
               <a:rPr lang="en-GB" baseline="0" dirty="0" smtClean="0"/>
-              <a:t>, the macro payload generated will spawn Rundll32.exe in it’s 32 bit format regardless of the system architecture it is ran on and inject shell code into it. This payload would fail if Rundll32.exe is blocked or EMET is protecting Rundll32.exe</a:t>
-            </a:r>
-            <a:r>
-              <a:rPr lang="en-GB" baseline="0" dirty="0" smtClean="0"/>
-              <a:t>.</a:t>
-            </a:r>
-          </a:p>
-          <a:p>
-            <a:endParaRPr lang="en-GB" baseline="0" dirty="0" smtClean="0"/>
-          </a:p>
-          <a:p>
-            <a:r>
-              <a:rPr lang="en-GB" baseline="0" dirty="0" smtClean="0"/>
-              <a:t>Suggestion in general to stop all the </a:t>
-            </a:r>
-            <a:r>
-              <a:rPr lang="en-GB" baseline="0" dirty="0" err="1" smtClean="0"/>
-              <a:t>CobaltStrike</a:t>
-            </a:r>
-            <a:r>
-              <a:rPr lang="en-GB" baseline="0" dirty="0" smtClean="0"/>
-              <a:t> copy and </a:t>
-            </a:r>
-            <a:r>
-              <a:rPr lang="en-GB" baseline="0" dirty="0" err="1" smtClean="0"/>
-              <a:t>pasters</a:t>
-            </a:r>
-            <a:r>
-              <a:rPr lang="en-GB" baseline="0" dirty="0" smtClean="0"/>
-              <a:t>. EMET Protect Rundll32.exe.</a:t>
-            </a:r>
-            <a:endParaRPr lang="en-GB" baseline="0" dirty="0" smtClean="0"/>
-          </a:p>
-          <a:p>
-            <a:endParaRPr lang="en-GB" baseline="0" dirty="0" smtClean="0"/>
-          </a:p>
-          <a:p>
-            <a:pPr marL="0" indent="0">
-              <a:buFont typeface="+mj-lt"/>
-              <a:buNone/>
-            </a:pPr>
-            <a:r>
-              <a:rPr lang="en-GB" baseline="0" dirty="0" smtClean="0"/>
-              <a:t>The Empire payload will make use of the popular download cradle to connect to your server and pull the second stage of the payload. This payload however, runs in pure PowerShell and does not need to inject shell code. This payload fails when PowerShell.exe is blocked.</a:t>
+              <a:t>be blocked by EMET.</a:t>
             </a:r>
           </a:p>
         </p:txBody>
@@ -938,7 +1189,7 @@
     </p:spTree>
     <p:extLst>
       <p:ext uri="{BB962C8B-B14F-4D97-AF65-F5344CB8AC3E}">
-        <p14:creationId xmlns:p14="http://schemas.microsoft.com/office/powerpoint/2010/main" val="3524785564"/>
+        <p14:creationId xmlns:p14="http://schemas.microsoft.com/office/powerpoint/2010/main" val="2410732271"/>
       </p:ext>
     </p:extLst>
   </p:cSld>
@@ -993,35 +1244,12 @@
           <a:lstStyle/>
           <a:p>
             <a:r>
+              <a:rPr lang="en-GB" dirty="0" smtClean="0"/>
+              <a:t>Starting with</a:t>
+            </a:r>
+            <a:r>
               <a:rPr lang="en-GB" baseline="0" dirty="0" smtClean="0"/>
-              <a:t>I wanted to create a tool that could generate an implant that would have a certain level of basic automation that would be able to find its way around a victim’s machine to call back to an attacker.</a:t>
-            </a:r>
-          </a:p>
-          <a:p>
-            <a:endParaRPr lang="en-GB" baseline="0" dirty="0" smtClean="0"/>
-          </a:p>
-          <a:p>
-            <a:r>
-              <a:rPr lang="en-GB" baseline="0" dirty="0" smtClean="0"/>
-              <a:t>That would run on the target machine to enumerate configurations for mechanisms such as Software Restriction Policies and EMET.</a:t>
-            </a:r>
-          </a:p>
-          <a:p>
-            <a:endParaRPr lang="en-GB" baseline="0" dirty="0" smtClean="0"/>
-          </a:p>
-          <a:p>
-            <a:r>
-              <a:rPr lang="en-GB" baseline="0" dirty="0" smtClean="0"/>
-              <a:t>After obtaining this information, the implant would then automatically target weaknesses in the configuration to keep itself alive and reach back out to the attacker.</a:t>
-            </a:r>
-          </a:p>
-          <a:p>
-            <a:endParaRPr lang="en-GB" baseline="0" dirty="0" smtClean="0"/>
-          </a:p>
-          <a:p>
-            <a:r>
-              <a:rPr lang="en-GB" baseline="0" dirty="0" smtClean="0"/>
-              <a:t>The macros generated would need to be compatible and should be able to integrate operations with tools such as </a:t>
+              <a:t> </a:t>
             </a:r>
             <a:r>
               <a:rPr lang="en-GB" baseline="0" dirty="0" err="1" smtClean="0"/>
@@ -1029,7 +1257,34 @@
             </a:r>
             <a:r>
               <a:rPr lang="en-GB" baseline="0" dirty="0" smtClean="0"/>
-              <a:t> Framework and Cobalt Strike. We do not want to create the new </a:t>
+              <a:t>, there are three formats available to the user.</a:t>
+            </a:r>
+          </a:p>
+          <a:p>
+            <a:endParaRPr lang="en-GB" baseline="0" dirty="0" smtClean="0"/>
+          </a:p>
+          <a:p>
+            <a:r>
+              <a:rPr lang="en-GB" baseline="0" dirty="0" smtClean="0"/>
+              <a:t>VBA-PSH. This particular method spawns a PowerShell payload that will inject shell code into itself. If PowerShell is blocked or EMET is protecting it, the payload will fail on two scenarios.</a:t>
+            </a:r>
+          </a:p>
+          <a:p>
+            <a:endParaRPr lang="en-GB" baseline="0" dirty="0" smtClean="0"/>
+          </a:p>
+          <a:p>
+            <a:r>
+              <a:rPr lang="en-GB" baseline="0" dirty="0" smtClean="0"/>
+              <a:t>VBA-EXE. An executable binary is written to a file then it is executed. We can make the payload it drops FUD but we want to prevent having multiple files on disk. This payload will fail when failing to write to disk or AV picks it up.</a:t>
+            </a:r>
+          </a:p>
+          <a:p>
+            <a:endParaRPr lang="en-GB" baseline="0" dirty="0" smtClean="0"/>
+          </a:p>
+          <a:p>
+            <a:r>
+              <a:rPr lang="en-GB" baseline="0" dirty="0" smtClean="0"/>
+              <a:t>The VBA format in </a:t>
             </a:r>
             <a:r>
               <a:rPr lang="en-GB" baseline="0" dirty="0" err="1" smtClean="0"/>
@@ -1037,7 +1292,7 @@
             </a:r>
             <a:r>
               <a:rPr lang="en-GB" baseline="0" dirty="0" smtClean="0"/>
-              <a:t>, Cobalt Strike or Empire for capturing call backs.</a:t>
+              <a:t> outputs a payload that makes use of VBA code to inject shell code into itself. For example, if the payload was opened in Microsoft Word, it would run in WINWORD.exe. This payload would fail if EMET is enabled on Word.</a:t>
             </a:r>
           </a:p>
         </p:txBody>
@@ -1045,7 +1300,7 @@
     </p:spTree>
     <p:extLst>
       <p:ext uri="{BB962C8B-B14F-4D97-AF65-F5344CB8AC3E}">
-        <p14:creationId xmlns:p14="http://schemas.microsoft.com/office/powerpoint/2010/main" val="1195685917"/>
+        <p14:creationId xmlns:p14="http://schemas.microsoft.com/office/powerpoint/2010/main" val="167367714"/>
       </p:ext>
     </p:extLst>
   </p:cSld>
@@ -1100,16 +1355,28 @@
           <a:lstStyle/>
           <a:p>
             <a:r>
+              <a:rPr lang="en-GB" dirty="0" smtClean="0"/>
+              <a:t>So</a:t>
+            </a:r>
+            <a:r>
               <a:rPr lang="en-GB" baseline="0" dirty="0" smtClean="0"/>
-              <a:t>In the case of EMET, </a:t>
+              <a:t> other than </a:t>
             </a:r>
             <a:r>
               <a:rPr lang="en-GB" baseline="0" dirty="0" err="1" smtClean="0"/>
-              <a:t>WePWNise</a:t>
+              <a:t>Metasploit</a:t>
             </a:r>
             <a:r>
               <a:rPr lang="en-GB" baseline="0" dirty="0" smtClean="0"/>
-              <a:t> grabs the EMET configuration through registry and determines what is protected.</a:t>
+              <a:t>, we have Cobalt Strike and Empire which are two upcoming and widely used frameworks for managing listeners and </a:t>
+            </a:r>
+            <a:r>
+              <a:rPr lang="en-GB" baseline="0" dirty="0" err="1" smtClean="0"/>
+              <a:t>callbacks</a:t>
+            </a:r>
+            <a:r>
+              <a:rPr lang="en-GB" baseline="0" dirty="0" smtClean="0"/>
+              <a:t>.</a:t>
             </a:r>
           </a:p>
           <a:p>
@@ -1118,37 +1385,53 @@
           <a:p>
             <a:r>
               <a:rPr lang="en-GB" baseline="0" dirty="0" smtClean="0"/>
-              <a:t>EMET is then avoided by providing the macro with a list of directories to scan for unprotected executables. Once an executable is found, the process is spawned then shell code is injected.</a:t>
+              <a:t>In </a:t>
+            </a:r>
+            <a:r>
+              <a:rPr lang="en-GB" baseline="0" dirty="0" err="1" smtClean="0"/>
+              <a:t>CobaltStrike</a:t>
+            </a:r>
+            <a:r>
+              <a:rPr lang="en-GB" baseline="0" dirty="0" smtClean="0"/>
+              <a:t>, the macro payload generated will spawn Rundll32.exe in it’s 32 bit format regardless of the system architecture it is ran on and inject shell code into it. This payload would fail if Rundll32.exe is blocked or EMET is protecting Rundll32.exe.</a:t>
             </a:r>
           </a:p>
           <a:p>
             <a:endParaRPr lang="en-GB" baseline="0" dirty="0" smtClean="0"/>
           </a:p>
           <a:p>
-            <a:pPr marL="0" marR="0" indent="0" defTabSz="457200" eaLnBrk="1" fontAlgn="auto" latinLnBrk="0" hangingPunct="1">
-              <a:lnSpc>
-                <a:spcPct val="117999"/>
-              </a:lnSpc>
-              <a:spcBef>
-                <a:spcPts val="0"/>
-              </a:spcBef>
-              <a:spcAft>
-                <a:spcPts val="0"/>
-              </a:spcAft>
-              <a:buClrTx/>
-              <a:buSzTx/>
-              <a:buFontTx/>
+            <a:r>
+              <a:rPr lang="en-GB" baseline="0" dirty="0" smtClean="0"/>
+              <a:t>Suggestion in general to stop all the </a:t>
+            </a:r>
+            <a:r>
+              <a:rPr lang="en-GB" baseline="0" dirty="0" err="1" smtClean="0"/>
+              <a:t>CobaltStrike</a:t>
+            </a:r>
+            <a:r>
+              <a:rPr lang="en-GB" baseline="0" dirty="0" smtClean="0"/>
+              <a:t> copy and </a:t>
+            </a:r>
+            <a:r>
+              <a:rPr lang="en-GB" baseline="0" dirty="0" err="1" smtClean="0"/>
+              <a:t>pasters</a:t>
+            </a:r>
+            <a:r>
+              <a:rPr lang="en-GB" baseline="0" dirty="0" smtClean="0"/>
+              <a:t>. EMET Protect Rundll32.exe.</a:t>
+            </a:r>
+          </a:p>
+          <a:p>
+            <a:endParaRPr lang="en-GB" baseline="0" dirty="0" smtClean="0"/>
+          </a:p>
+          <a:p>
+            <a:pPr marL="0" indent="0">
+              <a:buFont typeface="+mj-lt"/>
               <a:buNone/>
-              <a:tabLst/>
-              <a:defRPr/>
             </a:pPr>
             <a:r>
-              <a:rPr lang="en-GB" baseline="0" dirty="0" err="1" smtClean="0"/>
-              <a:t>WePWNIse</a:t>
-            </a:r>
-            <a:r>
               <a:rPr lang="en-GB" baseline="0" dirty="0" smtClean="0"/>
-              <a:t> creates a call back through the use of shell code injection. This is written in native VBA as we do not want to have a dependency on PowerShell.</a:t>
+              <a:t>The Empire payload will make use of the popular download cradle to connect to your server and pull the second stage of the payload. This payload however, runs in pure PowerShell and does not need to inject shell code. This payload fails when PowerShell.exe is blocked.</a:t>
             </a:r>
           </a:p>
         </p:txBody>
@@ -1156,7 +1439,7 @@
     </p:spTree>
     <p:extLst>
       <p:ext uri="{BB962C8B-B14F-4D97-AF65-F5344CB8AC3E}">
-        <p14:creationId xmlns:p14="http://schemas.microsoft.com/office/powerpoint/2010/main" val="4036102379"/>
+        <p14:creationId xmlns:p14="http://schemas.microsoft.com/office/powerpoint/2010/main" val="3524785564"/>
       </p:ext>
     </p:extLst>
   </p:cSld>
@@ -1212,7 +1495,7 @@
           <a:p>
             <a:r>
               <a:rPr lang="en-GB" baseline="0" dirty="0" smtClean="0"/>
-              <a:t>------------------ TALK AUDIENCE THROUGH VIDEO ------------------------</a:t>
+              <a:t>I wanted to create a tool that could generate an implant that would have a certain level of basic automation that would be able to find its way around a victim’s machine to call back to an attacker.</a:t>
             </a:r>
           </a:p>
           <a:p>
@@ -1221,7 +1504,41 @@
           <a:p>
             <a:r>
               <a:rPr lang="en-GB" baseline="0" dirty="0" smtClean="0"/>
-              <a:t>I will write this later.</a:t>
+              <a:t>That would run on the target machine to enumerate configurations for mechanisms such as Software Restriction Policies and EMET.</a:t>
+            </a:r>
+          </a:p>
+          <a:p>
+            <a:endParaRPr lang="en-GB" baseline="0" dirty="0" smtClean="0"/>
+          </a:p>
+          <a:p>
+            <a:r>
+              <a:rPr lang="en-GB" baseline="0" dirty="0" smtClean="0"/>
+              <a:t>After obtaining this information, the implant would then automatically target weaknesses in the configuration to keep itself alive and reach back out to the attacker.</a:t>
+            </a:r>
+          </a:p>
+          <a:p>
+            <a:endParaRPr lang="en-GB" baseline="0" dirty="0" smtClean="0"/>
+          </a:p>
+          <a:p>
+            <a:r>
+              <a:rPr lang="en-GB" baseline="0" dirty="0" smtClean="0"/>
+              <a:t>The macros generated would need to be compatible and should be able to integrate operations with tools such as </a:t>
+            </a:r>
+            <a:r>
+              <a:rPr lang="en-GB" baseline="0" dirty="0" err="1" smtClean="0"/>
+              <a:t>Metasploit</a:t>
+            </a:r>
+            <a:r>
+              <a:rPr lang="en-GB" baseline="0" dirty="0" smtClean="0"/>
+              <a:t> Framework and Cobalt Strike. We do not want to create the new </a:t>
+            </a:r>
+            <a:r>
+              <a:rPr lang="en-GB" baseline="0" dirty="0" err="1" smtClean="0"/>
+              <a:t>Metasploit</a:t>
+            </a:r>
+            <a:r>
+              <a:rPr lang="en-GB" baseline="0" dirty="0" smtClean="0"/>
+              <a:t>, Cobalt Strike or Empire for capturing call backs.</a:t>
             </a:r>
           </a:p>
         </p:txBody>
@@ -1229,7 +1546,7 @@
     </p:spTree>
     <p:extLst>
       <p:ext uri="{BB962C8B-B14F-4D97-AF65-F5344CB8AC3E}">
-        <p14:creationId xmlns:p14="http://schemas.microsoft.com/office/powerpoint/2010/main" val="2336706203"/>
+        <p14:creationId xmlns:p14="http://schemas.microsoft.com/office/powerpoint/2010/main" val="1195685917"/>
       </p:ext>
     </p:extLst>
   </p:cSld>
@@ -1285,7 +1602,7 @@
           <a:p>
             <a:r>
               <a:rPr lang="en-GB" baseline="0" dirty="0" smtClean="0"/>
-              <a:t>In the case of EMET, </a:t>
+              <a:t>Currently </a:t>
             </a:r>
             <a:r>
               <a:rPr lang="en-GB" baseline="0" dirty="0" err="1" smtClean="0"/>
@@ -1293,7 +1610,7 @@
             </a:r>
             <a:r>
               <a:rPr lang="en-GB" baseline="0" dirty="0" smtClean="0"/>
-              <a:t> grabs the EMET configuration through registry and determines what is protected.</a:t>
+              <a:t> offers the ability for a consultant to provide a one line command to generate a reasonably sophisticated Macro implant.</a:t>
             </a:r>
           </a:p>
           <a:p>
@@ -1302,37 +1619,59 @@
           <a:p>
             <a:r>
               <a:rPr lang="en-GB" baseline="0" dirty="0" smtClean="0"/>
-              <a:t>EMET is then avoided by providing the macro with a list of directories to scan for unprotected executables. Once an executable is found, the process is spawned then shell code is injected.</a:t>
+              <a:t>It is possible for the consultant to specify specific popular payloads to use such as stagers from </a:t>
+            </a:r>
+            <a:r>
+              <a:rPr lang="en-GB" baseline="0" dirty="0" err="1" smtClean="0"/>
+              <a:t>Metasploit</a:t>
+            </a:r>
+            <a:r>
+              <a:rPr lang="en-GB" baseline="0" dirty="0" smtClean="0"/>
+              <a:t>.</a:t>
             </a:r>
           </a:p>
           <a:p>
             <a:endParaRPr lang="en-GB" baseline="0" dirty="0" smtClean="0"/>
           </a:p>
           <a:p>
-            <a:pPr marL="0" marR="0" indent="0" defTabSz="457200" eaLnBrk="1" fontAlgn="auto" latinLnBrk="0" hangingPunct="1">
-              <a:lnSpc>
-                <a:spcPct val="117999"/>
-              </a:lnSpc>
-              <a:spcBef>
-                <a:spcPts val="0"/>
-              </a:spcBef>
-              <a:spcAft>
-                <a:spcPts val="0"/>
-              </a:spcAft>
-              <a:buClrTx/>
-              <a:buSzTx/>
-              <a:buFontTx/>
-              <a:buNone/>
-              <a:tabLst/>
-              <a:defRPr/>
-            </a:pPr>
+            <a:r>
+              <a:rPr lang="en-GB" baseline="0" dirty="0" smtClean="0"/>
+              <a:t>There is basic anti-automated analysis for services such as </a:t>
+            </a:r>
             <a:r>
               <a:rPr lang="en-GB" baseline="0" dirty="0" err="1" smtClean="0"/>
-              <a:t>WePWNIse</a:t>
+              <a:t>VirusTotal</a:t>
             </a:r>
             <a:r>
               <a:rPr lang="en-GB" baseline="0" dirty="0" smtClean="0"/>
-              <a:t> creates a call back through the use of shell code injection. This is written in native VBA as we do not want to have a dependency on PowerShell.</a:t>
+              <a:t>.</a:t>
+            </a:r>
+          </a:p>
+          <a:p>
+            <a:endParaRPr lang="en-GB" baseline="0" dirty="0" smtClean="0"/>
+          </a:p>
+          <a:p>
+            <a:r>
+              <a:rPr lang="en-GB" baseline="0" dirty="0" smtClean="0"/>
+              <a:t>The tester can specify where to deploy their listeners, it could be on two separate IP addresses.</a:t>
+            </a:r>
+          </a:p>
+          <a:p>
+            <a:endParaRPr lang="en-GB" baseline="0" dirty="0" smtClean="0"/>
+          </a:p>
+          <a:p>
+            <a:r>
+              <a:rPr lang="en-GB" baseline="0" dirty="0" smtClean="0"/>
+              <a:t>Automatically determines VBA version in use, the Office architecture, the System architecture and later on we will see that it also determines the target binary architecture. The macro looks for potential targets and determines what architecture payload it must inject to get the consultant a shell. I like to call this feature, dynamic payload injection.</a:t>
+            </a:r>
+          </a:p>
+          <a:p>
+            <a:endParaRPr lang="en-GB" baseline="0" dirty="0" smtClean="0"/>
+          </a:p>
+          <a:p>
+            <a:r>
+              <a:rPr lang="en-GB" baseline="0" dirty="0" smtClean="0"/>
+              <a:t>Decent memory management, the Macro will free up allocated memory should some sort of error occur.</a:t>
             </a:r>
           </a:p>
         </p:txBody>
@@ -1340,7 +1679,7 @@
     </p:spTree>
     <p:extLst>
       <p:ext uri="{BB962C8B-B14F-4D97-AF65-F5344CB8AC3E}">
-        <p14:creationId xmlns:p14="http://schemas.microsoft.com/office/powerpoint/2010/main" val="1473285384"/>
+        <p14:creationId xmlns:p14="http://schemas.microsoft.com/office/powerpoint/2010/main" val="3470880322"/>
       </p:ext>
     </p:extLst>
   </p:cSld>
@@ -1396,7 +1735,15 @@
           <a:p>
             <a:r>
               <a:rPr lang="en-GB" baseline="0" dirty="0" smtClean="0"/>
-              <a:t>There is a solution!</a:t>
+              <a:t>In the case of EMET, </a:t>
+            </a:r>
+            <a:r>
+              <a:rPr lang="en-GB" baseline="0" dirty="0" err="1" smtClean="0"/>
+              <a:t>WePWNise</a:t>
+            </a:r>
+            <a:r>
+              <a:rPr lang="en-GB" baseline="0" dirty="0" smtClean="0"/>
+              <a:t> grabs the EMET configuration through registry and determines what is protected.</a:t>
             </a:r>
           </a:p>
           <a:p>
@@ -1405,16 +1752,7 @@
           <a:p>
             <a:r>
               <a:rPr lang="en-GB" baseline="0" dirty="0" smtClean="0"/>
-              <a:t>If you white list and allow for example, calc.exe – then you should also EMET calc.exe</a:t>
-            </a:r>
-          </a:p>
-          <a:p>
-            <a:endParaRPr lang="en-GB" baseline="0" dirty="0" smtClean="0"/>
-          </a:p>
-          <a:p>
-            <a:r>
-              <a:rPr lang="en-GB" baseline="0" dirty="0" smtClean="0"/>
-              <a:t>In the scenario where an attacker can spawn calc.exe, they would then be able to inject into it if it was not protected. Therefore, EMET should be turned on for every binary that is white listed.</a:t>
+              <a:t>EMET is then avoided by providing the macro with a list of directories to scan for unprotected executables. Once an executable is found, the process is spawned then shell code is injected.</a:t>
             </a:r>
           </a:p>
           <a:p>
@@ -1439,17 +1777,12 @@
               <a:defRPr/>
             </a:pPr>
             <a:r>
+              <a:rPr lang="en-GB" baseline="0" dirty="0" err="1" smtClean="0"/>
+              <a:t>WePWNIse</a:t>
+            </a:r>
+            <a:r>
               <a:rPr lang="en-GB" baseline="0" dirty="0" smtClean="0"/>
-              <a:t>It is important to note that, windows will not block applications such as Winlogon.exe</a:t>
-            </a:r>
-          </a:p>
-          <a:p>
-            <a:endParaRPr lang="en-GB" baseline="0" dirty="0" smtClean="0"/>
-          </a:p>
-          <a:p>
-            <a:r>
-              <a:rPr lang="en-GB" baseline="0" dirty="0" smtClean="0"/>
-              <a:t>This implies that we should EMET all windows default executables.</a:t>
+              <a:t> creates a call back through the use of shell code injection. This is written in native VBA as we do not want to have a dependency on PowerShell.</a:t>
             </a:r>
           </a:p>
         </p:txBody>
@@ -1457,7 +1790,7 @@
     </p:spTree>
     <p:extLst>
       <p:ext uri="{BB962C8B-B14F-4D97-AF65-F5344CB8AC3E}">
-        <p14:creationId xmlns:p14="http://schemas.microsoft.com/office/powerpoint/2010/main" val="860323317"/>
+        <p14:creationId xmlns:p14="http://schemas.microsoft.com/office/powerpoint/2010/main" val="4036102379"/>
       </p:ext>
     </p:extLst>
   </p:cSld>
@@ -5476,6 +5809,1492 @@
 </p:sld>
 </file>
 
+<file path=ppt/slides/slide10.xml><?xml version="1.0" encoding="utf-8"?>
+<p:sld xmlns:a="http://schemas.openxmlformats.org/drawingml/2006/main" xmlns:r="http://schemas.openxmlformats.org/officeDocument/2006/relationships" xmlns:p="http://schemas.openxmlformats.org/presentationml/2006/main">
+  <p:cSld>
+    <p:spTree>
+      <p:nvGrpSpPr>
+        <p:cNvPr id="1" name=""/>
+        <p:cNvGrpSpPr/>
+        <p:nvPr/>
+      </p:nvGrpSpPr>
+      <p:grpSpPr>
+        <a:xfrm>
+          <a:off x="0" y="0"/>
+          <a:ext cx="0" cy="0"/>
+          <a:chOff x="0" y="0"/>
+          <a:chExt cx="0" cy="0"/>
+        </a:xfrm>
+      </p:grpSpPr>
+      <p:sp>
+        <p:nvSpPr>
+          <p:cNvPr id="5" name="Title 4"/>
+          <p:cNvSpPr>
+            <a:spLocks noGrp="1"/>
+          </p:cNvSpPr>
+          <p:nvPr>
+            <p:ph type="title"/>
+          </p:nvPr>
+        </p:nvSpPr>
+        <p:spPr/>
+        <p:txBody>
+          <a:bodyPr/>
+          <a:lstStyle/>
+          <a:p>
+            <a:r>
+              <a:rPr lang="en-GB" dirty="0" err="1" smtClean="0">
+                <a:solidFill>
+                  <a:schemeClr val="bg1"/>
+                </a:solidFill>
+              </a:rPr>
+              <a:t>WePWNise</a:t>
+            </a:r>
+            <a:endParaRPr lang="en-GB" dirty="0">
+              <a:solidFill>
+                <a:schemeClr val="bg1"/>
+              </a:solidFill>
+            </a:endParaRPr>
+          </a:p>
+        </p:txBody>
+      </p:sp>
+      <p:sp>
+        <p:nvSpPr>
+          <p:cNvPr id="6" name="Text Placeholder 5"/>
+          <p:cNvSpPr>
+            <a:spLocks noGrp="1"/>
+          </p:cNvSpPr>
+          <p:nvPr>
+            <p:ph type="body" sz="quarter" idx="10"/>
+          </p:nvPr>
+        </p:nvSpPr>
+        <p:spPr>
+          <a:xfrm>
+            <a:off x="1504949" y="4404360"/>
+            <a:ext cx="18845767" cy="7853077"/>
+          </a:xfrm>
+        </p:spPr>
+        <p:txBody>
+          <a:bodyPr>
+            <a:normAutofit/>
+          </a:bodyPr>
+          <a:lstStyle/>
+          <a:p>
+            <a:endParaRPr lang="en-GB" sz="6000" dirty="0">
+              <a:solidFill>
+                <a:schemeClr val="bg1"/>
+              </a:solidFill>
+              <a:latin typeface="+mj-lt"/>
+            </a:endParaRPr>
+          </a:p>
+        </p:txBody>
+      </p:sp>
+      <p:sp>
+        <p:nvSpPr>
+          <p:cNvPr id="7" name="Text Placeholder 6"/>
+          <p:cNvSpPr>
+            <a:spLocks noGrp="1"/>
+          </p:cNvSpPr>
+          <p:nvPr>
+            <p:ph type="body" sz="quarter" idx="11"/>
+          </p:nvPr>
+        </p:nvSpPr>
+        <p:spPr/>
+        <p:txBody>
+          <a:bodyPr>
+            <a:normAutofit/>
+          </a:bodyPr>
+          <a:lstStyle/>
+          <a:p>
+            <a:r>
+              <a:rPr lang="en-GB" sz="3600" dirty="0" err="1" smtClean="0">
+                <a:solidFill>
+                  <a:schemeClr val="bg2"/>
+                </a:solidFill>
+              </a:rPr>
+              <a:t>WePWNise</a:t>
+            </a:r>
+            <a:r>
+              <a:rPr lang="en-GB" sz="3600" dirty="0" smtClean="0">
+                <a:solidFill>
+                  <a:schemeClr val="bg2"/>
+                </a:solidFill>
+              </a:rPr>
+              <a:t>? </a:t>
+            </a:r>
+            <a:r>
+              <a:rPr lang="en-GB" sz="3600" dirty="0" smtClean="0">
+                <a:solidFill>
+                  <a:schemeClr val="bg2"/>
+                </a:solidFill>
+              </a:rPr>
+              <a:t>The Macro Code</a:t>
+            </a:r>
+            <a:endParaRPr lang="en-GB" sz="3600" dirty="0">
+              <a:solidFill>
+                <a:schemeClr val="bg2"/>
+              </a:solidFill>
+            </a:endParaRPr>
+          </a:p>
+        </p:txBody>
+      </p:sp>
+    </p:spTree>
+    <p:extLst>
+      <p:ext uri="{BB962C8B-B14F-4D97-AF65-F5344CB8AC3E}">
+        <p14:creationId xmlns:p14="http://schemas.microsoft.com/office/powerpoint/2010/main" val="1428902630"/>
+      </p:ext>
+    </p:extLst>
+  </p:cSld>
+  <p:clrMapOvr>
+    <a:masterClrMapping/>
+  </p:clrMapOvr>
+  <p:transition spd="med"/>
+  <p:timing>
+    <p:tnLst>
+      <p:par>
+        <p:cTn id="1" dur="indefinite" restart="never" nodeType="tmRoot">
+          <p:childTnLst>
+            <p:seq concurrent="1" nextAc="seek">
+              <p:cTn id="2" dur="indefinite" nodeType="mainSeq">
+                <p:childTnLst>
+                  <p:par>
+                    <p:cTn id="3" fill="hold">
+                      <p:stCondLst>
+                        <p:cond delay="indefinite"/>
+                        <p:cond evt="onBegin" delay="0">
+                          <p:tn val="2"/>
+                        </p:cond>
+                      </p:stCondLst>
+                      <p:childTnLst>
+                        <p:par>
+                          <p:cTn id="4" fill="hold">
+                            <p:stCondLst>
+                              <p:cond delay="0"/>
+                            </p:stCondLst>
+                            <p:childTnLst>
+                              <p:par>
+                                <p:cTn id="5" presetID="9" presetClass="emph" presetSubtype="0" nodeType="withEffect" nodePh="1">
+                                  <p:stCondLst>
+                                    <p:cond delay="0"/>
+                                  </p:stCondLst>
+                                  <p:endCondLst>
+                                    <p:cond evt="begin" delay="0">
+                                      <p:tn val="5"/>
+                                    </p:cond>
+                                  </p:endCondLst>
+                                  <p:childTnLst>
+                                    <p:set>
+                                      <p:cBhvr rctx="PPT">
+                                        <p:cTn id="6" dur="indefinite"/>
+                                        <p:tgtEl>
+                                          <p:spTgt spid="6">
+                                            <p:txEl>
+                                              <p:pRg st="0" end="0"/>
+                                            </p:txEl>
+                                          </p:spTgt>
+                                        </p:tgtEl>
+                                        <p:attrNameLst>
+                                          <p:attrName>style.opacity</p:attrName>
+                                        </p:attrNameLst>
+                                      </p:cBhvr>
+                                      <p:to>
+                                        <p:strVal val="1"/>
+                                      </p:to>
+                                    </p:set>
+                                    <p:animEffect filter="image" prLst="opacity: 1">
+                                      <p:cBhvr rctx="IE">
+                                        <p:cTn id="7" dur="indefinite"/>
+                                        <p:tgtEl>
+                                          <p:spTgt spid="6">
+                                            <p:txEl>
+                                              <p:pRg st="0" end="0"/>
+                                            </p:txEl>
+                                          </p:spTgt>
+                                        </p:tgtEl>
+                                      </p:cBhvr>
+                                    </p:animEffect>
+                                  </p:childTnLst>
+                                </p:cTn>
+                              </p:par>
+                            </p:childTnLst>
+                          </p:cTn>
+                        </p:par>
+                      </p:childTnLst>
+                    </p:cTn>
+                  </p:par>
+                  <p:par>
+                    <p:cTn id="8" fill="hold">
+                      <p:stCondLst>
+                        <p:cond delay="indefinite"/>
+                      </p:stCondLst>
+                      <p:childTnLst>
+                        <p:par>
+                          <p:cTn id="9" fill="hold">
+                            <p:stCondLst>
+                              <p:cond delay="0"/>
+                            </p:stCondLst>
+                            <p:childTnLst>
+                              <p:par>
+                                <p:cTn id="10" presetID="9" presetClass="emph" presetSubtype="0" nodeType="clickEffect" nodePh="1">
+                                  <p:stCondLst>
+                                    <p:cond delay="0"/>
+                                  </p:stCondLst>
+                                  <p:endCondLst>
+                                    <p:cond evt="begin" delay="0">
+                                      <p:tn val="10"/>
+                                    </p:cond>
+                                  </p:endCondLst>
+                                  <p:childTnLst>
+                                    <p:set>
+                                      <p:cBhvr rctx="PPT">
+                                        <p:cTn id="11" dur="indefinite"/>
+                                        <p:tgtEl>
+                                          <p:spTgt spid="6">
+                                            <p:txEl>
+                                              <p:pRg st="0" end="0"/>
+                                            </p:txEl>
+                                          </p:spTgt>
+                                        </p:tgtEl>
+                                        <p:attrNameLst>
+                                          <p:attrName>style.opacity</p:attrName>
+                                        </p:attrNameLst>
+                                      </p:cBhvr>
+                                      <p:to>
+                                        <p:strVal val="0.25"/>
+                                      </p:to>
+                                    </p:set>
+                                    <p:animEffect filter="image" prLst="opacity: 0.25">
+                                      <p:cBhvr rctx="IE">
+                                        <p:cTn id="12" dur="indefinite"/>
+                                        <p:tgtEl>
+                                          <p:spTgt spid="6">
+                                            <p:txEl>
+                                              <p:pRg st="0" end="0"/>
+                                            </p:txEl>
+                                          </p:spTgt>
+                                        </p:tgtEl>
+                                      </p:cBhvr>
+                                    </p:animEffect>
+                                  </p:childTnLst>
+                                </p:cTn>
+                              </p:par>
+                            </p:childTnLst>
+                          </p:cTn>
+                        </p:par>
+                      </p:childTnLst>
+                    </p:cTn>
+                  </p:par>
+                </p:childTnLst>
+              </p:cTn>
+              <p:prevCondLst>
+                <p:cond evt="onPrev" delay="0">
+                  <p:tgtEl>
+                    <p:sldTgt/>
+                  </p:tgtEl>
+                </p:cond>
+              </p:prevCondLst>
+              <p:nextCondLst>
+                <p:cond evt="onNext" delay="0">
+                  <p:tgtEl>
+                    <p:sldTgt/>
+                  </p:tgtEl>
+                </p:cond>
+              </p:nextCondLst>
+            </p:seq>
+          </p:childTnLst>
+        </p:cTn>
+      </p:par>
+    </p:tnLst>
+  </p:timing>
+</p:sld>
+</file>
+
+<file path=ppt/slides/slide11.xml><?xml version="1.0" encoding="utf-8"?>
+<p:sld xmlns:a="http://schemas.openxmlformats.org/drawingml/2006/main" xmlns:r="http://schemas.openxmlformats.org/officeDocument/2006/relationships" xmlns:p="http://schemas.openxmlformats.org/presentationml/2006/main">
+  <p:cSld>
+    <p:spTree>
+      <p:nvGrpSpPr>
+        <p:cNvPr id="1" name=""/>
+        <p:cNvGrpSpPr/>
+        <p:nvPr/>
+      </p:nvGrpSpPr>
+      <p:grpSpPr>
+        <a:xfrm>
+          <a:off x="0" y="0"/>
+          <a:ext cx="0" cy="0"/>
+          <a:chOff x="0" y="0"/>
+          <a:chExt cx="0" cy="0"/>
+        </a:xfrm>
+      </p:grpSpPr>
+      <p:sp>
+        <p:nvSpPr>
+          <p:cNvPr id="5" name="Title 4"/>
+          <p:cNvSpPr>
+            <a:spLocks noGrp="1"/>
+          </p:cNvSpPr>
+          <p:nvPr>
+            <p:ph type="title"/>
+          </p:nvPr>
+        </p:nvSpPr>
+        <p:spPr/>
+        <p:txBody>
+          <a:bodyPr/>
+          <a:lstStyle/>
+          <a:p>
+            <a:r>
+              <a:rPr lang="en-GB" dirty="0" err="1" smtClean="0">
+                <a:solidFill>
+                  <a:schemeClr val="bg1"/>
+                </a:solidFill>
+              </a:rPr>
+              <a:t>WePWNise</a:t>
+            </a:r>
+            <a:endParaRPr lang="en-GB" dirty="0">
+              <a:solidFill>
+                <a:schemeClr val="bg1"/>
+              </a:solidFill>
+            </a:endParaRPr>
+          </a:p>
+        </p:txBody>
+      </p:sp>
+      <p:sp>
+        <p:nvSpPr>
+          <p:cNvPr id="6" name="Text Placeholder 5"/>
+          <p:cNvSpPr>
+            <a:spLocks noGrp="1"/>
+          </p:cNvSpPr>
+          <p:nvPr>
+            <p:ph type="body" sz="quarter" idx="10"/>
+          </p:nvPr>
+        </p:nvSpPr>
+        <p:spPr>
+          <a:xfrm>
+            <a:off x="1504949" y="4404360"/>
+            <a:ext cx="18845767" cy="7853077"/>
+          </a:xfrm>
+        </p:spPr>
+        <p:txBody>
+          <a:bodyPr>
+            <a:normAutofit/>
+          </a:bodyPr>
+          <a:lstStyle/>
+          <a:p>
+            <a:pPr marL="0" indent="0">
+              <a:buNone/>
+            </a:pPr>
+            <a:endParaRPr lang="en-GB" sz="6000" dirty="0">
+              <a:solidFill>
+                <a:schemeClr val="bg1"/>
+              </a:solidFill>
+              <a:latin typeface="+mj-lt"/>
+            </a:endParaRPr>
+          </a:p>
+        </p:txBody>
+      </p:sp>
+      <p:sp>
+        <p:nvSpPr>
+          <p:cNvPr id="7" name="Text Placeholder 6"/>
+          <p:cNvSpPr>
+            <a:spLocks noGrp="1"/>
+          </p:cNvSpPr>
+          <p:nvPr>
+            <p:ph type="body" sz="quarter" idx="11"/>
+          </p:nvPr>
+        </p:nvSpPr>
+        <p:spPr/>
+        <p:txBody>
+          <a:bodyPr>
+            <a:normAutofit/>
+          </a:bodyPr>
+          <a:lstStyle/>
+          <a:p>
+            <a:r>
+              <a:rPr lang="en-GB" sz="3600" dirty="0" smtClean="0">
+                <a:solidFill>
+                  <a:schemeClr val="bg2"/>
+                </a:solidFill>
+              </a:rPr>
+              <a:t>Demonstration</a:t>
+            </a:r>
+            <a:endParaRPr lang="en-GB" sz="3600" dirty="0">
+              <a:solidFill>
+                <a:schemeClr val="bg2"/>
+              </a:solidFill>
+            </a:endParaRPr>
+          </a:p>
+        </p:txBody>
+      </p:sp>
+    </p:spTree>
+    <p:extLst>
+      <p:ext uri="{BB962C8B-B14F-4D97-AF65-F5344CB8AC3E}">
+        <p14:creationId xmlns:p14="http://schemas.microsoft.com/office/powerpoint/2010/main" val="1548586931"/>
+      </p:ext>
+    </p:extLst>
+  </p:cSld>
+  <p:clrMapOvr>
+    <a:masterClrMapping/>
+  </p:clrMapOvr>
+  <p:transition spd="med"/>
+  <p:timing>
+    <p:tnLst>
+      <p:par>
+        <p:cTn id="1" dur="indefinite" restart="never" nodeType="tmRoot"/>
+      </p:par>
+    </p:tnLst>
+  </p:timing>
+</p:sld>
+</file>
+
+<file path=ppt/slides/slide12.xml><?xml version="1.0" encoding="utf-8"?>
+<p:sld xmlns:a="http://schemas.openxmlformats.org/drawingml/2006/main" xmlns:r="http://schemas.openxmlformats.org/officeDocument/2006/relationships" xmlns:p="http://schemas.openxmlformats.org/presentationml/2006/main">
+  <p:cSld>
+    <p:spTree>
+      <p:nvGrpSpPr>
+        <p:cNvPr id="1" name=""/>
+        <p:cNvGrpSpPr/>
+        <p:nvPr/>
+      </p:nvGrpSpPr>
+      <p:grpSpPr>
+        <a:xfrm>
+          <a:off x="0" y="0"/>
+          <a:ext cx="0" cy="0"/>
+          <a:chOff x="0" y="0"/>
+          <a:chExt cx="0" cy="0"/>
+        </a:xfrm>
+      </p:grpSpPr>
+      <p:sp>
+        <p:nvSpPr>
+          <p:cNvPr id="5" name="Title 4"/>
+          <p:cNvSpPr>
+            <a:spLocks noGrp="1"/>
+          </p:cNvSpPr>
+          <p:nvPr>
+            <p:ph type="title"/>
+          </p:nvPr>
+        </p:nvSpPr>
+        <p:spPr/>
+        <p:txBody>
+          <a:bodyPr/>
+          <a:lstStyle/>
+          <a:p>
+            <a:r>
+              <a:rPr lang="en-GB" dirty="0" smtClean="0">
+                <a:solidFill>
+                  <a:schemeClr val="bg1"/>
+                </a:solidFill>
+              </a:rPr>
+              <a:t>Anti-</a:t>
+            </a:r>
+            <a:r>
+              <a:rPr lang="en-GB" dirty="0" err="1" smtClean="0">
+                <a:solidFill>
+                  <a:schemeClr val="bg1"/>
+                </a:solidFill>
+              </a:rPr>
+              <a:t>WePWNise</a:t>
+            </a:r>
+            <a:endParaRPr lang="en-GB" dirty="0">
+              <a:solidFill>
+                <a:schemeClr val="bg1"/>
+              </a:solidFill>
+            </a:endParaRPr>
+          </a:p>
+        </p:txBody>
+      </p:sp>
+      <p:sp>
+        <p:nvSpPr>
+          <p:cNvPr id="6" name="Text Placeholder 5"/>
+          <p:cNvSpPr>
+            <a:spLocks noGrp="1"/>
+          </p:cNvSpPr>
+          <p:nvPr>
+            <p:ph type="body" sz="quarter" idx="10"/>
+          </p:nvPr>
+        </p:nvSpPr>
+        <p:spPr>
+          <a:xfrm>
+            <a:off x="1504949" y="4404360"/>
+            <a:ext cx="18845767" cy="7853077"/>
+          </a:xfrm>
+        </p:spPr>
+        <p:txBody>
+          <a:bodyPr>
+            <a:normAutofit/>
+          </a:bodyPr>
+          <a:lstStyle/>
+          <a:p>
+            <a:r>
+              <a:rPr lang="en-GB" sz="6000" dirty="0" smtClean="0">
+                <a:solidFill>
+                  <a:schemeClr val="bg1"/>
+                </a:solidFill>
+                <a:latin typeface="+mj-lt"/>
+              </a:rPr>
+              <a:t>Blocked? No way.</a:t>
+            </a:r>
+          </a:p>
+          <a:p>
+            <a:r>
+              <a:rPr lang="en-GB" sz="6000" dirty="0" smtClean="0">
+                <a:solidFill>
+                  <a:schemeClr val="bg1"/>
+                </a:solidFill>
+                <a:latin typeface="+mj-lt"/>
+              </a:rPr>
+              <a:t>EMET? Good luck with that.</a:t>
+            </a:r>
+          </a:p>
+        </p:txBody>
+      </p:sp>
+      <p:sp>
+        <p:nvSpPr>
+          <p:cNvPr id="7" name="Text Placeholder 6"/>
+          <p:cNvSpPr>
+            <a:spLocks noGrp="1"/>
+          </p:cNvSpPr>
+          <p:nvPr>
+            <p:ph type="body" sz="quarter" idx="11"/>
+          </p:nvPr>
+        </p:nvSpPr>
+        <p:spPr/>
+        <p:txBody>
+          <a:bodyPr>
+            <a:normAutofit/>
+          </a:bodyPr>
+          <a:lstStyle/>
+          <a:p>
+            <a:r>
+              <a:rPr lang="en-GB" sz="3600" dirty="0" smtClean="0">
+                <a:solidFill>
+                  <a:schemeClr val="bg2"/>
+                </a:solidFill>
+              </a:rPr>
+              <a:t>What if I block X, Y and EMET Z?</a:t>
+            </a:r>
+            <a:endParaRPr lang="en-GB" sz="3600" dirty="0">
+              <a:solidFill>
+                <a:schemeClr val="bg2"/>
+              </a:solidFill>
+            </a:endParaRPr>
+          </a:p>
+        </p:txBody>
+      </p:sp>
+    </p:spTree>
+    <p:extLst>
+      <p:ext uri="{BB962C8B-B14F-4D97-AF65-F5344CB8AC3E}">
+        <p14:creationId xmlns:p14="http://schemas.microsoft.com/office/powerpoint/2010/main" val="3747023955"/>
+      </p:ext>
+    </p:extLst>
+  </p:cSld>
+  <p:clrMapOvr>
+    <a:masterClrMapping/>
+  </p:clrMapOvr>
+  <p:transition spd="med"/>
+  <p:timing>
+    <p:tnLst>
+      <p:par>
+        <p:cTn id="1" dur="indefinite" restart="never" nodeType="tmRoot">
+          <p:childTnLst>
+            <p:seq concurrent="1" nextAc="seek">
+              <p:cTn id="2" dur="indefinite" nodeType="mainSeq">
+                <p:childTnLst>
+                  <p:par>
+                    <p:cTn id="3" fill="hold">
+                      <p:stCondLst>
+                        <p:cond delay="indefinite"/>
+                        <p:cond evt="onBegin" delay="0">
+                          <p:tn val="2"/>
+                        </p:cond>
+                      </p:stCondLst>
+                      <p:childTnLst>
+                        <p:par>
+                          <p:cTn id="4" fill="hold">
+                            <p:stCondLst>
+                              <p:cond delay="0"/>
+                            </p:stCondLst>
+                            <p:childTnLst>
+                              <p:par>
+                                <p:cTn id="5" presetID="9" presetClass="emph" presetSubtype="0" nodeType="withEffect">
+                                  <p:stCondLst>
+                                    <p:cond delay="0"/>
+                                  </p:stCondLst>
+                                  <p:childTnLst>
+                                    <p:set>
+                                      <p:cBhvr rctx="PPT">
+                                        <p:cTn id="6" dur="indefinite"/>
+                                        <p:tgtEl>
+                                          <p:spTgt spid="6">
+                                            <p:txEl>
+                                              <p:pRg st="0" end="0"/>
+                                            </p:txEl>
+                                          </p:spTgt>
+                                        </p:tgtEl>
+                                        <p:attrNameLst>
+                                          <p:attrName>style.opacity</p:attrName>
+                                        </p:attrNameLst>
+                                      </p:cBhvr>
+                                      <p:to>
+                                        <p:strVal val="1"/>
+                                      </p:to>
+                                    </p:set>
+                                    <p:animEffect filter="image" prLst="opacity: 1">
+                                      <p:cBhvr rctx="IE">
+                                        <p:cTn id="7" dur="indefinite"/>
+                                        <p:tgtEl>
+                                          <p:spTgt spid="6">
+                                            <p:txEl>
+                                              <p:pRg st="0" end="0"/>
+                                            </p:txEl>
+                                          </p:spTgt>
+                                        </p:tgtEl>
+                                      </p:cBhvr>
+                                    </p:animEffect>
+                                  </p:childTnLst>
+                                </p:cTn>
+                              </p:par>
+                              <p:par>
+                                <p:cTn id="8" presetID="9" presetClass="emph" presetSubtype="0" nodeType="withEffect">
+                                  <p:stCondLst>
+                                    <p:cond delay="0"/>
+                                  </p:stCondLst>
+                                  <p:childTnLst>
+                                    <p:set>
+                                      <p:cBhvr rctx="PPT">
+                                        <p:cTn id="9" dur="indefinite"/>
+                                        <p:tgtEl>
+                                          <p:spTgt spid="6">
+                                            <p:txEl>
+                                              <p:pRg st="1" end="1"/>
+                                            </p:txEl>
+                                          </p:spTgt>
+                                        </p:tgtEl>
+                                        <p:attrNameLst>
+                                          <p:attrName>style.opacity</p:attrName>
+                                        </p:attrNameLst>
+                                      </p:cBhvr>
+                                      <p:to>
+                                        <p:strVal val="0.5"/>
+                                      </p:to>
+                                    </p:set>
+                                    <p:animEffect filter="image" prLst="opacity: 0.5">
+                                      <p:cBhvr rctx="IE">
+                                        <p:cTn id="10" dur="indefinite"/>
+                                        <p:tgtEl>
+                                          <p:spTgt spid="6">
+                                            <p:txEl>
+                                              <p:pRg st="1" end="1"/>
+                                            </p:txEl>
+                                          </p:spTgt>
+                                        </p:tgtEl>
+                                      </p:cBhvr>
+                                    </p:animEffect>
+                                  </p:childTnLst>
+                                </p:cTn>
+                              </p:par>
+                            </p:childTnLst>
+                          </p:cTn>
+                        </p:par>
+                      </p:childTnLst>
+                    </p:cTn>
+                  </p:par>
+                  <p:par>
+                    <p:cTn id="11" fill="hold">
+                      <p:stCondLst>
+                        <p:cond delay="indefinite"/>
+                      </p:stCondLst>
+                      <p:childTnLst>
+                        <p:par>
+                          <p:cTn id="12" fill="hold">
+                            <p:stCondLst>
+                              <p:cond delay="0"/>
+                            </p:stCondLst>
+                            <p:childTnLst>
+                              <p:par>
+                                <p:cTn id="13" presetID="9" presetClass="emph" presetSubtype="0" nodeType="clickEffect">
+                                  <p:stCondLst>
+                                    <p:cond delay="0"/>
+                                  </p:stCondLst>
+                                  <p:childTnLst>
+                                    <p:set>
+                                      <p:cBhvr rctx="PPT">
+                                        <p:cTn id="14" dur="indefinite"/>
+                                        <p:tgtEl>
+                                          <p:spTgt spid="6">
+                                            <p:txEl>
+                                              <p:pRg st="0" end="0"/>
+                                            </p:txEl>
+                                          </p:spTgt>
+                                        </p:tgtEl>
+                                        <p:attrNameLst>
+                                          <p:attrName>style.opacity</p:attrName>
+                                        </p:attrNameLst>
+                                      </p:cBhvr>
+                                      <p:to>
+                                        <p:strVal val="0.25"/>
+                                      </p:to>
+                                    </p:set>
+                                    <p:animEffect filter="image" prLst="opacity: 0.25">
+                                      <p:cBhvr rctx="IE">
+                                        <p:cTn id="15" dur="indefinite"/>
+                                        <p:tgtEl>
+                                          <p:spTgt spid="6">
+                                            <p:txEl>
+                                              <p:pRg st="0" end="0"/>
+                                            </p:txEl>
+                                          </p:spTgt>
+                                        </p:tgtEl>
+                                      </p:cBhvr>
+                                    </p:animEffect>
+                                  </p:childTnLst>
+                                </p:cTn>
+                              </p:par>
+                              <p:par>
+                                <p:cTn id="16" presetID="9" presetClass="emph" presetSubtype="0" nodeType="withEffect">
+                                  <p:stCondLst>
+                                    <p:cond delay="0"/>
+                                  </p:stCondLst>
+                                  <p:childTnLst>
+                                    <p:set>
+                                      <p:cBhvr rctx="PPT">
+                                        <p:cTn id="17" dur="indefinite"/>
+                                        <p:tgtEl>
+                                          <p:spTgt spid="6">
+                                            <p:txEl>
+                                              <p:pRg st="1" end="1"/>
+                                            </p:txEl>
+                                          </p:spTgt>
+                                        </p:tgtEl>
+                                        <p:attrNameLst>
+                                          <p:attrName>style.opacity</p:attrName>
+                                        </p:attrNameLst>
+                                      </p:cBhvr>
+                                      <p:to>
+                                        <p:strVal val="1"/>
+                                      </p:to>
+                                    </p:set>
+                                    <p:animEffect filter="image" prLst="opacity: 1">
+                                      <p:cBhvr rctx="IE">
+                                        <p:cTn id="18" dur="indefinite"/>
+                                        <p:tgtEl>
+                                          <p:spTgt spid="6">
+                                            <p:txEl>
+                                              <p:pRg st="1" end="1"/>
+                                            </p:txEl>
+                                          </p:spTgt>
+                                        </p:tgtEl>
+                                      </p:cBhvr>
+                                    </p:animEffect>
+                                  </p:childTnLst>
+                                </p:cTn>
+                              </p:par>
+                            </p:childTnLst>
+                          </p:cTn>
+                        </p:par>
+                      </p:childTnLst>
+                    </p:cTn>
+                  </p:par>
+                </p:childTnLst>
+              </p:cTn>
+              <p:prevCondLst>
+                <p:cond evt="onPrev" delay="0">
+                  <p:tgtEl>
+                    <p:sldTgt/>
+                  </p:tgtEl>
+                </p:cond>
+              </p:prevCondLst>
+              <p:nextCondLst>
+                <p:cond evt="onNext" delay="0">
+                  <p:tgtEl>
+                    <p:sldTgt/>
+                  </p:tgtEl>
+                </p:cond>
+              </p:nextCondLst>
+            </p:seq>
+          </p:childTnLst>
+        </p:cTn>
+      </p:par>
+    </p:tnLst>
+  </p:timing>
+</p:sld>
+</file>
+
+<file path=ppt/slides/slide13.xml><?xml version="1.0" encoding="utf-8"?>
+<p:sld xmlns:a="http://schemas.openxmlformats.org/drawingml/2006/main" xmlns:r="http://schemas.openxmlformats.org/officeDocument/2006/relationships" xmlns:p="http://schemas.openxmlformats.org/presentationml/2006/main">
+  <p:cSld>
+    <p:spTree>
+      <p:nvGrpSpPr>
+        <p:cNvPr id="1" name=""/>
+        <p:cNvGrpSpPr/>
+        <p:nvPr/>
+      </p:nvGrpSpPr>
+      <p:grpSpPr>
+        <a:xfrm>
+          <a:off x="0" y="0"/>
+          <a:ext cx="0" cy="0"/>
+          <a:chOff x="0" y="0"/>
+          <a:chExt cx="0" cy="0"/>
+        </a:xfrm>
+      </p:grpSpPr>
+      <p:sp>
+        <p:nvSpPr>
+          <p:cNvPr id="5" name="Title 4"/>
+          <p:cNvSpPr>
+            <a:spLocks noGrp="1"/>
+          </p:cNvSpPr>
+          <p:nvPr>
+            <p:ph type="title"/>
+          </p:nvPr>
+        </p:nvSpPr>
+        <p:spPr/>
+        <p:txBody>
+          <a:bodyPr/>
+          <a:lstStyle/>
+          <a:p>
+            <a:r>
+              <a:rPr lang="en-GB" dirty="0" smtClean="0">
+                <a:solidFill>
+                  <a:schemeClr val="bg1"/>
+                </a:solidFill>
+              </a:rPr>
+              <a:t>Anti-</a:t>
+            </a:r>
+            <a:r>
+              <a:rPr lang="en-GB" dirty="0" err="1" smtClean="0">
+                <a:solidFill>
+                  <a:schemeClr val="bg1"/>
+                </a:solidFill>
+              </a:rPr>
+              <a:t>WePWNise</a:t>
+            </a:r>
+            <a:endParaRPr lang="en-GB" dirty="0">
+              <a:solidFill>
+                <a:schemeClr val="bg1"/>
+              </a:solidFill>
+            </a:endParaRPr>
+          </a:p>
+        </p:txBody>
+      </p:sp>
+      <p:sp>
+        <p:nvSpPr>
+          <p:cNvPr id="6" name="Text Placeholder 5"/>
+          <p:cNvSpPr>
+            <a:spLocks noGrp="1"/>
+          </p:cNvSpPr>
+          <p:nvPr>
+            <p:ph type="body" sz="quarter" idx="10"/>
+          </p:nvPr>
+        </p:nvSpPr>
+        <p:spPr>
+          <a:xfrm>
+            <a:off x="1504949" y="4404360"/>
+            <a:ext cx="18845767" cy="7853077"/>
+          </a:xfrm>
+        </p:spPr>
+        <p:txBody>
+          <a:bodyPr>
+            <a:normAutofit/>
+          </a:bodyPr>
+          <a:lstStyle/>
+          <a:p>
+            <a:r>
+              <a:rPr lang="en-GB" sz="6000" dirty="0" smtClean="0">
+                <a:solidFill>
+                  <a:schemeClr val="bg1"/>
+                </a:solidFill>
+                <a:latin typeface="+mj-lt"/>
+              </a:rPr>
+              <a:t>Whitelist X.exe</a:t>
+            </a:r>
+          </a:p>
+          <a:p>
+            <a:r>
+              <a:rPr lang="en-GB" sz="6000" dirty="0" smtClean="0">
+                <a:solidFill>
+                  <a:schemeClr val="bg1"/>
+                </a:solidFill>
+                <a:latin typeface="+mj-lt"/>
+              </a:rPr>
+              <a:t>EMET X.exe</a:t>
+            </a:r>
+          </a:p>
+          <a:p>
+            <a:r>
+              <a:rPr lang="en-GB" sz="6000" dirty="0" smtClean="0">
+                <a:solidFill>
+                  <a:schemeClr val="bg1"/>
+                </a:solidFill>
+              </a:rPr>
+              <a:t>Winlogon.exe</a:t>
+            </a:r>
+            <a:endParaRPr lang="en-GB" sz="6000" dirty="0" smtClean="0">
+              <a:solidFill>
+                <a:schemeClr val="bg1"/>
+              </a:solidFill>
+              <a:latin typeface="+mj-lt"/>
+            </a:endParaRPr>
+          </a:p>
+          <a:p>
+            <a:r>
+              <a:rPr lang="en-GB" sz="6000" dirty="0" smtClean="0">
+                <a:solidFill>
+                  <a:schemeClr val="bg1"/>
+                </a:solidFill>
+                <a:latin typeface="+mj-lt"/>
+              </a:rPr>
+              <a:t>EMET all Windows Default Executables</a:t>
+            </a:r>
+          </a:p>
+          <a:p>
+            <a:endParaRPr lang="en-GB" sz="6000" dirty="0" smtClean="0">
+              <a:solidFill>
+                <a:schemeClr val="bg1"/>
+              </a:solidFill>
+              <a:latin typeface="+mj-lt"/>
+            </a:endParaRPr>
+          </a:p>
+        </p:txBody>
+      </p:sp>
+      <p:sp>
+        <p:nvSpPr>
+          <p:cNvPr id="7" name="Text Placeholder 6"/>
+          <p:cNvSpPr>
+            <a:spLocks noGrp="1"/>
+          </p:cNvSpPr>
+          <p:nvPr>
+            <p:ph type="body" sz="quarter" idx="11"/>
+          </p:nvPr>
+        </p:nvSpPr>
+        <p:spPr/>
+        <p:txBody>
+          <a:bodyPr>
+            <a:normAutofit/>
+          </a:bodyPr>
+          <a:lstStyle/>
+          <a:p>
+            <a:r>
+              <a:rPr lang="en-GB" sz="3600" dirty="0" smtClean="0">
+                <a:solidFill>
+                  <a:schemeClr val="bg2"/>
+                </a:solidFill>
+              </a:rPr>
+              <a:t>The Solution</a:t>
+            </a:r>
+            <a:endParaRPr lang="en-GB" sz="3600" dirty="0">
+              <a:solidFill>
+                <a:schemeClr val="bg2"/>
+              </a:solidFill>
+            </a:endParaRPr>
+          </a:p>
+        </p:txBody>
+      </p:sp>
+    </p:spTree>
+    <p:extLst>
+      <p:ext uri="{BB962C8B-B14F-4D97-AF65-F5344CB8AC3E}">
+        <p14:creationId xmlns:p14="http://schemas.microsoft.com/office/powerpoint/2010/main" val="2474300495"/>
+      </p:ext>
+    </p:extLst>
+  </p:cSld>
+  <p:clrMapOvr>
+    <a:masterClrMapping/>
+  </p:clrMapOvr>
+  <p:transition spd="med"/>
+  <p:timing>
+    <p:tnLst>
+      <p:par>
+        <p:cTn id="1" dur="indefinite" restart="never" nodeType="tmRoot">
+          <p:childTnLst>
+            <p:seq concurrent="1" nextAc="seek">
+              <p:cTn id="2" dur="indefinite" nodeType="mainSeq">
+                <p:childTnLst>
+                  <p:par>
+                    <p:cTn id="3" fill="hold">
+                      <p:stCondLst>
+                        <p:cond delay="indefinite"/>
+                        <p:cond evt="onBegin" delay="0">
+                          <p:tn val="2"/>
+                        </p:cond>
+                      </p:stCondLst>
+                      <p:childTnLst>
+                        <p:par>
+                          <p:cTn id="4" fill="hold">
+                            <p:stCondLst>
+                              <p:cond delay="0"/>
+                            </p:stCondLst>
+                            <p:childTnLst>
+                              <p:par>
+                                <p:cTn id="5" presetID="9" presetClass="emph" presetSubtype="0" nodeType="withEffect">
+                                  <p:stCondLst>
+                                    <p:cond delay="0"/>
+                                  </p:stCondLst>
+                                  <p:childTnLst>
+                                    <p:set>
+                                      <p:cBhvr rctx="PPT">
+                                        <p:cTn id="6" dur="indefinite"/>
+                                        <p:tgtEl>
+                                          <p:spTgt spid="6">
+                                            <p:txEl>
+                                              <p:pRg st="0" end="0"/>
+                                            </p:txEl>
+                                          </p:spTgt>
+                                        </p:tgtEl>
+                                        <p:attrNameLst>
+                                          <p:attrName>style.opacity</p:attrName>
+                                        </p:attrNameLst>
+                                      </p:cBhvr>
+                                      <p:to>
+                                        <p:strVal val="1"/>
+                                      </p:to>
+                                    </p:set>
+                                    <p:animEffect filter="image" prLst="opacity: 1">
+                                      <p:cBhvr rctx="IE">
+                                        <p:cTn id="7" dur="indefinite"/>
+                                        <p:tgtEl>
+                                          <p:spTgt spid="6">
+                                            <p:txEl>
+                                              <p:pRg st="0" end="0"/>
+                                            </p:txEl>
+                                          </p:spTgt>
+                                        </p:tgtEl>
+                                      </p:cBhvr>
+                                    </p:animEffect>
+                                  </p:childTnLst>
+                                </p:cTn>
+                              </p:par>
+                              <p:par>
+                                <p:cTn id="8" presetID="9" presetClass="emph" presetSubtype="0" nodeType="withEffect">
+                                  <p:stCondLst>
+                                    <p:cond delay="0"/>
+                                  </p:stCondLst>
+                                  <p:childTnLst>
+                                    <p:set>
+                                      <p:cBhvr rctx="PPT">
+                                        <p:cTn id="9" dur="indefinite"/>
+                                        <p:tgtEl>
+                                          <p:spTgt spid="6">
+                                            <p:txEl>
+                                              <p:pRg st="1" end="1"/>
+                                            </p:txEl>
+                                          </p:spTgt>
+                                        </p:tgtEl>
+                                        <p:attrNameLst>
+                                          <p:attrName>style.opacity</p:attrName>
+                                        </p:attrNameLst>
+                                      </p:cBhvr>
+                                      <p:to>
+                                        <p:strVal val="0.25"/>
+                                      </p:to>
+                                    </p:set>
+                                    <p:animEffect filter="image" prLst="opacity: 0.25">
+                                      <p:cBhvr rctx="IE">
+                                        <p:cTn id="10" dur="indefinite"/>
+                                        <p:tgtEl>
+                                          <p:spTgt spid="6">
+                                            <p:txEl>
+                                              <p:pRg st="1" end="1"/>
+                                            </p:txEl>
+                                          </p:spTgt>
+                                        </p:tgtEl>
+                                      </p:cBhvr>
+                                    </p:animEffect>
+                                  </p:childTnLst>
+                                </p:cTn>
+                              </p:par>
+                              <p:par>
+                                <p:cTn id="11" presetID="9" presetClass="emph" presetSubtype="0" nodeType="withEffect">
+                                  <p:stCondLst>
+                                    <p:cond delay="0"/>
+                                  </p:stCondLst>
+                                  <p:childTnLst>
+                                    <p:set>
+                                      <p:cBhvr rctx="PPT">
+                                        <p:cTn id="12" dur="indefinite"/>
+                                        <p:tgtEl>
+                                          <p:spTgt spid="6">
+                                            <p:txEl>
+                                              <p:pRg st="2" end="2"/>
+                                            </p:txEl>
+                                          </p:spTgt>
+                                        </p:tgtEl>
+                                        <p:attrNameLst>
+                                          <p:attrName>style.opacity</p:attrName>
+                                        </p:attrNameLst>
+                                      </p:cBhvr>
+                                      <p:to>
+                                        <p:strVal val="0.25"/>
+                                      </p:to>
+                                    </p:set>
+                                    <p:animEffect filter="image" prLst="opacity: 0.25">
+                                      <p:cBhvr rctx="IE">
+                                        <p:cTn id="13" dur="indefinite"/>
+                                        <p:tgtEl>
+                                          <p:spTgt spid="6">
+                                            <p:txEl>
+                                              <p:pRg st="2" end="2"/>
+                                            </p:txEl>
+                                          </p:spTgt>
+                                        </p:tgtEl>
+                                      </p:cBhvr>
+                                    </p:animEffect>
+                                  </p:childTnLst>
+                                </p:cTn>
+                              </p:par>
+                              <p:par>
+                                <p:cTn id="14" presetID="9" presetClass="emph" presetSubtype="0" nodeType="withEffect">
+                                  <p:stCondLst>
+                                    <p:cond delay="0"/>
+                                  </p:stCondLst>
+                                  <p:childTnLst>
+                                    <p:set>
+                                      <p:cBhvr rctx="PPT">
+                                        <p:cTn id="15" dur="indefinite"/>
+                                        <p:tgtEl>
+                                          <p:spTgt spid="6">
+                                            <p:txEl>
+                                              <p:pRg st="3" end="3"/>
+                                            </p:txEl>
+                                          </p:spTgt>
+                                        </p:tgtEl>
+                                        <p:attrNameLst>
+                                          <p:attrName>style.opacity</p:attrName>
+                                        </p:attrNameLst>
+                                      </p:cBhvr>
+                                      <p:to>
+                                        <p:strVal val="0.25"/>
+                                      </p:to>
+                                    </p:set>
+                                    <p:animEffect filter="image" prLst="opacity: 0.25">
+                                      <p:cBhvr rctx="IE">
+                                        <p:cTn id="16" dur="indefinite"/>
+                                        <p:tgtEl>
+                                          <p:spTgt spid="6">
+                                            <p:txEl>
+                                              <p:pRg st="3" end="3"/>
+                                            </p:txEl>
+                                          </p:spTgt>
+                                        </p:tgtEl>
+                                      </p:cBhvr>
+                                    </p:animEffect>
+                                  </p:childTnLst>
+                                </p:cTn>
+                              </p:par>
+                            </p:childTnLst>
+                          </p:cTn>
+                        </p:par>
+                      </p:childTnLst>
+                    </p:cTn>
+                  </p:par>
+                  <p:par>
+                    <p:cTn id="17" fill="hold">
+                      <p:stCondLst>
+                        <p:cond delay="indefinite"/>
+                      </p:stCondLst>
+                      <p:childTnLst>
+                        <p:par>
+                          <p:cTn id="18" fill="hold">
+                            <p:stCondLst>
+                              <p:cond delay="0"/>
+                            </p:stCondLst>
+                            <p:childTnLst>
+                              <p:par>
+                                <p:cTn id="19" presetID="9" presetClass="emph" presetSubtype="0" nodeType="clickEffect">
+                                  <p:stCondLst>
+                                    <p:cond delay="0"/>
+                                  </p:stCondLst>
+                                  <p:childTnLst>
+                                    <p:set>
+                                      <p:cBhvr rctx="PPT">
+                                        <p:cTn id="20" dur="indefinite"/>
+                                        <p:tgtEl>
+                                          <p:spTgt spid="6">
+                                            <p:txEl>
+                                              <p:pRg st="0" end="0"/>
+                                            </p:txEl>
+                                          </p:spTgt>
+                                        </p:tgtEl>
+                                        <p:attrNameLst>
+                                          <p:attrName>style.opacity</p:attrName>
+                                        </p:attrNameLst>
+                                      </p:cBhvr>
+                                      <p:to>
+                                        <p:strVal val="0.25"/>
+                                      </p:to>
+                                    </p:set>
+                                    <p:animEffect filter="image" prLst="opacity: 0.25">
+                                      <p:cBhvr rctx="IE">
+                                        <p:cTn id="21" dur="indefinite"/>
+                                        <p:tgtEl>
+                                          <p:spTgt spid="6">
+                                            <p:txEl>
+                                              <p:pRg st="0" end="0"/>
+                                            </p:txEl>
+                                          </p:spTgt>
+                                        </p:tgtEl>
+                                      </p:cBhvr>
+                                    </p:animEffect>
+                                  </p:childTnLst>
+                                </p:cTn>
+                              </p:par>
+                              <p:par>
+                                <p:cTn id="22" presetID="9" presetClass="emph" presetSubtype="0" nodeType="withEffect">
+                                  <p:stCondLst>
+                                    <p:cond delay="0"/>
+                                  </p:stCondLst>
+                                  <p:childTnLst>
+                                    <p:set>
+                                      <p:cBhvr rctx="PPT">
+                                        <p:cTn id="23" dur="indefinite"/>
+                                        <p:tgtEl>
+                                          <p:spTgt spid="6">
+                                            <p:txEl>
+                                              <p:pRg st="1" end="1"/>
+                                            </p:txEl>
+                                          </p:spTgt>
+                                        </p:tgtEl>
+                                        <p:attrNameLst>
+                                          <p:attrName>style.opacity</p:attrName>
+                                        </p:attrNameLst>
+                                      </p:cBhvr>
+                                      <p:to>
+                                        <p:strVal val="1"/>
+                                      </p:to>
+                                    </p:set>
+                                    <p:animEffect filter="image" prLst="opacity: 1">
+                                      <p:cBhvr rctx="IE">
+                                        <p:cTn id="24" dur="indefinite"/>
+                                        <p:tgtEl>
+                                          <p:spTgt spid="6">
+                                            <p:txEl>
+                                              <p:pRg st="1" end="1"/>
+                                            </p:txEl>
+                                          </p:spTgt>
+                                        </p:tgtEl>
+                                      </p:cBhvr>
+                                    </p:animEffect>
+                                  </p:childTnLst>
+                                </p:cTn>
+                              </p:par>
+                            </p:childTnLst>
+                          </p:cTn>
+                        </p:par>
+                      </p:childTnLst>
+                    </p:cTn>
+                  </p:par>
+                  <p:par>
+                    <p:cTn id="25" fill="hold">
+                      <p:stCondLst>
+                        <p:cond delay="indefinite"/>
+                      </p:stCondLst>
+                      <p:childTnLst>
+                        <p:par>
+                          <p:cTn id="26" fill="hold">
+                            <p:stCondLst>
+                              <p:cond delay="0"/>
+                            </p:stCondLst>
+                            <p:childTnLst>
+                              <p:par>
+                                <p:cTn id="27" presetID="9" presetClass="emph" presetSubtype="0" nodeType="clickEffect">
+                                  <p:stCondLst>
+                                    <p:cond delay="0"/>
+                                  </p:stCondLst>
+                                  <p:childTnLst>
+                                    <p:set>
+                                      <p:cBhvr rctx="PPT">
+                                        <p:cTn id="28" dur="indefinite"/>
+                                        <p:tgtEl>
+                                          <p:spTgt spid="6">
+                                            <p:txEl>
+                                              <p:pRg st="1" end="1"/>
+                                            </p:txEl>
+                                          </p:spTgt>
+                                        </p:tgtEl>
+                                        <p:attrNameLst>
+                                          <p:attrName>style.opacity</p:attrName>
+                                        </p:attrNameLst>
+                                      </p:cBhvr>
+                                      <p:to>
+                                        <p:strVal val="0.25"/>
+                                      </p:to>
+                                    </p:set>
+                                    <p:animEffect filter="image" prLst="opacity: 0.25">
+                                      <p:cBhvr rctx="IE">
+                                        <p:cTn id="29" dur="indefinite"/>
+                                        <p:tgtEl>
+                                          <p:spTgt spid="6">
+                                            <p:txEl>
+                                              <p:pRg st="1" end="1"/>
+                                            </p:txEl>
+                                          </p:spTgt>
+                                        </p:tgtEl>
+                                      </p:cBhvr>
+                                    </p:animEffect>
+                                  </p:childTnLst>
+                                </p:cTn>
+                              </p:par>
+                              <p:par>
+                                <p:cTn id="30" presetID="9" presetClass="emph" presetSubtype="0" nodeType="withEffect">
+                                  <p:stCondLst>
+                                    <p:cond delay="0"/>
+                                  </p:stCondLst>
+                                  <p:childTnLst>
+                                    <p:set>
+                                      <p:cBhvr rctx="PPT">
+                                        <p:cTn id="31" dur="indefinite"/>
+                                        <p:tgtEl>
+                                          <p:spTgt spid="6">
+                                            <p:txEl>
+                                              <p:pRg st="2" end="2"/>
+                                            </p:txEl>
+                                          </p:spTgt>
+                                        </p:tgtEl>
+                                        <p:attrNameLst>
+                                          <p:attrName>style.opacity</p:attrName>
+                                        </p:attrNameLst>
+                                      </p:cBhvr>
+                                      <p:to>
+                                        <p:strVal val="1"/>
+                                      </p:to>
+                                    </p:set>
+                                    <p:animEffect filter="image" prLst="opacity: 1">
+                                      <p:cBhvr rctx="IE">
+                                        <p:cTn id="32" dur="indefinite"/>
+                                        <p:tgtEl>
+                                          <p:spTgt spid="6">
+                                            <p:txEl>
+                                              <p:pRg st="2" end="2"/>
+                                            </p:txEl>
+                                          </p:spTgt>
+                                        </p:tgtEl>
+                                      </p:cBhvr>
+                                    </p:animEffect>
+                                  </p:childTnLst>
+                                </p:cTn>
+                              </p:par>
+                            </p:childTnLst>
+                          </p:cTn>
+                        </p:par>
+                      </p:childTnLst>
+                    </p:cTn>
+                  </p:par>
+                  <p:par>
+                    <p:cTn id="33" fill="hold">
+                      <p:stCondLst>
+                        <p:cond delay="indefinite"/>
+                      </p:stCondLst>
+                      <p:childTnLst>
+                        <p:par>
+                          <p:cTn id="34" fill="hold">
+                            <p:stCondLst>
+                              <p:cond delay="0"/>
+                            </p:stCondLst>
+                            <p:childTnLst>
+                              <p:par>
+                                <p:cTn id="35" presetID="9" presetClass="emph" presetSubtype="0" nodeType="clickEffect">
+                                  <p:stCondLst>
+                                    <p:cond delay="0"/>
+                                  </p:stCondLst>
+                                  <p:childTnLst>
+                                    <p:set>
+                                      <p:cBhvr rctx="PPT">
+                                        <p:cTn id="36" dur="indefinite"/>
+                                        <p:tgtEl>
+                                          <p:spTgt spid="6">
+                                            <p:txEl>
+                                              <p:pRg st="2" end="2"/>
+                                            </p:txEl>
+                                          </p:spTgt>
+                                        </p:tgtEl>
+                                        <p:attrNameLst>
+                                          <p:attrName>style.opacity</p:attrName>
+                                        </p:attrNameLst>
+                                      </p:cBhvr>
+                                      <p:to>
+                                        <p:strVal val="0.25"/>
+                                      </p:to>
+                                    </p:set>
+                                    <p:animEffect filter="image" prLst="opacity: 0.25">
+                                      <p:cBhvr rctx="IE">
+                                        <p:cTn id="37" dur="indefinite"/>
+                                        <p:tgtEl>
+                                          <p:spTgt spid="6">
+                                            <p:txEl>
+                                              <p:pRg st="2" end="2"/>
+                                            </p:txEl>
+                                          </p:spTgt>
+                                        </p:tgtEl>
+                                      </p:cBhvr>
+                                    </p:animEffect>
+                                  </p:childTnLst>
+                                </p:cTn>
+                              </p:par>
+                              <p:par>
+                                <p:cTn id="38" presetID="9" presetClass="emph" presetSubtype="0" nodeType="withEffect">
+                                  <p:stCondLst>
+                                    <p:cond delay="0"/>
+                                  </p:stCondLst>
+                                  <p:childTnLst>
+                                    <p:set>
+                                      <p:cBhvr rctx="PPT">
+                                        <p:cTn id="39" dur="indefinite"/>
+                                        <p:tgtEl>
+                                          <p:spTgt spid="6">
+                                            <p:txEl>
+                                              <p:pRg st="3" end="3"/>
+                                            </p:txEl>
+                                          </p:spTgt>
+                                        </p:tgtEl>
+                                        <p:attrNameLst>
+                                          <p:attrName>style.opacity</p:attrName>
+                                        </p:attrNameLst>
+                                      </p:cBhvr>
+                                      <p:to>
+                                        <p:strVal val="1"/>
+                                      </p:to>
+                                    </p:set>
+                                    <p:animEffect filter="image" prLst="opacity: 1">
+                                      <p:cBhvr rctx="IE">
+                                        <p:cTn id="40" dur="indefinite"/>
+                                        <p:tgtEl>
+                                          <p:spTgt spid="6">
+                                            <p:txEl>
+                                              <p:pRg st="3" end="3"/>
+                                            </p:txEl>
+                                          </p:spTgt>
+                                        </p:tgtEl>
+                                      </p:cBhvr>
+                                    </p:animEffect>
+                                  </p:childTnLst>
+                                </p:cTn>
+                              </p:par>
+                            </p:childTnLst>
+                          </p:cTn>
+                        </p:par>
+                      </p:childTnLst>
+                    </p:cTn>
+                  </p:par>
+                </p:childTnLst>
+              </p:cTn>
+              <p:prevCondLst>
+                <p:cond evt="onPrev" delay="0">
+                  <p:tgtEl>
+                    <p:sldTgt/>
+                  </p:tgtEl>
+                </p:cond>
+              </p:prevCondLst>
+              <p:nextCondLst>
+                <p:cond evt="onNext" delay="0">
+                  <p:tgtEl>
+                    <p:sldTgt/>
+                  </p:tgtEl>
+                </p:cond>
+              </p:nextCondLst>
+            </p:seq>
+          </p:childTnLst>
+        </p:cTn>
+      </p:par>
+    </p:tnLst>
+  </p:timing>
+</p:sld>
+</file>
+
 <file path=ppt/slides/slide2.xml><?xml version="1.0" encoding="utf-8"?>
 <p:sld xmlns:a="http://schemas.openxmlformats.org/drawingml/2006/main" xmlns:r="http://schemas.openxmlformats.org/officeDocument/2006/relationships" xmlns:p="http://schemas.openxmlformats.org/presentationml/2006/main">
   <p:cSld>
@@ -5791,27 +7610,577 @@
                       </p:childTnLst>
                     </p:cTn>
                   </p:par>
+                </p:childTnLst>
+              </p:cTn>
+              <p:prevCondLst>
+                <p:cond evt="onPrev" delay="0">
+                  <p:tgtEl>
+                    <p:sldTgt/>
+                  </p:tgtEl>
+                </p:cond>
+              </p:prevCondLst>
+              <p:nextCondLst>
+                <p:cond evt="onNext" delay="0">
+                  <p:tgtEl>
+                    <p:sldTgt/>
+                  </p:tgtEl>
+                </p:cond>
+              </p:nextCondLst>
+            </p:seq>
+          </p:childTnLst>
+        </p:cTn>
+      </p:par>
+    </p:tnLst>
+  </p:timing>
+</p:sld>
+</file>
+
+<file path=ppt/slides/slide3.xml><?xml version="1.0" encoding="utf-8"?>
+<p:sld xmlns:a="http://schemas.openxmlformats.org/drawingml/2006/main" xmlns:r="http://schemas.openxmlformats.org/officeDocument/2006/relationships" xmlns:p="http://schemas.openxmlformats.org/presentationml/2006/main">
+  <p:cSld>
+    <p:spTree>
+      <p:nvGrpSpPr>
+        <p:cNvPr id="1" name=""/>
+        <p:cNvGrpSpPr/>
+        <p:nvPr/>
+      </p:nvGrpSpPr>
+      <p:grpSpPr>
+        <a:xfrm>
+          <a:off x="0" y="0"/>
+          <a:ext cx="0" cy="0"/>
+          <a:chOff x="0" y="0"/>
+          <a:chExt cx="0" cy="0"/>
+        </a:xfrm>
+      </p:grpSpPr>
+      <p:sp>
+        <p:nvSpPr>
+          <p:cNvPr id="5" name="Title 4"/>
+          <p:cNvSpPr>
+            <a:spLocks noGrp="1"/>
+          </p:cNvSpPr>
+          <p:nvPr>
+            <p:ph type="title"/>
+          </p:nvPr>
+        </p:nvSpPr>
+        <p:spPr/>
+        <p:txBody>
+          <a:bodyPr/>
+          <a:lstStyle/>
+          <a:p>
+            <a:r>
+              <a:rPr lang="en-GB" dirty="0" smtClean="0">
+                <a:solidFill>
+                  <a:schemeClr val="bg1"/>
+                </a:solidFill>
+              </a:rPr>
+              <a:t>What is EMET?</a:t>
+            </a:r>
+            <a:endParaRPr lang="en-GB" dirty="0">
+              <a:solidFill>
+                <a:schemeClr val="bg1"/>
+              </a:solidFill>
+            </a:endParaRPr>
+          </a:p>
+        </p:txBody>
+      </p:sp>
+      <p:sp>
+        <p:nvSpPr>
+          <p:cNvPr id="6" name="Text Placeholder 5"/>
+          <p:cNvSpPr>
+            <a:spLocks noGrp="1"/>
+          </p:cNvSpPr>
+          <p:nvPr>
+            <p:ph type="body" sz="quarter" idx="10"/>
+          </p:nvPr>
+        </p:nvSpPr>
+        <p:spPr>
+          <a:xfrm>
+            <a:off x="1504949" y="4404360"/>
+            <a:ext cx="18845767" cy="7853077"/>
+          </a:xfrm>
+        </p:spPr>
+        <p:txBody>
+          <a:bodyPr>
+            <a:normAutofit/>
+          </a:bodyPr>
+          <a:lstStyle/>
+          <a:p>
+            <a:pPr marL="0" indent="0">
+              <a:buNone/>
+            </a:pPr>
+            <a:r>
+              <a:rPr lang="en-GB" sz="6000" dirty="0" smtClean="0">
+                <a:solidFill>
+                  <a:schemeClr val="bg1"/>
+                </a:solidFill>
+                <a:latin typeface="+mj-lt"/>
+              </a:rPr>
+              <a:t>&lt;IMAGE OF EMET OPTIONS&gt;</a:t>
+            </a:r>
+            <a:endParaRPr lang="en-GB" sz="6000" dirty="0" smtClean="0">
+              <a:solidFill>
+                <a:schemeClr val="bg1"/>
+              </a:solidFill>
+              <a:latin typeface="+mj-lt"/>
+            </a:endParaRPr>
+          </a:p>
+        </p:txBody>
+      </p:sp>
+      <p:sp>
+        <p:nvSpPr>
+          <p:cNvPr id="7" name="Text Placeholder 6"/>
+          <p:cNvSpPr>
+            <a:spLocks noGrp="1"/>
+          </p:cNvSpPr>
+          <p:nvPr>
+            <p:ph type="body" sz="quarter" idx="11"/>
+          </p:nvPr>
+        </p:nvSpPr>
+        <p:spPr/>
+        <p:txBody>
+          <a:bodyPr>
+            <a:normAutofit/>
+          </a:bodyPr>
+          <a:lstStyle/>
+          <a:p>
+            <a:r>
+              <a:rPr lang="en-GB" sz="3600" dirty="0" smtClean="0">
+                <a:solidFill>
+                  <a:schemeClr val="bg2"/>
+                </a:solidFill>
+              </a:rPr>
+              <a:t>EMET</a:t>
+            </a:r>
+            <a:endParaRPr lang="en-GB" sz="3600" dirty="0">
+              <a:solidFill>
+                <a:schemeClr val="bg2"/>
+              </a:solidFill>
+            </a:endParaRPr>
+          </a:p>
+        </p:txBody>
+      </p:sp>
+    </p:spTree>
+    <p:extLst>
+      <p:ext uri="{BB962C8B-B14F-4D97-AF65-F5344CB8AC3E}">
+        <p14:creationId xmlns:p14="http://schemas.microsoft.com/office/powerpoint/2010/main" val="3933471616"/>
+      </p:ext>
+    </p:extLst>
+  </p:cSld>
+  <p:clrMapOvr>
+    <a:masterClrMapping/>
+  </p:clrMapOvr>
+  <p:transition spd="med"/>
+  <p:timing>
+    <p:tnLst>
+      <p:par>
+        <p:cTn id="1" dur="indefinite" restart="never" nodeType="tmRoot">
+          <p:childTnLst>
+            <p:seq concurrent="1" nextAc="seek">
+              <p:cTn id="2" dur="indefinite" nodeType="mainSeq">
+                <p:childTnLst>
                   <p:par>
-                    <p:cTn id="14" fill="hold">
+                    <p:cTn id="3" fill="hold">
                       <p:stCondLst>
                         <p:cond delay="indefinite"/>
+                        <p:cond evt="onBegin" delay="0">
+                          <p:tn val="2"/>
+                        </p:cond>
                       </p:stCondLst>
                       <p:childTnLst>
                         <p:par>
-                          <p:cTn id="15" fill="hold">
+                          <p:cTn id="4" fill="hold">
                             <p:stCondLst>
                               <p:cond delay="0"/>
                             </p:stCondLst>
                             <p:childTnLst>
                               <p:par>
-                                <p:cTn id="16" presetID="9" presetClass="emph" presetSubtype="0" nodeType="clickEffect">
+                                <p:cTn id="5" presetID="9" presetClass="emph" presetSubtype="0" nodeType="withEffect">
                                   <p:stCondLst>
                                     <p:cond delay="0"/>
                                   </p:stCondLst>
                                   <p:childTnLst>
                                     <p:set>
                                       <p:cBhvr rctx="PPT">
-                                        <p:cTn id="17" dur="indefinite"/>
+                                        <p:cTn id="6" dur="indefinite"/>
+                                        <p:tgtEl>
+                                          <p:spTgt spid="6">
+                                            <p:txEl>
+                                              <p:pRg st="0" end="0"/>
+                                            </p:txEl>
+                                          </p:spTgt>
+                                        </p:tgtEl>
+                                        <p:attrNameLst>
+                                          <p:attrName>style.opacity</p:attrName>
+                                        </p:attrNameLst>
+                                      </p:cBhvr>
+                                      <p:to>
+                                        <p:strVal val="1"/>
+                                      </p:to>
+                                    </p:set>
+                                    <p:animEffect filter="image" prLst="opacity: 1">
+                                      <p:cBhvr rctx="IE">
+                                        <p:cTn id="7" dur="indefinite"/>
+                                        <p:tgtEl>
+                                          <p:spTgt spid="6">
+                                            <p:txEl>
+                                              <p:pRg st="0" end="0"/>
+                                            </p:txEl>
+                                          </p:spTgt>
+                                        </p:tgtEl>
+                                      </p:cBhvr>
+                                    </p:animEffect>
+                                  </p:childTnLst>
+                                </p:cTn>
+                              </p:par>
+                            </p:childTnLst>
+                          </p:cTn>
+                        </p:par>
+                      </p:childTnLst>
+                    </p:cTn>
+                  </p:par>
+                </p:childTnLst>
+              </p:cTn>
+              <p:prevCondLst>
+                <p:cond evt="onPrev" delay="0">
+                  <p:tgtEl>
+                    <p:sldTgt/>
+                  </p:tgtEl>
+                </p:cond>
+              </p:prevCondLst>
+              <p:nextCondLst>
+                <p:cond evt="onNext" delay="0">
+                  <p:tgtEl>
+                    <p:sldTgt/>
+                  </p:tgtEl>
+                </p:cond>
+              </p:nextCondLst>
+            </p:seq>
+          </p:childTnLst>
+        </p:cTn>
+      </p:par>
+    </p:tnLst>
+  </p:timing>
+</p:sld>
+</file>
+
+<file path=ppt/slides/slide4.xml><?xml version="1.0" encoding="utf-8"?>
+<p:sld xmlns:a="http://schemas.openxmlformats.org/drawingml/2006/main" xmlns:r="http://schemas.openxmlformats.org/officeDocument/2006/relationships" xmlns:p="http://schemas.openxmlformats.org/presentationml/2006/main">
+  <p:cSld>
+    <p:spTree>
+      <p:nvGrpSpPr>
+        <p:cNvPr id="1" name=""/>
+        <p:cNvGrpSpPr/>
+        <p:nvPr/>
+      </p:nvGrpSpPr>
+      <p:grpSpPr>
+        <a:xfrm>
+          <a:off x="0" y="0"/>
+          <a:ext cx="0" cy="0"/>
+          <a:chOff x="0" y="0"/>
+          <a:chExt cx="0" cy="0"/>
+        </a:xfrm>
+      </p:grpSpPr>
+      <p:sp>
+        <p:nvSpPr>
+          <p:cNvPr id="5" name="Title 4"/>
+          <p:cNvSpPr>
+            <a:spLocks noGrp="1"/>
+          </p:cNvSpPr>
+          <p:nvPr>
+            <p:ph type="title"/>
+          </p:nvPr>
+        </p:nvSpPr>
+        <p:spPr/>
+        <p:txBody>
+          <a:bodyPr/>
+          <a:lstStyle/>
+          <a:p>
+            <a:r>
+              <a:rPr lang="en-GB" dirty="0" smtClean="0">
+                <a:solidFill>
+                  <a:schemeClr val="bg1"/>
+                </a:solidFill>
+              </a:rPr>
+              <a:t>What is EMET?</a:t>
+            </a:r>
+            <a:endParaRPr lang="en-GB" dirty="0">
+              <a:solidFill>
+                <a:schemeClr val="bg1"/>
+              </a:solidFill>
+            </a:endParaRPr>
+          </a:p>
+        </p:txBody>
+      </p:sp>
+      <p:sp>
+        <p:nvSpPr>
+          <p:cNvPr id="6" name="Text Placeholder 5"/>
+          <p:cNvSpPr>
+            <a:spLocks noGrp="1"/>
+          </p:cNvSpPr>
+          <p:nvPr>
+            <p:ph type="body" sz="quarter" idx="10"/>
+          </p:nvPr>
+        </p:nvSpPr>
+        <p:spPr>
+          <a:xfrm>
+            <a:off x="1504949" y="4404360"/>
+            <a:ext cx="18845767" cy="7853077"/>
+          </a:xfrm>
+        </p:spPr>
+        <p:txBody>
+          <a:bodyPr>
+            <a:normAutofit/>
+          </a:bodyPr>
+          <a:lstStyle/>
+          <a:p>
+            <a:r>
+              <a:rPr lang="en-GB" sz="6000" dirty="0" smtClean="0">
+                <a:solidFill>
+                  <a:schemeClr val="bg1"/>
+                </a:solidFill>
+                <a:latin typeface="+mj-lt"/>
+              </a:rPr>
+              <a:t>Exploitation </a:t>
+            </a:r>
+            <a:r>
+              <a:rPr lang="en-GB" sz="6000" dirty="0" err="1" smtClean="0">
+                <a:solidFill>
+                  <a:schemeClr val="bg1"/>
+                </a:solidFill>
+                <a:latin typeface="+mj-lt"/>
+              </a:rPr>
+              <a:t>Defense</a:t>
+            </a:r>
+            <a:endParaRPr lang="en-GB" sz="6000" dirty="0" smtClean="0">
+              <a:solidFill>
+                <a:schemeClr val="bg1"/>
+              </a:solidFill>
+              <a:latin typeface="+mj-lt"/>
+            </a:endParaRPr>
+          </a:p>
+          <a:p>
+            <a:r>
+              <a:rPr lang="en-GB" sz="6000" dirty="0" smtClean="0">
+                <a:solidFill>
+                  <a:schemeClr val="bg1"/>
+                </a:solidFill>
+                <a:latin typeface="+mj-lt"/>
+              </a:rPr>
+              <a:t>Export Address Table Filtering (EAF)</a:t>
+            </a:r>
+          </a:p>
+          <a:p>
+            <a:r>
+              <a:rPr lang="en-GB" sz="6000" dirty="0" smtClean="0">
+                <a:solidFill>
+                  <a:schemeClr val="bg1"/>
+                </a:solidFill>
+                <a:latin typeface="+mj-lt"/>
+              </a:rPr>
+              <a:t>Macro Payloads (VBA)</a:t>
+            </a:r>
+            <a:endParaRPr lang="en-GB" sz="6000" dirty="0">
+              <a:solidFill>
+                <a:schemeClr val="bg1"/>
+              </a:solidFill>
+              <a:latin typeface="+mj-lt"/>
+            </a:endParaRPr>
+          </a:p>
+        </p:txBody>
+      </p:sp>
+      <p:sp>
+        <p:nvSpPr>
+          <p:cNvPr id="7" name="Text Placeholder 6"/>
+          <p:cNvSpPr>
+            <a:spLocks noGrp="1"/>
+          </p:cNvSpPr>
+          <p:nvPr>
+            <p:ph type="body" sz="quarter" idx="11"/>
+          </p:nvPr>
+        </p:nvSpPr>
+        <p:spPr/>
+        <p:txBody>
+          <a:bodyPr>
+            <a:normAutofit/>
+          </a:bodyPr>
+          <a:lstStyle/>
+          <a:p>
+            <a:r>
+              <a:rPr lang="en-GB" sz="3600" dirty="0" smtClean="0">
+                <a:solidFill>
+                  <a:schemeClr val="bg2"/>
+                </a:solidFill>
+              </a:rPr>
+              <a:t>EMET</a:t>
+            </a:r>
+            <a:endParaRPr lang="en-GB" sz="3600" dirty="0">
+              <a:solidFill>
+                <a:schemeClr val="bg2"/>
+              </a:solidFill>
+            </a:endParaRPr>
+          </a:p>
+        </p:txBody>
+      </p:sp>
+    </p:spTree>
+    <p:extLst>
+      <p:ext uri="{BB962C8B-B14F-4D97-AF65-F5344CB8AC3E}">
+        <p14:creationId xmlns:p14="http://schemas.microsoft.com/office/powerpoint/2010/main" val="1174807267"/>
+      </p:ext>
+    </p:extLst>
+  </p:cSld>
+  <p:clrMapOvr>
+    <a:masterClrMapping/>
+  </p:clrMapOvr>
+  <p:transition spd="med"/>
+  <p:timing>
+    <p:tnLst>
+      <p:par>
+        <p:cTn id="1" dur="indefinite" restart="never" nodeType="tmRoot">
+          <p:childTnLst>
+            <p:seq concurrent="1" nextAc="seek">
+              <p:cTn id="2" dur="indefinite" nodeType="mainSeq">
+                <p:childTnLst>
+                  <p:par>
+                    <p:cTn id="3" fill="hold">
+                      <p:stCondLst>
+                        <p:cond delay="indefinite"/>
+                        <p:cond evt="onBegin" delay="0">
+                          <p:tn val="2"/>
+                        </p:cond>
+                      </p:stCondLst>
+                      <p:childTnLst>
+                        <p:par>
+                          <p:cTn id="4" fill="hold">
+                            <p:stCondLst>
+                              <p:cond delay="0"/>
+                            </p:stCondLst>
+                            <p:childTnLst>
+                              <p:par>
+                                <p:cTn id="5" presetID="9" presetClass="emph" presetSubtype="0" nodeType="withEffect">
+                                  <p:stCondLst>
+                                    <p:cond delay="0"/>
+                                  </p:stCondLst>
+                                  <p:childTnLst>
+                                    <p:set>
+                                      <p:cBhvr rctx="PPT">
+                                        <p:cTn id="6" dur="indefinite"/>
+                                        <p:tgtEl>
+                                          <p:spTgt spid="6">
+                                            <p:txEl>
+                                              <p:pRg st="0" end="0"/>
+                                            </p:txEl>
+                                          </p:spTgt>
+                                        </p:tgtEl>
+                                        <p:attrNameLst>
+                                          <p:attrName>style.opacity</p:attrName>
+                                        </p:attrNameLst>
+                                      </p:cBhvr>
+                                      <p:to>
+                                        <p:strVal val="1"/>
+                                      </p:to>
+                                    </p:set>
+                                    <p:animEffect filter="image" prLst="opacity: 1">
+                                      <p:cBhvr rctx="IE">
+                                        <p:cTn id="7" dur="indefinite"/>
+                                        <p:tgtEl>
+                                          <p:spTgt spid="6">
+                                            <p:txEl>
+                                              <p:pRg st="0" end="0"/>
+                                            </p:txEl>
+                                          </p:spTgt>
+                                        </p:tgtEl>
+                                      </p:cBhvr>
+                                    </p:animEffect>
+                                  </p:childTnLst>
+                                </p:cTn>
+                              </p:par>
+                              <p:par>
+                                <p:cTn id="8" presetID="9" presetClass="emph" presetSubtype="0" nodeType="withEffect">
+                                  <p:stCondLst>
+                                    <p:cond delay="0"/>
+                                  </p:stCondLst>
+                                  <p:childTnLst>
+                                    <p:set>
+                                      <p:cBhvr rctx="PPT">
+                                        <p:cTn id="9" dur="indefinite"/>
+                                        <p:tgtEl>
+                                          <p:spTgt spid="6">
+                                            <p:txEl>
+                                              <p:pRg st="1" end="1"/>
+                                            </p:txEl>
+                                          </p:spTgt>
+                                        </p:tgtEl>
+                                        <p:attrNameLst>
+                                          <p:attrName>style.opacity</p:attrName>
+                                        </p:attrNameLst>
+                                      </p:cBhvr>
+                                      <p:to>
+                                        <p:strVal val="0.25"/>
+                                      </p:to>
+                                    </p:set>
+                                    <p:animEffect filter="image" prLst="opacity: 0.25">
+                                      <p:cBhvr rctx="IE">
+                                        <p:cTn id="10" dur="indefinite"/>
+                                        <p:tgtEl>
+                                          <p:spTgt spid="6">
+                                            <p:txEl>
+                                              <p:pRg st="1" end="1"/>
+                                            </p:txEl>
+                                          </p:spTgt>
+                                        </p:tgtEl>
+                                      </p:cBhvr>
+                                    </p:animEffect>
+                                  </p:childTnLst>
+                                </p:cTn>
+                              </p:par>
+                              <p:par>
+                                <p:cTn id="11" presetID="9" presetClass="emph" presetSubtype="0" nodeType="withEffect">
+                                  <p:stCondLst>
+                                    <p:cond delay="0"/>
+                                  </p:stCondLst>
+                                  <p:childTnLst>
+                                    <p:set>
+                                      <p:cBhvr rctx="PPT">
+                                        <p:cTn id="12" dur="indefinite"/>
+                                        <p:tgtEl>
+                                          <p:spTgt spid="6">
+                                            <p:txEl>
+                                              <p:pRg st="2" end="2"/>
+                                            </p:txEl>
+                                          </p:spTgt>
+                                        </p:tgtEl>
+                                        <p:attrNameLst>
+                                          <p:attrName>style.opacity</p:attrName>
+                                        </p:attrNameLst>
+                                      </p:cBhvr>
+                                      <p:to>
+                                        <p:strVal val="0.25"/>
+                                      </p:to>
+                                    </p:set>
+                                    <p:animEffect filter="image" prLst="opacity: 0.25">
+                                      <p:cBhvr rctx="IE">
+                                        <p:cTn id="13" dur="indefinite"/>
+                                        <p:tgtEl>
+                                          <p:spTgt spid="6">
+                                            <p:txEl>
+                                              <p:pRg st="2" end="2"/>
+                                            </p:txEl>
+                                          </p:spTgt>
+                                        </p:tgtEl>
+                                      </p:cBhvr>
+                                    </p:animEffect>
+                                  </p:childTnLst>
+                                </p:cTn>
+                              </p:par>
+                              <p:par>
+                                <p:cTn id="14" presetID="9" presetClass="emph" presetSubtype="0" nodeType="withEffect">
+                                  <p:stCondLst>
+                                    <p:cond delay="0"/>
+                                  </p:stCondLst>
+                                  <p:childTnLst>
+                                    <p:set>
+                                      <p:cBhvr rctx="PPT">
+                                        <p:cTn id="15" dur="indefinite"/>
                                         <p:tgtEl>
                                           <p:spTgt spid="6">
                                             <p:txEl>
@@ -5829,7 +8198,7 @@
                                     </p:set>
                                     <p:animEffect filter="image" prLst="opacity: 1">
                                       <p:cBhvr rctx="IE">
-                                        <p:cTn id="18" dur="indefinite"/>
+                                        <p:cTn id="16" dur="indefinite"/>
                                         <p:tgtEl>
                                           <p:spTgt spid="6">
                                             <p:txEl>
@@ -5843,14 +8212,14 @@
                                 </p:cTn>
                               </p:par>
                               <p:par>
-                                <p:cTn id="19" presetID="9" presetClass="emph" presetSubtype="0" nodeType="withEffect">
+                                <p:cTn id="17" presetID="9" presetClass="emph" presetSubtype="0" nodeType="withEffect">
                                   <p:stCondLst>
                                     <p:cond delay="0"/>
                                   </p:stCondLst>
                                   <p:childTnLst>
                                     <p:set>
                                       <p:cBhvr rctx="PPT">
-                                        <p:cTn id="20" dur="indefinite"/>
+                                        <p:cTn id="18" dur="indefinite"/>
                                         <p:tgtEl>
                                           <p:spTgt spid="6">
                                             <p:txEl>
@@ -5868,7 +8237,7 @@
                                     </p:set>
                                     <p:animEffect filter="image" prLst="opacity: 0.25">
                                       <p:cBhvr rctx="IE">
-                                        <p:cTn id="21" dur="indefinite"/>
+                                        <p:cTn id="19" dur="indefinite"/>
                                         <p:tgtEl>
                                           <p:spTgt spid="6">
                                             <p:txEl>
@@ -5888,26 +8257,26 @@
                     </p:cTn>
                   </p:par>
                   <p:par>
-                    <p:cTn id="22" fill="hold">
+                    <p:cTn id="20" fill="hold">
                       <p:stCondLst>
                         <p:cond delay="indefinite"/>
                       </p:stCondLst>
                       <p:childTnLst>
                         <p:par>
-                          <p:cTn id="23" fill="hold">
+                          <p:cTn id="21" fill="hold">
                             <p:stCondLst>
                               <p:cond delay="0"/>
                             </p:stCondLst>
                             <p:childTnLst>
                               <p:par>
-                                <p:cTn id="24" presetID="9" presetClass="emph" presetSubtype="0" nodeType="clickEffect">
+                                <p:cTn id="22" presetID="9" presetClass="emph" presetSubtype="0" nodeType="clickEffect">
                                   <p:stCondLst>
                                     <p:cond delay="0"/>
                                   </p:stCondLst>
                                   <p:childTnLst>
                                     <p:set>
                                       <p:cBhvr rctx="PPT">
-                                        <p:cTn id="25" dur="indefinite"/>
+                                        <p:cTn id="23" dur="indefinite"/>
                                         <p:tgtEl>
                                           <p:spTgt spid="6">
                                             <p:txEl>
@@ -5925,7 +8294,7 @@
                                     </p:set>
                                     <p:animEffect filter="image" prLst="opacity: 0.25">
                                       <p:cBhvr rctx="IE">
-                                        <p:cTn id="26" dur="indefinite"/>
+                                        <p:cTn id="24" dur="indefinite"/>
                                         <p:tgtEl>
                                           <p:spTgt spid="6">
                                             <p:txEl>
@@ -5939,14 +8308,14 @@
                                 </p:cTn>
                               </p:par>
                               <p:par>
-                                <p:cTn id="27" presetID="9" presetClass="emph" presetSubtype="0" nodeType="withEffect">
+                                <p:cTn id="25" presetID="9" presetClass="emph" presetSubtype="0" nodeType="withEffect">
                                   <p:stCondLst>
                                     <p:cond delay="0"/>
                                   </p:stCondLst>
                                   <p:childTnLst>
                                     <p:set>
                                       <p:cBhvr rctx="PPT">
-                                        <p:cTn id="28" dur="indefinite"/>
+                                        <p:cTn id="26" dur="indefinite"/>
                                         <p:tgtEl>
                                           <p:spTgt spid="6">
                                             <p:txEl>
@@ -5964,7 +8333,7 @@
                                     </p:set>
                                     <p:animEffect filter="image" prLst="opacity: 1">
                                       <p:cBhvr rctx="IE">
-                                        <p:cTn id="29" dur="indefinite"/>
+                                        <p:cTn id="27" dur="indefinite"/>
                                         <p:tgtEl>
                                           <p:spTgt spid="6">
                                             <p:txEl>
@@ -6008,7 +8377,7 @@
 </p:sld>
 </file>
 
-<file path=ppt/slides/slide3.xml><?xml version="1.0" encoding="utf-8"?>
+<file path=ppt/slides/slide5.xml><?xml version="1.0" encoding="utf-8"?>
 <p:sld xmlns:a="http://schemas.openxmlformats.org/drawingml/2006/main" xmlns:r="http://schemas.openxmlformats.org/officeDocument/2006/relationships" xmlns:p="http://schemas.openxmlformats.org/presentationml/2006/main">
   <p:cSld>
     <p:spTree>
@@ -6549,7 +8918,7 @@
 </p:sld>
 </file>
 
-<file path=ppt/slides/slide4.xml><?xml version="1.0" encoding="utf-8"?>
+<file path=ppt/slides/slide6.xml><?xml version="1.0" encoding="utf-8"?>
 <p:sld xmlns:a="http://schemas.openxmlformats.org/drawingml/2006/main" xmlns:r="http://schemas.openxmlformats.org/officeDocument/2006/relationships" xmlns:p="http://schemas.openxmlformats.org/presentationml/2006/main">
   <p:cSld>
     <p:spTree>
@@ -6626,16 +8995,7 @@
                 </a:solidFill>
                 <a:latin typeface="+mj-lt"/>
               </a:rPr>
-              <a:t>Inject into Rundll32 (32 Bit</a:t>
-            </a:r>
-            <a:r>
-              <a:rPr lang="en-GB" sz="6000" dirty="0" smtClean="0">
-                <a:solidFill>
-                  <a:schemeClr val="bg1"/>
-                </a:solidFill>
-                <a:latin typeface="+mj-lt"/>
-              </a:rPr>
-              <a:t>)</a:t>
+              <a:t>Inject into Rundll32 (32 Bit)</a:t>
             </a:r>
           </a:p>
           <a:p>
@@ -6648,12 +9008,6 @@
               </a:rPr>
               <a:t>EMET Protect Rundll32.exe</a:t>
             </a:r>
-            <a:endParaRPr lang="en-GB" sz="6000" dirty="0" smtClean="0">
-              <a:solidFill>
-                <a:schemeClr val="bg1"/>
-              </a:solidFill>
-              <a:latin typeface="+mj-lt"/>
-            </a:endParaRPr>
           </a:p>
           <a:p>
             <a:r>
@@ -7366,7 +9720,7 @@
 </p:sld>
 </file>
 
-<file path=ppt/slides/slide5.xml><?xml version="1.0" encoding="utf-8"?>
+<file path=ppt/slides/slide7.xml><?xml version="1.0" encoding="utf-8"?>
 <p:sld xmlns:a="http://schemas.openxmlformats.org/drawingml/2006/main" xmlns:r="http://schemas.openxmlformats.org/officeDocument/2006/relationships" xmlns:p="http://schemas.openxmlformats.org/presentationml/2006/main">
   <p:cSld>
     <p:spTree>
@@ -7427,7 +9781,7 @@
         <p:spPr>
           <a:xfrm>
             <a:off x="1504949" y="4404360"/>
-            <a:ext cx="18845767" cy="7853077"/>
+            <a:ext cx="19356130" cy="7853077"/>
           </a:xfrm>
         </p:spPr>
         <p:txBody>
@@ -7477,6 +9831,15 @@
                 <a:latin typeface="+mj-lt"/>
               </a:rPr>
               <a:t>Compatiblity</a:t>
+            </a:r>
+            <a:r>
+              <a:rPr lang="en-GB" sz="6000" dirty="0" smtClean="0">
+                <a:solidFill>
+                  <a:schemeClr val="bg1"/>
+                </a:solidFill>
+                <a:latin typeface="+mj-lt"/>
+              </a:rPr>
+              <a:t> / Dynamic Payload Injection</a:t>
             </a:r>
             <a:endParaRPr lang="en-GB" sz="6000" dirty="0" smtClean="0">
               <a:solidFill>
@@ -8191,7 +10554,7 @@
 </p:sld>
 </file>
 
-<file path=ppt/slides/slide6.xml><?xml version="1.0" encoding="utf-8"?>
+<file path=ppt/slides/slide8.xml><?xml version="1.0" encoding="utf-8"?>
 <p:sld xmlns:a="http://schemas.openxmlformats.org/drawingml/2006/main" xmlns:r="http://schemas.openxmlformats.org/officeDocument/2006/relationships" xmlns:p="http://schemas.openxmlformats.org/presentationml/2006/main">
   <p:cSld>
     <p:spTree>
@@ -8241,6 +10604,108 @@
       </p:sp>
       <p:sp>
         <p:nvSpPr>
+          <p:cNvPr id="7" name="Text Placeholder 6"/>
+          <p:cNvSpPr>
+            <a:spLocks noGrp="1"/>
+          </p:cNvSpPr>
+          <p:nvPr>
+            <p:ph type="body" sz="quarter" idx="11"/>
+          </p:nvPr>
+        </p:nvSpPr>
+        <p:spPr/>
+        <p:txBody>
+          <a:bodyPr>
+            <a:normAutofit/>
+          </a:bodyPr>
+          <a:lstStyle/>
+          <a:p>
+            <a:r>
+              <a:rPr lang="en-GB" sz="3600" dirty="0" smtClean="0">
+                <a:solidFill>
+                  <a:schemeClr val="bg2"/>
+                </a:solidFill>
+              </a:rPr>
+              <a:t>&lt;SCREENSHOT OF WEPWNISE&gt;</a:t>
+            </a:r>
+            <a:endParaRPr lang="en-GB" sz="3600" dirty="0">
+              <a:solidFill>
+                <a:schemeClr val="bg2"/>
+              </a:solidFill>
+            </a:endParaRPr>
+          </a:p>
+        </p:txBody>
+      </p:sp>
+    </p:spTree>
+    <p:extLst>
+      <p:ext uri="{BB962C8B-B14F-4D97-AF65-F5344CB8AC3E}">
+        <p14:creationId xmlns:p14="http://schemas.microsoft.com/office/powerpoint/2010/main" val="1314418017"/>
+      </p:ext>
+    </p:extLst>
+  </p:cSld>
+  <p:clrMapOvr>
+    <a:masterClrMapping/>
+  </p:clrMapOvr>
+  <p:transition spd="med"/>
+  <p:timing>
+    <p:tnLst>
+      <p:par>
+        <p:cTn id="1" dur="indefinite" restart="never" nodeType="tmRoot"/>
+      </p:par>
+    </p:tnLst>
+  </p:timing>
+</p:sld>
+</file>
+
+<file path=ppt/slides/slide9.xml><?xml version="1.0" encoding="utf-8"?>
+<p:sld xmlns:a="http://schemas.openxmlformats.org/drawingml/2006/main" xmlns:r="http://schemas.openxmlformats.org/officeDocument/2006/relationships" xmlns:p="http://schemas.openxmlformats.org/presentationml/2006/main">
+  <p:cSld>
+    <p:spTree>
+      <p:nvGrpSpPr>
+        <p:cNvPr id="1" name=""/>
+        <p:cNvGrpSpPr/>
+        <p:nvPr/>
+      </p:nvGrpSpPr>
+      <p:grpSpPr>
+        <a:xfrm>
+          <a:off x="0" y="0"/>
+          <a:ext cx="0" cy="0"/>
+          <a:chOff x="0" y="0"/>
+          <a:chExt cx="0" cy="0"/>
+        </a:xfrm>
+      </p:grpSpPr>
+      <p:sp>
+        <p:nvSpPr>
+          <p:cNvPr id="5" name="Title 4"/>
+          <p:cNvSpPr>
+            <a:spLocks noGrp="1"/>
+          </p:cNvSpPr>
+          <p:nvPr>
+            <p:ph type="title"/>
+          </p:nvPr>
+        </p:nvSpPr>
+        <p:spPr/>
+        <p:txBody>
+          <a:bodyPr/>
+          <a:lstStyle/>
+          <a:p>
+            <a:r>
+              <a:rPr lang="en-GB" dirty="0" err="1" smtClean="0">
+                <a:solidFill>
+                  <a:schemeClr val="bg1"/>
+                </a:solidFill>
+              </a:rPr>
+              <a:t>WePWNise</a:t>
+            </a:r>
+            <a:endParaRPr lang="en-GB" dirty="0">
+              <a:solidFill>
+                <a:schemeClr val="bg1"/>
+              </a:solidFill>
+            </a:endParaRPr>
+          </a:p>
+        </p:txBody>
+      </p:sp>
+      <p:sp>
+        <p:nvSpPr>
           <p:cNvPr id="6" name="Text Placeholder 5"/>
           <p:cNvSpPr>
             <a:spLocks noGrp="1"/>
@@ -8305,12 +10770,6 @@
               </a:rPr>
               <a:t>Injection via Native VBA</a:t>
             </a:r>
-            <a:endParaRPr lang="en-GB" sz="6000" dirty="0" smtClean="0">
-              <a:solidFill>
-                <a:schemeClr val="bg1"/>
-              </a:solidFill>
-              <a:latin typeface="+mj-lt"/>
-            </a:endParaRPr>
           </a:p>
           <a:p>
             <a:endParaRPr lang="en-GB" sz="6000" dirty="0">
@@ -8698,1193 +11157,6 @@
                                           <p:spTgt spid="6">
                                             <p:txEl>
                                               <p:pRg st="2" end="2"/>
-                                            </p:txEl>
-                                          </p:spTgt>
-                                        </p:tgtEl>
-                                      </p:cBhvr>
-                                    </p:animEffect>
-                                  </p:childTnLst>
-                                </p:cTn>
-                              </p:par>
-                            </p:childTnLst>
-                          </p:cTn>
-                        </p:par>
-                      </p:childTnLst>
-                    </p:cTn>
-                  </p:par>
-                </p:childTnLst>
-              </p:cTn>
-              <p:prevCondLst>
-                <p:cond evt="onPrev" delay="0">
-                  <p:tgtEl>
-                    <p:sldTgt/>
-                  </p:tgtEl>
-                </p:cond>
-              </p:prevCondLst>
-              <p:nextCondLst>
-                <p:cond evt="onNext" delay="0">
-                  <p:tgtEl>
-                    <p:sldTgt/>
-                  </p:tgtEl>
-                </p:cond>
-              </p:nextCondLst>
-            </p:seq>
-          </p:childTnLst>
-        </p:cTn>
-      </p:par>
-    </p:tnLst>
-  </p:timing>
-</p:sld>
-</file>
-
-<file path=ppt/slides/slide7.xml><?xml version="1.0" encoding="utf-8"?>
-<p:sld xmlns:a="http://schemas.openxmlformats.org/drawingml/2006/main" xmlns:r="http://schemas.openxmlformats.org/officeDocument/2006/relationships" xmlns:p="http://schemas.openxmlformats.org/presentationml/2006/main">
-  <p:cSld>
-    <p:spTree>
-      <p:nvGrpSpPr>
-        <p:cNvPr id="1" name=""/>
-        <p:cNvGrpSpPr/>
-        <p:nvPr/>
-      </p:nvGrpSpPr>
-      <p:grpSpPr>
-        <a:xfrm>
-          <a:off x="0" y="0"/>
-          <a:ext cx="0" cy="0"/>
-          <a:chOff x="0" y="0"/>
-          <a:chExt cx="0" cy="0"/>
-        </a:xfrm>
-      </p:grpSpPr>
-      <p:sp>
-        <p:nvSpPr>
-          <p:cNvPr id="5" name="Title 4"/>
-          <p:cNvSpPr>
-            <a:spLocks noGrp="1"/>
-          </p:cNvSpPr>
-          <p:nvPr>
-            <p:ph type="title"/>
-          </p:nvPr>
-        </p:nvSpPr>
-        <p:spPr/>
-        <p:txBody>
-          <a:bodyPr/>
-          <a:lstStyle/>
-          <a:p>
-            <a:r>
-              <a:rPr lang="en-GB" dirty="0" err="1" smtClean="0">
-                <a:solidFill>
-                  <a:schemeClr val="bg1"/>
-                </a:solidFill>
-              </a:rPr>
-              <a:t>WePWNise</a:t>
-            </a:r>
-            <a:endParaRPr lang="en-GB" dirty="0">
-              <a:solidFill>
-                <a:schemeClr val="bg1"/>
-              </a:solidFill>
-            </a:endParaRPr>
-          </a:p>
-        </p:txBody>
-      </p:sp>
-      <p:sp>
-        <p:nvSpPr>
-          <p:cNvPr id="6" name="Text Placeholder 5"/>
-          <p:cNvSpPr>
-            <a:spLocks noGrp="1"/>
-          </p:cNvSpPr>
-          <p:nvPr>
-            <p:ph type="body" sz="quarter" idx="10"/>
-          </p:nvPr>
-        </p:nvSpPr>
-        <p:spPr>
-          <a:xfrm>
-            <a:off x="1504949" y="4404360"/>
-            <a:ext cx="18845767" cy="7853077"/>
-          </a:xfrm>
-        </p:spPr>
-        <p:txBody>
-          <a:bodyPr>
-            <a:normAutofit/>
-          </a:bodyPr>
-          <a:lstStyle/>
-          <a:p>
-            <a:pPr marL="0" indent="0">
-              <a:buNone/>
-            </a:pPr>
-            <a:endParaRPr lang="en-GB" sz="6000" dirty="0">
-              <a:solidFill>
-                <a:schemeClr val="bg1"/>
-              </a:solidFill>
-              <a:latin typeface="+mj-lt"/>
-            </a:endParaRPr>
-          </a:p>
-        </p:txBody>
-      </p:sp>
-      <p:sp>
-        <p:nvSpPr>
-          <p:cNvPr id="7" name="Text Placeholder 6"/>
-          <p:cNvSpPr>
-            <a:spLocks noGrp="1"/>
-          </p:cNvSpPr>
-          <p:nvPr>
-            <p:ph type="body" sz="quarter" idx="11"/>
-          </p:nvPr>
-        </p:nvSpPr>
-        <p:spPr/>
-        <p:txBody>
-          <a:bodyPr>
-            <a:normAutofit/>
-          </a:bodyPr>
-          <a:lstStyle/>
-          <a:p>
-            <a:r>
-              <a:rPr lang="en-GB" sz="3600" dirty="0" smtClean="0">
-                <a:solidFill>
-                  <a:schemeClr val="bg2"/>
-                </a:solidFill>
-              </a:rPr>
-              <a:t>Demonstration</a:t>
-            </a:r>
-            <a:endParaRPr lang="en-GB" sz="3600" dirty="0">
-              <a:solidFill>
-                <a:schemeClr val="bg2"/>
-              </a:solidFill>
-            </a:endParaRPr>
-          </a:p>
-        </p:txBody>
-      </p:sp>
-    </p:spTree>
-    <p:extLst>
-      <p:ext uri="{BB962C8B-B14F-4D97-AF65-F5344CB8AC3E}">
-        <p14:creationId xmlns:p14="http://schemas.microsoft.com/office/powerpoint/2010/main" val="1548586931"/>
-      </p:ext>
-    </p:extLst>
-  </p:cSld>
-  <p:clrMapOvr>
-    <a:masterClrMapping/>
-  </p:clrMapOvr>
-  <p:transition spd="med"/>
-  <p:timing>
-    <p:tnLst>
-      <p:par>
-        <p:cTn id="1" dur="indefinite" restart="never" nodeType="tmRoot"/>
-      </p:par>
-    </p:tnLst>
-  </p:timing>
-</p:sld>
-</file>
-
-<file path=ppt/slides/slide8.xml><?xml version="1.0" encoding="utf-8"?>
-<p:sld xmlns:a="http://schemas.openxmlformats.org/drawingml/2006/main" xmlns:r="http://schemas.openxmlformats.org/officeDocument/2006/relationships" xmlns:p="http://schemas.openxmlformats.org/presentationml/2006/main">
-  <p:cSld>
-    <p:spTree>
-      <p:nvGrpSpPr>
-        <p:cNvPr id="1" name=""/>
-        <p:cNvGrpSpPr/>
-        <p:nvPr/>
-      </p:nvGrpSpPr>
-      <p:grpSpPr>
-        <a:xfrm>
-          <a:off x="0" y="0"/>
-          <a:ext cx="0" cy="0"/>
-          <a:chOff x="0" y="0"/>
-          <a:chExt cx="0" cy="0"/>
-        </a:xfrm>
-      </p:grpSpPr>
-      <p:sp>
-        <p:nvSpPr>
-          <p:cNvPr id="5" name="Title 4"/>
-          <p:cNvSpPr>
-            <a:spLocks noGrp="1"/>
-          </p:cNvSpPr>
-          <p:nvPr>
-            <p:ph type="title"/>
-          </p:nvPr>
-        </p:nvSpPr>
-        <p:spPr/>
-        <p:txBody>
-          <a:bodyPr/>
-          <a:lstStyle/>
-          <a:p>
-            <a:r>
-              <a:rPr lang="en-GB" dirty="0" smtClean="0">
-                <a:solidFill>
-                  <a:schemeClr val="bg1"/>
-                </a:solidFill>
-              </a:rPr>
-              <a:t>Anti-</a:t>
-            </a:r>
-            <a:r>
-              <a:rPr lang="en-GB" dirty="0" err="1" smtClean="0">
-                <a:solidFill>
-                  <a:schemeClr val="bg1"/>
-                </a:solidFill>
-              </a:rPr>
-              <a:t>WePWNise</a:t>
-            </a:r>
-            <a:endParaRPr lang="en-GB" dirty="0">
-              <a:solidFill>
-                <a:schemeClr val="bg1"/>
-              </a:solidFill>
-            </a:endParaRPr>
-          </a:p>
-        </p:txBody>
-      </p:sp>
-      <p:sp>
-        <p:nvSpPr>
-          <p:cNvPr id="6" name="Text Placeholder 5"/>
-          <p:cNvSpPr>
-            <a:spLocks noGrp="1"/>
-          </p:cNvSpPr>
-          <p:nvPr>
-            <p:ph type="body" sz="quarter" idx="10"/>
-          </p:nvPr>
-        </p:nvSpPr>
-        <p:spPr>
-          <a:xfrm>
-            <a:off x="1504949" y="4404360"/>
-            <a:ext cx="18845767" cy="7853077"/>
-          </a:xfrm>
-        </p:spPr>
-        <p:txBody>
-          <a:bodyPr>
-            <a:normAutofit/>
-          </a:bodyPr>
-          <a:lstStyle/>
-          <a:p>
-            <a:r>
-              <a:rPr lang="en-GB" sz="6000" dirty="0" smtClean="0">
-                <a:solidFill>
-                  <a:schemeClr val="bg1"/>
-                </a:solidFill>
-                <a:latin typeface="+mj-lt"/>
-              </a:rPr>
-              <a:t>Blocked? No way.</a:t>
-            </a:r>
-          </a:p>
-          <a:p>
-            <a:r>
-              <a:rPr lang="en-GB" sz="6000" dirty="0" smtClean="0">
-                <a:solidFill>
-                  <a:schemeClr val="bg1"/>
-                </a:solidFill>
-                <a:latin typeface="+mj-lt"/>
-              </a:rPr>
-              <a:t>EMET? Good luck with that.</a:t>
-            </a:r>
-          </a:p>
-        </p:txBody>
-      </p:sp>
-      <p:sp>
-        <p:nvSpPr>
-          <p:cNvPr id="7" name="Text Placeholder 6"/>
-          <p:cNvSpPr>
-            <a:spLocks noGrp="1"/>
-          </p:cNvSpPr>
-          <p:nvPr>
-            <p:ph type="body" sz="quarter" idx="11"/>
-          </p:nvPr>
-        </p:nvSpPr>
-        <p:spPr/>
-        <p:txBody>
-          <a:bodyPr>
-            <a:normAutofit/>
-          </a:bodyPr>
-          <a:lstStyle/>
-          <a:p>
-            <a:r>
-              <a:rPr lang="en-GB" sz="3600" dirty="0" smtClean="0">
-                <a:solidFill>
-                  <a:schemeClr val="bg2"/>
-                </a:solidFill>
-              </a:rPr>
-              <a:t>What if I block X, Y and EMET Z?</a:t>
-            </a:r>
-            <a:endParaRPr lang="en-GB" sz="3600" dirty="0">
-              <a:solidFill>
-                <a:schemeClr val="bg2"/>
-              </a:solidFill>
-            </a:endParaRPr>
-          </a:p>
-        </p:txBody>
-      </p:sp>
-    </p:spTree>
-    <p:extLst>
-      <p:ext uri="{BB962C8B-B14F-4D97-AF65-F5344CB8AC3E}">
-        <p14:creationId xmlns:p14="http://schemas.microsoft.com/office/powerpoint/2010/main" val="3747023955"/>
-      </p:ext>
-    </p:extLst>
-  </p:cSld>
-  <p:clrMapOvr>
-    <a:masterClrMapping/>
-  </p:clrMapOvr>
-  <p:transition spd="med"/>
-  <p:timing>
-    <p:tnLst>
-      <p:par>
-        <p:cTn id="1" dur="indefinite" restart="never" nodeType="tmRoot">
-          <p:childTnLst>
-            <p:seq concurrent="1" nextAc="seek">
-              <p:cTn id="2" dur="indefinite" nodeType="mainSeq">
-                <p:childTnLst>
-                  <p:par>
-                    <p:cTn id="3" fill="hold">
-                      <p:stCondLst>
-                        <p:cond delay="indefinite"/>
-                        <p:cond evt="onBegin" delay="0">
-                          <p:tn val="2"/>
-                        </p:cond>
-                      </p:stCondLst>
-                      <p:childTnLst>
-                        <p:par>
-                          <p:cTn id="4" fill="hold">
-                            <p:stCondLst>
-                              <p:cond delay="0"/>
-                            </p:stCondLst>
-                            <p:childTnLst>
-                              <p:par>
-                                <p:cTn id="5" presetID="9" presetClass="emph" presetSubtype="0" nodeType="withEffect">
-                                  <p:stCondLst>
-                                    <p:cond delay="0"/>
-                                  </p:stCondLst>
-                                  <p:childTnLst>
-                                    <p:set>
-                                      <p:cBhvr rctx="PPT">
-                                        <p:cTn id="6" dur="indefinite"/>
-                                        <p:tgtEl>
-                                          <p:spTgt spid="6">
-                                            <p:txEl>
-                                              <p:pRg st="0" end="0"/>
-                                            </p:txEl>
-                                          </p:spTgt>
-                                        </p:tgtEl>
-                                        <p:attrNameLst>
-                                          <p:attrName>style.opacity</p:attrName>
-                                        </p:attrNameLst>
-                                      </p:cBhvr>
-                                      <p:to>
-                                        <p:strVal val="1"/>
-                                      </p:to>
-                                    </p:set>
-                                    <p:animEffect filter="image" prLst="opacity: 1">
-                                      <p:cBhvr rctx="IE">
-                                        <p:cTn id="7" dur="indefinite"/>
-                                        <p:tgtEl>
-                                          <p:spTgt spid="6">
-                                            <p:txEl>
-                                              <p:pRg st="0" end="0"/>
-                                            </p:txEl>
-                                          </p:spTgt>
-                                        </p:tgtEl>
-                                      </p:cBhvr>
-                                    </p:animEffect>
-                                  </p:childTnLst>
-                                </p:cTn>
-                              </p:par>
-                              <p:par>
-                                <p:cTn id="8" presetID="9" presetClass="emph" presetSubtype="0" nodeType="withEffect">
-                                  <p:stCondLst>
-                                    <p:cond delay="0"/>
-                                  </p:stCondLst>
-                                  <p:childTnLst>
-                                    <p:set>
-                                      <p:cBhvr rctx="PPT">
-                                        <p:cTn id="9" dur="indefinite"/>
-                                        <p:tgtEl>
-                                          <p:spTgt spid="6">
-                                            <p:txEl>
-                                              <p:pRg st="1" end="1"/>
-                                            </p:txEl>
-                                          </p:spTgt>
-                                        </p:tgtEl>
-                                        <p:attrNameLst>
-                                          <p:attrName>style.opacity</p:attrName>
-                                        </p:attrNameLst>
-                                      </p:cBhvr>
-                                      <p:to>
-                                        <p:strVal val="0.5"/>
-                                      </p:to>
-                                    </p:set>
-                                    <p:animEffect filter="image" prLst="opacity: 0.5">
-                                      <p:cBhvr rctx="IE">
-                                        <p:cTn id="10" dur="indefinite"/>
-                                        <p:tgtEl>
-                                          <p:spTgt spid="6">
-                                            <p:txEl>
-                                              <p:pRg st="1" end="1"/>
-                                            </p:txEl>
-                                          </p:spTgt>
-                                        </p:tgtEl>
-                                      </p:cBhvr>
-                                    </p:animEffect>
-                                  </p:childTnLst>
-                                </p:cTn>
-                              </p:par>
-                            </p:childTnLst>
-                          </p:cTn>
-                        </p:par>
-                      </p:childTnLst>
-                    </p:cTn>
-                  </p:par>
-                  <p:par>
-                    <p:cTn id="11" fill="hold">
-                      <p:stCondLst>
-                        <p:cond delay="indefinite"/>
-                      </p:stCondLst>
-                      <p:childTnLst>
-                        <p:par>
-                          <p:cTn id="12" fill="hold">
-                            <p:stCondLst>
-                              <p:cond delay="0"/>
-                            </p:stCondLst>
-                            <p:childTnLst>
-                              <p:par>
-                                <p:cTn id="13" presetID="9" presetClass="emph" presetSubtype="0" nodeType="clickEffect">
-                                  <p:stCondLst>
-                                    <p:cond delay="0"/>
-                                  </p:stCondLst>
-                                  <p:childTnLst>
-                                    <p:set>
-                                      <p:cBhvr rctx="PPT">
-                                        <p:cTn id="14" dur="indefinite"/>
-                                        <p:tgtEl>
-                                          <p:spTgt spid="6">
-                                            <p:txEl>
-                                              <p:pRg st="0" end="0"/>
-                                            </p:txEl>
-                                          </p:spTgt>
-                                        </p:tgtEl>
-                                        <p:attrNameLst>
-                                          <p:attrName>style.opacity</p:attrName>
-                                        </p:attrNameLst>
-                                      </p:cBhvr>
-                                      <p:to>
-                                        <p:strVal val="0.25"/>
-                                      </p:to>
-                                    </p:set>
-                                    <p:animEffect filter="image" prLst="opacity: 0.25">
-                                      <p:cBhvr rctx="IE">
-                                        <p:cTn id="15" dur="indefinite"/>
-                                        <p:tgtEl>
-                                          <p:spTgt spid="6">
-                                            <p:txEl>
-                                              <p:pRg st="0" end="0"/>
-                                            </p:txEl>
-                                          </p:spTgt>
-                                        </p:tgtEl>
-                                      </p:cBhvr>
-                                    </p:animEffect>
-                                  </p:childTnLst>
-                                </p:cTn>
-                              </p:par>
-                              <p:par>
-                                <p:cTn id="16" presetID="9" presetClass="emph" presetSubtype="0" nodeType="withEffect">
-                                  <p:stCondLst>
-                                    <p:cond delay="0"/>
-                                  </p:stCondLst>
-                                  <p:childTnLst>
-                                    <p:set>
-                                      <p:cBhvr rctx="PPT">
-                                        <p:cTn id="17" dur="indefinite"/>
-                                        <p:tgtEl>
-                                          <p:spTgt spid="6">
-                                            <p:txEl>
-                                              <p:pRg st="1" end="1"/>
-                                            </p:txEl>
-                                          </p:spTgt>
-                                        </p:tgtEl>
-                                        <p:attrNameLst>
-                                          <p:attrName>style.opacity</p:attrName>
-                                        </p:attrNameLst>
-                                      </p:cBhvr>
-                                      <p:to>
-                                        <p:strVal val="1"/>
-                                      </p:to>
-                                    </p:set>
-                                    <p:animEffect filter="image" prLst="opacity: 1">
-                                      <p:cBhvr rctx="IE">
-                                        <p:cTn id="18" dur="indefinite"/>
-                                        <p:tgtEl>
-                                          <p:spTgt spid="6">
-                                            <p:txEl>
-                                              <p:pRg st="1" end="1"/>
-                                            </p:txEl>
-                                          </p:spTgt>
-                                        </p:tgtEl>
-                                      </p:cBhvr>
-                                    </p:animEffect>
-                                  </p:childTnLst>
-                                </p:cTn>
-                              </p:par>
-                            </p:childTnLst>
-                          </p:cTn>
-                        </p:par>
-                      </p:childTnLst>
-                    </p:cTn>
-                  </p:par>
-                </p:childTnLst>
-              </p:cTn>
-              <p:prevCondLst>
-                <p:cond evt="onPrev" delay="0">
-                  <p:tgtEl>
-                    <p:sldTgt/>
-                  </p:tgtEl>
-                </p:cond>
-              </p:prevCondLst>
-              <p:nextCondLst>
-                <p:cond evt="onNext" delay="0">
-                  <p:tgtEl>
-                    <p:sldTgt/>
-                  </p:tgtEl>
-                </p:cond>
-              </p:nextCondLst>
-            </p:seq>
-          </p:childTnLst>
-        </p:cTn>
-      </p:par>
-    </p:tnLst>
-  </p:timing>
-</p:sld>
-</file>
-
-<file path=ppt/slides/slide9.xml><?xml version="1.0" encoding="utf-8"?>
-<p:sld xmlns:a="http://schemas.openxmlformats.org/drawingml/2006/main" xmlns:r="http://schemas.openxmlformats.org/officeDocument/2006/relationships" xmlns:p="http://schemas.openxmlformats.org/presentationml/2006/main">
-  <p:cSld>
-    <p:spTree>
-      <p:nvGrpSpPr>
-        <p:cNvPr id="1" name=""/>
-        <p:cNvGrpSpPr/>
-        <p:nvPr/>
-      </p:nvGrpSpPr>
-      <p:grpSpPr>
-        <a:xfrm>
-          <a:off x="0" y="0"/>
-          <a:ext cx="0" cy="0"/>
-          <a:chOff x="0" y="0"/>
-          <a:chExt cx="0" cy="0"/>
-        </a:xfrm>
-      </p:grpSpPr>
-      <p:sp>
-        <p:nvSpPr>
-          <p:cNvPr id="5" name="Title 4"/>
-          <p:cNvSpPr>
-            <a:spLocks noGrp="1"/>
-          </p:cNvSpPr>
-          <p:nvPr>
-            <p:ph type="title"/>
-          </p:nvPr>
-        </p:nvSpPr>
-        <p:spPr/>
-        <p:txBody>
-          <a:bodyPr/>
-          <a:lstStyle/>
-          <a:p>
-            <a:r>
-              <a:rPr lang="en-GB" dirty="0" smtClean="0">
-                <a:solidFill>
-                  <a:schemeClr val="bg1"/>
-                </a:solidFill>
-              </a:rPr>
-              <a:t>Anti-</a:t>
-            </a:r>
-            <a:r>
-              <a:rPr lang="en-GB" dirty="0" err="1" smtClean="0">
-                <a:solidFill>
-                  <a:schemeClr val="bg1"/>
-                </a:solidFill>
-              </a:rPr>
-              <a:t>WePWNise</a:t>
-            </a:r>
-            <a:endParaRPr lang="en-GB" dirty="0">
-              <a:solidFill>
-                <a:schemeClr val="bg1"/>
-              </a:solidFill>
-            </a:endParaRPr>
-          </a:p>
-        </p:txBody>
-      </p:sp>
-      <p:sp>
-        <p:nvSpPr>
-          <p:cNvPr id="6" name="Text Placeholder 5"/>
-          <p:cNvSpPr>
-            <a:spLocks noGrp="1"/>
-          </p:cNvSpPr>
-          <p:nvPr>
-            <p:ph type="body" sz="quarter" idx="10"/>
-          </p:nvPr>
-        </p:nvSpPr>
-        <p:spPr>
-          <a:xfrm>
-            <a:off x="1504949" y="4404360"/>
-            <a:ext cx="18845767" cy="7853077"/>
-          </a:xfrm>
-        </p:spPr>
-        <p:txBody>
-          <a:bodyPr>
-            <a:normAutofit/>
-          </a:bodyPr>
-          <a:lstStyle/>
-          <a:p>
-            <a:r>
-              <a:rPr lang="en-GB" sz="6000" dirty="0" smtClean="0">
-                <a:solidFill>
-                  <a:schemeClr val="bg1"/>
-                </a:solidFill>
-                <a:latin typeface="+mj-lt"/>
-              </a:rPr>
-              <a:t>Whitelist X.exe</a:t>
-            </a:r>
-          </a:p>
-          <a:p>
-            <a:r>
-              <a:rPr lang="en-GB" sz="6000" dirty="0" smtClean="0">
-                <a:solidFill>
-                  <a:schemeClr val="bg1"/>
-                </a:solidFill>
-                <a:latin typeface="+mj-lt"/>
-              </a:rPr>
-              <a:t>EMET X.exe</a:t>
-            </a:r>
-          </a:p>
-          <a:p>
-            <a:r>
-              <a:rPr lang="en-GB" sz="6000" dirty="0" smtClean="0">
-                <a:solidFill>
-                  <a:schemeClr val="bg1"/>
-                </a:solidFill>
-              </a:rPr>
-              <a:t>Winlogon.exe</a:t>
-            </a:r>
-            <a:endParaRPr lang="en-GB" sz="6000" dirty="0" smtClean="0">
-              <a:solidFill>
-                <a:schemeClr val="bg1"/>
-              </a:solidFill>
-              <a:latin typeface="+mj-lt"/>
-            </a:endParaRPr>
-          </a:p>
-          <a:p>
-            <a:r>
-              <a:rPr lang="en-GB" sz="6000" dirty="0" smtClean="0">
-                <a:solidFill>
-                  <a:schemeClr val="bg1"/>
-                </a:solidFill>
-                <a:latin typeface="+mj-lt"/>
-              </a:rPr>
-              <a:t>EMET all Windows Default Executables</a:t>
-            </a:r>
-          </a:p>
-          <a:p>
-            <a:endParaRPr lang="en-GB" sz="6000" dirty="0" smtClean="0">
-              <a:solidFill>
-                <a:schemeClr val="bg1"/>
-              </a:solidFill>
-              <a:latin typeface="+mj-lt"/>
-            </a:endParaRPr>
-          </a:p>
-        </p:txBody>
-      </p:sp>
-      <p:sp>
-        <p:nvSpPr>
-          <p:cNvPr id="7" name="Text Placeholder 6"/>
-          <p:cNvSpPr>
-            <a:spLocks noGrp="1"/>
-          </p:cNvSpPr>
-          <p:nvPr>
-            <p:ph type="body" sz="quarter" idx="11"/>
-          </p:nvPr>
-        </p:nvSpPr>
-        <p:spPr/>
-        <p:txBody>
-          <a:bodyPr>
-            <a:normAutofit/>
-          </a:bodyPr>
-          <a:lstStyle/>
-          <a:p>
-            <a:r>
-              <a:rPr lang="en-GB" sz="3600" dirty="0" smtClean="0">
-                <a:solidFill>
-                  <a:schemeClr val="bg2"/>
-                </a:solidFill>
-              </a:rPr>
-              <a:t>The Solution</a:t>
-            </a:r>
-            <a:endParaRPr lang="en-GB" sz="3600" dirty="0">
-              <a:solidFill>
-                <a:schemeClr val="bg2"/>
-              </a:solidFill>
-            </a:endParaRPr>
-          </a:p>
-        </p:txBody>
-      </p:sp>
-    </p:spTree>
-    <p:extLst>
-      <p:ext uri="{BB962C8B-B14F-4D97-AF65-F5344CB8AC3E}">
-        <p14:creationId xmlns:p14="http://schemas.microsoft.com/office/powerpoint/2010/main" val="2474300495"/>
-      </p:ext>
-    </p:extLst>
-  </p:cSld>
-  <p:clrMapOvr>
-    <a:masterClrMapping/>
-  </p:clrMapOvr>
-  <p:transition spd="med"/>
-  <p:timing>
-    <p:tnLst>
-      <p:par>
-        <p:cTn id="1" dur="indefinite" restart="never" nodeType="tmRoot">
-          <p:childTnLst>
-            <p:seq concurrent="1" nextAc="seek">
-              <p:cTn id="2" dur="indefinite" nodeType="mainSeq">
-                <p:childTnLst>
-                  <p:par>
-                    <p:cTn id="3" fill="hold">
-                      <p:stCondLst>
-                        <p:cond delay="indefinite"/>
-                        <p:cond evt="onBegin" delay="0">
-                          <p:tn val="2"/>
-                        </p:cond>
-                      </p:stCondLst>
-                      <p:childTnLst>
-                        <p:par>
-                          <p:cTn id="4" fill="hold">
-                            <p:stCondLst>
-                              <p:cond delay="0"/>
-                            </p:stCondLst>
-                            <p:childTnLst>
-                              <p:par>
-                                <p:cTn id="5" presetID="9" presetClass="emph" presetSubtype="0" nodeType="withEffect">
-                                  <p:stCondLst>
-                                    <p:cond delay="0"/>
-                                  </p:stCondLst>
-                                  <p:childTnLst>
-                                    <p:set>
-                                      <p:cBhvr rctx="PPT">
-                                        <p:cTn id="6" dur="indefinite"/>
-                                        <p:tgtEl>
-                                          <p:spTgt spid="6">
-                                            <p:txEl>
-                                              <p:pRg st="0" end="0"/>
-                                            </p:txEl>
-                                          </p:spTgt>
-                                        </p:tgtEl>
-                                        <p:attrNameLst>
-                                          <p:attrName>style.opacity</p:attrName>
-                                        </p:attrNameLst>
-                                      </p:cBhvr>
-                                      <p:to>
-                                        <p:strVal val="1"/>
-                                      </p:to>
-                                    </p:set>
-                                    <p:animEffect filter="image" prLst="opacity: 1">
-                                      <p:cBhvr rctx="IE">
-                                        <p:cTn id="7" dur="indefinite"/>
-                                        <p:tgtEl>
-                                          <p:spTgt spid="6">
-                                            <p:txEl>
-                                              <p:pRg st="0" end="0"/>
-                                            </p:txEl>
-                                          </p:spTgt>
-                                        </p:tgtEl>
-                                      </p:cBhvr>
-                                    </p:animEffect>
-                                  </p:childTnLst>
-                                </p:cTn>
-                              </p:par>
-                              <p:par>
-                                <p:cTn id="8" presetID="9" presetClass="emph" presetSubtype="0" nodeType="withEffect">
-                                  <p:stCondLst>
-                                    <p:cond delay="0"/>
-                                  </p:stCondLst>
-                                  <p:childTnLst>
-                                    <p:set>
-                                      <p:cBhvr rctx="PPT">
-                                        <p:cTn id="9" dur="indefinite"/>
-                                        <p:tgtEl>
-                                          <p:spTgt spid="6">
-                                            <p:txEl>
-                                              <p:pRg st="1" end="1"/>
-                                            </p:txEl>
-                                          </p:spTgt>
-                                        </p:tgtEl>
-                                        <p:attrNameLst>
-                                          <p:attrName>style.opacity</p:attrName>
-                                        </p:attrNameLst>
-                                      </p:cBhvr>
-                                      <p:to>
-                                        <p:strVal val="0.25"/>
-                                      </p:to>
-                                    </p:set>
-                                    <p:animEffect filter="image" prLst="opacity: 0.25">
-                                      <p:cBhvr rctx="IE">
-                                        <p:cTn id="10" dur="indefinite"/>
-                                        <p:tgtEl>
-                                          <p:spTgt spid="6">
-                                            <p:txEl>
-                                              <p:pRg st="1" end="1"/>
-                                            </p:txEl>
-                                          </p:spTgt>
-                                        </p:tgtEl>
-                                      </p:cBhvr>
-                                    </p:animEffect>
-                                  </p:childTnLst>
-                                </p:cTn>
-                              </p:par>
-                              <p:par>
-                                <p:cTn id="11" presetID="9" presetClass="emph" presetSubtype="0" nodeType="withEffect">
-                                  <p:stCondLst>
-                                    <p:cond delay="0"/>
-                                  </p:stCondLst>
-                                  <p:childTnLst>
-                                    <p:set>
-                                      <p:cBhvr rctx="PPT">
-                                        <p:cTn id="12" dur="indefinite"/>
-                                        <p:tgtEl>
-                                          <p:spTgt spid="6">
-                                            <p:txEl>
-                                              <p:pRg st="2" end="2"/>
-                                            </p:txEl>
-                                          </p:spTgt>
-                                        </p:tgtEl>
-                                        <p:attrNameLst>
-                                          <p:attrName>style.opacity</p:attrName>
-                                        </p:attrNameLst>
-                                      </p:cBhvr>
-                                      <p:to>
-                                        <p:strVal val="0.25"/>
-                                      </p:to>
-                                    </p:set>
-                                    <p:animEffect filter="image" prLst="opacity: 0.25">
-                                      <p:cBhvr rctx="IE">
-                                        <p:cTn id="13" dur="indefinite"/>
-                                        <p:tgtEl>
-                                          <p:spTgt spid="6">
-                                            <p:txEl>
-                                              <p:pRg st="2" end="2"/>
-                                            </p:txEl>
-                                          </p:spTgt>
-                                        </p:tgtEl>
-                                      </p:cBhvr>
-                                    </p:animEffect>
-                                  </p:childTnLst>
-                                </p:cTn>
-                              </p:par>
-                              <p:par>
-                                <p:cTn id="14" presetID="9" presetClass="emph" presetSubtype="0" nodeType="withEffect">
-                                  <p:stCondLst>
-                                    <p:cond delay="0"/>
-                                  </p:stCondLst>
-                                  <p:childTnLst>
-                                    <p:set>
-                                      <p:cBhvr rctx="PPT">
-                                        <p:cTn id="15" dur="indefinite"/>
-                                        <p:tgtEl>
-                                          <p:spTgt spid="6">
-                                            <p:txEl>
-                                              <p:pRg st="3" end="3"/>
-                                            </p:txEl>
-                                          </p:spTgt>
-                                        </p:tgtEl>
-                                        <p:attrNameLst>
-                                          <p:attrName>style.opacity</p:attrName>
-                                        </p:attrNameLst>
-                                      </p:cBhvr>
-                                      <p:to>
-                                        <p:strVal val="0.25"/>
-                                      </p:to>
-                                    </p:set>
-                                    <p:animEffect filter="image" prLst="opacity: 0.25">
-                                      <p:cBhvr rctx="IE">
-                                        <p:cTn id="16" dur="indefinite"/>
-                                        <p:tgtEl>
-                                          <p:spTgt spid="6">
-                                            <p:txEl>
-                                              <p:pRg st="3" end="3"/>
-                                            </p:txEl>
-                                          </p:spTgt>
-                                        </p:tgtEl>
-                                      </p:cBhvr>
-                                    </p:animEffect>
-                                  </p:childTnLst>
-                                </p:cTn>
-                              </p:par>
-                            </p:childTnLst>
-                          </p:cTn>
-                        </p:par>
-                      </p:childTnLst>
-                    </p:cTn>
-                  </p:par>
-                  <p:par>
-                    <p:cTn id="17" fill="hold">
-                      <p:stCondLst>
-                        <p:cond delay="indefinite"/>
-                      </p:stCondLst>
-                      <p:childTnLst>
-                        <p:par>
-                          <p:cTn id="18" fill="hold">
-                            <p:stCondLst>
-                              <p:cond delay="0"/>
-                            </p:stCondLst>
-                            <p:childTnLst>
-                              <p:par>
-                                <p:cTn id="19" presetID="9" presetClass="emph" presetSubtype="0" nodeType="clickEffect">
-                                  <p:stCondLst>
-                                    <p:cond delay="0"/>
-                                  </p:stCondLst>
-                                  <p:childTnLst>
-                                    <p:set>
-                                      <p:cBhvr rctx="PPT">
-                                        <p:cTn id="20" dur="indefinite"/>
-                                        <p:tgtEl>
-                                          <p:spTgt spid="6">
-                                            <p:txEl>
-                                              <p:pRg st="0" end="0"/>
-                                            </p:txEl>
-                                          </p:spTgt>
-                                        </p:tgtEl>
-                                        <p:attrNameLst>
-                                          <p:attrName>style.opacity</p:attrName>
-                                        </p:attrNameLst>
-                                      </p:cBhvr>
-                                      <p:to>
-                                        <p:strVal val="0.25"/>
-                                      </p:to>
-                                    </p:set>
-                                    <p:animEffect filter="image" prLst="opacity: 0.25">
-                                      <p:cBhvr rctx="IE">
-                                        <p:cTn id="21" dur="indefinite"/>
-                                        <p:tgtEl>
-                                          <p:spTgt spid="6">
-                                            <p:txEl>
-                                              <p:pRg st="0" end="0"/>
-                                            </p:txEl>
-                                          </p:spTgt>
-                                        </p:tgtEl>
-                                      </p:cBhvr>
-                                    </p:animEffect>
-                                  </p:childTnLst>
-                                </p:cTn>
-                              </p:par>
-                              <p:par>
-                                <p:cTn id="22" presetID="9" presetClass="emph" presetSubtype="0" nodeType="withEffect">
-                                  <p:stCondLst>
-                                    <p:cond delay="0"/>
-                                  </p:stCondLst>
-                                  <p:childTnLst>
-                                    <p:set>
-                                      <p:cBhvr rctx="PPT">
-                                        <p:cTn id="23" dur="indefinite"/>
-                                        <p:tgtEl>
-                                          <p:spTgt spid="6">
-                                            <p:txEl>
-                                              <p:pRg st="1" end="1"/>
-                                            </p:txEl>
-                                          </p:spTgt>
-                                        </p:tgtEl>
-                                        <p:attrNameLst>
-                                          <p:attrName>style.opacity</p:attrName>
-                                        </p:attrNameLst>
-                                      </p:cBhvr>
-                                      <p:to>
-                                        <p:strVal val="1"/>
-                                      </p:to>
-                                    </p:set>
-                                    <p:animEffect filter="image" prLst="opacity: 1">
-                                      <p:cBhvr rctx="IE">
-                                        <p:cTn id="24" dur="indefinite"/>
-                                        <p:tgtEl>
-                                          <p:spTgt spid="6">
-                                            <p:txEl>
-                                              <p:pRg st="1" end="1"/>
-                                            </p:txEl>
-                                          </p:spTgt>
-                                        </p:tgtEl>
-                                      </p:cBhvr>
-                                    </p:animEffect>
-                                  </p:childTnLst>
-                                </p:cTn>
-                              </p:par>
-                            </p:childTnLst>
-                          </p:cTn>
-                        </p:par>
-                      </p:childTnLst>
-                    </p:cTn>
-                  </p:par>
-                  <p:par>
-                    <p:cTn id="25" fill="hold">
-                      <p:stCondLst>
-                        <p:cond delay="indefinite"/>
-                      </p:stCondLst>
-                      <p:childTnLst>
-                        <p:par>
-                          <p:cTn id="26" fill="hold">
-                            <p:stCondLst>
-                              <p:cond delay="0"/>
-                            </p:stCondLst>
-                            <p:childTnLst>
-                              <p:par>
-                                <p:cTn id="27" presetID="9" presetClass="emph" presetSubtype="0" nodeType="clickEffect">
-                                  <p:stCondLst>
-                                    <p:cond delay="0"/>
-                                  </p:stCondLst>
-                                  <p:childTnLst>
-                                    <p:set>
-                                      <p:cBhvr rctx="PPT">
-                                        <p:cTn id="28" dur="indefinite"/>
-                                        <p:tgtEl>
-                                          <p:spTgt spid="6">
-                                            <p:txEl>
-                                              <p:pRg st="1" end="1"/>
-                                            </p:txEl>
-                                          </p:spTgt>
-                                        </p:tgtEl>
-                                        <p:attrNameLst>
-                                          <p:attrName>style.opacity</p:attrName>
-                                        </p:attrNameLst>
-                                      </p:cBhvr>
-                                      <p:to>
-                                        <p:strVal val="0.25"/>
-                                      </p:to>
-                                    </p:set>
-                                    <p:animEffect filter="image" prLst="opacity: 0.25">
-                                      <p:cBhvr rctx="IE">
-                                        <p:cTn id="29" dur="indefinite"/>
-                                        <p:tgtEl>
-                                          <p:spTgt spid="6">
-                                            <p:txEl>
-                                              <p:pRg st="1" end="1"/>
-                                            </p:txEl>
-                                          </p:spTgt>
-                                        </p:tgtEl>
-                                      </p:cBhvr>
-                                    </p:animEffect>
-                                  </p:childTnLst>
-                                </p:cTn>
-                              </p:par>
-                              <p:par>
-                                <p:cTn id="30" presetID="9" presetClass="emph" presetSubtype="0" nodeType="withEffect">
-                                  <p:stCondLst>
-                                    <p:cond delay="0"/>
-                                  </p:stCondLst>
-                                  <p:childTnLst>
-                                    <p:set>
-                                      <p:cBhvr rctx="PPT">
-                                        <p:cTn id="31" dur="indefinite"/>
-                                        <p:tgtEl>
-                                          <p:spTgt spid="6">
-                                            <p:txEl>
-                                              <p:pRg st="2" end="2"/>
-                                            </p:txEl>
-                                          </p:spTgt>
-                                        </p:tgtEl>
-                                        <p:attrNameLst>
-                                          <p:attrName>style.opacity</p:attrName>
-                                        </p:attrNameLst>
-                                      </p:cBhvr>
-                                      <p:to>
-                                        <p:strVal val="1"/>
-                                      </p:to>
-                                    </p:set>
-                                    <p:animEffect filter="image" prLst="opacity: 1">
-                                      <p:cBhvr rctx="IE">
-                                        <p:cTn id="32" dur="indefinite"/>
-                                        <p:tgtEl>
-                                          <p:spTgt spid="6">
-                                            <p:txEl>
-                                              <p:pRg st="2" end="2"/>
-                                            </p:txEl>
-                                          </p:spTgt>
-                                        </p:tgtEl>
-                                      </p:cBhvr>
-                                    </p:animEffect>
-                                  </p:childTnLst>
-                                </p:cTn>
-                              </p:par>
-                            </p:childTnLst>
-                          </p:cTn>
-                        </p:par>
-                      </p:childTnLst>
-                    </p:cTn>
-                  </p:par>
-                  <p:par>
-                    <p:cTn id="33" fill="hold">
-                      <p:stCondLst>
-                        <p:cond delay="indefinite"/>
-                      </p:stCondLst>
-                      <p:childTnLst>
-                        <p:par>
-                          <p:cTn id="34" fill="hold">
-                            <p:stCondLst>
-                              <p:cond delay="0"/>
-                            </p:stCondLst>
-                            <p:childTnLst>
-                              <p:par>
-                                <p:cTn id="35" presetID="9" presetClass="emph" presetSubtype="0" nodeType="clickEffect">
-                                  <p:stCondLst>
-                                    <p:cond delay="0"/>
-                                  </p:stCondLst>
-                                  <p:childTnLst>
-                                    <p:set>
-                                      <p:cBhvr rctx="PPT">
-                                        <p:cTn id="36" dur="indefinite"/>
-                                        <p:tgtEl>
-                                          <p:spTgt spid="6">
-                                            <p:txEl>
-                                              <p:pRg st="2" end="2"/>
-                                            </p:txEl>
-                                          </p:spTgt>
-                                        </p:tgtEl>
-                                        <p:attrNameLst>
-                                          <p:attrName>style.opacity</p:attrName>
-                                        </p:attrNameLst>
-                                      </p:cBhvr>
-                                      <p:to>
-                                        <p:strVal val="0.25"/>
-                                      </p:to>
-                                    </p:set>
-                                    <p:animEffect filter="image" prLst="opacity: 0.25">
-                                      <p:cBhvr rctx="IE">
-                                        <p:cTn id="37" dur="indefinite"/>
-                                        <p:tgtEl>
-                                          <p:spTgt spid="6">
-                                            <p:txEl>
-                                              <p:pRg st="2" end="2"/>
-                                            </p:txEl>
-                                          </p:spTgt>
-                                        </p:tgtEl>
-                                      </p:cBhvr>
-                                    </p:animEffect>
-                                  </p:childTnLst>
-                                </p:cTn>
-                              </p:par>
-                              <p:par>
-                                <p:cTn id="38" presetID="9" presetClass="emph" presetSubtype="0" nodeType="withEffect">
-                                  <p:stCondLst>
-                                    <p:cond delay="0"/>
-                                  </p:stCondLst>
-                                  <p:childTnLst>
-                                    <p:set>
-                                      <p:cBhvr rctx="PPT">
-                                        <p:cTn id="39" dur="indefinite"/>
-                                        <p:tgtEl>
-                                          <p:spTgt spid="6">
-                                            <p:txEl>
-                                              <p:pRg st="3" end="3"/>
-                                            </p:txEl>
-                                          </p:spTgt>
-                                        </p:tgtEl>
-                                        <p:attrNameLst>
-                                          <p:attrName>style.opacity</p:attrName>
-                                        </p:attrNameLst>
-                                      </p:cBhvr>
-                                      <p:to>
-                                        <p:strVal val="1"/>
-                                      </p:to>
-                                    </p:set>
-                                    <p:animEffect filter="image" prLst="opacity: 1">
-                                      <p:cBhvr rctx="IE">
-                                        <p:cTn id="40" dur="indefinite"/>
-                                        <p:tgtEl>
-                                          <p:spTgt spid="6">
-                                            <p:txEl>
-                                              <p:pRg st="3" end="3"/>
                                             </p:txEl>
                                           </p:spTgt>
                                         </p:tgtEl>

--- a/one-template-to-rule-them-all_emet-part.pptx
+++ b/one-template-to-rule-them-all_emet-part.pptx
@@ -5,10 +5,10 @@
     <p:sldMasterId id="2147483648" r:id="rId1"/>
   </p:sldMasterIdLst>
   <p:notesMasterIdLst>
-    <p:notesMasterId r:id="rId15"/>
+    <p:notesMasterId r:id="rId18"/>
   </p:notesMasterIdLst>
   <p:handoutMasterIdLst>
-    <p:handoutMasterId r:id="rId16"/>
+    <p:handoutMasterId r:id="rId19"/>
   </p:handoutMasterIdLst>
   <p:sldIdLst>
     <p:sldId id="256" r:id="rId2"/>
@@ -21,9 +21,12 @@
     <p:sldId id="332" r:id="rId9"/>
     <p:sldId id="328" r:id="rId10"/>
     <p:sldId id="333" r:id="rId11"/>
-    <p:sldId id="326" r:id="rId12"/>
-    <p:sldId id="325" r:id="rId13"/>
-    <p:sldId id="329" r:id="rId14"/>
+    <p:sldId id="334" r:id="rId12"/>
+    <p:sldId id="335" r:id="rId13"/>
+    <p:sldId id="336" r:id="rId14"/>
+    <p:sldId id="326" r:id="rId15"/>
+    <p:sldId id="325" r:id="rId16"/>
+    <p:sldId id="329" r:id="rId17"/>
   </p:sldIdLst>
   <p:sldSz cx="24384000" cy="13716000"/>
   <p:notesSz cx="6858000" cy="9144000"/>
@@ -205,7 +208,7 @@
           <a:p>
             <a:fld id="{92BA5E9F-E6B7-407C-971A-EA18535AE401}" type="datetimeFigureOut">
               <a:rPr lang="en-GB" smtClean="0"/>
-              <a:t>01/06/2016</a:t>
+              <a:t>03/06/2016</a:t>
             </a:fld>
             <a:endParaRPr lang="en-GB" dirty="0"/>
           </a:p>
@@ -608,7 +611,6 @@
               <a:rPr lang="en-GB" baseline="0" dirty="0" smtClean="0"/>
               <a:t>&lt;WRITE DISCUSSION ABOUT WEPWNISE MACRO CODE AND WHAT IT DOES&gt;</a:t>
             </a:r>
-            <a:endParaRPr lang="en-GB" baseline="0" dirty="0" smtClean="0"/>
           </a:p>
         </p:txBody>
       </p:sp>
@@ -671,16 +673,7 @@
           <a:p>
             <a:r>
               <a:rPr lang="en-GB" baseline="0" dirty="0" smtClean="0"/>
-              <a:t>------------------ TALK AUDIENCE THROUGH VIDEO ------------------------</a:t>
-            </a:r>
-          </a:p>
-          <a:p>
-            <a:endParaRPr lang="en-GB" baseline="0" dirty="0" smtClean="0"/>
-          </a:p>
-          <a:p>
-            <a:r>
-              <a:rPr lang="en-GB" baseline="0" dirty="0" smtClean="0"/>
-              <a:t>I will write this later.</a:t>
+              <a:t>&lt;WRITE DISCUSSION ABOUT WEPWNISE MACRO CODE AND WHAT IT DOES&gt;</a:t>
             </a:r>
           </a:p>
         </p:txBody>
@@ -688,7 +681,7 @@
     </p:spTree>
     <p:extLst>
       <p:ext uri="{BB962C8B-B14F-4D97-AF65-F5344CB8AC3E}">
-        <p14:creationId xmlns:p14="http://schemas.microsoft.com/office/powerpoint/2010/main" val="2336706203"/>
+        <p14:creationId xmlns:p14="http://schemas.microsoft.com/office/powerpoint/2010/main" val="3106646019"/>
       </p:ext>
     </p:extLst>
   </p:cSld>
@@ -744,6 +737,213 @@
           <a:p>
             <a:r>
               <a:rPr lang="en-GB" baseline="0" dirty="0" smtClean="0"/>
+              <a:t>a</a:t>
+            </a:r>
+            <a:endParaRPr lang="en-GB" baseline="0" dirty="0" smtClean="0"/>
+          </a:p>
+        </p:txBody>
+      </p:sp>
+    </p:spTree>
+    <p:extLst>
+      <p:ext uri="{BB962C8B-B14F-4D97-AF65-F5344CB8AC3E}">
+        <p14:creationId xmlns:p14="http://schemas.microsoft.com/office/powerpoint/2010/main" val="1798169412"/>
+      </p:ext>
+    </p:extLst>
+  </p:cSld>
+  <p:clrMapOvr>
+    <a:masterClrMapping/>
+  </p:clrMapOvr>
+</p:notes>
+</file>
+
+<file path=ppt/notesSlides/notesSlide13.xml><?xml version="1.0" encoding="utf-8"?>
+<p:notes xmlns:a="http://schemas.openxmlformats.org/drawingml/2006/main" xmlns:r="http://schemas.openxmlformats.org/officeDocument/2006/relationships" xmlns:p="http://schemas.openxmlformats.org/presentationml/2006/main">
+  <p:cSld>
+    <p:spTree>
+      <p:nvGrpSpPr>
+        <p:cNvPr id="1" name=""/>
+        <p:cNvGrpSpPr/>
+        <p:nvPr/>
+      </p:nvGrpSpPr>
+      <p:grpSpPr>
+        <a:xfrm>
+          <a:off x="0" y="0"/>
+          <a:ext cx="0" cy="0"/>
+          <a:chOff x="0" y="0"/>
+          <a:chExt cx="0" cy="0"/>
+        </a:xfrm>
+      </p:grpSpPr>
+      <p:sp>
+        <p:nvSpPr>
+          <p:cNvPr id="2" name="Slide Image Placeholder 1"/>
+          <p:cNvSpPr>
+            <a:spLocks noGrp="1" noRot="1" noChangeAspect="1"/>
+          </p:cNvSpPr>
+          <p:nvPr>
+            <p:ph type="sldImg"/>
+          </p:nvPr>
+        </p:nvSpPr>
+        <p:spPr/>
+      </p:sp>
+      <p:sp>
+        <p:nvSpPr>
+          <p:cNvPr id="3" name="Notes Placeholder 2"/>
+          <p:cNvSpPr>
+            <a:spLocks noGrp="1"/>
+          </p:cNvSpPr>
+          <p:nvPr>
+            <p:ph type="body" idx="1"/>
+          </p:nvPr>
+        </p:nvSpPr>
+        <p:spPr/>
+        <p:txBody>
+          <a:bodyPr/>
+          <a:lstStyle/>
+          <a:p>
+            <a:r>
+              <a:rPr lang="en-GB" baseline="0" dirty="0" smtClean="0"/>
+              <a:t>Output of </a:t>
+            </a:r>
+            <a:r>
+              <a:rPr lang="en-GB" baseline="0" dirty="0" err="1" smtClean="0"/>
+              <a:t>enum_emet</a:t>
+            </a:r>
+            <a:endParaRPr lang="en-GB" baseline="0" dirty="0" smtClean="0"/>
+          </a:p>
+        </p:txBody>
+      </p:sp>
+    </p:spTree>
+    <p:extLst>
+      <p:ext uri="{BB962C8B-B14F-4D97-AF65-F5344CB8AC3E}">
+        <p14:creationId xmlns:p14="http://schemas.microsoft.com/office/powerpoint/2010/main" val="2684367193"/>
+      </p:ext>
+    </p:extLst>
+  </p:cSld>
+  <p:clrMapOvr>
+    <a:masterClrMapping/>
+  </p:clrMapOvr>
+</p:notes>
+</file>
+
+<file path=ppt/notesSlides/notesSlide14.xml><?xml version="1.0" encoding="utf-8"?>
+<p:notes xmlns:a="http://schemas.openxmlformats.org/drawingml/2006/main" xmlns:r="http://schemas.openxmlformats.org/officeDocument/2006/relationships" xmlns:p="http://schemas.openxmlformats.org/presentationml/2006/main">
+  <p:cSld>
+    <p:spTree>
+      <p:nvGrpSpPr>
+        <p:cNvPr id="1" name=""/>
+        <p:cNvGrpSpPr/>
+        <p:nvPr/>
+      </p:nvGrpSpPr>
+      <p:grpSpPr>
+        <a:xfrm>
+          <a:off x="0" y="0"/>
+          <a:ext cx="0" cy="0"/>
+          <a:chOff x="0" y="0"/>
+          <a:chExt cx="0" cy="0"/>
+        </a:xfrm>
+      </p:grpSpPr>
+      <p:sp>
+        <p:nvSpPr>
+          <p:cNvPr id="2" name="Slide Image Placeholder 1"/>
+          <p:cNvSpPr>
+            <a:spLocks noGrp="1" noRot="1" noChangeAspect="1"/>
+          </p:cNvSpPr>
+          <p:nvPr>
+            <p:ph type="sldImg"/>
+          </p:nvPr>
+        </p:nvSpPr>
+        <p:spPr/>
+      </p:sp>
+      <p:sp>
+        <p:nvSpPr>
+          <p:cNvPr id="3" name="Notes Placeholder 2"/>
+          <p:cNvSpPr>
+            <a:spLocks noGrp="1"/>
+          </p:cNvSpPr>
+          <p:nvPr>
+            <p:ph type="body" idx="1"/>
+          </p:nvPr>
+        </p:nvSpPr>
+        <p:spPr/>
+        <p:txBody>
+          <a:bodyPr/>
+          <a:lstStyle/>
+          <a:p>
+            <a:r>
+              <a:rPr lang="en-GB" baseline="0" dirty="0" smtClean="0"/>
+              <a:t>------------------ TALK AUDIENCE THROUGH VIDEO ------------------------</a:t>
+            </a:r>
+          </a:p>
+          <a:p>
+            <a:endParaRPr lang="en-GB" baseline="0" dirty="0" smtClean="0"/>
+          </a:p>
+          <a:p>
+            <a:r>
+              <a:rPr lang="en-GB" baseline="0" dirty="0" smtClean="0"/>
+              <a:t>I will write this later.</a:t>
+            </a:r>
+          </a:p>
+        </p:txBody>
+      </p:sp>
+    </p:spTree>
+    <p:extLst>
+      <p:ext uri="{BB962C8B-B14F-4D97-AF65-F5344CB8AC3E}">
+        <p14:creationId xmlns:p14="http://schemas.microsoft.com/office/powerpoint/2010/main" val="2336706203"/>
+      </p:ext>
+    </p:extLst>
+  </p:cSld>
+  <p:clrMapOvr>
+    <a:masterClrMapping/>
+  </p:clrMapOvr>
+</p:notes>
+</file>
+
+<file path=ppt/notesSlides/notesSlide15.xml><?xml version="1.0" encoding="utf-8"?>
+<p:notes xmlns:a="http://schemas.openxmlformats.org/drawingml/2006/main" xmlns:r="http://schemas.openxmlformats.org/officeDocument/2006/relationships" xmlns:p="http://schemas.openxmlformats.org/presentationml/2006/main">
+  <p:cSld>
+    <p:spTree>
+      <p:nvGrpSpPr>
+        <p:cNvPr id="1" name=""/>
+        <p:cNvGrpSpPr/>
+        <p:nvPr/>
+      </p:nvGrpSpPr>
+      <p:grpSpPr>
+        <a:xfrm>
+          <a:off x="0" y="0"/>
+          <a:ext cx="0" cy="0"/>
+          <a:chOff x="0" y="0"/>
+          <a:chExt cx="0" cy="0"/>
+        </a:xfrm>
+      </p:grpSpPr>
+      <p:sp>
+        <p:nvSpPr>
+          <p:cNvPr id="2" name="Slide Image Placeholder 1"/>
+          <p:cNvSpPr>
+            <a:spLocks noGrp="1" noRot="1" noChangeAspect="1"/>
+          </p:cNvSpPr>
+          <p:nvPr>
+            <p:ph type="sldImg"/>
+          </p:nvPr>
+        </p:nvSpPr>
+        <p:spPr/>
+      </p:sp>
+      <p:sp>
+        <p:nvSpPr>
+          <p:cNvPr id="3" name="Notes Placeholder 2"/>
+          <p:cNvSpPr>
+            <a:spLocks noGrp="1"/>
+          </p:cNvSpPr>
+          <p:nvPr>
+            <p:ph type="body" idx="1"/>
+          </p:nvPr>
+        </p:nvSpPr>
+        <p:spPr/>
+        <p:txBody>
+          <a:bodyPr/>
+          <a:lstStyle/>
+          <a:p>
+            <a:r>
+              <a:rPr lang="en-GB" baseline="0" dirty="0" smtClean="0"/>
               <a:t>In the case of EMET, </a:t>
             </a:r>
             <a:r>
@@ -809,7 +1009,7 @@
 </p:notes>
 </file>
 
-<file path=ppt/notesSlides/notesSlide13.xml><?xml version="1.0" encoding="utf-8"?>
+<file path=ppt/notesSlides/notesSlide16.xml><?xml version="1.0" encoding="utf-8"?>
 <p:notes xmlns:a="http://schemas.openxmlformats.org/drawingml/2006/main" xmlns:r="http://schemas.openxmlformats.org/officeDocument/2006/relationships" xmlns:p="http://schemas.openxmlformats.org/presentationml/2006/main">
   <p:cSld>
     <p:spTree>
@@ -998,13 +1198,8 @@
             </a:r>
             <a:r>
               <a:rPr lang="en-GB" baseline="0" dirty="0" smtClean="0"/>
-              <a:t> against exploitation</a:t>
-            </a:r>
-            <a:r>
-              <a:rPr lang="en-GB" baseline="0" dirty="0" smtClean="0"/>
-              <a:t>.</a:t>
-            </a:r>
-            <a:endParaRPr lang="en-GB" baseline="0" dirty="0" smtClean="0"/>
+              <a:t> against exploitation.</a:t>
+            </a:r>
           </a:p>
         </p:txBody>
       </p:sp>
@@ -1140,11 +1335,7 @@
           <a:p>
             <a:r>
               <a:rPr lang="en-GB" baseline="0" dirty="0" smtClean="0"/>
-              <a:t>EAF stands for Export Address Table Filtering. This </a:t>
-            </a:r>
-            <a:r>
-              <a:rPr lang="en-GB" baseline="0" dirty="0" smtClean="0"/>
-              <a:t>mechanism prevents shell code from being able to lookup useful addresses to windows function calls.</a:t>
+              <a:t>EAF stands for Export Address Table Filtering. This mechanism prevents shell code from being able to lookup useful addresses to windows function calls.</a:t>
             </a:r>
           </a:p>
           <a:p>
@@ -1157,11 +1348,7 @@
             </a:r>
             <a:r>
               <a:rPr lang="en-GB" baseline="0" dirty="0" smtClean="0"/>
-              <a:t> payloads can be generated through popular frameworks such </a:t>
-            </a:r>
-            <a:r>
-              <a:rPr lang="en-GB" baseline="0" dirty="0" smtClean="0"/>
-              <a:t>as the </a:t>
+              <a:t> payloads can be generated through popular frameworks such as the </a:t>
             </a:r>
             <a:r>
               <a:rPr lang="en-GB" baseline="0" dirty="0" err="1" smtClean="0"/>
@@ -1169,19 +1356,7 @@
             </a:r>
             <a:r>
               <a:rPr lang="en-GB" baseline="0" dirty="0" smtClean="0"/>
-              <a:t> Framework, </a:t>
-            </a:r>
-            <a:r>
-              <a:rPr lang="en-GB" baseline="0" dirty="0" smtClean="0"/>
-              <a:t>Cobalt Strike and PowerShell Empire. Some of these </a:t>
-            </a:r>
-            <a:r>
-              <a:rPr lang="en-GB" baseline="0" dirty="0" smtClean="0"/>
-              <a:t>payloads will </a:t>
-            </a:r>
-            <a:r>
-              <a:rPr lang="en-GB" baseline="0" dirty="0" smtClean="0"/>
-              <a:t>be blocked by EMET.</a:t>
+              <a:t> Framework, Cobalt Strike and PowerShell Empire. Some of these payloads will be blocked by EMET.</a:t>
             </a:r>
           </a:p>
         </p:txBody>
@@ -5879,6 +6054,77 @@
           </a:bodyPr>
           <a:lstStyle/>
           <a:p>
+            <a:r>
+              <a:rPr lang="en-GB" sz="6000" dirty="0" smtClean="0">
+                <a:solidFill>
+                  <a:schemeClr val="bg1"/>
+                </a:solidFill>
+                <a:latin typeface="+mj-lt"/>
+              </a:rPr>
+              <a:t>Native VBA code</a:t>
+            </a:r>
+          </a:p>
+          <a:p>
+            <a:r>
+              <a:rPr lang="en-GB" sz="6000" dirty="0" err="1" smtClean="0">
+                <a:solidFill>
+                  <a:schemeClr val="bg1"/>
+                </a:solidFill>
+                <a:latin typeface="+mj-lt"/>
+              </a:rPr>
+              <a:t>CreateProcessA</a:t>
+            </a:r>
+            <a:endParaRPr lang="en-GB" sz="6000" dirty="0" smtClean="0">
+              <a:solidFill>
+                <a:schemeClr val="bg1"/>
+              </a:solidFill>
+              <a:latin typeface="+mj-lt"/>
+            </a:endParaRPr>
+          </a:p>
+          <a:p>
+            <a:r>
+              <a:rPr lang="en-GB" sz="6000" dirty="0" err="1" smtClean="0">
+                <a:solidFill>
+                  <a:schemeClr val="bg1"/>
+                </a:solidFill>
+                <a:latin typeface="+mj-lt"/>
+              </a:rPr>
+              <a:t>VirtualAllocEx</a:t>
+            </a:r>
+            <a:endParaRPr lang="en-GB" sz="6000" dirty="0" smtClean="0">
+              <a:solidFill>
+                <a:schemeClr val="bg1"/>
+              </a:solidFill>
+              <a:latin typeface="+mj-lt"/>
+            </a:endParaRPr>
+          </a:p>
+          <a:p>
+            <a:r>
+              <a:rPr lang="en-GB" sz="6000" dirty="0" err="1" smtClean="0">
+                <a:solidFill>
+                  <a:schemeClr val="bg1"/>
+                </a:solidFill>
+                <a:latin typeface="+mj-lt"/>
+              </a:rPr>
+              <a:t>WriteProcessMemory</a:t>
+            </a:r>
+            <a:endParaRPr lang="en-GB" sz="6000" dirty="0" smtClean="0">
+              <a:solidFill>
+                <a:schemeClr val="bg1"/>
+              </a:solidFill>
+              <a:latin typeface="+mj-lt"/>
+            </a:endParaRPr>
+          </a:p>
+          <a:p>
+            <a:r>
+              <a:rPr lang="en-GB" sz="6000" dirty="0" err="1" smtClean="0">
+                <a:solidFill>
+                  <a:schemeClr val="bg1"/>
+                </a:solidFill>
+                <a:latin typeface="+mj-lt"/>
+              </a:rPr>
+              <a:t>CreateRemoteThread</a:t>
+            </a:r>
             <a:endParaRPr lang="en-GB" sz="6000" dirty="0">
               <a:solidFill>
                 <a:schemeClr val="bg1"/>
@@ -5906,28 +6152,12 @@
           <a:lstStyle/>
           <a:p>
             <a:r>
-              <a:rPr lang="en-GB" sz="3600" dirty="0" err="1" smtClean="0">
-                <a:solidFill>
-                  <a:schemeClr val="bg2"/>
-                </a:solidFill>
-              </a:rPr>
-              <a:t>WePWNise</a:t>
-            </a:r>
-            <a:r>
               <a:rPr lang="en-GB" sz="3600" dirty="0" smtClean="0">
                 <a:solidFill>
                   <a:schemeClr val="bg2"/>
                 </a:solidFill>
               </a:rPr>
-              <a:t>? </a:t>
-            </a:r>
-            <a:r>
-              <a:rPr lang="en-GB" sz="3600" dirty="0" smtClean="0">
-                <a:solidFill>
-                  <a:schemeClr val="bg2"/>
-                </a:solidFill>
-              </a:rPr>
-              <a:t>The Macro Code</a:t>
+              <a:t>How do you inject?</a:t>
             </a:r>
             <a:endParaRPr lang="en-GB" sz="3600" dirty="0">
               <a:solidFill>
@@ -5972,15 +6202,10 @@
                             </p:stCondLst>
                             <p:childTnLst>
                               <p:par>
-                                <p:cTn id="5" presetID="9" presetClass="emph" presetSubtype="0" nodeType="withEffect" nodePh="1">
+                                <p:cTn id="5" presetID="9" presetClass="emph" presetSubtype="0" nodeType="withEffect">
                                   <p:stCondLst>
                                     <p:cond delay="0"/>
                                   </p:stCondLst>
-                                  <p:endCondLst>
-                                    <p:cond evt="begin" delay="0">
-                                      <p:tn val="5"/>
-                                    </p:cond>
-                                  </p:endCondLst>
                                   <p:childTnLst>
                                     <p:set>
                                       <p:cBhvr rctx="PPT">
@@ -6007,6 +6232,162 @@
                                           <p:spTgt spid="6">
                                             <p:txEl>
                                               <p:pRg st="0" end="0"/>
+                                            </p:txEl>
+                                          </p:spTgt>
+                                        </p:tgtEl>
+                                      </p:cBhvr>
+                                    </p:animEffect>
+                                  </p:childTnLst>
+                                </p:cTn>
+                              </p:par>
+                              <p:par>
+                                <p:cTn id="8" presetID="9" presetClass="emph" presetSubtype="0" nodeType="withEffect">
+                                  <p:stCondLst>
+                                    <p:cond delay="0"/>
+                                  </p:stCondLst>
+                                  <p:childTnLst>
+                                    <p:set>
+                                      <p:cBhvr rctx="PPT">
+                                        <p:cTn id="9" dur="indefinite"/>
+                                        <p:tgtEl>
+                                          <p:spTgt spid="6">
+                                            <p:txEl>
+                                              <p:pRg st="1" end="1"/>
+                                            </p:txEl>
+                                          </p:spTgt>
+                                        </p:tgtEl>
+                                        <p:attrNameLst>
+                                          <p:attrName>style.opacity</p:attrName>
+                                        </p:attrNameLst>
+                                      </p:cBhvr>
+                                      <p:to>
+                                        <p:strVal val="1"/>
+                                      </p:to>
+                                    </p:set>
+                                    <p:animEffect filter="image" prLst="opacity: 1">
+                                      <p:cBhvr rctx="IE">
+                                        <p:cTn id="10" dur="indefinite"/>
+                                        <p:tgtEl>
+                                          <p:spTgt spid="6">
+                                            <p:txEl>
+                                              <p:pRg st="1" end="1"/>
+                                            </p:txEl>
+                                          </p:spTgt>
+                                        </p:tgtEl>
+                                      </p:cBhvr>
+                                    </p:animEffect>
+                                  </p:childTnLst>
+                                </p:cTn>
+                              </p:par>
+                              <p:par>
+                                <p:cTn id="11" presetID="9" presetClass="emph" presetSubtype="0" nodeType="withEffect">
+                                  <p:stCondLst>
+                                    <p:cond delay="0"/>
+                                  </p:stCondLst>
+                                  <p:childTnLst>
+                                    <p:set>
+                                      <p:cBhvr rctx="PPT">
+                                        <p:cTn id="12" dur="indefinite"/>
+                                        <p:tgtEl>
+                                          <p:spTgt spid="6">
+                                            <p:txEl>
+                                              <p:pRg st="2" end="2"/>
+                                            </p:txEl>
+                                          </p:spTgt>
+                                        </p:tgtEl>
+                                        <p:attrNameLst>
+                                          <p:attrName>style.opacity</p:attrName>
+                                        </p:attrNameLst>
+                                      </p:cBhvr>
+                                      <p:to>
+                                        <p:strVal val="1"/>
+                                      </p:to>
+                                    </p:set>
+                                    <p:animEffect filter="image" prLst="opacity: 1">
+                                      <p:cBhvr rctx="IE">
+                                        <p:cTn id="13" dur="indefinite"/>
+                                        <p:tgtEl>
+                                          <p:spTgt spid="6">
+                                            <p:txEl>
+                                              <p:pRg st="2" end="2"/>
+                                            </p:txEl>
+                                          </p:spTgt>
+                                        </p:tgtEl>
+                                      </p:cBhvr>
+                                    </p:animEffect>
+                                  </p:childTnLst>
+                                </p:cTn>
+                              </p:par>
+                              <p:par>
+                                <p:cTn id="14" presetID="9" presetClass="emph" presetSubtype="0" nodeType="withEffect">
+                                  <p:stCondLst>
+                                    <p:cond delay="0"/>
+                                  </p:stCondLst>
+                                  <p:childTnLst>
+                                    <p:set>
+                                      <p:cBhvr rctx="PPT">
+                                        <p:cTn id="15" dur="indefinite"/>
+                                        <p:tgtEl>
+                                          <p:spTgt spid="6">
+                                            <p:txEl>
+                                              <p:pRg st="3" end="3"/>
+                                            </p:txEl>
+                                          </p:spTgt>
+                                        </p:tgtEl>
+                                        <p:attrNameLst>
+                                          <p:attrName>style.opacity</p:attrName>
+                                        </p:attrNameLst>
+                                      </p:cBhvr>
+                                      <p:to>
+                                        <p:strVal val="1"/>
+                                      </p:to>
+                                    </p:set>
+                                    <p:animEffect filter="image" prLst="opacity: 1">
+                                      <p:cBhvr rctx="IE">
+                                        <p:cTn id="16" dur="indefinite"/>
+                                        <p:tgtEl>
+                                          <p:spTgt spid="6">
+                                            <p:txEl>
+                                              <p:pRg st="3" end="3"/>
+                                            </p:txEl>
+                                          </p:spTgt>
+                                        </p:tgtEl>
+                                      </p:cBhvr>
+                                    </p:animEffect>
+                                  </p:childTnLst>
+                                </p:cTn>
+                              </p:par>
+                              <p:par>
+                                <p:cTn id="17" presetID="9" presetClass="emph" presetSubtype="0" nodeType="withEffect">
+                                  <p:stCondLst>
+                                    <p:cond delay="0"/>
+                                  </p:stCondLst>
+                                  <p:childTnLst>
+                                    <p:set>
+                                      <p:cBhvr rctx="PPT">
+                                        <p:cTn id="18" dur="indefinite"/>
+                                        <p:tgtEl>
+                                          <p:spTgt spid="6">
+                                            <p:txEl>
+                                              <p:pRg st="4" end="4"/>
+                                            </p:txEl>
+                                          </p:spTgt>
+                                        </p:tgtEl>
+                                        <p:attrNameLst>
+                                          <p:attrName>style.opacity</p:attrName>
+                                        </p:attrNameLst>
+                                      </p:cBhvr>
+                                      <p:to>
+                                        <p:strVal val="1"/>
+                                      </p:to>
+                                    </p:set>
+                                    <p:animEffect filter="image" prLst="opacity: 1">
+                                      <p:cBhvr rctx="IE">
+                                        <p:cTn id="19" dur="indefinite"/>
+                                        <p:tgtEl>
+                                          <p:spTgt spid="6">
+                                            <p:txEl>
+                                              <p:pRg st="4" end="4"/>
                                             </p:txEl>
                                           </p:spTgt>
                                         </p:tgtEl>
@@ -6022,31 +6403,26 @@
                     </p:cTn>
                   </p:par>
                   <p:par>
-                    <p:cTn id="8" fill="hold">
+                    <p:cTn id="20" fill="hold">
                       <p:stCondLst>
                         <p:cond delay="indefinite"/>
                       </p:stCondLst>
                       <p:childTnLst>
                         <p:par>
-                          <p:cTn id="9" fill="hold">
+                          <p:cTn id="21" fill="hold">
                             <p:stCondLst>
                               <p:cond delay="0"/>
                             </p:stCondLst>
                             <p:childTnLst>
                               <p:par>
-                                <p:cTn id="10" presetID="9" presetClass="emph" presetSubtype="0" nodeType="clickEffect" nodePh="1">
+                                <p:cTn id="22" presetID="9" presetClass="emph" presetSubtype="0" nodeType="clickEffect">
                                   <p:stCondLst>
                                     <p:cond delay="0"/>
                                   </p:stCondLst>
-                                  <p:endCondLst>
-                                    <p:cond evt="begin" delay="0">
-                                      <p:tn val="10"/>
-                                    </p:cond>
-                                  </p:endCondLst>
                                   <p:childTnLst>
                                     <p:set>
                                       <p:cBhvr rctx="PPT">
-                                        <p:cTn id="11" dur="indefinite"/>
+                                        <p:cTn id="23" dur="indefinite"/>
                                         <p:tgtEl>
                                           <p:spTgt spid="6">
                                             <p:txEl>
@@ -6064,11 +6440,239 @@
                                     </p:set>
                                     <p:animEffect filter="image" prLst="opacity: 0.25">
                                       <p:cBhvr rctx="IE">
-                                        <p:cTn id="12" dur="indefinite"/>
+                                        <p:cTn id="24" dur="indefinite"/>
                                         <p:tgtEl>
                                           <p:spTgt spid="6">
                                             <p:txEl>
                                               <p:pRg st="0" end="0"/>
+                                            </p:txEl>
+                                          </p:spTgt>
+                                        </p:tgtEl>
+                                      </p:cBhvr>
+                                    </p:animEffect>
+                                  </p:childTnLst>
+                                </p:cTn>
+                              </p:par>
+                            </p:childTnLst>
+                          </p:cTn>
+                        </p:par>
+                      </p:childTnLst>
+                    </p:cTn>
+                  </p:par>
+                  <p:par>
+                    <p:cTn id="25" fill="hold">
+                      <p:stCondLst>
+                        <p:cond delay="indefinite"/>
+                      </p:stCondLst>
+                      <p:childTnLst>
+                        <p:par>
+                          <p:cTn id="26" fill="hold">
+                            <p:stCondLst>
+                              <p:cond delay="0"/>
+                            </p:stCondLst>
+                            <p:childTnLst>
+                              <p:par>
+                                <p:cTn id="27" presetID="9" presetClass="emph" presetSubtype="0" nodeType="clickEffect">
+                                  <p:stCondLst>
+                                    <p:cond delay="0"/>
+                                  </p:stCondLst>
+                                  <p:childTnLst>
+                                    <p:set>
+                                      <p:cBhvr rctx="PPT">
+                                        <p:cTn id="28" dur="indefinite"/>
+                                        <p:tgtEl>
+                                          <p:spTgt spid="6">
+                                            <p:txEl>
+                                              <p:pRg st="1" end="1"/>
+                                            </p:txEl>
+                                          </p:spTgt>
+                                        </p:tgtEl>
+                                        <p:attrNameLst>
+                                          <p:attrName>style.opacity</p:attrName>
+                                        </p:attrNameLst>
+                                      </p:cBhvr>
+                                      <p:to>
+                                        <p:strVal val="0.25"/>
+                                      </p:to>
+                                    </p:set>
+                                    <p:animEffect filter="image" prLst="opacity: 0.25">
+                                      <p:cBhvr rctx="IE">
+                                        <p:cTn id="29" dur="indefinite"/>
+                                        <p:tgtEl>
+                                          <p:spTgt spid="6">
+                                            <p:txEl>
+                                              <p:pRg st="1" end="1"/>
+                                            </p:txEl>
+                                          </p:spTgt>
+                                        </p:tgtEl>
+                                      </p:cBhvr>
+                                    </p:animEffect>
+                                  </p:childTnLst>
+                                </p:cTn>
+                              </p:par>
+                            </p:childTnLst>
+                          </p:cTn>
+                        </p:par>
+                      </p:childTnLst>
+                    </p:cTn>
+                  </p:par>
+                  <p:par>
+                    <p:cTn id="30" fill="hold">
+                      <p:stCondLst>
+                        <p:cond delay="indefinite"/>
+                      </p:stCondLst>
+                      <p:childTnLst>
+                        <p:par>
+                          <p:cTn id="31" fill="hold">
+                            <p:stCondLst>
+                              <p:cond delay="0"/>
+                            </p:stCondLst>
+                            <p:childTnLst>
+                              <p:par>
+                                <p:cTn id="32" presetID="9" presetClass="emph" presetSubtype="0" nodeType="clickEffect">
+                                  <p:stCondLst>
+                                    <p:cond delay="0"/>
+                                  </p:stCondLst>
+                                  <p:childTnLst>
+                                    <p:set>
+                                      <p:cBhvr rctx="PPT">
+                                        <p:cTn id="33" dur="indefinite"/>
+                                        <p:tgtEl>
+                                          <p:spTgt spid="6">
+                                            <p:txEl>
+                                              <p:pRg st="2" end="2"/>
+                                            </p:txEl>
+                                          </p:spTgt>
+                                        </p:tgtEl>
+                                        <p:attrNameLst>
+                                          <p:attrName>style.opacity</p:attrName>
+                                        </p:attrNameLst>
+                                      </p:cBhvr>
+                                      <p:to>
+                                        <p:strVal val="0.25"/>
+                                      </p:to>
+                                    </p:set>
+                                    <p:animEffect filter="image" prLst="opacity: 0.25">
+                                      <p:cBhvr rctx="IE">
+                                        <p:cTn id="34" dur="indefinite"/>
+                                        <p:tgtEl>
+                                          <p:spTgt spid="6">
+                                            <p:txEl>
+                                              <p:pRg st="2" end="2"/>
+                                            </p:txEl>
+                                          </p:spTgt>
+                                        </p:tgtEl>
+                                      </p:cBhvr>
+                                    </p:animEffect>
+                                  </p:childTnLst>
+                                </p:cTn>
+                              </p:par>
+                            </p:childTnLst>
+                          </p:cTn>
+                        </p:par>
+                      </p:childTnLst>
+                    </p:cTn>
+                  </p:par>
+                  <p:par>
+                    <p:cTn id="35" fill="hold">
+                      <p:stCondLst>
+                        <p:cond delay="indefinite"/>
+                      </p:stCondLst>
+                      <p:childTnLst>
+                        <p:par>
+                          <p:cTn id="36" fill="hold">
+                            <p:stCondLst>
+                              <p:cond delay="0"/>
+                            </p:stCondLst>
+                            <p:childTnLst>
+                              <p:par>
+                                <p:cTn id="37" presetID="9" presetClass="emph" presetSubtype="0" nodeType="clickEffect">
+                                  <p:stCondLst>
+                                    <p:cond delay="0"/>
+                                  </p:stCondLst>
+                                  <p:childTnLst>
+                                    <p:set>
+                                      <p:cBhvr rctx="PPT">
+                                        <p:cTn id="38" dur="indefinite"/>
+                                        <p:tgtEl>
+                                          <p:spTgt spid="6">
+                                            <p:txEl>
+                                              <p:pRg st="3" end="3"/>
+                                            </p:txEl>
+                                          </p:spTgt>
+                                        </p:tgtEl>
+                                        <p:attrNameLst>
+                                          <p:attrName>style.opacity</p:attrName>
+                                        </p:attrNameLst>
+                                      </p:cBhvr>
+                                      <p:to>
+                                        <p:strVal val="0.25"/>
+                                      </p:to>
+                                    </p:set>
+                                    <p:animEffect filter="image" prLst="opacity: 0.25">
+                                      <p:cBhvr rctx="IE">
+                                        <p:cTn id="39" dur="indefinite"/>
+                                        <p:tgtEl>
+                                          <p:spTgt spid="6">
+                                            <p:txEl>
+                                              <p:pRg st="3" end="3"/>
+                                            </p:txEl>
+                                          </p:spTgt>
+                                        </p:tgtEl>
+                                      </p:cBhvr>
+                                    </p:animEffect>
+                                  </p:childTnLst>
+                                </p:cTn>
+                              </p:par>
+                            </p:childTnLst>
+                          </p:cTn>
+                        </p:par>
+                      </p:childTnLst>
+                    </p:cTn>
+                  </p:par>
+                  <p:par>
+                    <p:cTn id="40" fill="hold">
+                      <p:stCondLst>
+                        <p:cond delay="indefinite"/>
+                      </p:stCondLst>
+                      <p:childTnLst>
+                        <p:par>
+                          <p:cTn id="41" fill="hold">
+                            <p:stCondLst>
+                              <p:cond delay="0"/>
+                            </p:stCondLst>
+                            <p:childTnLst>
+                              <p:par>
+                                <p:cTn id="42" presetID="9" presetClass="emph" presetSubtype="0" nodeType="clickEffect">
+                                  <p:stCondLst>
+                                    <p:cond delay="0"/>
+                                  </p:stCondLst>
+                                  <p:childTnLst>
+                                    <p:set>
+                                      <p:cBhvr rctx="PPT">
+                                        <p:cTn id="43" dur="indefinite"/>
+                                        <p:tgtEl>
+                                          <p:spTgt spid="6">
+                                            <p:txEl>
+                                              <p:pRg st="4" end="4"/>
+                                            </p:txEl>
+                                          </p:spTgt>
+                                        </p:tgtEl>
+                                        <p:attrNameLst>
+                                          <p:attrName>style.opacity</p:attrName>
+                                        </p:attrNameLst>
+                                      </p:cBhvr>
+                                      <p:to>
+                                        <p:strVal val="0.25"/>
+                                      </p:to>
+                                    </p:set>
+                                    <p:animEffect filter="image" prLst="opacity: 0.25">
+                                      <p:cBhvr rctx="IE">
+                                        <p:cTn id="44" dur="indefinite"/>
+                                        <p:tgtEl>
+                                          <p:spTgt spid="6">
+                                            <p:txEl>
+                                              <p:pRg st="4" end="4"/>
                                             </p:txEl>
                                           </p:spTgt>
                                         </p:tgtEl>
@@ -6178,9 +6782,32 @@
           </a:bodyPr>
           <a:lstStyle/>
           <a:p>
-            <a:pPr marL="0" indent="0">
-              <a:buNone/>
-            </a:pPr>
+            <a:r>
+              <a:rPr lang="en-GB" sz="6000" dirty="0" err="1" smtClean="0">
+                <a:solidFill>
+                  <a:schemeClr val="bg1"/>
+                </a:solidFill>
+                <a:latin typeface="+mj-lt"/>
+              </a:rPr>
+              <a:t>VirtualFreeEx</a:t>
+            </a:r>
+            <a:endParaRPr lang="en-GB" sz="6000" dirty="0" smtClean="0">
+              <a:solidFill>
+                <a:schemeClr val="bg1"/>
+              </a:solidFill>
+              <a:latin typeface="+mj-lt"/>
+            </a:endParaRPr>
+          </a:p>
+          <a:p>
+            <a:r>
+              <a:rPr lang="en-GB" sz="6000" dirty="0" err="1" smtClean="0">
+                <a:solidFill>
+                  <a:schemeClr val="bg1"/>
+                </a:solidFill>
+                <a:latin typeface="+mj-lt"/>
+              </a:rPr>
+              <a:t>TerminateProcess</a:t>
+            </a:r>
             <a:endParaRPr lang="en-GB" sz="6000" dirty="0">
               <a:solidFill>
                 <a:schemeClr val="bg1"/>
@@ -6213,7 +6840,7 @@
                   <a:schemeClr val="bg2"/>
                 </a:solidFill>
               </a:rPr>
-              <a:t>Demonstration</a:t>
+              <a:t>Memory management for failed attempts?</a:t>
             </a:r>
             <a:endParaRPr lang="en-GB" sz="3600" dirty="0">
               <a:solidFill>
@@ -6226,162 +6853,7 @@
     </p:spTree>
     <p:extLst>
       <p:ext uri="{BB962C8B-B14F-4D97-AF65-F5344CB8AC3E}">
-        <p14:creationId xmlns:p14="http://schemas.microsoft.com/office/powerpoint/2010/main" val="1548586931"/>
-      </p:ext>
-    </p:extLst>
-  </p:cSld>
-  <p:clrMapOvr>
-    <a:masterClrMapping/>
-  </p:clrMapOvr>
-  <p:transition spd="med"/>
-  <p:timing>
-    <p:tnLst>
-      <p:par>
-        <p:cTn id="1" dur="indefinite" restart="never" nodeType="tmRoot"/>
-      </p:par>
-    </p:tnLst>
-  </p:timing>
-</p:sld>
-</file>
-
-<file path=ppt/slides/slide12.xml><?xml version="1.0" encoding="utf-8"?>
-<p:sld xmlns:a="http://schemas.openxmlformats.org/drawingml/2006/main" xmlns:r="http://schemas.openxmlformats.org/officeDocument/2006/relationships" xmlns:p="http://schemas.openxmlformats.org/presentationml/2006/main">
-  <p:cSld>
-    <p:spTree>
-      <p:nvGrpSpPr>
-        <p:cNvPr id="1" name=""/>
-        <p:cNvGrpSpPr/>
-        <p:nvPr/>
-      </p:nvGrpSpPr>
-      <p:grpSpPr>
-        <a:xfrm>
-          <a:off x="0" y="0"/>
-          <a:ext cx="0" cy="0"/>
-          <a:chOff x="0" y="0"/>
-          <a:chExt cx="0" cy="0"/>
-        </a:xfrm>
-      </p:grpSpPr>
-      <p:sp>
-        <p:nvSpPr>
-          <p:cNvPr id="5" name="Title 4"/>
-          <p:cNvSpPr>
-            <a:spLocks noGrp="1"/>
-          </p:cNvSpPr>
-          <p:nvPr>
-            <p:ph type="title"/>
-          </p:nvPr>
-        </p:nvSpPr>
-        <p:spPr/>
-        <p:txBody>
-          <a:bodyPr/>
-          <a:lstStyle/>
-          <a:p>
-            <a:r>
-              <a:rPr lang="en-GB" dirty="0" smtClean="0">
-                <a:solidFill>
-                  <a:schemeClr val="bg1"/>
-                </a:solidFill>
-              </a:rPr>
-              <a:t>Anti-</a:t>
-            </a:r>
-            <a:r>
-              <a:rPr lang="en-GB" dirty="0" err="1" smtClean="0">
-                <a:solidFill>
-                  <a:schemeClr val="bg1"/>
-                </a:solidFill>
-              </a:rPr>
-              <a:t>WePWNise</a:t>
-            </a:r>
-            <a:endParaRPr lang="en-GB" dirty="0">
-              <a:solidFill>
-                <a:schemeClr val="bg1"/>
-              </a:solidFill>
-            </a:endParaRPr>
-          </a:p>
-        </p:txBody>
-      </p:sp>
-      <p:sp>
-        <p:nvSpPr>
-          <p:cNvPr id="6" name="Text Placeholder 5"/>
-          <p:cNvSpPr>
-            <a:spLocks noGrp="1"/>
-          </p:cNvSpPr>
-          <p:nvPr>
-            <p:ph type="body" sz="quarter" idx="10"/>
-          </p:nvPr>
-        </p:nvSpPr>
-        <p:spPr>
-          <a:xfrm>
-            <a:off x="1504949" y="4404360"/>
-            <a:ext cx="18845767" cy="7853077"/>
-          </a:xfrm>
-        </p:spPr>
-        <p:txBody>
-          <a:bodyPr>
-            <a:normAutofit/>
-          </a:bodyPr>
-          <a:lstStyle/>
-          <a:p>
-            <a:r>
-              <a:rPr lang="en-GB" sz="6000" dirty="0" smtClean="0">
-                <a:solidFill>
-                  <a:schemeClr val="bg1"/>
-                </a:solidFill>
-                <a:latin typeface="+mj-lt"/>
-              </a:rPr>
-              <a:t>Blocked? No way.</a:t>
-            </a:r>
-          </a:p>
-          <a:p>
-            <a:r>
-              <a:rPr lang="en-GB" sz="6000" dirty="0" smtClean="0">
-                <a:solidFill>
-                  <a:schemeClr val="bg1"/>
-                </a:solidFill>
-                <a:latin typeface="+mj-lt"/>
-              </a:rPr>
-              <a:t>EMET? Good luck with that.</a:t>
-            </a:r>
-          </a:p>
-        </p:txBody>
-      </p:sp>
-      <p:sp>
-        <p:nvSpPr>
-          <p:cNvPr id="7" name="Text Placeholder 6"/>
-          <p:cNvSpPr>
-            <a:spLocks noGrp="1"/>
-          </p:cNvSpPr>
-          <p:nvPr>
-            <p:ph type="body" sz="quarter" idx="11"/>
-          </p:nvPr>
-        </p:nvSpPr>
-        <p:spPr/>
-        <p:txBody>
-          <a:bodyPr>
-            <a:normAutofit/>
-          </a:bodyPr>
-          <a:lstStyle/>
-          <a:p>
-            <a:r>
-              <a:rPr lang="en-GB" sz="3600" dirty="0" smtClean="0">
-                <a:solidFill>
-                  <a:schemeClr val="bg2"/>
-                </a:solidFill>
-              </a:rPr>
-              <a:t>What if I block X, Y and EMET Z?</a:t>
-            </a:r>
-            <a:endParaRPr lang="en-GB" sz="3600" dirty="0">
-              <a:solidFill>
-                <a:schemeClr val="bg2"/>
-              </a:solidFill>
-            </a:endParaRPr>
-          </a:p>
-        </p:txBody>
-      </p:sp>
-    </p:spTree>
-    <p:extLst>
-      <p:ext uri="{BB962C8B-B14F-4D97-AF65-F5344CB8AC3E}">
-        <p14:creationId xmlns:p14="http://schemas.microsoft.com/office/powerpoint/2010/main" val="3747023955"/>
+        <p14:creationId xmlns:p14="http://schemas.microsoft.com/office/powerpoint/2010/main" val="2285383037"/>
       </p:ext>
     </p:extLst>
   </p:cSld>
@@ -6472,10 +6944,10 @@
                                         </p:attrNameLst>
                                       </p:cBhvr>
                                       <p:to>
-                                        <p:strVal val="0.5"/>
+                                        <p:strVal val="1"/>
                                       </p:to>
                                     </p:set>
-                                    <p:animEffect filter="image" prLst="opacity: 0.5">
+                                    <p:animEffect filter="image" prLst="opacity: 1">
                                       <p:cBhvr rctx="IE">
                                         <p:cTn id="10" dur="indefinite"/>
                                         <p:tgtEl>
@@ -6547,19 +7019,337 @@
                                   </p:childTnLst>
                                 </p:cTn>
                               </p:par>
+                            </p:childTnLst>
+                          </p:cTn>
+                        </p:par>
+                      </p:childTnLst>
+                    </p:cTn>
+                  </p:par>
+                  <p:par>
+                    <p:cTn id="16" fill="hold">
+                      <p:stCondLst>
+                        <p:cond delay="indefinite"/>
+                      </p:stCondLst>
+                      <p:childTnLst>
+                        <p:par>
+                          <p:cTn id="17" fill="hold">
+                            <p:stCondLst>
+                              <p:cond delay="0"/>
+                            </p:stCondLst>
+                            <p:childTnLst>
                               <p:par>
-                                <p:cTn id="16" presetID="9" presetClass="emph" presetSubtype="0" nodeType="withEffect">
+                                <p:cTn id="18" presetID="9" presetClass="emph" presetSubtype="0" nodeType="clickEffect">
                                   <p:stCondLst>
                                     <p:cond delay="0"/>
                                   </p:stCondLst>
                                   <p:childTnLst>
                                     <p:set>
                                       <p:cBhvr rctx="PPT">
-                                        <p:cTn id="17" dur="indefinite"/>
+                                        <p:cTn id="19" dur="indefinite"/>
                                         <p:tgtEl>
                                           <p:spTgt spid="6">
                                             <p:txEl>
                                               <p:pRg st="1" end="1"/>
+                                            </p:txEl>
+                                          </p:spTgt>
+                                        </p:tgtEl>
+                                        <p:attrNameLst>
+                                          <p:attrName>style.opacity</p:attrName>
+                                        </p:attrNameLst>
+                                      </p:cBhvr>
+                                      <p:to>
+                                        <p:strVal val="0.25"/>
+                                      </p:to>
+                                    </p:set>
+                                    <p:animEffect filter="image" prLst="opacity: 0.25">
+                                      <p:cBhvr rctx="IE">
+                                        <p:cTn id="20" dur="indefinite"/>
+                                        <p:tgtEl>
+                                          <p:spTgt spid="6">
+                                            <p:txEl>
+                                              <p:pRg st="1" end="1"/>
+                                            </p:txEl>
+                                          </p:spTgt>
+                                        </p:tgtEl>
+                                      </p:cBhvr>
+                                    </p:animEffect>
+                                  </p:childTnLst>
+                                </p:cTn>
+                              </p:par>
+                            </p:childTnLst>
+                          </p:cTn>
+                        </p:par>
+                      </p:childTnLst>
+                    </p:cTn>
+                  </p:par>
+                </p:childTnLst>
+              </p:cTn>
+              <p:prevCondLst>
+                <p:cond evt="onPrev" delay="0">
+                  <p:tgtEl>
+                    <p:sldTgt/>
+                  </p:tgtEl>
+                </p:cond>
+              </p:prevCondLst>
+              <p:nextCondLst>
+                <p:cond evt="onNext" delay="0">
+                  <p:tgtEl>
+                    <p:sldTgt/>
+                  </p:tgtEl>
+                </p:cond>
+              </p:nextCondLst>
+            </p:seq>
+          </p:childTnLst>
+        </p:cTn>
+      </p:par>
+    </p:tnLst>
+  </p:timing>
+</p:sld>
+</file>
+
+<file path=ppt/slides/slide12.xml><?xml version="1.0" encoding="utf-8"?>
+<p:sld xmlns:a="http://schemas.openxmlformats.org/drawingml/2006/main" xmlns:r="http://schemas.openxmlformats.org/officeDocument/2006/relationships" xmlns:p="http://schemas.openxmlformats.org/presentationml/2006/main">
+  <p:cSld>
+    <p:spTree>
+      <p:nvGrpSpPr>
+        <p:cNvPr id="1" name=""/>
+        <p:cNvGrpSpPr/>
+        <p:nvPr/>
+      </p:nvGrpSpPr>
+      <p:grpSpPr>
+        <a:xfrm>
+          <a:off x="0" y="0"/>
+          <a:ext cx="0" cy="0"/>
+          <a:chOff x="0" y="0"/>
+          <a:chExt cx="0" cy="0"/>
+        </a:xfrm>
+      </p:grpSpPr>
+      <p:sp>
+        <p:nvSpPr>
+          <p:cNvPr id="5" name="Title 4"/>
+          <p:cNvSpPr>
+            <a:spLocks noGrp="1"/>
+          </p:cNvSpPr>
+          <p:nvPr>
+            <p:ph type="title"/>
+          </p:nvPr>
+        </p:nvSpPr>
+        <p:spPr/>
+        <p:txBody>
+          <a:bodyPr/>
+          <a:lstStyle/>
+          <a:p>
+            <a:r>
+              <a:rPr lang="en-GB" dirty="0" err="1" smtClean="0">
+                <a:solidFill>
+                  <a:schemeClr val="bg1"/>
+                </a:solidFill>
+              </a:rPr>
+              <a:t>WePWNise</a:t>
+            </a:r>
+            <a:endParaRPr lang="en-GB" dirty="0">
+              <a:solidFill>
+                <a:schemeClr val="bg1"/>
+              </a:solidFill>
+            </a:endParaRPr>
+          </a:p>
+        </p:txBody>
+      </p:sp>
+      <p:sp>
+        <p:nvSpPr>
+          <p:cNvPr id="6" name="Text Placeholder 5"/>
+          <p:cNvSpPr>
+            <a:spLocks noGrp="1"/>
+          </p:cNvSpPr>
+          <p:nvPr>
+            <p:ph type="body" sz="quarter" idx="10"/>
+          </p:nvPr>
+        </p:nvSpPr>
+        <p:spPr>
+          <a:xfrm>
+            <a:off x="1504949" y="4404360"/>
+            <a:ext cx="18845767" cy="7853077"/>
+          </a:xfrm>
+        </p:spPr>
+        <p:txBody>
+          <a:bodyPr>
+            <a:normAutofit/>
+          </a:bodyPr>
+          <a:lstStyle/>
+          <a:p>
+            <a:r>
+              <a:rPr lang="en-GB" sz="6000" dirty="0" err="1" smtClean="0">
+                <a:solidFill>
+                  <a:schemeClr val="bg1"/>
+                </a:solidFill>
+                <a:latin typeface="+mj-lt"/>
+              </a:rPr>
+              <a:t>Wscript.Shell</a:t>
+            </a:r>
+            <a:endParaRPr lang="en-GB" sz="6000" dirty="0" smtClean="0">
+              <a:solidFill>
+                <a:schemeClr val="bg1"/>
+              </a:solidFill>
+              <a:latin typeface="+mj-lt"/>
+            </a:endParaRPr>
+          </a:p>
+          <a:p>
+            <a:r>
+              <a:rPr lang="en-GB" sz="5400" dirty="0" smtClean="0">
+                <a:solidFill>
+                  <a:schemeClr val="bg1"/>
+                </a:solidFill>
+                <a:latin typeface="+mj-lt"/>
+              </a:rPr>
+              <a:t>HKLM\SOFTWARE\Microsoft\EMET\</a:t>
+            </a:r>
+            <a:r>
+              <a:rPr lang="en-GB" sz="5400" dirty="0" err="1" smtClean="0">
+                <a:solidFill>
+                  <a:schemeClr val="bg1"/>
+                </a:solidFill>
+                <a:latin typeface="+mj-lt"/>
+              </a:rPr>
+              <a:t>AppSettings</a:t>
+            </a:r>
+            <a:endParaRPr lang="en-GB" sz="5400" dirty="0" smtClean="0">
+              <a:solidFill>
+                <a:schemeClr val="bg1"/>
+              </a:solidFill>
+              <a:latin typeface="+mj-lt"/>
+            </a:endParaRPr>
+          </a:p>
+          <a:p>
+            <a:r>
+              <a:rPr lang="en-GB" sz="5400" dirty="0" err="1" smtClean="0">
+                <a:solidFill>
+                  <a:schemeClr val="bg1"/>
+                </a:solidFill>
+                <a:latin typeface="+mj-lt"/>
+              </a:rPr>
+              <a:t>Metasploit</a:t>
+            </a:r>
+            <a:r>
+              <a:rPr lang="en-GB" sz="5400" dirty="0" smtClean="0">
+                <a:solidFill>
+                  <a:schemeClr val="bg1"/>
+                </a:solidFill>
+                <a:latin typeface="+mj-lt"/>
+              </a:rPr>
+              <a:t>:</a:t>
+            </a:r>
+          </a:p>
+          <a:p>
+            <a:pPr marL="0" indent="0">
+              <a:buNone/>
+            </a:pPr>
+            <a:r>
+              <a:rPr lang="en-GB" sz="5400" dirty="0" smtClean="0">
+                <a:solidFill>
+                  <a:schemeClr val="bg1"/>
+                </a:solidFill>
+                <a:latin typeface="+mj-lt"/>
+              </a:rPr>
+              <a:t>	use post/windows/gather/</a:t>
+            </a:r>
+            <a:r>
+              <a:rPr lang="en-GB" sz="5400" dirty="0" err="1" smtClean="0">
+                <a:solidFill>
+                  <a:schemeClr val="bg1"/>
+                </a:solidFill>
+                <a:latin typeface="+mj-lt"/>
+              </a:rPr>
+              <a:t>enum_emet</a:t>
+            </a:r>
+            <a:endParaRPr lang="en-GB" sz="5400" dirty="0">
+              <a:solidFill>
+                <a:schemeClr val="bg1"/>
+              </a:solidFill>
+              <a:latin typeface="+mj-lt"/>
+            </a:endParaRPr>
+          </a:p>
+        </p:txBody>
+      </p:sp>
+      <p:sp>
+        <p:nvSpPr>
+          <p:cNvPr id="7" name="Text Placeholder 6"/>
+          <p:cNvSpPr>
+            <a:spLocks noGrp="1"/>
+          </p:cNvSpPr>
+          <p:nvPr>
+            <p:ph type="body" sz="quarter" idx="11"/>
+          </p:nvPr>
+        </p:nvSpPr>
+        <p:spPr/>
+        <p:txBody>
+          <a:bodyPr>
+            <a:normAutofit/>
+          </a:bodyPr>
+          <a:lstStyle/>
+          <a:p>
+            <a:r>
+              <a:rPr lang="en-GB" sz="3600" dirty="0" smtClean="0">
+                <a:solidFill>
+                  <a:schemeClr val="bg2"/>
+                </a:solidFill>
+              </a:rPr>
+              <a:t>Enumeration?</a:t>
+            </a:r>
+            <a:endParaRPr lang="en-GB" sz="3600" dirty="0">
+              <a:solidFill>
+                <a:schemeClr val="bg2"/>
+              </a:solidFill>
+            </a:endParaRPr>
+          </a:p>
+        </p:txBody>
+      </p:sp>
+    </p:spTree>
+    <p:extLst>
+      <p:ext uri="{BB962C8B-B14F-4D97-AF65-F5344CB8AC3E}">
+        <p14:creationId xmlns:p14="http://schemas.microsoft.com/office/powerpoint/2010/main" val="2321291710"/>
+      </p:ext>
+    </p:extLst>
+  </p:cSld>
+  <p:clrMapOvr>
+    <a:masterClrMapping/>
+  </p:clrMapOvr>
+  <p:transition spd="med"/>
+  <p:timing>
+    <p:tnLst>
+      <p:par>
+        <p:cTn id="1" dur="indefinite" restart="never" nodeType="tmRoot">
+          <p:childTnLst>
+            <p:seq concurrent="1" nextAc="seek">
+              <p:cTn id="2" dur="indefinite" nodeType="mainSeq">
+                <p:childTnLst>
+                  <p:par>
+                    <p:cTn id="3" fill="hold">
+                      <p:stCondLst>
+                        <p:cond delay="indefinite"/>
+                        <p:cond evt="onBegin" delay="0">
+                          <p:tn val="2"/>
+                        </p:cond>
+                      </p:stCondLst>
+                      <p:childTnLst>
+                        <p:par>
+                          <p:cTn id="4" fill="hold">
+                            <p:stCondLst>
+                              <p:cond delay="0"/>
+                            </p:stCondLst>
+                            <p:childTnLst>
+                              <p:par>
+                                <p:cTn id="5" presetID="9" presetClass="emph" presetSubtype="0" nodeType="withEffect">
+                                  <p:stCondLst>
+                                    <p:cond delay="0"/>
+                                  </p:stCondLst>
+                                  <p:childTnLst>
+                                    <p:set>
+                                      <p:cBhvr rctx="PPT">
+                                        <p:cTn id="6" dur="indefinite"/>
+                                        <p:tgtEl>
+                                          <p:spTgt spid="6">
+                                            <p:txEl>
+                                              <p:pRg st="0" end="0"/>
                                             </p:txEl>
                                           </p:spTgt>
                                         </p:tgtEl>
@@ -6573,11 +7363,356 @@
                                     </p:set>
                                     <p:animEffect filter="image" prLst="opacity: 1">
                                       <p:cBhvr rctx="IE">
-                                        <p:cTn id="18" dur="indefinite"/>
+                                        <p:cTn id="7" dur="indefinite"/>
+                                        <p:tgtEl>
+                                          <p:spTgt spid="6">
+                                            <p:txEl>
+                                              <p:pRg st="0" end="0"/>
+                                            </p:txEl>
+                                          </p:spTgt>
+                                        </p:tgtEl>
+                                      </p:cBhvr>
+                                    </p:animEffect>
+                                  </p:childTnLst>
+                                </p:cTn>
+                              </p:par>
+                              <p:par>
+                                <p:cTn id="8" presetID="9" presetClass="emph" presetSubtype="0" nodeType="withEffect">
+                                  <p:stCondLst>
+                                    <p:cond delay="0"/>
+                                  </p:stCondLst>
+                                  <p:childTnLst>
+                                    <p:set>
+                                      <p:cBhvr rctx="PPT">
+                                        <p:cTn id="9" dur="indefinite"/>
                                         <p:tgtEl>
                                           <p:spTgt spid="6">
                                             <p:txEl>
                                               <p:pRg st="1" end="1"/>
+                                            </p:txEl>
+                                          </p:spTgt>
+                                        </p:tgtEl>
+                                        <p:attrNameLst>
+                                          <p:attrName>style.opacity</p:attrName>
+                                        </p:attrNameLst>
+                                      </p:cBhvr>
+                                      <p:to>
+                                        <p:strVal val="1"/>
+                                      </p:to>
+                                    </p:set>
+                                    <p:animEffect filter="image" prLst="opacity: 1">
+                                      <p:cBhvr rctx="IE">
+                                        <p:cTn id="10" dur="indefinite"/>
+                                        <p:tgtEl>
+                                          <p:spTgt spid="6">
+                                            <p:txEl>
+                                              <p:pRg st="1" end="1"/>
+                                            </p:txEl>
+                                          </p:spTgt>
+                                        </p:tgtEl>
+                                      </p:cBhvr>
+                                    </p:animEffect>
+                                  </p:childTnLst>
+                                </p:cTn>
+                              </p:par>
+                              <p:par>
+                                <p:cTn id="11" presetID="9" presetClass="emph" presetSubtype="0" nodeType="withEffect">
+                                  <p:stCondLst>
+                                    <p:cond delay="0"/>
+                                  </p:stCondLst>
+                                  <p:childTnLst>
+                                    <p:set>
+                                      <p:cBhvr rctx="PPT">
+                                        <p:cTn id="12" dur="indefinite"/>
+                                        <p:tgtEl>
+                                          <p:spTgt spid="6">
+                                            <p:txEl>
+                                              <p:pRg st="2" end="2"/>
+                                            </p:txEl>
+                                          </p:spTgt>
+                                        </p:tgtEl>
+                                        <p:attrNameLst>
+                                          <p:attrName>style.opacity</p:attrName>
+                                        </p:attrNameLst>
+                                      </p:cBhvr>
+                                      <p:to>
+                                        <p:strVal val="1"/>
+                                      </p:to>
+                                    </p:set>
+                                    <p:animEffect filter="image" prLst="opacity: 1">
+                                      <p:cBhvr rctx="IE">
+                                        <p:cTn id="13" dur="indefinite"/>
+                                        <p:tgtEl>
+                                          <p:spTgt spid="6">
+                                            <p:txEl>
+                                              <p:pRg st="2" end="2"/>
+                                            </p:txEl>
+                                          </p:spTgt>
+                                        </p:tgtEl>
+                                      </p:cBhvr>
+                                    </p:animEffect>
+                                  </p:childTnLst>
+                                </p:cTn>
+                              </p:par>
+                              <p:par>
+                                <p:cTn id="14" presetID="9" presetClass="emph" presetSubtype="0" nodeType="withEffect">
+                                  <p:stCondLst>
+                                    <p:cond delay="0"/>
+                                  </p:stCondLst>
+                                  <p:childTnLst>
+                                    <p:set>
+                                      <p:cBhvr rctx="PPT">
+                                        <p:cTn id="15" dur="indefinite"/>
+                                        <p:tgtEl>
+                                          <p:spTgt spid="6">
+                                            <p:txEl>
+                                              <p:pRg st="3" end="3"/>
+                                            </p:txEl>
+                                          </p:spTgt>
+                                        </p:tgtEl>
+                                        <p:attrNameLst>
+                                          <p:attrName>style.opacity</p:attrName>
+                                        </p:attrNameLst>
+                                      </p:cBhvr>
+                                      <p:to>
+                                        <p:strVal val="1"/>
+                                      </p:to>
+                                    </p:set>
+                                    <p:animEffect filter="image" prLst="opacity: 1">
+                                      <p:cBhvr rctx="IE">
+                                        <p:cTn id="16" dur="indefinite"/>
+                                        <p:tgtEl>
+                                          <p:spTgt spid="6">
+                                            <p:txEl>
+                                              <p:pRg st="3" end="3"/>
+                                            </p:txEl>
+                                          </p:spTgt>
+                                        </p:tgtEl>
+                                      </p:cBhvr>
+                                    </p:animEffect>
+                                  </p:childTnLst>
+                                </p:cTn>
+                              </p:par>
+                            </p:childTnLst>
+                          </p:cTn>
+                        </p:par>
+                      </p:childTnLst>
+                    </p:cTn>
+                  </p:par>
+                  <p:par>
+                    <p:cTn id="17" fill="hold">
+                      <p:stCondLst>
+                        <p:cond delay="indefinite"/>
+                      </p:stCondLst>
+                      <p:childTnLst>
+                        <p:par>
+                          <p:cTn id="18" fill="hold">
+                            <p:stCondLst>
+                              <p:cond delay="0"/>
+                            </p:stCondLst>
+                            <p:childTnLst>
+                              <p:par>
+                                <p:cTn id="19" presetID="9" presetClass="emph" presetSubtype="0" nodeType="clickEffect">
+                                  <p:stCondLst>
+                                    <p:cond delay="0"/>
+                                  </p:stCondLst>
+                                  <p:childTnLst>
+                                    <p:set>
+                                      <p:cBhvr rctx="PPT">
+                                        <p:cTn id="20" dur="indefinite"/>
+                                        <p:tgtEl>
+                                          <p:spTgt spid="6">
+                                            <p:txEl>
+                                              <p:pRg st="0" end="0"/>
+                                            </p:txEl>
+                                          </p:spTgt>
+                                        </p:tgtEl>
+                                        <p:attrNameLst>
+                                          <p:attrName>style.opacity</p:attrName>
+                                        </p:attrNameLst>
+                                      </p:cBhvr>
+                                      <p:to>
+                                        <p:strVal val="0.25"/>
+                                      </p:to>
+                                    </p:set>
+                                    <p:animEffect filter="image" prLst="opacity: 0.25">
+                                      <p:cBhvr rctx="IE">
+                                        <p:cTn id="21" dur="indefinite"/>
+                                        <p:tgtEl>
+                                          <p:spTgt spid="6">
+                                            <p:txEl>
+                                              <p:pRg st="0" end="0"/>
+                                            </p:txEl>
+                                          </p:spTgt>
+                                        </p:tgtEl>
+                                      </p:cBhvr>
+                                    </p:animEffect>
+                                  </p:childTnLst>
+                                </p:cTn>
+                              </p:par>
+                            </p:childTnLst>
+                          </p:cTn>
+                        </p:par>
+                      </p:childTnLst>
+                    </p:cTn>
+                  </p:par>
+                  <p:par>
+                    <p:cTn id="22" fill="hold">
+                      <p:stCondLst>
+                        <p:cond delay="indefinite"/>
+                      </p:stCondLst>
+                      <p:childTnLst>
+                        <p:par>
+                          <p:cTn id="23" fill="hold">
+                            <p:stCondLst>
+                              <p:cond delay="0"/>
+                            </p:stCondLst>
+                            <p:childTnLst>
+                              <p:par>
+                                <p:cTn id="24" presetID="9" presetClass="emph" presetSubtype="0" nodeType="clickEffect">
+                                  <p:stCondLst>
+                                    <p:cond delay="0"/>
+                                  </p:stCondLst>
+                                  <p:childTnLst>
+                                    <p:set>
+                                      <p:cBhvr rctx="PPT">
+                                        <p:cTn id="25" dur="indefinite"/>
+                                        <p:tgtEl>
+                                          <p:spTgt spid="6">
+                                            <p:txEl>
+                                              <p:pRg st="1" end="1"/>
+                                            </p:txEl>
+                                          </p:spTgt>
+                                        </p:tgtEl>
+                                        <p:attrNameLst>
+                                          <p:attrName>style.opacity</p:attrName>
+                                        </p:attrNameLst>
+                                      </p:cBhvr>
+                                      <p:to>
+                                        <p:strVal val="0.25"/>
+                                      </p:to>
+                                    </p:set>
+                                    <p:animEffect filter="image" prLst="opacity: 0.25">
+                                      <p:cBhvr rctx="IE">
+                                        <p:cTn id="26" dur="indefinite"/>
+                                        <p:tgtEl>
+                                          <p:spTgt spid="6">
+                                            <p:txEl>
+                                              <p:pRg st="1" end="1"/>
+                                            </p:txEl>
+                                          </p:spTgt>
+                                        </p:tgtEl>
+                                      </p:cBhvr>
+                                    </p:animEffect>
+                                  </p:childTnLst>
+                                </p:cTn>
+                              </p:par>
+                            </p:childTnLst>
+                          </p:cTn>
+                        </p:par>
+                      </p:childTnLst>
+                    </p:cTn>
+                  </p:par>
+                  <p:par>
+                    <p:cTn id="27" fill="hold">
+                      <p:stCondLst>
+                        <p:cond delay="indefinite"/>
+                      </p:stCondLst>
+                      <p:childTnLst>
+                        <p:par>
+                          <p:cTn id="28" fill="hold">
+                            <p:stCondLst>
+                              <p:cond delay="0"/>
+                            </p:stCondLst>
+                            <p:childTnLst>
+                              <p:par>
+                                <p:cTn id="29" presetID="9" presetClass="emph" presetSubtype="0" nodeType="clickEffect">
+                                  <p:stCondLst>
+                                    <p:cond delay="0"/>
+                                  </p:stCondLst>
+                                  <p:childTnLst>
+                                    <p:set>
+                                      <p:cBhvr rctx="PPT">
+                                        <p:cTn id="30" dur="indefinite"/>
+                                        <p:tgtEl>
+                                          <p:spTgt spid="6">
+                                            <p:txEl>
+                                              <p:pRg st="2" end="2"/>
+                                            </p:txEl>
+                                          </p:spTgt>
+                                        </p:tgtEl>
+                                        <p:attrNameLst>
+                                          <p:attrName>style.opacity</p:attrName>
+                                        </p:attrNameLst>
+                                      </p:cBhvr>
+                                      <p:to>
+                                        <p:strVal val="0.25"/>
+                                      </p:to>
+                                    </p:set>
+                                    <p:animEffect filter="image" prLst="opacity: 0.25">
+                                      <p:cBhvr rctx="IE">
+                                        <p:cTn id="31" dur="indefinite"/>
+                                        <p:tgtEl>
+                                          <p:spTgt spid="6">
+                                            <p:txEl>
+                                              <p:pRg st="2" end="2"/>
+                                            </p:txEl>
+                                          </p:spTgt>
+                                        </p:tgtEl>
+                                      </p:cBhvr>
+                                    </p:animEffect>
+                                  </p:childTnLst>
+                                </p:cTn>
+                              </p:par>
+                            </p:childTnLst>
+                          </p:cTn>
+                        </p:par>
+                      </p:childTnLst>
+                    </p:cTn>
+                  </p:par>
+                  <p:par>
+                    <p:cTn id="32" fill="hold">
+                      <p:stCondLst>
+                        <p:cond delay="indefinite"/>
+                      </p:stCondLst>
+                      <p:childTnLst>
+                        <p:par>
+                          <p:cTn id="33" fill="hold">
+                            <p:stCondLst>
+                              <p:cond delay="0"/>
+                            </p:stCondLst>
+                            <p:childTnLst>
+                              <p:par>
+                                <p:cTn id="34" presetID="9" presetClass="emph" presetSubtype="0" nodeType="clickEffect">
+                                  <p:stCondLst>
+                                    <p:cond delay="0"/>
+                                  </p:stCondLst>
+                                  <p:childTnLst>
+                                    <p:set>
+                                      <p:cBhvr rctx="PPT">
+                                        <p:cTn id="35" dur="indefinite"/>
+                                        <p:tgtEl>
+                                          <p:spTgt spid="6">
+                                            <p:txEl>
+                                              <p:pRg st="3" end="3"/>
+                                            </p:txEl>
+                                          </p:spTgt>
+                                        </p:tgtEl>
+                                        <p:attrNameLst>
+                                          <p:attrName>style.opacity</p:attrName>
+                                        </p:attrNameLst>
+                                      </p:cBhvr>
+                                      <p:to>
+                                        <p:strVal val="0.25"/>
+                                      </p:to>
+                                    </p:set>
+                                    <p:animEffect filter="image" prLst="opacity: 0.25">
+                                      <p:cBhvr rctx="IE">
+                                        <p:cTn id="36" dur="indefinite"/>
+                                        <p:tgtEl>
+                                          <p:spTgt spid="6">
+                                            <p:txEl>
+                                              <p:pRg st="3" end="3"/>
                                             </p:txEl>
                                           </p:spTgt>
                                         </p:tgtEl>
@@ -6650,13 +7785,131 @@
           <a:lstStyle/>
           <a:p>
             <a:r>
-              <a:rPr lang="en-GB" dirty="0" smtClean="0">
+              <a:rPr lang="en-GB" dirty="0" err="1" smtClean="0">
                 <a:solidFill>
                   <a:schemeClr val="bg1"/>
                 </a:solidFill>
               </a:rPr>
-              <a:t>Anti-</a:t>
-            </a:r>
+              <a:t>WePWNise</a:t>
+            </a:r>
+            <a:endParaRPr lang="en-GB" dirty="0">
+              <a:solidFill>
+                <a:schemeClr val="bg1"/>
+              </a:solidFill>
+            </a:endParaRPr>
+          </a:p>
+        </p:txBody>
+      </p:sp>
+      <p:sp>
+        <p:nvSpPr>
+          <p:cNvPr id="7" name="Text Placeholder 6"/>
+          <p:cNvSpPr>
+            <a:spLocks noGrp="1"/>
+          </p:cNvSpPr>
+          <p:nvPr>
+            <p:ph type="body" sz="quarter" idx="11"/>
+          </p:nvPr>
+        </p:nvSpPr>
+        <p:spPr/>
+        <p:txBody>
+          <a:bodyPr>
+            <a:normAutofit/>
+          </a:bodyPr>
+          <a:lstStyle/>
+          <a:p>
+            <a:r>
+              <a:rPr lang="en-GB" sz="3600" dirty="0" smtClean="0">
+                <a:solidFill>
+                  <a:schemeClr val="bg2"/>
+                </a:solidFill>
+              </a:rPr>
+              <a:t>Enumeration?</a:t>
+            </a:r>
+            <a:endParaRPr lang="en-GB" sz="3600" dirty="0">
+              <a:solidFill>
+                <a:schemeClr val="bg2"/>
+              </a:solidFill>
+            </a:endParaRPr>
+          </a:p>
+        </p:txBody>
+      </p:sp>
+      <p:pic>
+        <p:nvPicPr>
+          <p:cNvPr id="2" name="Picture 1"/>
+          <p:cNvPicPr>
+            <a:picLocks noChangeAspect="1"/>
+          </p:cNvPicPr>
+          <p:nvPr/>
+        </p:nvPicPr>
+        <p:blipFill>
+          <a:blip r:embed="rId3"/>
+          <a:stretch>
+            <a:fillRect/>
+          </a:stretch>
+        </p:blipFill>
+        <p:spPr>
+          <a:xfrm>
+            <a:off x="4958094" y="1228071"/>
+            <a:ext cx="13946593" cy="12065147"/>
+          </a:xfrm>
+          <a:prstGeom prst="rect">
+            <a:avLst/>
+          </a:prstGeom>
+        </p:spPr>
+      </p:pic>
+    </p:spTree>
+    <p:extLst>
+      <p:ext uri="{BB962C8B-B14F-4D97-AF65-F5344CB8AC3E}">
+        <p14:creationId xmlns:p14="http://schemas.microsoft.com/office/powerpoint/2010/main" val="1090538536"/>
+      </p:ext>
+    </p:extLst>
+  </p:cSld>
+  <p:clrMapOvr>
+    <a:masterClrMapping/>
+  </p:clrMapOvr>
+  <p:transition spd="med"/>
+  <p:timing>
+    <p:tnLst>
+      <p:par>
+        <p:cTn id="1" dur="indefinite" restart="never" nodeType="tmRoot"/>
+      </p:par>
+    </p:tnLst>
+  </p:timing>
+</p:sld>
+</file>
+
+<file path=ppt/slides/slide14.xml><?xml version="1.0" encoding="utf-8"?>
+<p:sld xmlns:a="http://schemas.openxmlformats.org/drawingml/2006/main" xmlns:r="http://schemas.openxmlformats.org/officeDocument/2006/relationships" xmlns:p="http://schemas.openxmlformats.org/presentationml/2006/main">
+  <p:cSld>
+    <p:spTree>
+      <p:nvGrpSpPr>
+        <p:cNvPr id="1" name=""/>
+        <p:cNvGrpSpPr/>
+        <p:nvPr/>
+      </p:nvGrpSpPr>
+      <p:grpSpPr>
+        <a:xfrm>
+          <a:off x="0" y="0"/>
+          <a:ext cx="0" cy="0"/>
+          <a:chOff x="0" y="0"/>
+          <a:chExt cx="0" cy="0"/>
+        </a:xfrm>
+      </p:grpSpPr>
+      <p:sp>
+        <p:nvSpPr>
+          <p:cNvPr id="5" name="Title 4"/>
+          <p:cNvSpPr>
+            <a:spLocks noGrp="1"/>
+          </p:cNvSpPr>
+          <p:nvPr>
+            <p:ph type="title"/>
+          </p:nvPr>
+        </p:nvSpPr>
+        <p:spPr/>
+        <p:txBody>
+          <a:bodyPr/>
+          <a:lstStyle/>
+          <a:p>
             <a:r>
               <a:rPr lang="en-GB" dirty="0" err="1" smtClean="0">
                 <a:solidFill>
@@ -6695,6 +7948,523 @@
           </a:bodyPr>
           <a:lstStyle/>
           <a:p>
+            <a:pPr marL="0" indent="0">
+              <a:buNone/>
+            </a:pPr>
+            <a:endParaRPr lang="en-GB" sz="6000" dirty="0">
+              <a:solidFill>
+                <a:schemeClr val="bg1"/>
+              </a:solidFill>
+              <a:latin typeface="+mj-lt"/>
+            </a:endParaRPr>
+          </a:p>
+        </p:txBody>
+      </p:sp>
+      <p:sp>
+        <p:nvSpPr>
+          <p:cNvPr id="7" name="Text Placeholder 6"/>
+          <p:cNvSpPr>
+            <a:spLocks noGrp="1"/>
+          </p:cNvSpPr>
+          <p:nvPr>
+            <p:ph type="body" sz="quarter" idx="11"/>
+          </p:nvPr>
+        </p:nvSpPr>
+        <p:spPr/>
+        <p:txBody>
+          <a:bodyPr>
+            <a:normAutofit/>
+          </a:bodyPr>
+          <a:lstStyle/>
+          <a:p>
+            <a:r>
+              <a:rPr lang="en-GB" sz="3600" dirty="0" smtClean="0">
+                <a:solidFill>
+                  <a:schemeClr val="bg2"/>
+                </a:solidFill>
+              </a:rPr>
+              <a:t>Demonstration</a:t>
+            </a:r>
+            <a:endParaRPr lang="en-GB" sz="3600" dirty="0">
+              <a:solidFill>
+                <a:schemeClr val="bg2"/>
+              </a:solidFill>
+            </a:endParaRPr>
+          </a:p>
+        </p:txBody>
+      </p:sp>
+    </p:spTree>
+    <p:extLst>
+      <p:ext uri="{BB962C8B-B14F-4D97-AF65-F5344CB8AC3E}">
+        <p14:creationId xmlns:p14="http://schemas.microsoft.com/office/powerpoint/2010/main" val="1548586931"/>
+      </p:ext>
+    </p:extLst>
+  </p:cSld>
+  <p:clrMapOvr>
+    <a:masterClrMapping/>
+  </p:clrMapOvr>
+  <p:transition spd="med"/>
+  <p:timing>
+    <p:tnLst>
+      <p:par>
+        <p:cTn id="1" dur="indefinite" restart="never" nodeType="tmRoot"/>
+      </p:par>
+    </p:tnLst>
+  </p:timing>
+</p:sld>
+</file>
+
+<file path=ppt/slides/slide15.xml><?xml version="1.0" encoding="utf-8"?>
+<p:sld xmlns:a="http://schemas.openxmlformats.org/drawingml/2006/main" xmlns:r="http://schemas.openxmlformats.org/officeDocument/2006/relationships" xmlns:p="http://schemas.openxmlformats.org/presentationml/2006/main">
+  <p:cSld>
+    <p:spTree>
+      <p:nvGrpSpPr>
+        <p:cNvPr id="1" name=""/>
+        <p:cNvGrpSpPr/>
+        <p:nvPr/>
+      </p:nvGrpSpPr>
+      <p:grpSpPr>
+        <a:xfrm>
+          <a:off x="0" y="0"/>
+          <a:ext cx="0" cy="0"/>
+          <a:chOff x="0" y="0"/>
+          <a:chExt cx="0" cy="0"/>
+        </a:xfrm>
+      </p:grpSpPr>
+      <p:sp>
+        <p:nvSpPr>
+          <p:cNvPr id="5" name="Title 4"/>
+          <p:cNvSpPr>
+            <a:spLocks noGrp="1"/>
+          </p:cNvSpPr>
+          <p:nvPr>
+            <p:ph type="title"/>
+          </p:nvPr>
+        </p:nvSpPr>
+        <p:spPr/>
+        <p:txBody>
+          <a:bodyPr/>
+          <a:lstStyle/>
+          <a:p>
+            <a:r>
+              <a:rPr lang="en-GB" dirty="0" smtClean="0">
+                <a:solidFill>
+                  <a:schemeClr val="bg1"/>
+                </a:solidFill>
+              </a:rPr>
+              <a:t>Anti-</a:t>
+            </a:r>
+            <a:r>
+              <a:rPr lang="en-GB" dirty="0" err="1" smtClean="0">
+                <a:solidFill>
+                  <a:schemeClr val="bg1"/>
+                </a:solidFill>
+              </a:rPr>
+              <a:t>WePWNise</a:t>
+            </a:r>
+            <a:endParaRPr lang="en-GB" dirty="0">
+              <a:solidFill>
+                <a:schemeClr val="bg1"/>
+              </a:solidFill>
+            </a:endParaRPr>
+          </a:p>
+        </p:txBody>
+      </p:sp>
+      <p:sp>
+        <p:nvSpPr>
+          <p:cNvPr id="6" name="Text Placeholder 5"/>
+          <p:cNvSpPr>
+            <a:spLocks noGrp="1"/>
+          </p:cNvSpPr>
+          <p:nvPr>
+            <p:ph type="body" sz="quarter" idx="10"/>
+          </p:nvPr>
+        </p:nvSpPr>
+        <p:spPr>
+          <a:xfrm>
+            <a:off x="1504949" y="4404360"/>
+            <a:ext cx="18845767" cy="7853077"/>
+          </a:xfrm>
+        </p:spPr>
+        <p:txBody>
+          <a:bodyPr>
+            <a:normAutofit/>
+          </a:bodyPr>
+          <a:lstStyle/>
+          <a:p>
+            <a:r>
+              <a:rPr lang="en-GB" sz="6000" dirty="0" smtClean="0">
+                <a:solidFill>
+                  <a:schemeClr val="bg1"/>
+                </a:solidFill>
+                <a:latin typeface="+mj-lt"/>
+              </a:rPr>
+              <a:t>Blocked? No way.</a:t>
+            </a:r>
+          </a:p>
+          <a:p>
+            <a:r>
+              <a:rPr lang="en-GB" sz="6000" dirty="0" smtClean="0">
+                <a:solidFill>
+                  <a:schemeClr val="bg1"/>
+                </a:solidFill>
+                <a:latin typeface="+mj-lt"/>
+              </a:rPr>
+              <a:t>EMET? Good luck with that.</a:t>
+            </a:r>
+          </a:p>
+        </p:txBody>
+      </p:sp>
+      <p:sp>
+        <p:nvSpPr>
+          <p:cNvPr id="7" name="Text Placeholder 6"/>
+          <p:cNvSpPr>
+            <a:spLocks noGrp="1"/>
+          </p:cNvSpPr>
+          <p:nvPr>
+            <p:ph type="body" sz="quarter" idx="11"/>
+          </p:nvPr>
+        </p:nvSpPr>
+        <p:spPr/>
+        <p:txBody>
+          <a:bodyPr>
+            <a:normAutofit/>
+          </a:bodyPr>
+          <a:lstStyle/>
+          <a:p>
+            <a:r>
+              <a:rPr lang="en-GB" sz="3600" dirty="0" smtClean="0">
+                <a:solidFill>
+                  <a:schemeClr val="bg2"/>
+                </a:solidFill>
+              </a:rPr>
+              <a:t>What if I block X, Y and EMET Z?</a:t>
+            </a:r>
+            <a:endParaRPr lang="en-GB" sz="3600" dirty="0">
+              <a:solidFill>
+                <a:schemeClr val="bg2"/>
+              </a:solidFill>
+            </a:endParaRPr>
+          </a:p>
+        </p:txBody>
+      </p:sp>
+    </p:spTree>
+    <p:extLst>
+      <p:ext uri="{BB962C8B-B14F-4D97-AF65-F5344CB8AC3E}">
+        <p14:creationId xmlns:p14="http://schemas.microsoft.com/office/powerpoint/2010/main" val="3747023955"/>
+      </p:ext>
+    </p:extLst>
+  </p:cSld>
+  <p:clrMapOvr>
+    <a:masterClrMapping/>
+  </p:clrMapOvr>
+  <p:transition spd="med"/>
+  <p:timing>
+    <p:tnLst>
+      <p:par>
+        <p:cTn id="1" dur="indefinite" restart="never" nodeType="tmRoot">
+          <p:childTnLst>
+            <p:seq concurrent="1" nextAc="seek">
+              <p:cTn id="2" dur="indefinite" nodeType="mainSeq">
+                <p:childTnLst>
+                  <p:par>
+                    <p:cTn id="3" fill="hold">
+                      <p:stCondLst>
+                        <p:cond delay="indefinite"/>
+                        <p:cond evt="onBegin" delay="0">
+                          <p:tn val="2"/>
+                        </p:cond>
+                      </p:stCondLst>
+                      <p:childTnLst>
+                        <p:par>
+                          <p:cTn id="4" fill="hold">
+                            <p:stCondLst>
+                              <p:cond delay="0"/>
+                            </p:stCondLst>
+                            <p:childTnLst>
+                              <p:par>
+                                <p:cTn id="5" presetID="9" presetClass="emph" presetSubtype="0" nodeType="withEffect">
+                                  <p:stCondLst>
+                                    <p:cond delay="0"/>
+                                  </p:stCondLst>
+                                  <p:childTnLst>
+                                    <p:set>
+                                      <p:cBhvr rctx="PPT">
+                                        <p:cTn id="6" dur="indefinite"/>
+                                        <p:tgtEl>
+                                          <p:spTgt spid="6">
+                                            <p:txEl>
+                                              <p:pRg st="0" end="0"/>
+                                            </p:txEl>
+                                          </p:spTgt>
+                                        </p:tgtEl>
+                                        <p:attrNameLst>
+                                          <p:attrName>style.opacity</p:attrName>
+                                        </p:attrNameLst>
+                                      </p:cBhvr>
+                                      <p:to>
+                                        <p:strVal val="1"/>
+                                      </p:to>
+                                    </p:set>
+                                    <p:animEffect filter="image" prLst="opacity: 1">
+                                      <p:cBhvr rctx="IE">
+                                        <p:cTn id="7" dur="indefinite"/>
+                                        <p:tgtEl>
+                                          <p:spTgt spid="6">
+                                            <p:txEl>
+                                              <p:pRg st="0" end="0"/>
+                                            </p:txEl>
+                                          </p:spTgt>
+                                        </p:tgtEl>
+                                      </p:cBhvr>
+                                    </p:animEffect>
+                                  </p:childTnLst>
+                                </p:cTn>
+                              </p:par>
+                              <p:par>
+                                <p:cTn id="8" presetID="9" presetClass="emph" presetSubtype="0" nodeType="withEffect">
+                                  <p:stCondLst>
+                                    <p:cond delay="0"/>
+                                  </p:stCondLst>
+                                  <p:childTnLst>
+                                    <p:set>
+                                      <p:cBhvr rctx="PPT">
+                                        <p:cTn id="9" dur="indefinite"/>
+                                        <p:tgtEl>
+                                          <p:spTgt spid="6">
+                                            <p:txEl>
+                                              <p:pRg st="1" end="1"/>
+                                            </p:txEl>
+                                          </p:spTgt>
+                                        </p:tgtEl>
+                                        <p:attrNameLst>
+                                          <p:attrName>style.opacity</p:attrName>
+                                        </p:attrNameLst>
+                                      </p:cBhvr>
+                                      <p:to>
+                                        <p:strVal val="0.5"/>
+                                      </p:to>
+                                    </p:set>
+                                    <p:animEffect filter="image" prLst="opacity: 0.5">
+                                      <p:cBhvr rctx="IE">
+                                        <p:cTn id="10" dur="indefinite"/>
+                                        <p:tgtEl>
+                                          <p:spTgt spid="6">
+                                            <p:txEl>
+                                              <p:pRg st="1" end="1"/>
+                                            </p:txEl>
+                                          </p:spTgt>
+                                        </p:tgtEl>
+                                      </p:cBhvr>
+                                    </p:animEffect>
+                                  </p:childTnLst>
+                                </p:cTn>
+                              </p:par>
+                            </p:childTnLst>
+                          </p:cTn>
+                        </p:par>
+                      </p:childTnLst>
+                    </p:cTn>
+                  </p:par>
+                  <p:par>
+                    <p:cTn id="11" fill="hold">
+                      <p:stCondLst>
+                        <p:cond delay="indefinite"/>
+                      </p:stCondLst>
+                      <p:childTnLst>
+                        <p:par>
+                          <p:cTn id="12" fill="hold">
+                            <p:stCondLst>
+                              <p:cond delay="0"/>
+                            </p:stCondLst>
+                            <p:childTnLst>
+                              <p:par>
+                                <p:cTn id="13" presetID="9" presetClass="emph" presetSubtype="0" nodeType="clickEffect">
+                                  <p:stCondLst>
+                                    <p:cond delay="0"/>
+                                  </p:stCondLst>
+                                  <p:childTnLst>
+                                    <p:set>
+                                      <p:cBhvr rctx="PPT">
+                                        <p:cTn id="14" dur="indefinite"/>
+                                        <p:tgtEl>
+                                          <p:spTgt spid="6">
+                                            <p:txEl>
+                                              <p:pRg st="0" end="0"/>
+                                            </p:txEl>
+                                          </p:spTgt>
+                                        </p:tgtEl>
+                                        <p:attrNameLst>
+                                          <p:attrName>style.opacity</p:attrName>
+                                        </p:attrNameLst>
+                                      </p:cBhvr>
+                                      <p:to>
+                                        <p:strVal val="0.25"/>
+                                      </p:to>
+                                    </p:set>
+                                    <p:animEffect filter="image" prLst="opacity: 0.25">
+                                      <p:cBhvr rctx="IE">
+                                        <p:cTn id="15" dur="indefinite"/>
+                                        <p:tgtEl>
+                                          <p:spTgt spid="6">
+                                            <p:txEl>
+                                              <p:pRg st="0" end="0"/>
+                                            </p:txEl>
+                                          </p:spTgt>
+                                        </p:tgtEl>
+                                      </p:cBhvr>
+                                    </p:animEffect>
+                                  </p:childTnLst>
+                                </p:cTn>
+                              </p:par>
+                              <p:par>
+                                <p:cTn id="16" presetID="9" presetClass="emph" presetSubtype="0" nodeType="withEffect">
+                                  <p:stCondLst>
+                                    <p:cond delay="0"/>
+                                  </p:stCondLst>
+                                  <p:childTnLst>
+                                    <p:set>
+                                      <p:cBhvr rctx="PPT">
+                                        <p:cTn id="17" dur="indefinite"/>
+                                        <p:tgtEl>
+                                          <p:spTgt spid="6">
+                                            <p:txEl>
+                                              <p:pRg st="1" end="1"/>
+                                            </p:txEl>
+                                          </p:spTgt>
+                                        </p:tgtEl>
+                                        <p:attrNameLst>
+                                          <p:attrName>style.opacity</p:attrName>
+                                        </p:attrNameLst>
+                                      </p:cBhvr>
+                                      <p:to>
+                                        <p:strVal val="1"/>
+                                      </p:to>
+                                    </p:set>
+                                    <p:animEffect filter="image" prLst="opacity: 1">
+                                      <p:cBhvr rctx="IE">
+                                        <p:cTn id="18" dur="indefinite"/>
+                                        <p:tgtEl>
+                                          <p:spTgt spid="6">
+                                            <p:txEl>
+                                              <p:pRg st="1" end="1"/>
+                                            </p:txEl>
+                                          </p:spTgt>
+                                        </p:tgtEl>
+                                      </p:cBhvr>
+                                    </p:animEffect>
+                                  </p:childTnLst>
+                                </p:cTn>
+                              </p:par>
+                            </p:childTnLst>
+                          </p:cTn>
+                        </p:par>
+                      </p:childTnLst>
+                    </p:cTn>
+                  </p:par>
+                </p:childTnLst>
+              </p:cTn>
+              <p:prevCondLst>
+                <p:cond evt="onPrev" delay="0">
+                  <p:tgtEl>
+                    <p:sldTgt/>
+                  </p:tgtEl>
+                </p:cond>
+              </p:prevCondLst>
+              <p:nextCondLst>
+                <p:cond evt="onNext" delay="0">
+                  <p:tgtEl>
+                    <p:sldTgt/>
+                  </p:tgtEl>
+                </p:cond>
+              </p:nextCondLst>
+            </p:seq>
+          </p:childTnLst>
+        </p:cTn>
+      </p:par>
+    </p:tnLst>
+  </p:timing>
+</p:sld>
+</file>
+
+<file path=ppt/slides/slide16.xml><?xml version="1.0" encoding="utf-8"?>
+<p:sld xmlns:a="http://schemas.openxmlformats.org/drawingml/2006/main" xmlns:r="http://schemas.openxmlformats.org/officeDocument/2006/relationships" xmlns:p="http://schemas.openxmlformats.org/presentationml/2006/main">
+  <p:cSld>
+    <p:spTree>
+      <p:nvGrpSpPr>
+        <p:cNvPr id="1" name=""/>
+        <p:cNvGrpSpPr/>
+        <p:nvPr/>
+      </p:nvGrpSpPr>
+      <p:grpSpPr>
+        <a:xfrm>
+          <a:off x="0" y="0"/>
+          <a:ext cx="0" cy="0"/>
+          <a:chOff x="0" y="0"/>
+          <a:chExt cx="0" cy="0"/>
+        </a:xfrm>
+      </p:grpSpPr>
+      <p:sp>
+        <p:nvSpPr>
+          <p:cNvPr id="5" name="Title 4"/>
+          <p:cNvSpPr>
+            <a:spLocks noGrp="1"/>
+          </p:cNvSpPr>
+          <p:nvPr>
+            <p:ph type="title"/>
+          </p:nvPr>
+        </p:nvSpPr>
+        <p:spPr/>
+        <p:txBody>
+          <a:bodyPr/>
+          <a:lstStyle/>
+          <a:p>
+            <a:r>
+              <a:rPr lang="en-GB" dirty="0" smtClean="0">
+                <a:solidFill>
+                  <a:schemeClr val="bg1"/>
+                </a:solidFill>
+              </a:rPr>
+              <a:t>Anti-</a:t>
+            </a:r>
+            <a:r>
+              <a:rPr lang="en-GB" dirty="0" err="1" smtClean="0">
+                <a:solidFill>
+                  <a:schemeClr val="bg1"/>
+                </a:solidFill>
+              </a:rPr>
+              <a:t>WePWNise</a:t>
+            </a:r>
+            <a:endParaRPr lang="en-GB" dirty="0">
+              <a:solidFill>
+                <a:schemeClr val="bg1"/>
+              </a:solidFill>
+            </a:endParaRPr>
+          </a:p>
+        </p:txBody>
+      </p:sp>
+      <p:sp>
+        <p:nvSpPr>
+          <p:cNvPr id="6" name="Text Placeholder 5"/>
+          <p:cNvSpPr>
+            <a:spLocks noGrp="1"/>
+          </p:cNvSpPr>
+          <p:nvPr>
+            <p:ph type="body" sz="quarter" idx="10"/>
+          </p:nvPr>
+        </p:nvSpPr>
+        <p:spPr>
+          <a:xfrm>
+            <a:off x="1504949" y="4404360"/>
+            <a:ext cx="18845767" cy="7853077"/>
+          </a:xfrm>
+        </p:spPr>
+        <p:txBody>
+          <a:bodyPr>
+            <a:normAutofit/>
+          </a:bodyPr>
+          <a:lstStyle/>
+          <a:p>
             <a:r>
               <a:rPr lang="en-GB" sz="6000" dirty="0" smtClean="0">
                 <a:solidFill>
@@ -6740,8 +8510,43 @@
                 </a:solidFill>
                 <a:latin typeface="+mj-lt"/>
               </a:rPr>
-              <a:t>EMET all Windows Default Executables</a:t>
-            </a:r>
+              <a:t>EMET all Windows Default </a:t>
+            </a:r>
+            <a:r>
+              <a:rPr lang="en-GB" sz="6000" dirty="0" smtClean="0">
+                <a:solidFill>
+                  <a:schemeClr val="bg1"/>
+                </a:solidFill>
+                <a:latin typeface="+mj-lt"/>
+              </a:rPr>
+              <a:t>Executables</a:t>
+            </a:r>
+          </a:p>
+          <a:p>
+            <a:r>
+              <a:rPr lang="en-GB" sz="6000" dirty="0" smtClean="0">
+                <a:solidFill>
+                  <a:schemeClr val="bg1"/>
+                </a:solidFill>
+                <a:latin typeface="+mj-lt"/>
+              </a:rPr>
+              <a:t>Viable? </a:t>
+            </a:r>
+            <a:r>
+              <a:rPr lang="en-GB" sz="6000" smtClean="0">
+                <a:solidFill>
+                  <a:schemeClr val="bg1"/>
+                </a:solidFill>
+                <a:latin typeface="+mj-lt"/>
+              </a:rPr>
+              <a:t>Probably not</a:t>
+            </a:r>
+            <a:endParaRPr lang="en-GB" sz="6000" dirty="0" smtClean="0">
+              <a:solidFill>
+                <a:schemeClr val="bg1"/>
+              </a:solidFill>
+              <a:latin typeface="+mj-lt"/>
+            </a:endParaRPr>
           </a:p>
           <a:p>
             <a:endParaRPr lang="en-GB" sz="6000" dirty="0" smtClean="0">
@@ -6976,37 +8781,19 @@
                                   </p:childTnLst>
                                 </p:cTn>
                               </p:par>
-                            </p:childTnLst>
-                          </p:cTn>
-                        </p:par>
-                      </p:childTnLst>
-                    </p:cTn>
-                  </p:par>
-                  <p:par>
-                    <p:cTn id="17" fill="hold">
-                      <p:stCondLst>
-                        <p:cond delay="indefinite"/>
-                      </p:stCondLst>
-                      <p:childTnLst>
-                        <p:par>
-                          <p:cTn id="18" fill="hold">
-                            <p:stCondLst>
-                              <p:cond delay="0"/>
-                            </p:stCondLst>
-                            <p:childTnLst>
                               <p:par>
-                                <p:cTn id="19" presetID="9" presetClass="emph" presetSubtype="0" nodeType="clickEffect">
+                                <p:cTn id="17" presetID="9" presetClass="emph" presetSubtype="0" nodeType="withEffect">
                                   <p:stCondLst>
                                     <p:cond delay="0"/>
                                   </p:stCondLst>
                                   <p:childTnLst>
                                     <p:set>
                                       <p:cBhvr rctx="PPT">
-                                        <p:cTn id="20" dur="indefinite"/>
-                                        <p:tgtEl>
-                                          <p:spTgt spid="6">
-                                            <p:txEl>
-                                              <p:pRg st="0" end="0"/>
+                                        <p:cTn id="18" dur="indefinite"/>
+                                        <p:tgtEl>
+                                          <p:spTgt spid="6">
+                                            <p:txEl>
+                                              <p:pRg st="4" end="4"/>
                                             </p:txEl>
                                           </p:spTgt>
                                         </p:tgtEl>
@@ -7020,50 +8807,11 @@
                                     </p:set>
                                     <p:animEffect filter="image" prLst="opacity: 0.25">
                                       <p:cBhvr rctx="IE">
-                                        <p:cTn id="21" dur="indefinite"/>
-                                        <p:tgtEl>
-                                          <p:spTgt spid="6">
-                                            <p:txEl>
-                                              <p:pRg st="0" end="0"/>
-                                            </p:txEl>
-                                          </p:spTgt>
-                                        </p:tgtEl>
-                                      </p:cBhvr>
-                                    </p:animEffect>
-                                  </p:childTnLst>
-                                </p:cTn>
-                              </p:par>
-                              <p:par>
-                                <p:cTn id="22" presetID="9" presetClass="emph" presetSubtype="0" nodeType="withEffect">
-                                  <p:stCondLst>
-                                    <p:cond delay="0"/>
-                                  </p:stCondLst>
-                                  <p:childTnLst>
-                                    <p:set>
-                                      <p:cBhvr rctx="PPT">
-                                        <p:cTn id="23" dur="indefinite"/>
-                                        <p:tgtEl>
-                                          <p:spTgt spid="6">
-                                            <p:txEl>
-                                              <p:pRg st="1" end="1"/>
-                                            </p:txEl>
-                                          </p:spTgt>
-                                        </p:tgtEl>
-                                        <p:attrNameLst>
-                                          <p:attrName>style.opacity</p:attrName>
-                                        </p:attrNameLst>
-                                      </p:cBhvr>
-                                      <p:to>
-                                        <p:strVal val="1"/>
-                                      </p:to>
-                                    </p:set>
-                                    <p:animEffect filter="image" prLst="opacity: 1">
-                                      <p:cBhvr rctx="IE">
-                                        <p:cTn id="24" dur="indefinite"/>
-                                        <p:tgtEl>
-                                          <p:spTgt spid="6">
-                                            <p:txEl>
-                                              <p:pRg st="1" end="1"/>
+                                        <p:cTn id="19" dur="indefinite"/>
+                                        <p:tgtEl>
+                                          <p:spTgt spid="6">
+                                            <p:txEl>
+                                              <p:pRg st="4" end="4"/>
                                             </p:txEl>
                                           </p:spTgt>
                                         </p:tgtEl>
@@ -7079,30 +8827,30 @@
                     </p:cTn>
                   </p:par>
                   <p:par>
-                    <p:cTn id="25" fill="hold">
+                    <p:cTn id="20" fill="hold">
                       <p:stCondLst>
                         <p:cond delay="indefinite"/>
                       </p:stCondLst>
                       <p:childTnLst>
                         <p:par>
-                          <p:cTn id="26" fill="hold">
+                          <p:cTn id="21" fill="hold">
                             <p:stCondLst>
                               <p:cond delay="0"/>
                             </p:stCondLst>
                             <p:childTnLst>
                               <p:par>
-                                <p:cTn id="27" presetID="9" presetClass="emph" presetSubtype="0" nodeType="clickEffect">
+                                <p:cTn id="22" presetID="9" presetClass="emph" presetSubtype="0" nodeType="clickEffect">
                                   <p:stCondLst>
                                     <p:cond delay="0"/>
                                   </p:stCondLst>
                                   <p:childTnLst>
                                     <p:set>
                                       <p:cBhvr rctx="PPT">
-                                        <p:cTn id="28" dur="indefinite"/>
-                                        <p:tgtEl>
-                                          <p:spTgt spid="6">
-                                            <p:txEl>
-                                              <p:pRg st="1" end="1"/>
+                                        <p:cTn id="23" dur="indefinite"/>
+                                        <p:tgtEl>
+                                          <p:spTgt spid="6">
+                                            <p:txEl>
+                                              <p:pRg st="0" end="0"/>
                                             </p:txEl>
                                           </p:spTgt>
                                         </p:tgtEl>
@@ -7116,11 +8864,11 @@
                                     </p:set>
                                     <p:animEffect filter="image" prLst="opacity: 0.25">
                                       <p:cBhvr rctx="IE">
-                                        <p:cTn id="29" dur="indefinite"/>
-                                        <p:tgtEl>
-                                          <p:spTgt spid="6">
-                                            <p:txEl>
-                                              <p:pRg st="1" end="1"/>
+                                        <p:cTn id="24" dur="indefinite"/>
+                                        <p:tgtEl>
+                                          <p:spTgt spid="6">
+                                            <p:txEl>
+                                              <p:pRg st="0" end="0"/>
                                             </p:txEl>
                                           </p:spTgt>
                                         </p:tgtEl>
@@ -7130,18 +8878,18 @@
                                 </p:cTn>
                               </p:par>
                               <p:par>
-                                <p:cTn id="30" presetID="9" presetClass="emph" presetSubtype="0" nodeType="withEffect">
+                                <p:cTn id="25" presetID="9" presetClass="emph" presetSubtype="0" nodeType="withEffect">
                                   <p:stCondLst>
                                     <p:cond delay="0"/>
                                   </p:stCondLst>
                                   <p:childTnLst>
                                     <p:set>
                                       <p:cBhvr rctx="PPT">
-                                        <p:cTn id="31" dur="indefinite"/>
-                                        <p:tgtEl>
-                                          <p:spTgt spid="6">
-                                            <p:txEl>
-                                              <p:pRg st="2" end="2"/>
+                                        <p:cTn id="26" dur="indefinite"/>
+                                        <p:tgtEl>
+                                          <p:spTgt spid="6">
+                                            <p:txEl>
+                                              <p:pRg st="1" end="1"/>
                                             </p:txEl>
                                           </p:spTgt>
                                         </p:tgtEl>
@@ -7155,11 +8903,11 @@
                                     </p:set>
                                     <p:animEffect filter="image" prLst="opacity: 1">
                                       <p:cBhvr rctx="IE">
-                                        <p:cTn id="32" dur="indefinite"/>
-                                        <p:tgtEl>
-                                          <p:spTgt spid="6">
-                                            <p:txEl>
-                                              <p:pRg st="2" end="2"/>
+                                        <p:cTn id="27" dur="indefinite"/>
+                                        <p:tgtEl>
+                                          <p:spTgt spid="6">
+                                            <p:txEl>
+                                              <p:pRg st="1" end="1"/>
                                             </p:txEl>
                                           </p:spTgt>
                                         </p:tgtEl>
@@ -7175,30 +8923,30 @@
                     </p:cTn>
                   </p:par>
                   <p:par>
-                    <p:cTn id="33" fill="hold">
+                    <p:cTn id="28" fill="hold">
                       <p:stCondLst>
                         <p:cond delay="indefinite"/>
                       </p:stCondLst>
                       <p:childTnLst>
                         <p:par>
-                          <p:cTn id="34" fill="hold">
+                          <p:cTn id="29" fill="hold">
                             <p:stCondLst>
                               <p:cond delay="0"/>
                             </p:stCondLst>
                             <p:childTnLst>
                               <p:par>
-                                <p:cTn id="35" presetID="9" presetClass="emph" presetSubtype="0" nodeType="clickEffect">
+                                <p:cTn id="30" presetID="9" presetClass="emph" presetSubtype="0" nodeType="clickEffect">
                                   <p:stCondLst>
                                     <p:cond delay="0"/>
                                   </p:stCondLst>
                                   <p:childTnLst>
                                     <p:set>
                                       <p:cBhvr rctx="PPT">
-                                        <p:cTn id="36" dur="indefinite"/>
-                                        <p:tgtEl>
-                                          <p:spTgt spid="6">
-                                            <p:txEl>
-                                              <p:pRg st="2" end="2"/>
+                                        <p:cTn id="31" dur="indefinite"/>
+                                        <p:tgtEl>
+                                          <p:spTgt spid="6">
+                                            <p:txEl>
+                                              <p:pRg st="1" end="1"/>
                                             </p:txEl>
                                           </p:spTgt>
                                         </p:tgtEl>
@@ -7212,11 +8960,11 @@
                                     </p:set>
                                     <p:animEffect filter="image" prLst="opacity: 0.25">
                                       <p:cBhvr rctx="IE">
-                                        <p:cTn id="37" dur="indefinite"/>
-                                        <p:tgtEl>
-                                          <p:spTgt spid="6">
-                                            <p:txEl>
-                                              <p:pRg st="2" end="2"/>
+                                        <p:cTn id="32" dur="indefinite"/>
+                                        <p:tgtEl>
+                                          <p:spTgt spid="6">
+                                            <p:txEl>
+                                              <p:pRg st="1" end="1"/>
                                             </p:txEl>
                                           </p:spTgt>
                                         </p:tgtEl>
@@ -7226,7 +8974,64 @@
                                 </p:cTn>
                               </p:par>
                               <p:par>
-                                <p:cTn id="38" presetID="9" presetClass="emph" presetSubtype="0" nodeType="withEffect">
+                                <p:cTn id="33" presetID="9" presetClass="emph" presetSubtype="0" nodeType="withEffect">
+                                  <p:stCondLst>
+                                    <p:cond delay="0"/>
+                                  </p:stCondLst>
+                                  <p:childTnLst>
+                                    <p:set>
+                                      <p:cBhvr rctx="PPT">
+                                        <p:cTn id="34" dur="indefinite"/>
+                                        <p:tgtEl>
+                                          <p:spTgt spid="6">
+                                            <p:txEl>
+                                              <p:pRg st="2" end="2"/>
+                                            </p:txEl>
+                                          </p:spTgt>
+                                        </p:tgtEl>
+                                        <p:attrNameLst>
+                                          <p:attrName>style.opacity</p:attrName>
+                                        </p:attrNameLst>
+                                      </p:cBhvr>
+                                      <p:to>
+                                        <p:strVal val="1"/>
+                                      </p:to>
+                                    </p:set>
+                                    <p:animEffect filter="image" prLst="opacity: 1">
+                                      <p:cBhvr rctx="IE">
+                                        <p:cTn id="35" dur="indefinite"/>
+                                        <p:tgtEl>
+                                          <p:spTgt spid="6">
+                                            <p:txEl>
+                                              <p:pRg st="2" end="2"/>
+                                            </p:txEl>
+                                          </p:spTgt>
+                                        </p:tgtEl>
+                                      </p:cBhvr>
+                                    </p:animEffect>
+                                  </p:childTnLst>
+                                </p:cTn>
+                              </p:par>
+                            </p:childTnLst>
+                          </p:cTn>
+                        </p:par>
+                      </p:childTnLst>
+                    </p:cTn>
+                  </p:par>
+                  <p:par>
+                    <p:cTn id="36" fill="hold">
+                      <p:stCondLst>
+                        <p:cond delay="indefinite"/>
+                      </p:stCondLst>
+                      <p:childTnLst>
+                        <p:par>
+                          <p:cTn id="37" fill="hold">
+                            <p:stCondLst>
+                              <p:cond delay="0"/>
+                            </p:stCondLst>
+                            <p:childTnLst>
+                              <p:par>
+                                <p:cTn id="38" presetID="9" presetClass="emph" presetSubtype="0" nodeType="clickEffect">
                                   <p:stCondLst>
                                     <p:cond delay="0"/>
                                   </p:stCondLst>
@@ -7237,6 +9042,45 @@
                                         <p:tgtEl>
                                           <p:spTgt spid="6">
                                             <p:txEl>
+                                              <p:pRg st="2" end="2"/>
+                                            </p:txEl>
+                                          </p:spTgt>
+                                        </p:tgtEl>
+                                        <p:attrNameLst>
+                                          <p:attrName>style.opacity</p:attrName>
+                                        </p:attrNameLst>
+                                      </p:cBhvr>
+                                      <p:to>
+                                        <p:strVal val="0.25"/>
+                                      </p:to>
+                                    </p:set>
+                                    <p:animEffect filter="image" prLst="opacity: 0.25">
+                                      <p:cBhvr rctx="IE">
+                                        <p:cTn id="40" dur="indefinite"/>
+                                        <p:tgtEl>
+                                          <p:spTgt spid="6">
+                                            <p:txEl>
+                                              <p:pRg st="2" end="2"/>
+                                            </p:txEl>
+                                          </p:spTgt>
+                                        </p:tgtEl>
+                                      </p:cBhvr>
+                                    </p:animEffect>
+                                  </p:childTnLst>
+                                </p:cTn>
+                              </p:par>
+                              <p:par>
+                                <p:cTn id="41" presetID="9" presetClass="emph" presetSubtype="0" nodeType="withEffect">
+                                  <p:stCondLst>
+                                    <p:cond delay="0"/>
+                                  </p:stCondLst>
+                                  <p:childTnLst>
+                                    <p:set>
+                                      <p:cBhvr rctx="PPT">
+                                        <p:cTn id="42" dur="indefinite"/>
+                                        <p:tgtEl>
+                                          <p:spTgt spid="6">
+                                            <p:txEl>
                                               <p:pRg st="3" end="3"/>
                                             </p:txEl>
                                           </p:spTgt>
@@ -7251,11 +9095,50 @@
                                     </p:set>
                                     <p:animEffect filter="image" prLst="opacity: 1">
                                       <p:cBhvr rctx="IE">
-                                        <p:cTn id="40" dur="indefinite"/>
+                                        <p:cTn id="43" dur="indefinite"/>
                                         <p:tgtEl>
                                           <p:spTgt spid="6">
                                             <p:txEl>
                                               <p:pRg st="3" end="3"/>
+                                            </p:txEl>
+                                          </p:spTgt>
+                                        </p:tgtEl>
+                                      </p:cBhvr>
+                                    </p:animEffect>
+                                  </p:childTnLst>
+                                </p:cTn>
+                              </p:par>
+                              <p:par>
+                                <p:cTn id="44" presetID="9" presetClass="emph" presetSubtype="0" nodeType="withEffect">
+                                  <p:stCondLst>
+                                    <p:cond delay="0"/>
+                                  </p:stCondLst>
+                                  <p:childTnLst>
+                                    <p:set>
+                                      <p:cBhvr rctx="PPT">
+                                        <p:cTn id="45" dur="indefinite"/>
+                                        <p:tgtEl>
+                                          <p:spTgt spid="6">
+                                            <p:txEl>
+                                              <p:pRg st="4" end="4"/>
+                                            </p:txEl>
+                                          </p:spTgt>
+                                        </p:tgtEl>
+                                        <p:attrNameLst>
+                                          <p:attrName>style.opacity</p:attrName>
+                                        </p:attrNameLst>
+                                      </p:cBhvr>
+                                      <p:to>
+                                        <p:strVal val="1"/>
+                                      </p:to>
+                                    </p:set>
+                                    <p:animEffect filter="image" prLst="opacity: 1">
+                                      <p:cBhvr rctx="IE">
+                                        <p:cTn id="46" dur="indefinite"/>
+                                        <p:tgtEl>
+                                          <p:spTgt spid="6">
+                                            <p:txEl>
+                                              <p:pRg st="4" end="4"/>
                                             </p:txEl>
                                           </p:spTgt>
                                         </p:tgtEl>
@@ -7685,49 +9568,6 @@
       </p:sp>
       <p:sp>
         <p:nvSpPr>
-          <p:cNvPr id="6" name="Text Placeholder 5"/>
-          <p:cNvSpPr>
-            <a:spLocks noGrp="1"/>
-          </p:cNvSpPr>
-          <p:nvPr>
-            <p:ph type="body" sz="quarter" idx="10"/>
-          </p:nvPr>
-        </p:nvSpPr>
-        <p:spPr>
-          <a:xfrm>
-            <a:off x="1504949" y="4404360"/>
-            <a:ext cx="18845767" cy="7853077"/>
-          </a:xfrm>
-        </p:spPr>
-        <p:txBody>
-          <a:bodyPr>
-            <a:normAutofit/>
-          </a:bodyPr>
-          <a:lstStyle/>
-          <a:p>
-            <a:pPr marL="0" indent="0">
-              <a:buNone/>
-            </a:pPr>
-            <a:r>
-              <a:rPr lang="en-GB" sz="6000" dirty="0" smtClean="0">
-                <a:solidFill>
-                  <a:schemeClr val="bg1"/>
-                </a:solidFill>
-                <a:latin typeface="+mj-lt"/>
-              </a:rPr>
-              <a:t>&lt;IMAGE OF EMET OPTIONS&gt;</a:t>
-            </a:r>
-            <a:endParaRPr lang="en-GB" sz="6000" dirty="0" smtClean="0">
-              <a:solidFill>
-                <a:schemeClr val="bg1"/>
-              </a:solidFill>
-              <a:latin typeface="+mj-lt"/>
-            </a:endParaRPr>
-          </a:p>
-        </p:txBody>
-      </p:sp>
-      <p:sp>
-        <p:nvSpPr>
           <p:cNvPr id="7" name="Text Placeholder 6"/>
           <p:cNvSpPr>
             <a:spLocks noGrp="1"/>
@@ -7759,6 +9599,30 @@
           </a:p>
         </p:txBody>
       </p:sp>
+      <p:pic>
+        <p:nvPicPr>
+          <p:cNvPr id="4" name="Picture 3"/>
+          <p:cNvPicPr>
+            <a:picLocks noChangeAspect="1"/>
+          </p:cNvPicPr>
+          <p:nvPr/>
+        </p:nvPicPr>
+        <p:blipFill>
+          <a:blip r:embed="rId3"/>
+          <a:stretch>
+            <a:fillRect/>
+          </a:stretch>
+        </p:blipFill>
+        <p:spPr>
+          <a:xfrm>
+            <a:off x="3286124" y="2496324"/>
+            <a:ext cx="15421196" cy="10539192"/>
+          </a:xfrm>
+          <a:prstGeom prst="rect">
+            <a:avLst/>
+          </a:prstGeom>
+        </p:spPr>
+      </p:pic>
     </p:spTree>
     <p:extLst>
       <p:ext uri="{BB962C8B-B14F-4D97-AF65-F5344CB8AC3E}">
@@ -7773,90 +9637,7 @@
   <p:timing>
     <p:tnLst>
       <p:par>
-        <p:cTn id="1" dur="indefinite" restart="never" nodeType="tmRoot">
-          <p:childTnLst>
-            <p:seq concurrent="1" nextAc="seek">
-              <p:cTn id="2" dur="indefinite" nodeType="mainSeq">
-                <p:childTnLst>
-                  <p:par>
-                    <p:cTn id="3" fill="hold">
-                      <p:stCondLst>
-                        <p:cond delay="indefinite"/>
-                        <p:cond evt="onBegin" delay="0">
-                          <p:tn val="2"/>
-                        </p:cond>
-                      </p:stCondLst>
-                      <p:childTnLst>
-                        <p:par>
-                          <p:cTn id="4" fill="hold">
-                            <p:stCondLst>
-                              <p:cond delay="0"/>
-                            </p:stCondLst>
-                            <p:childTnLst>
-                              <p:par>
-                                <p:cTn id="5" presetID="9" presetClass="emph" presetSubtype="0" nodeType="withEffect">
-                                  <p:stCondLst>
-                                    <p:cond delay="0"/>
-                                  </p:stCondLst>
-                                  <p:childTnLst>
-                                    <p:set>
-                                      <p:cBhvr rctx="PPT">
-                                        <p:cTn id="6" dur="indefinite"/>
-                                        <p:tgtEl>
-                                          <p:spTgt spid="6">
-                                            <p:txEl>
-                                              <p:pRg st="0" end="0"/>
-                                            </p:txEl>
-                                          </p:spTgt>
-                                        </p:tgtEl>
-                                        <p:attrNameLst>
-                                          <p:attrName>style.opacity</p:attrName>
-                                        </p:attrNameLst>
-                                      </p:cBhvr>
-                                      <p:to>
-                                        <p:strVal val="1"/>
-                                      </p:to>
-                                    </p:set>
-                                    <p:animEffect filter="image" prLst="opacity: 1">
-                                      <p:cBhvr rctx="IE">
-                                        <p:cTn id="7" dur="indefinite"/>
-                                        <p:tgtEl>
-                                          <p:spTgt spid="6">
-                                            <p:txEl>
-                                              <p:pRg st="0" end="0"/>
-                                            </p:txEl>
-                                          </p:spTgt>
-                                        </p:tgtEl>
-                                      </p:cBhvr>
-                                    </p:animEffect>
-                                  </p:childTnLst>
-                                </p:cTn>
-                              </p:par>
-                            </p:childTnLst>
-                          </p:cTn>
-                        </p:par>
-                      </p:childTnLst>
-                    </p:cTn>
-                  </p:par>
-                </p:childTnLst>
-              </p:cTn>
-              <p:prevCondLst>
-                <p:cond evt="onPrev" delay="0">
-                  <p:tgtEl>
-                    <p:sldTgt/>
-                  </p:tgtEl>
-                </p:cond>
-              </p:prevCondLst>
-              <p:nextCondLst>
-                <p:cond evt="onNext" delay="0">
-                  <p:tgtEl>
-                    <p:sldTgt/>
-                  </p:tgtEl>
-                </p:cond>
-              </p:nextCondLst>
-            </p:seq>
-          </p:childTnLst>
-        </p:cTn>
+        <p:cTn id="1" dur="indefinite" restart="never" nodeType="tmRoot"/>
       </p:par>
     </p:tnLst>
   </p:timing>
@@ -9841,12 +11622,6 @@
               </a:rPr>
               <a:t> / Dynamic Payload Injection</a:t>
             </a:r>
-            <a:endParaRPr lang="en-GB" sz="6000" dirty="0" smtClean="0">
-              <a:solidFill>
-                <a:schemeClr val="bg1"/>
-              </a:solidFill>
-              <a:latin typeface="+mj-lt"/>
-            </a:endParaRPr>
           </a:p>
           <a:p>
             <a:r>
@@ -10602,39 +12377,30 @@
           </a:p>
         </p:txBody>
       </p:sp>
-      <p:sp>
-        <p:nvSpPr>
-          <p:cNvPr id="7" name="Text Placeholder 6"/>
-          <p:cNvSpPr>
-            <a:spLocks noGrp="1"/>
-          </p:cNvSpPr>
-          <p:nvPr>
-            <p:ph type="body" sz="quarter" idx="11"/>
-          </p:nvPr>
-        </p:nvSpPr>
-        <p:spPr/>
-        <p:txBody>
-          <a:bodyPr>
-            <a:normAutofit/>
-          </a:bodyPr>
-          <a:lstStyle/>
-          <a:p>
-            <a:r>
-              <a:rPr lang="en-GB" sz="3600" dirty="0" smtClean="0">
-                <a:solidFill>
-                  <a:schemeClr val="bg2"/>
-                </a:solidFill>
-              </a:rPr>
-              <a:t>&lt;SCREENSHOT OF WEPWNISE&gt;</a:t>
-            </a:r>
-            <a:endParaRPr lang="en-GB" sz="3600" dirty="0">
-              <a:solidFill>
-                <a:schemeClr val="bg2"/>
-              </a:solidFill>
-            </a:endParaRPr>
-          </a:p>
-        </p:txBody>
-      </p:sp>
+      <p:pic>
+        <p:nvPicPr>
+          <p:cNvPr id="3" name="Picture 2"/>
+          <p:cNvPicPr>
+            <a:picLocks noChangeAspect="1"/>
+          </p:cNvPicPr>
+          <p:nvPr/>
+        </p:nvPicPr>
+        <p:blipFill>
+          <a:blip r:embed="rId3"/>
+          <a:stretch>
+            <a:fillRect/>
+          </a:stretch>
+        </p:blipFill>
+        <p:spPr>
+          <a:xfrm>
+            <a:off x="1808310" y="2504742"/>
+            <a:ext cx="18716282" cy="10743425"/>
+          </a:xfrm>
+          <a:prstGeom prst="rect">
+            <a:avLst/>
+          </a:prstGeom>
+        </p:spPr>
+      </p:pic>
     </p:spTree>
     <p:extLst>
       <p:ext uri="{BB962C8B-B14F-4D97-AF65-F5344CB8AC3E}">

--- a/one-template-to-rule-them-all_emet-part.pptx
+++ b/one-template-to-rule-them-all_emet-part.pptx
@@ -5,10 +5,10 @@
     <p:sldMasterId id="2147483648" r:id="rId1"/>
   </p:sldMasterIdLst>
   <p:notesMasterIdLst>
-    <p:notesMasterId r:id="rId18"/>
+    <p:notesMasterId r:id="rId20"/>
   </p:notesMasterIdLst>
   <p:handoutMasterIdLst>
-    <p:handoutMasterId r:id="rId19"/>
+    <p:handoutMasterId r:id="rId21"/>
   </p:handoutMasterIdLst>
   <p:sldIdLst>
     <p:sldId id="256" r:id="rId2"/>
@@ -27,6 +27,8 @@
     <p:sldId id="326" r:id="rId15"/>
     <p:sldId id="325" r:id="rId16"/>
     <p:sldId id="329" r:id="rId17"/>
+    <p:sldId id="338" r:id="rId18"/>
+    <p:sldId id="337" r:id="rId19"/>
   </p:sldIdLst>
   <p:sldSz cx="24384000" cy="13716000"/>
   <p:notesSz cx="6858000" cy="9144000"/>
@@ -208,7 +210,7 @@
           <a:p>
             <a:fld id="{92BA5E9F-E6B7-407C-971A-EA18535AE401}" type="datetimeFigureOut">
               <a:rPr lang="en-GB" smtClean="0"/>
-              <a:t>03/06/2016</a:t>
+              <a:t>05/06/2016</a:t>
             </a:fld>
             <a:endParaRPr lang="en-GB" dirty="0"/>
           </a:p>
@@ -609,8 +611,81 @@
           <a:p>
             <a:r>
               <a:rPr lang="en-GB" baseline="0" dirty="0" smtClean="0"/>
-              <a:t>&lt;WRITE DISCUSSION ABOUT WEPWNISE MACRO CODE AND WHAT IT DOES&gt;</a:t>
-            </a:r>
+              <a:t>The </a:t>
+            </a:r>
+            <a:r>
+              <a:rPr lang="en-GB" baseline="0" dirty="0" err="1" smtClean="0"/>
+              <a:t>WePWNise</a:t>
+            </a:r>
+            <a:r>
+              <a:rPr lang="en-GB" baseline="0" dirty="0" smtClean="0"/>
+              <a:t> macro makes use of Native VBA code to perform shell code inject into a target binary without dependency on PowerShell.</a:t>
+            </a:r>
+          </a:p>
+          <a:p>
+            <a:endParaRPr lang="en-GB" baseline="0" dirty="0" smtClean="0"/>
+          </a:p>
+          <a:p>
+            <a:r>
+              <a:rPr lang="en-GB" baseline="0" dirty="0" smtClean="0"/>
+              <a:t>As per the regular routine of injection, we can either open a process or create one. We have chosen to create processes as this is safer than using an existing one and accidentally crashing it.</a:t>
+            </a:r>
+          </a:p>
+          <a:p>
+            <a:endParaRPr lang="en-GB" baseline="0" dirty="0" smtClean="0"/>
+          </a:p>
+          <a:p>
+            <a:r>
+              <a:rPr lang="en-GB" baseline="0" dirty="0" err="1" smtClean="0"/>
+              <a:t>VirtualAlloc</a:t>
+            </a:r>
+            <a:r>
+              <a:rPr lang="en-GB" baseline="0" dirty="0" smtClean="0"/>
+              <a:t> allows us to reserve a space of unused memory in a process and get the memory location address for this space.</a:t>
+            </a:r>
+          </a:p>
+          <a:p>
+            <a:endParaRPr lang="en-GB" baseline="0" dirty="0" smtClean="0"/>
+          </a:p>
+          <a:p>
+            <a:r>
+              <a:rPr lang="en-GB" baseline="0" dirty="0" smtClean="0"/>
+              <a:t>We then make use of </a:t>
+            </a:r>
+            <a:r>
+              <a:rPr lang="en-GB" baseline="0" dirty="0" err="1" smtClean="0"/>
+              <a:t>WriteProcessMemory</a:t>
+            </a:r>
+            <a:r>
+              <a:rPr lang="en-GB" baseline="0" dirty="0" smtClean="0"/>
+              <a:t> to write the shell code into this reserved space byte by byte. In the scenario where memory signature scanning is used, this will be detected. However, I’ve only seen this used in Anti Cheat </a:t>
+            </a:r>
+            <a:r>
+              <a:rPr lang="en-GB" baseline="0" dirty="0" err="1" smtClean="0"/>
+              <a:t>Engnies</a:t>
+            </a:r>
+            <a:r>
+              <a:rPr lang="en-GB" baseline="0" dirty="0" smtClean="0"/>
+              <a:t> for games as opposed to Anti Virus solutions. To bypass this, we can simply mutate the shell code so that it cannot be </a:t>
+            </a:r>
+            <a:r>
+              <a:rPr lang="en-GB" baseline="0" dirty="0" err="1" smtClean="0"/>
+              <a:t>signaturable</a:t>
+            </a:r>
+            <a:r>
+              <a:rPr lang="en-GB" baseline="0" dirty="0" smtClean="0"/>
+              <a:t> – this is mentioned in the further work section later on.</a:t>
+            </a:r>
+          </a:p>
+          <a:p>
+            <a:endParaRPr lang="en-GB" baseline="0" dirty="0" smtClean="0"/>
+          </a:p>
+          <a:p>
+            <a:r>
+              <a:rPr lang="en-GB" baseline="0" dirty="0" smtClean="0"/>
+              <a:t>Create Remote Thread basically instantiates and runs the shell code we injected.</a:t>
+            </a:r>
+            <a:endParaRPr lang="en-GB" baseline="0" dirty="0" smtClean="0"/>
           </a:p>
         </p:txBody>
       </p:sp>
@@ -673,8 +748,39 @@
           <a:p>
             <a:r>
               <a:rPr lang="en-GB" baseline="0" dirty="0" smtClean="0"/>
-              <a:t>&lt;WRITE DISCUSSION ABOUT WEPWNISE MACRO CODE AND WHAT IT DOES&gt;</a:t>
-            </a:r>
+              <a:t>So </a:t>
+            </a:r>
+            <a:r>
+              <a:rPr lang="en-GB" baseline="0" dirty="0" err="1" smtClean="0"/>
+              <a:t>WePWNise</a:t>
+            </a:r>
+            <a:r>
+              <a:rPr lang="en-GB" baseline="0" dirty="0" smtClean="0"/>
+              <a:t> can get us remote access on a machine. It is also pretty good at memory management.</a:t>
+            </a:r>
+          </a:p>
+          <a:p>
+            <a:r>
+              <a:rPr lang="en-GB" baseline="0" dirty="0" smtClean="0"/>
+              <a:t/>
+            </a:r>
+            <a:br>
+              <a:rPr lang="en-GB" baseline="0" dirty="0" smtClean="0"/>
+            </a:br>
+            <a:r>
+              <a:rPr lang="en-GB" baseline="0" dirty="0" smtClean="0"/>
+              <a:t>It will make use of virtual free to free up reserved memory space that is no longer used if an injection attempt fails.</a:t>
+            </a:r>
+          </a:p>
+          <a:p>
+            <a:endParaRPr lang="en-GB" baseline="0" dirty="0" smtClean="0"/>
+          </a:p>
+          <a:p>
+            <a:r>
+              <a:rPr lang="en-GB" baseline="0" dirty="0" smtClean="0"/>
+              <a:t>It will terminate the process if a suspended process is made but for some reason defences stopped it from being able to create a connection back to our C2 server.</a:t>
+            </a:r>
+            <a:endParaRPr lang="en-GB" baseline="0" dirty="0" smtClean="0"/>
           </a:p>
         </p:txBody>
       </p:sp>
@@ -737,8 +843,44 @@
           <a:p>
             <a:r>
               <a:rPr lang="en-GB" baseline="0" dirty="0" smtClean="0"/>
-              <a:t>a</a:t>
-            </a:r>
+              <a:t>To query registry, a </a:t>
+            </a:r>
+            <a:r>
+              <a:rPr lang="en-GB" baseline="0" dirty="0" err="1" smtClean="0"/>
+              <a:t>Wscript.Shell</a:t>
+            </a:r>
+            <a:r>
+              <a:rPr lang="en-GB" baseline="0" dirty="0" smtClean="0"/>
+              <a:t> object is used, being an easy way to query registry in VBA.</a:t>
+            </a:r>
+          </a:p>
+          <a:p>
+            <a:endParaRPr lang="en-GB" baseline="0" dirty="0" smtClean="0"/>
+          </a:p>
+          <a:p>
+            <a:r>
+              <a:rPr lang="en-GB" baseline="0" dirty="0" smtClean="0"/>
+              <a:t>In order to perform the enumeration, we will look for the protected paths configuration in the registry. In order to do this, light reverse engineering of the EMET binary was required but I quickly found that the paths were stored under the following registry key.</a:t>
+            </a:r>
+          </a:p>
+          <a:p>
+            <a:endParaRPr lang="en-GB" baseline="0" dirty="0" smtClean="0"/>
+          </a:p>
+          <a:p>
+            <a:r>
+              <a:rPr lang="en-GB" baseline="0" dirty="0" smtClean="0"/>
+              <a:t>After doing so, I also wrote a quick post exploitation module to enumerate these paths from registry for use within the </a:t>
+            </a:r>
+            <a:r>
+              <a:rPr lang="en-GB" baseline="0" dirty="0" err="1" smtClean="0"/>
+              <a:t>Metasploit</a:t>
+            </a:r>
+            <a:r>
+              <a:rPr lang="en-GB" baseline="0" dirty="0" smtClean="0"/>
+              <a:t> framework when EMET Is found to be running. We will see why this is important later.</a:t>
+            </a:r>
+          </a:p>
+          <a:p>
             <a:endParaRPr lang="en-GB" baseline="0" dirty="0" smtClean="0"/>
           </a:p>
         </p:txBody>
@@ -802,13 +944,42 @@
           <a:p>
             <a:r>
               <a:rPr lang="en-GB" baseline="0" dirty="0" smtClean="0"/>
-              <a:t>Output of </a:t>
+              <a:t>This is the output of the </a:t>
             </a:r>
             <a:r>
               <a:rPr lang="en-GB" baseline="0" dirty="0" err="1" smtClean="0"/>
               <a:t>enum_emet</a:t>
             </a:r>
+            <a:r>
+              <a:rPr lang="en-GB" baseline="0" dirty="0" smtClean="0"/>
+              <a:t> post exploitation module from </a:t>
+            </a:r>
+            <a:r>
+              <a:rPr lang="en-GB" baseline="0" dirty="0" err="1" smtClean="0"/>
+              <a:t>Metasploit</a:t>
+            </a:r>
+            <a:r>
+              <a:rPr lang="en-GB" baseline="0" dirty="0" smtClean="0"/>
+              <a:t>.</a:t>
+            </a:r>
+          </a:p>
+          <a:p>
             <a:endParaRPr lang="en-GB" baseline="0" dirty="0" smtClean="0"/>
+          </a:p>
+          <a:p>
+            <a:r>
+              <a:rPr lang="en-GB" baseline="0" dirty="0" smtClean="0"/>
+              <a:t>As I understand no one can read this, let’s zoom in and focus on WINWORD.exe</a:t>
+            </a:r>
+          </a:p>
+          <a:p>
+            <a:endParaRPr lang="en-GB" baseline="0" dirty="0" smtClean="0"/>
+          </a:p>
+          <a:p>
+            <a:r>
+              <a:rPr lang="en-GB" baseline="0" dirty="0" smtClean="0"/>
+              <a:t>As we can see, the format in registry is an easily understandable wildcard format to match against any version of WINWORD.exe running from a folder that begins with OFFICE.</a:t>
+            </a:r>
           </a:p>
         </p:txBody>
       </p:sp>
@@ -880,8 +1051,196 @@
           <a:p>
             <a:r>
               <a:rPr lang="en-GB" baseline="0" dirty="0" smtClean="0"/>
-              <a:t>I will write this later.</a:t>
-            </a:r>
+              <a:t>On the right hand side, we have a Windows machine that will act as both the Victim and the creator of a </a:t>
+            </a:r>
+            <a:r>
+              <a:rPr lang="en-GB" baseline="0" dirty="0" err="1" smtClean="0"/>
+              <a:t>trojan</a:t>
+            </a:r>
+            <a:r>
+              <a:rPr lang="en-GB" baseline="0" dirty="0" smtClean="0"/>
+              <a:t> document. On the left hand side we have a machine that will generate the macro code as well as act as the command and control server.</a:t>
+            </a:r>
+          </a:p>
+          <a:p>
+            <a:endParaRPr lang="en-GB" baseline="0" dirty="0" smtClean="0"/>
+          </a:p>
+          <a:p>
+            <a:r>
+              <a:rPr lang="en-GB" baseline="0" dirty="0" smtClean="0"/>
+              <a:t>Both machines are on the same network for demonstration purposes. However, this currently can be used in practice and engagements.</a:t>
+            </a:r>
+          </a:p>
+          <a:p>
+            <a:endParaRPr lang="en-GB" baseline="0" dirty="0" smtClean="0"/>
+          </a:p>
+          <a:p>
+            <a:r>
+              <a:rPr lang="en-GB" baseline="0" dirty="0" smtClean="0"/>
+              <a:t>On the left, we begin generating a </a:t>
+            </a:r>
+            <a:r>
+              <a:rPr lang="en-GB" baseline="0" dirty="0" err="1" smtClean="0"/>
+              <a:t>wepwnise</a:t>
+            </a:r>
+            <a:r>
+              <a:rPr lang="en-GB" baseline="0" dirty="0" smtClean="0"/>
+              <a:t> payload that will call back to our command and control server over HTTPS on port 443 and 80 for two different architectures. These can be caught on two separate machines if required.</a:t>
+            </a:r>
+          </a:p>
+          <a:p>
+            <a:endParaRPr lang="en-GB" baseline="0" dirty="0" smtClean="0"/>
+          </a:p>
+          <a:p>
+            <a:r>
+              <a:rPr lang="en-GB" baseline="0" dirty="0" smtClean="0"/>
+              <a:t>Now on the right, we can see the current configuration of EMET by default. We will enable all mitigations for everything. In some cases, there are compatibility reasons for why by default Skype.exe is not protected by EAF.</a:t>
+            </a:r>
+          </a:p>
+          <a:p>
+            <a:endParaRPr lang="en-GB" baseline="0" dirty="0" smtClean="0"/>
+          </a:p>
+          <a:p>
+            <a:r>
+              <a:rPr lang="en-GB" baseline="0" dirty="0" smtClean="0"/>
+              <a:t>As the script tells us, we must start up our listeners. So we do that </a:t>
+            </a:r>
+            <a:r>
+              <a:rPr lang="en-GB" baseline="0" dirty="0" smtClean="0"/>
+              <a:t>on the left now.</a:t>
+            </a:r>
+          </a:p>
+          <a:p>
+            <a:endParaRPr lang="en-GB" baseline="0" dirty="0" smtClean="0"/>
+          </a:p>
+          <a:p>
+            <a:r>
+              <a:rPr lang="en-GB" baseline="0" dirty="0" smtClean="0"/>
+              <a:t>Now on the right, we will begin creating the </a:t>
+            </a:r>
+            <a:r>
+              <a:rPr lang="en-GB" baseline="0" dirty="0" err="1" smtClean="0"/>
+              <a:t>trojan</a:t>
+            </a:r>
+            <a:r>
+              <a:rPr lang="en-GB" baseline="0" dirty="0" smtClean="0"/>
+              <a:t> document. Take and display some images to gain the user’s trust. Add some look to be encrypted text to make them think its encrypted!</a:t>
+            </a:r>
+          </a:p>
+          <a:p>
+            <a:endParaRPr lang="en-GB" baseline="0" dirty="0" smtClean="0"/>
+          </a:p>
+          <a:p>
+            <a:r>
+              <a:rPr lang="en-GB" baseline="0" dirty="0" smtClean="0"/>
+              <a:t>Now we add the macros. We must make sure to add it to the document and not Word.</a:t>
+            </a:r>
+          </a:p>
+          <a:p>
+            <a:endParaRPr lang="en-GB" baseline="0" dirty="0" smtClean="0"/>
+          </a:p>
+          <a:p>
+            <a:r>
+              <a:rPr lang="en-GB" baseline="0" dirty="0" smtClean="0"/>
+              <a:t>We now run the macro. We have received a connection back from the machine. Now we need to check what process it is running in. It appears to be PING.exe.</a:t>
+            </a:r>
+          </a:p>
+          <a:p>
+            <a:endParaRPr lang="en-GB" baseline="0" dirty="0" smtClean="0"/>
+          </a:p>
+          <a:p>
+            <a:r>
+              <a:rPr lang="en-GB" baseline="0" dirty="0" smtClean="0"/>
+              <a:t>Now we go back to the machine and protect Ping.exe with EMET.</a:t>
+            </a:r>
+          </a:p>
+          <a:p>
+            <a:endParaRPr lang="en-GB" baseline="0" dirty="0" smtClean="0"/>
+          </a:p>
+          <a:p>
+            <a:r>
+              <a:rPr lang="en-GB" baseline="0" dirty="0" smtClean="0"/>
+              <a:t>If all goes well, our code should automatically know this and select a different binary.</a:t>
+            </a:r>
+          </a:p>
+          <a:p>
+            <a:endParaRPr lang="en-GB" baseline="0" dirty="0" smtClean="0"/>
+          </a:p>
+          <a:p>
+            <a:r>
+              <a:rPr lang="en-GB" baseline="0" dirty="0" smtClean="0"/>
+              <a:t>We have now injected into EMET_Agent.exe which is unprotected by default </a:t>
+            </a:r>
+            <a:r>
+              <a:rPr lang="en-GB" baseline="0" dirty="0" smtClean="0">
+                <a:sym typeface="Wingdings" panose="05000000000000000000" pitchFamily="2" charset="2"/>
+              </a:rPr>
+              <a:t></a:t>
+            </a:r>
+          </a:p>
+          <a:p>
+            <a:endParaRPr lang="en-GB" baseline="0" dirty="0" smtClean="0">
+              <a:sym typeface="Wingdings" panose="05000000000000000000" pitchFamily="2" charset="2"/>
+            </a:endParaRPr>
+          </a:p>
+          <a:p>
+            <a:r>
+              <a:rPr lang="en-GB" baseline="0" dirty="0" smtClean="0">
+                <a:sym typeface="Wingdings" panose="05000000000000000000" pitchFamily="2" charset="2"/>
+              </a:rPr>
+              <a:t>So as mentioned earlier, I have submitted a quick post exploitation module to the </a:t>
+            </a:r>
+            <a:r>
+              <a:rPr lang="en-GB" baseline="0" dirty="0" err="1" smtClean="0">
+                <a:sym typeface="Wingdings" panose="05000000000000000000" pitchFamily="2" charset="2"/>
+              </a:rPr>
+              <a:t>Metasploit</a:t>
+            </a:r>
+            <a:r>
+              <a:rPr lang="en-GB" baseline="0" dirty="0" smtClean="0">
+                <a:sym typeface="Wingdings" panose="05000000000000000000" pitchFamily="2" charset="2"/>
+              </a:rPr>
+              <a:t> Framework which can enumerate all protected paths for safe migration afterwards.</a:t>
+            </a:r>
+          </a:p>
+          <a:p>
+            <a:endParaRPr lang="en-GB" baseline="0" dirty="0" smtClean="0">
+              <a:sym typeface="Wingdings" panose="05000000000000000000" pitchFamily="2" charset="2"/>
+            </a:endParaRPr>
+          </a:p>
+          <a:p>
+            <a:r>
+              <a:rPr lang="en-GB" baseline="0" dirty="0" smtClean="0">
+                <a:sym typeface="Wingdings" panose="05000000000000000000" pitchFamily="2" charset="2"/>
+              </a:rPr>
+              <a:t>As WINWORD.exe is protected, we try and inject into it to prove that we lose our shell due to it being protected.</a:t>
+            </a:r>
+          </a:p>
+          <a:p>
+            <a:endParaRPr lang="en-GB" baseline="0" dirty="0" smtClean="0">
+              <a:sym typeface="Wingdings" panose="05000000000000000000" pitchFamily="2" charset="2"/>
+            </a:endParaRPr>
+          </a:p>
+          <a:p>
+            <a:r>
+              <a:rPr lang="en-GB" baseline="0" dirty="0" smtClean="0">
+                <a:sym typeface="Wingdings" panose="05000000000000000000" pitchFamily="2" charset="2"/>
+              </a:rPr>
+              <a:t>This is why it’s important to not migrate </a:t>
+            </a:r>
+            <a:r>
+              <a:rPr lang="en-GB" baseline="0" dirty="0" err="1" smtClean="0">
+                <a:sym typeface="Wingdings" panose="05000000000000000000" pitchFamily="2" charset="2"/>
+              </a:rPr>
+              <a:t>wrecklessly</a:t>
+            </a:r>
+            <a:r>
+              <a:rPr lang="en-GB" baseline="0" dirty="0" smtClean="0">
+                <a:sym typeface="Wingdings" panose="05000000000000000000" pitchFamily="2" charset="2"/>
+              </a:rPr>
+              <a:t> without first enumerating the system.</a:t>
+            </a:r>
+            <a:endParaRPr lang="en-GB" baseline="0" dirty="0" smtClean="0"/>
           </a:p>
         </p:txBody>
       </p:sp>
@@ -944,7 +1303,20 @@
           <a:p>
             <a:r>
               <a:rPr lang="en-GB" baseline="0" dirty="0" smtClean="0"/>
-              <a:t>In the case of EMET, </a:t>
+              <a:t>Some binaries are required such as WINLOGON.exe which is used to perform the logon process on Windows. There’s going to be processes that will not be blocked as an employee must be using the computer in order to run some software.</a:t>
+            </a:r>
+          </a:p>
+          <a:p>
+            <a:endParaRPr lang="en-GB" baseline="0" dirty="0" smtClean="0"/>
+          </a:p>
+          <a:p>
+            <a:r>
+              <a:rPr lang="en-GB" baseline="0" dirty="0" smtClean="0"/>
+              <a:t>In </a:t>
+            </a:r>
+            <a:r>
+              <a:rPr lang="en-GB" baseline="0" dirty="0" smtClean="0"/>
+              <a:t>the case of EMET, </a:t>
             </a:r>
             <a:r>
               <a:rPr lang="en-GB" baseline="0" dirty="0" err="1" smtClean="0"/>
@@ -991,8 +1363,56 @@
             </a:r>
             <a:r>
               <a:rPr lang="en-GB" baseline="0" dirty="0" smtClean="0"/>
-              <a:t> creates a call back through the use of shell code injection. This is written in native VBA as we do not want to have a dependency on PowerShell.</a:t>
-            </a:r>
+              <a:t> creates a call back through the use of shell code injection. This is written in native VBA as we do not want to have a dependency on PowerShell</a:t>
+            </a:r>
+            <a:r>
+              <a:rPr lang="en-GB" baseline="0" dirty="0" smtClean="0"/>
+              <a:t>.</a:t>
+            </a:r>
+          </a:p>
+          <a:p>
+            <a:pPr marL="0" marR="0" indent="0" defTabSz="457200" eaLnBrk="1" fontAlgn="auto" latinLnBrk="0" hangingPunct="1">
+              <a:lnSpc>
+                <a:spcPct val="117999"/>
+              </a:lnSpc>
+              <a:spcBef>
+                <a:spcPts val="0"/>
+              </a:spcBef>
+              <a:spcAft>
+                <a:spcPts val="0"/>
+              </a:spcAft>
+              <a:buClrTx/>
+              <a:buSzTx/>
+              <a:buFontTx/>
+              <a:buNone/>
+              <a:tabLst/>
+              <a:defRPr/>
+            </a:pPr>
+            <a:endParaRPr lang="en-GB" baseline="0" dirty="0" smtClean="0"/>
+          </a:p>
+          <a:p>
+            <a:pPr marL="0" marR="0" indent="0" defTabSz="457200" eaLnBrk="1" fontAlgn="auto" latinLnBrk="0" hangingPunct="1">
+              <a:lnSpc>
+                <a:spcPct val="117999"/>
+              </a:lnSpc>
+              <a:spcBef>
+                <a:spcPts val="0"/>
+              </a:spcBef>
+              <a:spcAft>
+                <a:spcPts val="0"/>
+              </a:spcAft>
+              <a:buClrTx/>
+              <a:buSzTx/>
+              <a:buFontTx/>
+              <a:buNone/>
+              <a:tabLst/>
+              <a:defRPr/>
+            </a:pPr>
+            <a:r>
+              <a:rPr lang="en-GB" baseline="0" dirty="0" smtClean="0"/>
+              <a:t>We later found that using EMET protected paths on all binaries is not viable.</a:t>
+            </a:r>
+            <a:endParaRPr lang="en-GB" baseline="0" dirty="0" smtClean="0"/>
           </a:p>
         </p:txBody>
       </p:sp>
@@ -1111,12 +1531,276 @@
               <a:t>This implies that we should EMET all windows default executables.</a:t>
             </a:r>
           </a:p>
+          <a:p>
+            <a:endParaRPr lang="en-GB" baseline="0" dirty="0" smtClean="0"/>
+          </a:p>
+          <a:p>
+            <a:r>
+              <a:rPr lang="en-GB" baseline="0" dirty="0" smtClean="0"/>
+              <a:t>Now the question is whether setting up this actual configuration is viable? Probably not.</a:t>
+            </a:r>
+          </a:p>
         </p:txBody>
       </p:sp>
     </p:spTree>
     <p:extLst>
       <p:ext uri="{BB962C8B-B14F-4D97-AF65-F5344CB8AC3E}">
         <p14:creationId xmlns:p14="http://schemas.microsoft.com/office/powerpoint/2010/main" val="860323317"/>
+      </p:ext>
+    </p:extLst>
+  </p:cSld>
+  <p:clrMapOvr>
+    <a:masterClrMapping/>
+  </p:clrMapOvr>
+</p:notes>
+</file>
+
+<file path=ppt/notesSlides/notesSlide17.xml><?xml version="1.0" encoding="utf-8"?>
+<p:notes xmlns:a="http://schemas.openxmlformats.org/drawingml/2006/main" xmlns:r="http://schemas.openxmlformats.org/officeDocument/2006/relationships" xmlns:p="http://schemas.openxmlformats.org/presentationml/2006/main">
+  <p:cSld>
+    <p:spTree>
+      <p:nvGrpSpPr>
+        <p:cNvPr id="1" name=""/>
+        <p:cNvGrpSpPr/>
+        <p:nvPr/>
+      </p:nvGrpSpPr>
+      <p:grpSpPr>
+        <a:xfrm>
+          <a:off x="0" y="0"/>
+          <a:ext cx="0" cy="0"/>
+          <a:chOff x="0" y="0"/>
+          <a:chExt cx="0" cy="0"/>
+        </a:xfrm>
+      </p:grpSpPr>
+      <p:sp>
+        <p:nvSpPr>
+          <p:cNvPr id="2" name="Slide Image Placeholder 1"/>
+          <p:cNvSpPr>
+            <a:spLocks noGrp="1" noRot="1" noChangeAspect="1"/>
+          </p:cNvSpPr>
+          <p:nvPr>
+            <p:ph type="sldImg"/>
+          </p:nvPr>
+        </p:nvSpPr>
+        <p:spPr/>
+      </p:sp>
+      <p:sp>
+        <p:nvSpPr>
+          <p:cNvPr id="3" name="Notes Placeholder 2"/>
+          <p:cNvSpPr>
+            <a:spLocks noGrp="1"/>
+          </p:cNvSpPr>
+          <p:nvPr>
+            <p:ph type="body" idx="1"/>
+          </p:nvPr>
+        </p:nvSpPr>
+        <p:spPr/>
+        <p:txBody>
+          <a:bodyPr/>
+          <a:lstStyle/>
+          <a:p>
+            <a:r>
+              <a:rPr lang="en-GB" baseline="0" dirty="0" smtClean="0"/>
+              <a:t>In terms of future work, it is important to note that the concept of enumerating a configuration and instructing automated targeting depending on configuration can apply to many areas.</a:t>
+            </a:r>
+          </a:p>
+          <a:p>
+            <a:endParaRPr lang="en-GB" baseline="0" dirty="0" smtClean="0"/>
+          </a:p>
+          <a:p>
+            <a:r>
+              <a:rPr lang="en-GB" baseline="0" dirty="0" smtClean="0"/>
+              <a:t>This doesn’t apply only to EMET. </a:t>
+            </a:r>
+          </a:p>
+          <a:p>
+            <a:endParaRPr lang="en-GB" baseline="0" dirty="0" smtClean="0"/>
+          </a:p>
+          <a:p>
+            <a:r>
+              <a:rPr lang="en-GB" baseline="0" dirty="0" smtClean="0"/>
+              <a:t>We can implement this to enumerate </a:t>
+            </a:r>
+            <a:r>
+              <a:rPr lang="en-GB" baseline="0" dirty="0" err="1" smtClean="0"/>
+              <a:t>AppLocker</a:t>
+            </a:r>
+            <a:r>
+              <a:rPr lang="en-GB" baseline="0" dirty="0" smtClean="0"/>
+              <a:t> and attack the system by finding weaknesses.</a:t>
+            </a:r>
+          </a:p>
+          <a:p>
+            <a:endParaRPr lang="en-GB" baseline="0" dirty="0" smtClean="0"/>
+          </a:p>
+          <a:p>
+            <a:r>
+              <a:rPr lang="en-GB" baseline="0" dirty="0" smtClean="0"/>
+              <a:t>This can apply to </a:t>
+            </a:r>
+            <a:r>
+              <a:rPr lang="en-GB" baseline="0" dirty="0" err="1" smtClean="0"/>
+              <a:t>AntiVirus</a:t>
+            </a:r>
+            <a:r>
+              <a:rPr lang="en-GB" baseline="0" dirty="0" smtClean="0"/>
+              <a:t> software where Excluded Paths and Binaries can be enumerated off the system and further attacked. There’s no need to bypass AV at this point.</a:t>
+            </a:r>
+          </a:p>
+          <a:p>
+            <a:endParaRPr lang="en-GB" baseline="0" dirty="0" smtClean="0"/>
+          </a:p>
+          <a:p>
+            <a:r>
+              <a:rPr lang="en-GB" baseline="0" dirty="0" smtClean="0"/>
+              <a:t>In terms of Firewall Excluded Paths / Binaries, we can use this to find out which binaries are more privileged when being allowed to transmit traffic out of the host. For example, in </a:t>
+            </a:r>
+            <a:r>
+              <a:rPr lang="en-GB" baseline="0" dirty="0" err="1" smtClean="0"/>
+              <a:t>Comodo</a:t>
+            </a:r>
+            <a:r>
+              <a:rPr lang="en-GB" baseline="0" dirty="0" smtClean="0"/>
+              <a:t> Internet Security, you can specify to allow all connections from a particular </a:t>
+            </a:r>
+            <a:r>
+              <a:rPr lang="en-GB" baseline="0" dirty="0" err="1" smtClean="0"/>
+              <a:t>excecutable</a:t>
+            </a:r>
+            <a:r>
+              <a:rPr lang="en-GB" baseline="0" dirty="0" smtClean="0"/>
+              <a:t>. If ping.exe is allowed to transmit traffic out of the host on any port, we can spawn the ping executable and inject shell code into it and essentially bypassing the host based firewall.</a:t>
+            </a:r>
+          </a:p>
+        </p:txBody>
+      </p:sp>
+    </p:spTree>
+    <p:extLst>
+      <p:ext uri="{BB962C8B-B14F-4D97-AF65-F5344CB8AC3E}">
+        <p14:creationId xmlns:p14="http://schemas.microsoft.com/office/powerpoint/2010/main" val="3943926377"/>
+      </p:ext>
+    </p:extLst>
+  </p:cSld>
+  <p:clrMapOvr>
+    <a:masterClrMapping/>
+  </p:clrMapOvr>
+</p:notes>
+</file>
+
+<file path=ppt/notesSlides/notesSlide18.xml><?xml version="1.0" encoding="utf-8"?>
+<p:notes xmlns:a="http://schemas.openxmlformats.org/drawingml/2006/main" xmlns:r="http://schemas.openxmlformats.org/officeDocument/2006/relationships" xmlns:p="http://schemas.openxmlformats.org/presentationml/2006/main">
+  <p:cSld>
+    <p:spTree>
+      <p:nvGrpSpPr>
+        <p:cNvPr id="1" name=""/>
+        <p:cNvGrpSpPr/>
+        <p:nvPr/>
+      </p:nvGrpSpPr>
+      <p:grpSpPr>
+        <a:xfrm>
+          <a:off x="0" y="0"/>
+          <a:ext cx="0" cy="0"/>
+          <a:chOff x="0" y="0"/>
+          <a:chExt cx="0" cy="0"/>
+        </a:xfrm>
+      </p:grpSpPr>
+      <p:sp>
+        <p:nvSpPr>
+          <p:cNvPr id="2" name="Slide Image Placeholder 1"/>
+          <p:cNvSpPr>
+            <a:spLocks noGrp="1" noRot="1" noChangeAspect="1"/>
+          </p:cNvSpPr>
+          <p:nvPr>
+            <p:ph type="sldImg"/>
+          </p:nvPr>
+        </p:nvSpPr>
+        <p:spPr/>
+      </p:sp>
+      <p:sp>
+        <p:nvSpPr>
+          <p:cNvPr id="3" name="Notes Placeholder 2"/>
+          <p:cNvSpPr>
+            <a:spLocks noGrp="1"/>
+          </p:cNvSpPr>
+          <p:nvPr>
+            <p:ph type="body" idx="1"/>
+          </p:nvPr>
+        </p:nvSpPr>
+        <p:spPr/>
+        <p:txBody>
+          <a:bodyPr/>
+          <a:lstStyle/>
+          <a:p>
+            <a:r>
+              <a:rPr lang="en-GB" baseline="0" dirty="0" smtClean="0"/>
+              <a:t>In terms of implant generation. I hope to eventually implement dummy implant generation that can log essential information about a system back to a C2. With Sandbox based virtualisation security solutions such as </a:t>
+            </a:r>
+            <a:r>
+              <a:rPr lang="en-GB" baseline="0" dirty="0" err="1" smtClean="0"/>
+              <a:t>FireEye</a:t>
+            </a:r>
+            <a:r>
+              <a:rPr lang="en-GB" baseline="0" dirty="0" smtClean="0"/>
+              <a:t> and </a:t>
+            </a:r>
+            <a:r>
+              <a:rPr lang="en-GB" baseline="0" dirty="0" err="1" smtClean="0"/>
+              <a:t>Bromium</a:t>
+            </a:r>
+            <a:r>
+              <a:rPr lang="en-GB" baseline="0" dirty="0" smtClean="0"/>
+              <a:t>, we may be able to obtain values of essentially identifiable indicators for these VMs from a </a:t>
+            </a:r>
+            <a:r>
+              <a:rPr lang="en-GB" baseline="0" dirty="0" err="1" smtClean="0"/>
+              <a:t>blackbox</a:t>
+            </a:r>
+            <a:r>
+              <a:rPr lang="en-GB" baseline="0" dirty="0" smtClean="0"/>
+              <a:t> </a:t>
+            </a:r>
+            <a:r>
+              <a:rPr lang="en-GB" baseline="0" dirty="0" err="1" smtClean="0"/>
+              <a:t>perspsective</a:t>
+            </a:r>
+            <a:r>
+              <a:rPr lang="en-GB" baseline="0" dirty="0" smtClean="0"/>
+              <a:t>. We can then go away and further enhance our payloads on the fly with keying to prevent execution when in a VM.</a:t>
+            </a:r>
+          </a:p>
+          <a:p>
+            <a:endParaRPr lang="en-GB" baseline="0" dirty="0" smtClean="0"/>
+          </a:p>
+          <a:p>
+            <a:r>
+              <a:rPr lang="en-GB" baseline="0" dirty="0" smtClean="0"/>
+              <a:t>In terms of the code obfuscation, currently there is none. As it’s currently FUD, I don’t see a need for code obfuscation. However, in the future if it becomes a publicly available tool, we want each generation to be different from each other to prevent the Blue team from creating signatures for our code.</a:t>
+            </a:r>
+          </a:p>
+          <a:p>
+            <a:endParaRPr lang="en-GB" baseline="0" dirty="0" smtClean="0"/>
+          </a:p>
+          <a:p>
+            <a:r>
+              <a:rPr lang="en-GB" baseline="0" dirty="0" smtClean="0"/>
+              <a:t>Shell code mutation. Currently the shell code is provided as an array of numbers. These numbers represent assembly instructions that will be written into memory. With shell code mutation we are able to completely change what this shell code looks like by replacing instructions with equivalent sets of instructions. This will prevent security solutions from being able to signature an array of numbers of scan memory for known signatures after injection.</a:t>
+            </a:r>
+          </a:p>
+          <a:p>
+            <a:endParaRPr lang="en-GB" baseline="0" dirty="0" smtClean="0"/>
+          </a:p>
+          <a:p>
+            <a:r>
+              <a:rPr lang="en-GB" baseline="0" dirty="0" smtClean="0"/>
+              <a:t>Flow obfuscation can be used to prevent IR from determining the real flow of execution and can slow them down. In terms of flow obfuscation, I have created a proof of concept last year in 2015 where multiple dummy branches of flow can be created so that an attacker needs to trace through every line to determine what it’s really doing.</a:t>
+            </a:r>
+          </a:p>
+        </p:txBody>
+      </p:sp>
+    </p:spTree>
+    <p:extLst>
+      <p:ext uri="{BB962C8B-B14F-4D97-AF65-F5344CB8AC3E}">
+        <p14:creationId xmlns:p14="http://schemas.microsoft.com/office/powerpoint/2010/main" val="588600526"/>
       </p:ext>
     </p:extLst>
   </p:cSld>
@@ -5875,7 +6559,12 @@
             <p:ph type="body" idx="1"/>
           </p:nvPr>
         </p:nvSpPr>
-        <p:spPr/>
+        <p:spPr>
+          <a:xfrm>
+            <a:off x="1505565" y="4919861"/>
+            <a:ext cx="18547439" cy="1531740"/>
+          </a:xfrm>
+        </p:spPr>
         <p:txBody>
           <a:bodyPr>
             <a:noAutofit/>
@@ -5883,7 +6572,7 @@
           <a:lstStyle/>
           <a:p>
             <a:r>
-              <a:rPr lang="en-GB" dirty="0"/>
+              <a:rPr lang="en-GB" sz="8000" dirty="0"/>
               <a:t>One Template To Rule Them All</a:t>
             </a:r>
           </a:p>
@@ -6261,10 +6950,10 @@
                                         </p:attrNameLst>
                                       </p:cBhvr>
                                       <p:to>
-                                        <p:strVal val="1"/>
+                                        <p:strVal val="0.25"/>
                                       </p:to>
                                     </p:set>
-                                    <p:animEffect filter="image" prLst="opacity: 1">
+                                    <p:animEffect filter="image" prLst="opacity: 0.25">
                                       <p:cBhvr rctx="IE">
                                         <p:cTn id="10" dur="indefinite"/>
                                         <p:tgtEl>
@@ -6300,10 +6989,10 @@
                                         </p:attrNameLst>
                                       </p:cBhvr>
                                       <p:to>
-                                        <p:strVal val="1"/>
+                                        <p:strVal val="0.25"/>
                                       </p:to>
                                     </p:set>
-                                    <p:animEffect filter="image" prLst="opacity: 1">
+                                    <p:animEffect filter="image" prLst="opacity: 0.25">
                                       <p:cBhvr rctx="IE">
                                         <p:cTn id="13" dur="indefinite"/>
                                         <p:tgtEl>
@@ -6339,10 +7028,10 @@
                                         </p:attrNameLst>
                                       </p:cBhvr>
                                       <p:to>
-                                        <p:strVal val="1"/>
+                                        <p:strVal val="0.25"/>
                                       </p:to>
                                     </p:set>
-                                    <p:animEffect filter="image" prLst="opacity: 1">
+                                    <p:animEffect filter="image" prLst="opacity: 0.25">
                                       <p:cBhvr rctx="IE">
                                         <p:cTn id="16" dur="indefinite"/>
                                         <p:tgtEl>
@@ -6378,10 +7067,10 @@
                                         </p:attrNameLst>
                                       </p:cBhvr>
                                       <p:to>
-                                        <p:strVal val="1"/>
+                                        <p:strVal val="0.25"/>
                                       </p:to>
                                     </p:set>
-                                    <p:animEffect filter="image" prLst="opacity: 1">
+                                    <p:animEffect filter="image" prLst="opacity: 0.25">
                                       <p:cBhvr rctx="IE">
                                         <p:cTn id="19" dur="indefinite"/>
                                         <p:tgtEl>
@@ -6453,33 +7142,15 @@
                                   </p:childTnLst>
                                 </p:cTn>
                               </p:par>
-                            </p:childTnLst>
-                          </p:cTn>
-                        </p:par>
-                      </p:childTnLst>
-                    </p:cTn>
-                  </p:par>
-                  <p:par>
-                    <p:cTn id="25" fill="hold">
-                      <p:stCondLst>
-                        <p:cond delay="indefinite"/>
-                      </p:stCondLst>
-                      <p:childTnLst>
-                        <p:par>
-                          <p:cTn id="26" fill="hold">
-                            <p:stCondLst>
-                              <p:cond delay="0"/>
-                            </p:stCondLst>
-                            <p:childTnLst>
                               <p:par>
-                                <p:cTn id="27" presetID="9" presetClass="emph" presetSubtype="0" nodeType="clickEffect">
+                                <p:cTn id="25" presetID="9" presetClass="emph" presetSubtype="0" nodeType="withEffect">
                                   <p:stCondLst>
                                     <p:cond delay="0"/>
                                   </p:stCondLst>
                                   <p:childTnLst>
                                     <p:set>
                                       <p:cBhvr rctx="PPT">
-                                        <p:cTn id="28" dur="indefinite"/>
+                                        <p:cTn id="26" dur="indefinite"/>
                                         <p:tgtEl>
                                           <p:spTgt spid="6">
                                             <p:txEl>
@@ -6492,12 +7163,12 @@
                                         </p:attrNameLst>
                                       </p:cBhvr>
                                       <p:to>
-                                        <p:strVal val="0.25"/>
+                                        <p:strVal val="1"/>
                                       </p:to>
                                     </p:set>
-                                    <p:animEffect filter="image" prLst="opacity: 0.25">
+                                    <p:animEffect filter="image" prLst="opacity: 1">
                                       <p:cBhvr rctx="IE">
-                                        <p:cTn id="29" dur="indefinite"/>
+                                        <p:cTn id="27" dur="indefinite"/>
                                         <p:tgtEl>
                                           <p:spTgt spid="6">
                                             <p:txEl>
@@ -6517,30 +7188,30 @@
                     </p:cTn>
                   </p:par>
                   <p:par>
-                    <p:cTn id="30" fill="hold">
+                    <p:cTn id="28" fill="hold">
                       <p:stCondLst>
                         <p:cond delay="indefinite"/>
                       </p:stCondLst>
                       <p:childTnLst>
                         <p:par>
-                          <p:cTn id="31" fill="hold">
+                          <p:cTn id="29" fill="hold">
                             <p:stCondLst>
                               <p:cond delay="0"/>
                             </p:stCondLst>
                             <p:childTnLst>
                               <p:par>
-                                <p:cTn id="32" presetID="9" presetClass="emph" presetSubtype="0" nodeType="clickEffect">
+                                <p:cTn id="30" presetID="9" presetClass="emph" presetSubtype="0" nodeType="clickEffect">
                                   <p:stCondLst>
                                     <p:cond delay="0"/>
                                   </p:stCondLst>
                                   <p:childTnLst>
                                     <p:set>
                                       <p:cBhvr rctx="PPT">
-                                        <p:cTn id="33" dur="indefinite"/>
-                                        <p:tgtEl>
-                                          <p:spTgt spid="6">
-                                            <p:txEl>
-                                              <p:pRg st="2" end="2"/>
+                                        <p:cTn id="31" dur="indefinite"/>
+                                        <p:tgtEl>
+                                          <p:spTgt spid="6">
+                                            <p:txEl>
+                                              <p:pRg st="1" end="1"/>
                                             </p:txEl>
                                           </p:spTgt>
                                         </p:tgtEl>
@@ -6554,7 +7225,46 @@
                                     </p:set>
                                     <p:animEffect filter="image" prLst="opacity: 0.25">
                                       <p:cBhvr rctx="IE">
+                                        <p:cTn id="32" dur="indefinite"/>
+                                        <p:tgtEl>
+                                          <p:spTgt spid="6">
+                                            <p:txEl>
+                                              <p:pRg st="1" end="1"/>
+                                            </p:txEl>
+                                          </p:spTgt>
+                                        </p:tgtEl>
+                                      </p:cBhvr>
+                                    </p:animEffect>
+                                  </p:childTnLst>
+                                </p:cTn>
+                              </p:par>
+                              <p:par>
+                                <p:cTn id="33" presetID="9" presetClass="emph" presetSubtype="0" nodeType="withEffect">
+                                  <p:stCondLst>
+                                    <p:cond delay="0"/>
+                                  </p:stCondLst>
+                                  <p:childTnLst>
+                                    <p:set>
+                                      <p:cBhvr rctx="PPT">
                                         <p:cTn id="34" dur="indefinite"/>
+                                        <p:tgtEl>
+                                          <p:spTgt spid="6">
+                                            <p:txEl>
+                                              <p:pRg st="2" end="2"/>
+                                            </p:txEl>
+                                          </p:spTgt>
+                                        </p:tgtEl>
+                                        <p:attrNameLst>
+                                          <p:attrName>style.opacity</p:attrName>
+                                        </p:attrNameLst>
+                                      </p:cBhvr>
+                                      <p:to>
+                                        <p:strVal val="1"/>
+                                      </p:to>
+                                    </p:set>
+                                    <p:animEffect filter="image" prLst="opacity: 1">
+                                      <p:cBhvr rctx="IE">
+                                        <p:cTn id="35" dur="indefinite"/>
                                         <p:tgtEl>
                                           <p:spTgt spid="6">
                                             <p:txEl>
@@ -6574,30 +7284,30 @@
                     </p:cTn>
                   </p:par>
                   <p:par>
-                    <p:cTn id="35" fill="hold">
+                    <p:cTn id="36" fill="hold">
                       <p:stCondLst>
                         <p:cond delay="indefinite"/>
                       </p:stCondLst>
                       <p:childTnLst>
                         <p:par>
-                          <p:cTn id="36" fill="hold">
+                          <p:cTn id="37" fill="hold">
                             <p:stCondLst>
                               <p:cond delay="0"/>
                             </p:stCondLst>
                             <p:childTnLst>
                               <p:par>
-                                <p:cTn id="37" presetID="9" presetClass="emph" presetSubtype="0" nodeType="clickEffect">
+                                <p:cTn id="38" presetID="9" presetClass="emph" presetSubtype="0" nodeType="clickEffect">
                                   <p:stCondLst>
                                     <p:cond delay="0"/>
                                   </p:stCondLst>
                                   <p:childTnLst>
                                     <p:set>
                                       <p:cBhvr rctx="PPT">
-                                        <p:cTn id="38" dur="indefinite"/>
-                                        <p:tgtEl>
-                                          <p:spTgt spid="6">
-                                            <p:txEl>
-                                              <p:pRg st="3" end="3"/>
+                                        <p:cTn id="39" dur="indefinite"/>
+                                        <p:tgtEl>
+                                          <p:spTgt spid="6">
+                                            <p:txEl>
+                                              <p:pRg st="2" end="2"/>
                                             </p:txEl>
                                           </p:spTgt>
                                         </p:tgtEl>
@@ -6611,7 +7321,46 @@
                                     </p:set>
                                     <p:animEffect filter="image" prLst="opacity: 0.25">
                                       <p:cBhvr rctx="IE">
-                                        <p:cTn id="39" dur="indefinite"/>
+                                        <p:cTn id="40" dur="indefinite"/>
+                                        <p:tgtEl>
+                                          <p:spTgt spid="6">
+                                            <p:txEl>
+                                              <p:pRg st="2" end="2"/>
+                                            </p:txEl>
+                                          </p:spTgt>
+                                        </p:tgtEl>
+                                      </p:cBhvr>
+                                    </p:animEffect>
+                                  </p:childTnLst>
+                                </p:cTn>
+                              </p:par>
+                              <p:par>
+                                <p:cTn id="41" presetID="9" presetClass="emph" presetSubtype="0" nodeType="withEffect">
+                                  <p:stCondLst>
+                                    <p:cond delay="0"/>
+                                  </p:stCondLst>
+                                  <p:childTnLst>
+                                    <p:set>
+                                      <p:cBhvr rctx="PPT">
+                                        <p:cTn id="42" dur="indefinite"/>
+                                        <p:tgtEl>
+                                          <p:spTgt spid="6">
+                                            <p:txEl>
+                                              <p:pRg st="3" end="3"/>
+                                            </p:txEl>
+                                          </p:spTgt>
+                                        </p:tgtEl>
+                                        <p:attrNameLst>
+                                          <p:attrName>style.opacity</p:attrName>
+                                        </p:attrNameLst>
+                                      </p:cBhvr>
+                                      <p:to>
+                                        <p:strVal val="1"/>
+                                      </p:to>
+                                    </p:set>
+                                    <p:animEffect filter="image" prLst="opacity: 1">
+                                      <p:cBhvr rctx="IE">
+                                        <p:cTn id="43" dur="indefinite"/>
                                         <p:tgtEl>
                                           <p:spTgt spid="6">
                                             <p:txEl>
@@ -6631,30 +7380,30 @@
                     </p:cTn>
                   </p:par>
                   <p:par>
-                    <p:cTn id="40" fill="hold">
+                    <p:cTn id="44" fill="hold">
                       <p:stCondLst>
                         <p:cond delay="indefinite"/>
                       </p:stCondLst>
                       <p:childTnLst>
                         <p:par>
-                          <p:cTn id="41" fill="hold">
+                          <p:cTn id="45" fill="hold">
                             <p:stCondLst>
                               <p:cond delay="0"/>
                             </p:stCondLst>
                             <p:childTnLst>
                               <p:par>
-                                <p:cTn id="42" presetID="9" presetClass="emph" presetSubtype="0" nodeType="clickEffect">
+                                <p:cTn id="46" presetID="9" presetClass="emph" presetSubtype="0" nodeType="clickEffect">
                                   <p:stCondLst>
                                     <p:cond delay="0"/>
                                   </p:stCondLst>
                                   <p:childTnLst>
                                     <p:set>
                                       <p:cBhvr rctx="PPT">
-                                        <p:cTn id="43" dur="indefinite"/>
-                                        <p:tgtEl>
-                                          <p:spTgt spid="6">
-                                            <p:txEl>
-                                              <p:pRg st="4" end="4"/>
+                                        <p:cTn id="47" dur="indefinite"/>
+                                        <p:tgtEl>
+                                          <p:spTgt spid="6">
+                                            <p:txEl>
+                                              <p:pRg st="3" end="3"/>
                                             </p:txEl>
                                           </p:spTgt>
                                         </p:tgtEl>
@@ -6668,7 +7417,46 @@
                                     </p:set>
                                     <p:animEffect filter="image" prLst="opacity: 0.25">
                                       <p:cBhvr rctx="IE">
-                                        <p:cTn id="44" dur="indefinite"/>
+                                        <p:cTn id="48" dur="indefinite"/>
+                                        <p:tgtEl>
+                                          <p:spTgt spid="6">
+                                            <p:txEl>
+                                              <p:pRg st="3" end="3"/>
+                                            </p:txEl>
+                                          </p:spTgt>
+                                        </p:tgtEl>
+                                      </p:cBhvr>
+                                    </p:animEffect>
+                                  </p:childTnLst>
+                                </p:cTn>
+                              </p:par>
+                              <p:par>
+                                <p:cTn id="49" presetID="9" presetClass="emph" presetSubtype="0" nodeType="withEffect">
+                                  <p:stCondLst>
+                                    <p:cond delay="0"/>
+                                  </p:stCondLst>
+                                  <p:childTnLst>
+                                    <p:set>
+                                      <p:cBhvr rctx="PPT">
+                                        <p:cTn id="50" dur="indefinite"/>
+                                        <p:tgtEl>
+                                          <p:spTgt spid="6">
+                                            <p:txEl>
+                                              <p:pRg st="4" end="4"/>
+                                            </p:txEl>
+                                          </p:spTgt>
+                                        </p:tgtEl>
+                                        <p:attrNameLst>
+                                          <p:attrName>style.opacity</p:attrName>
+                                        </p:attrNameLst>
+                                      </p:cBhvr>
+                                      <p:to>
+                                        <p:strVal val="1"/>
+                                      </p:to>
+                                    </p:set>
+                                    <p:animEffect filter="image" prLst="opacity: 1">
+                                      <p:cBhvr rctx="IE">
+                                        <p:cTn id="51" dur="indefinite"/>
                                         <p:tgtEl>
                                           <p:spTgt spid="6">
                                             <p:txEl>
@@ -6944,10 +7732,10 @@
                                         </p:attrNameLst>
                                       </p:cBhvr>
                                       <p:to>
-                                        <p:strVal val="1"/>
+                                        <p:strVal val="0.25"/>
                                       </p:to>
                                     </p:set>
-                                    <p:animEffect filter="image" prLst="opacity: 1">
+                                    <p:animEffect filter="image" prLst="opacity: 0.25">
                                       <p:cBhvr rctx="IE">
                                         <p:cTn id="10" dur="indefinite"/>
                                         <p:tgtEl>
@@ -7019,33 +7807,15 @@
                                   </p:childTnLst>
                                 </p:cTn>
                               </p:par>
-                            </p:childTnLst>
-                          </p:cTn>
-                        </p:par>
-                      </p:childTnLst>
-                    </p:cTn>
-                  </p:par>
-                  <p:par>
-                    <p:cTn id="16" fill="hold">
-                      <p:stCondLst>
-                        <p:cond delay="indefinite"/>
-                      </p:stCondLst>
-                      <p:childTnLst>
-                        <p:par>
-                          <p:cTn id="17" fill="hold">
-                            <p:stCondLst>
-                              <p:cond delay="0"/>
-                            </p:stCondLst>
-                            <p:childTnLst>
                               <p:par>
-                                <p:cTn id="18" presetID="9" presetClass="emph" presetSubtype="0" nodeType="clickEffect">
+                                <p:cTn id="16" presetID="9" presetClass="emph" presetSubtype="0" nodeType="withEffect">
                                   <p:stCondLst>
                                     <p:cond delay="0"/>
                                   </p:stCondLst>
                                   <p:childTnLst>
                                     <p:set>
                                       <p:cBhvr rctx="PPT">
-                                        <p:cTn id="19" dur="indefinite"/>
+                                        <p:cTn id="17" dur="indefinite"/>
                                         <p:tgtEl>
                                           <p:spTgt spid="6">
                                             <p:txEl>
@@ -7058,12 +7828,12 @@
                                         </p:attrNameLst>
                                       </p:cBhvr>
                                       <p:to>
-                                        <p:strVal val="0.25"/>
+                                        <p:strVal val="1"/>
                                       </p:to>
                                     </p:set>
-                                    <p:animEffect filter="image" prLst="opacity: 0.25">
+                                    <p:animEffect filter="image" prLst="opacity: 1">
                                       <p:cBhvr rctx="IE">
-                                        <p:cTn id="20" dur="indefinite"/>
+                                        <p:cTn id="18" dur="indefinite"/>
                                         <p:tgtEl>
                                           <p:spTgt spid="6">
                                             <p:txEl>
@@ -7397,10 +8167,10 @@
                                         </p:attrNameLst>
                                       </p:cBhvr>
                                       <p:to>
-                                        <p:strVal val="1"/>
+                                        <p:strVal val="0.25"/>
                                       </p:to>
                                     </p:set>
-                                    <p:animEffect filter="image" prLst="opacity: 1">
+                                    <p:animEffect filter="image" prLst="opacity: 0.25">
                                       <p:cBhvr rctx="IE">
                                         <p:cTn id="10" dur="indefinite"/>
                                         <p:tgtEl>
@@ -7436,10 +8206,10 @@
                                         </p:attrNameLst>
                                       </p:cBhvr>
                                       <p:to>
-                                        <p:strVal val="1"/>
+                                        <p:strVal val="0.25"/>
                                       </p:to>
                                     </p:set>
-                                    <p:animEffect filter="image" prLst="opacity: 1">
+                                    <p:animEffect filter="image" prLst="opacity: 0.25">
                                       <p:cBhvr rctx="IE">
                                         <p:cTn id="13" dur="indefinite"/>
                                         <p:tgtEl>
@@ -7475,10 +8245,10 @@
                                         </p:attrNameLst>
                                       </p:cBhvr>
                                       <p:to>
-                                        <p:strVal val="1"/>
+                                        <p:strVal val="0.25"/>
                                       </p:to>
                                     </p:set>
-                                    <p:animEffect filter="image" prLst="opacity: 1">
+                                    <p:animEffect filter="image" prLst="opacity: 0.25">
                                       <p:cBhvr rctx="IE">
                                         <p:cTn id="16" dur="indefinite"/>
                                         <p:tgtEl>
@@ -7550,33 +8320,15 @@
                                   </p:childTnLst>
                                 </p:cTn>
                               </p:par>
-                            </p:childTnLst>
-                          </p:cTn>
-                        </p:par>
-                      </p:childTnLst>
-                    </p:cTn>
-                  </p:par>
-                  <p:par>
-                    <p:cTn id="22" fill="hold">
-                      <p:stCondLst>
-                        <p:cond delay="indefinite"/>
-                      </p:stCondLst>
-                      <p:childTnLst>
-                        <p:par>
-                          <p:cTn id="23" fill="hold">
-                            <p:stCondLst>
-                              <p:cond delay="0"/>
-                            </p:stCondLst>
-                            <p:childTnLst>
                               <p:par>
-                                <p:cTn id="24" presetID="9" presetClass="emph" presetSubtype="0" nodeType="clickEffect">
+                                <p:cTn id="22" presetID="9" presetClass="emph" presetSubtype="0" nodeType="withEffect">
                                   <p:stCondLst>
                                     <p:cond delay="0"/>
                                   </p:stCondLst>
                                   <p:childTnLst>
                                     <p:set>
                                       <p:cBhvr rctx="PPT">
-                                        <p:cTn id="25" dur="indefinite"/>
+                                        <p:cTn id="23" dur="indefinite"/>
                                         <p:tgtEl>
                                           <p:spTgt spid="6">
                                             <p:txEl>
@@ -7589,12 +8341,12 @@
                                         </p:attrNameLst>
                                       </p:cBhvr>
                                       <p:to>
-                                        <p:strVal val="0.25"/>
+                                        <p:strVal val="1"/>
                                       </p:to>
                                     </p:set>
-                                    <p:animEffect filter="image" prLst="opacity: 0.25">
+                                    <p:animEffect filter="image" prLst="opacity: 1">
                                       <p:cBhvr rctx="IE">
-                                        <p:cTn id="26" dur="indefinite"/>
+                                        <p:cTn id="24" dur="indefinite"/>
                                         <p:tgtEl>
                                           <p:spTgt spid="6">
                                             <p:txEl>
@@ -7614,30 +8366,30 @@
                     </p:cTn>
                   </p:par>
                   <p:par>
-                    <p:cTn id="27" fill="hold">
+                    <p:cTn id="25" fill="hold">
                       <p:stCondLst>
                         <p:cond delay="indefinite"/>
                       </p:stCondLst>
                       <p:childTnLst>
                         <p:par>
-                          <p:cTn id="28" fill="hold">
+                          <p:cTn id="26" fill="hold">
                             <p:stCondLst>
                               <p:cond delay="0"/>
                             </p:stCondLst>
                             <p:childTnLst>
                               <p:par>
-                                <p:cTn id="29" presetID="9" presetClass="emph" presetSubtype="0" nodeType="clickEffect">
+                                <p:cTn id="27" presetID="9" presetClass="emph" presetSubtype="0" nodeType="clickEffect">
                                   <p:stCondLst>
                                     <p:cond delay="0"/>
                                   </p:stCondLst>
                                   <p:childTnLst>
                                     <p:set>
                                       <p:cBhvr rctx="PPT">
-                                        <p:cTn id="30" dur="indefinite"/>
-                                        <p:tgtEl>
-                                          <p:spTgt spid="6">
-                                            <p:txEl>
-                                              <p:pRg st="2" end="2"/>
+                                        <p:cTn id="28" dur="indefinite"/>
+                                        <p:tgtEl>
+                                          <p:spTgt spid="6">
+                                            <p:txEl>
+                                              <p:pRg st="1" end="1"/>
                                             </p:txEl>
                                           </p:spTgt>
                                         </p:tgtEl>
@@ -7651,11 +8403,11 @@
                                     </p:set>
                                     <p:animEffect filter="image" prLst="opacity: 0.25">
                                       <p:cBhvr rctx="IE">
-                                        <p:cTn id="31" dur="indefinite"/>
-                                        <p:tgtEl>
-                                          <p:spTgt spid="6">
-                                            <p:txEl>
-                                              <p:pRg st="2" end="2"/>
+                                        <p:cTn id="29" dur="indefinite"/>
+                                        <p:tgtEl>
+                                          <p:spTgt spid="6">
+                                            <p:txEl>
+                                              <p:pRg st="1" end="1"/>
                                             </p:txEl>
                                           </p:spTgt>
                                         </p:tgtEl>
@@ -7664,37 +8416,19 @@
                                   </p:childTnLst>
                                 </p:cTn>
                               </p:par>
-                            </p:childTnLst>
-                          </p:cTn>
-                        </p:par>
-                      </p:childTnLst>
-                    </p:cTn>
-                  </p:par>
-                  <p:par>
-                    <p:cTn id="32" fill="hold">
-                      <p:stCondLst>
-                        <p:cond delay="indefinite"/>
-                      </p:stCondLst>
-                      <p:childTnLst>
-                        <p:par>
-                          <p:cTn id="33" fill="hold">
-                            <p:stCondLst>
-                              <p:cond delay="0"/>
-                            </p:stCondLst>
-                            <p:childTnLst>
                               <p:par>
-                                <p:cTn id="34" presetID="9" presetClass="emph" presetSubtype="0" nodeType="clickEffect">
+                                <p:cTn id="30" presetID="9" presetClass="emph" presetSubtype="0" nodeType="withEffect">
                                   <p:stCondLst>
                                     <p:cond delay="0"/>
                                   </p:stCondLst>
                                   <p:childTnLst>
                                     <p:set>
                                       <p:cBhvr rctx="PPT">
-                                        <p:cTn id="35" dur="indefinite"/>
-                                        <p:tgtEl>
-                                          <p:spTgt spid="6">
-                                            <p:txEl>
-                                              <p:pRg st="3" end="3"/>
+                                        <p:cTn id="31" dur="indefinite"/>
+                                        <p:tgtEl>
+                                          <p:spTgt spid="6">
+                                            <p:txEl>
+                                              <p:pRg st="2" end="2"/>
                                             </p:txEl>
                                           </p:spTgt>
                                         </p:tgtEl>
@@ -7703,12 +8437,51 @@
                                         </p:attrNameLst>
                                       </p:cBhvr>
                                       <p:to>
-                                        <p:strVal val="0.25"/>
+                                        <p:strVal val="1"/>
                                       </p:to>
                                     </p:set>
-                                    <p:animEffect filter="image" prLst="opacity: 0.25">
+                                    <p:animEffect filter="image" prLst="opacity: 1">
                                       <p:cBhvr rctx="IE">
-                                        <p:cTn id="36" dur="indefinite"/>
+                                        <p:cTn id="32" dur="indefinite"/>
+                                        <p:tgtEl>
+                                          <p:spTgt spid="6">
+                                            <p:txEl>
+                                              <p:pRg st="2" end="2"/>
+                                            </p:txEl>
+                                          </p:spTgt>
+                                        </p:tgtEl>
+                                      </p:cBhvr>
+                                    </p:animEffect>
+                                  </p:childTnLst>
+                                </p:cTn>
+                              </p:par>
+                              <p:par>
+                                <p:cTn id="33" presetID="9" presetClass="emph" presetSubtype="0" nodeType="withEffect">
+                                  <p:stCondLst>
+                                    <p:cond delay="0"/>
+                                  </p:stCondLst>
+                                  <p:childTnLst>
+                                    <p:set>
+                                      <p:cBhvr rctx="PPT">
+                                        <p:cTn id="34" dur="indefinite"/>
+                                        <p:tgtEl>
+                                          <p:spTgt spid="6">
+                                            <p:txEl>
+                                              <p:pRg st="3" end="3"/>
+                                            </p:txEl>
+                                          </p:spTgt>
+                                        </p:tgtEl>
+                                        <p:attrNameLst>
+                                          <p:attrName>style.opacity</p:attrName>
+                                        </p:attrNameLst>
+                                      </p:cBhvr>
+                                      <p:to>
+                                        <p:strVal val="1"/>
+                                      </p:to>
+                                    </p:set>
+                                    <p:animEffect filter="image" prLst="opacity: 1">
+                                      <p:cBhvr rctx="IE">
+                                        <p:cTn id="35" dur="indefinite"/>
                                         <p:tgtEl>
                                           <p:spTgt spid="6">
                                             <p:txEl>
@@ -7802,7 +8575,7 @@
       </p:sp>
       <p:sp>
         <p:nvSpPr>
-          <p:cNvPr id="7" name="Text Placeholder 6"/>
+          <p:cNvPr id="3" name="Text Placeholder 2"/>
           <p:cNvSpPr>
             <a:spLocks noGrp="1"/>
           </p:cNvSpPr>
@@ -7812,30 +8585,16 @@
         </p:nvSpPr>
         <p:spPr/>
         <p:txBody>
-          <a:bodyPr>
-            <a:normAutofit/>
-          </a:bodyPr>
+          <a:bodyPr/>
           <a:lstStyle/>
           <a:p>
-            <a:r>
-              <a:rPr lang="en-GB" sz="3600" dirty="0" smtClean="0">
-                <a:solidFill>
-                  <a:schemeClr val="bg2"/>
-                </a:solidFill>
-              </a:rPr>
-              <a:t>Enumeration?</a:t>
-            </a:r>
-            <a:endParaRPr lang="en-GB" sz="3600" dirty="0">
-              <a:solidFill>
-                <a:schemeClr val="bg2"/>
-              </a:solidFill>
-            </a:endParaRPr>
+            <a:endParaRPr lang="en-GB" dirty="0"/>
           </a:p>
         </p:txBody>
       </p:sp>
       <p:pic>
         <p:nvPicPr>
-          <p:cNvPr id="2" name="Picture 1"/>
+          <p:cNvPr id="6" name="Picture 5"/>
           <p:cNvPicPr>
             <a:picLocks noChangeAspect="1"/>
           </p:cNvPicPr>
@@ -7849,7 +8608,7 @@
         </p:blipFill>
         <p:spPr>
           <a:xfrm>
-            <a:off x="4958094" y="1228071"/>
+            <a:off x="4923364" y="910487"/>
             <a:ext cx="13946593" cy="12065147"/>
           </a:xfrm>
           <a:prstGeom prst="rect">
@@ -7857,6 +8616,76 @@
           </a:prstGeom>
         </p:spPr>
       </p:pic>
+      <p:pic>
+        <p:nvPicPr>
+          <p:cNvPr id="9" name="Picture 8"/>
+          <p:cNvPicPr>
+            <a:picLocks noChangeAspect="1"/>
+          </p:cNvPicPr>
+          <p:nvPr/>
+        </p:nvPicPr>
+        <p:blipFill rotWithShape="1">
+          <a:blip r:embed="rId3"/>
+          <a:srcRect l="26812" t="26658" r="29428" b="23462"/>
+          <a:stretch/>
+        </p:blipFill>
+        <p:spPr>
+          <a:xfrm>
+            <a:off x="8632466" y="4124385"/>
+            <a:ext cx="6103088" cy="6018028"/>
+          </a:xfrm>
+          <a:prstGeom prst="ellipse">
+            <a:avLst/>
+          </a:prstGeom>
+          <a:ln w="190500" cap="rnd">
+            <a:solidFill>
+              <a:schemeClr val="bg2">
+                <a:lumMod val="60000"/>
+                <a:lumOff val="40000"/>
+              </a:schemeClr>
+            </a:solidFill>
+            <a:prstDash val="solid"/>
+          </a:ln>
+          <a:effectLst>
+            <a:outerShdw blurRad="127000" algn="bl" rotWithShape="0">
+              <a:srgbClr val="000000"/>
+            </a:outerShdw>
+          </a:effectLst>
+        </p:spPr>
+      </p:pic>
+      <p:cxnSp>
+        <p:nvCxnSpPr>
+          <p:cNvPr id="11" name="Straight Arrow Connector 10"/>
+          <p:cNvCxnSpPr/>
+          <p:nvPr/>
+        </p:nvCxnSpPr>
+        <p:spPr>
+          <a:xfrm flipH="1" flipV="1">
+            <a:off x="12418828" y="6826102"/>
+            <a:ext cx="5401339" cy="1403498"/>
+          </a:xfrm>
+          <a:prstGeom prst="straightConnector1">
+            <a:avLst/>
+          </a:prstGeom>
+          <a:ln w="127000">
+            <a:tailEnd type="triangle"/>
+          </a:ln>
+        </p:spPr>
+        <p:style>
+          <a:lnRef idx="2">
+            <a:schemeClr val="accent4"/>
+          </a:lnRef>
+          <a:fillRef idx="0">
+            <a:schemeClr val="accent4"/>
+          </a:fillRef>
+          <a:effectRef idx="1">
+            <a:schemeClr val="accent4"/>
+          </a:effectRef>
+          <a:fontRef idx="minor">
+            <a:schemeClr val="tx1"/>
+          </a:fontRef>
+        </p:style>
+      </p:cxnSp>
     </p:spTree>
     <p:extLst>
       <p:ext uri="{BB962C8B-B14F-4D97-AF65-F5344CB8AC3E}">
@@ -7871,7 +8700,212 @@
   <p:timing>
     <p:tnLst>
       <p:par>
-        <p:cTn id="1" dur="indefinite" restart="never" nodeType="tmRoot"/>
+        <p:cTn id="1" dur="indefinite" restart="never" nodeType="tmRoot">
+          <p:childTnLst>
+            <p:seq concurrent="1" nextAc="seek">
+              <p:cTn id="2" dur="indefinite" nodeType="mainSeq">
+                <p:childTnLst>
+                  <p:par>
+                    <p:cTn id="3" fill="hold">
+                      <p:stCondLst>
+                        <p:cond delay="indefinite"/>
+                        <p:cond evt="onBegin" delay="0">
+                          <p:tn val="2"/>
+                        </p:cond>
+                      </p:stCondLst>
+                      <p:childTnLst>
+                        <p:par>
+                          <p:cTn id="4" fill="hold">
+                            <p:stCondLst>
+                              <p:cond delay="0"/>
+                            </p:stCondLst>
+                            <p:childTnLst>
+                              <p:par>
+                                <p:cTn id="5" presetID="9" presetClass="emph" presetSubtype="0" nodeType="withEffect">
+                                  <p:stCondLst>
+                                    <p:cond delay="0"/>
+                                  </p:stCondLst>
+                                  <p:childTnLst>
+                                    <p:set>
+                                      <p:cBhvr rctx="PPT">
+                                        <p:cTn id="6" dur="indefinite"/>
+                                        <p:tgtEl>
+                                          <p:spTgt spid="11"/>
+                                        </p:tgtEl>
+                                        <p:attrNameLst>
+                                          <p:attrName>style.opacity</p:attrName>
+                                        </p:attrNameLst>
+                                      </p:cBhvr>
+                                      <p:to>
+                                        <p:strVal val="0"/>
+                                      </p:to>
+                                    </p:set>
+                                    <p:animEffect filter="image" prLst="opacity: 0">
+                                      <p:cBhvr rctx="IE">
+                                        <p:cTn id="7" dur="indefinite"/>
+                                        <p:tgtEl>
+                                          <p:spTgt spid="11"/>
+                                        </p:tgtEl>
+                                      </p:cBhvr>
+                                    </p:animEffect>
+                                  </p:childTnLst>
+                                </p:cTn>
+                              </p:par>
+                            </p:childTnLst>
+                          </p:cTn>
+                        </p:par>
+                      </p:childTnLst>
+                    </p:cTn>
+                  </p:par>
+                  <p:par>
+                    <p:cTn id="8" fill="hold">
+                      <p:stCondLst>
+                        <p:cond delay="indefinite"/>
+                      </p:stCondLst>
+                      <p:childTnLst>
+                        <p:par>
+                          <p:cTn id="9" fill="hold">
+                            <p:stCondLst>
+                              <p:cond delay="0"/>
+                            </p:stCondLst>
+                            <p:childTnLst>
+                              <p:par>
+                                <p:cTn id="10" presetID="1" presetClass="entr" presetSubtype="0" fill="hold" nodeType="clickEffect">
+                                  <p:stCondLst>
+                                    <p:cond delay="0"/>
+                                  </p:stCondLst>
+                                  <p:childTnLst>
+                                    <p:set>
+                                      <p:cBhvr>
+                                        <p:cTn id="11" dur="1" fill="hold">
+                                          <p:stCondLst>
+                                            <p:cond delay="0"/>
+                                          </p:stCondLst>
+                                        </p:cTn>
+                                        <p:tgtEl>
+                                          <p:spTgt spid="9"/>
+                                        </p:tgtEl>
+                                        <p:attrNameLst>
+                                          <p:attrName>style.visibility</p:attrName>
+                                        </p:attrNameLst>
+                                      </p:cBhvr>
+                                      <p:to>
+                                        <p:strVal val="visible"/>
+                                      </p:to>
+                                    </p:set>
+                                  </p:childTnLst>
+                                </p:cTn>
+                              </p:par>
+                            </p:childTnLst>
+                          </p:cTn>
+                        </p:par>
+                      </p:childTnLst>
+                    </p:cTn>
+                  </p:par>
+                  <p:par>
+                    <p:cTn id="12" fill="hold">
+                      <p:stCondLst>
+                        <p:cond delay="indefinite"/>
+                      </p:stCondLst>
+                      <p:childTnLst>
+                        <p:par>
+                          <p:cTn id="13" fill="hold">
+                            <p:stCondLst>
+                              <p:cond delay="0"/>
+                            </p:stCondLst>
+                            <p:childTnLst>
+                              <p:par>
+                                <p:cTn id="14" presetID="6" presetClass="emph" presetSubtype="0" fill="hold" nodeType="clickEffect">
+                                  <p:stCondLst>
+                                    <p:cond delay="0"/>
+                                  </p:stCondLst>
+                                  <p:childTnLst>
+                                    <p:animScale>
+                                      <p:cBhvr>
+                                        <p:cTn id="15" dur="2000" fill="hold"/>
+                                        <p:tgtEl>
+                                          <p:spTgt spid="9"/>
+                                        </p:tgtEl>
+                                      </p:cBhvr>
+                                      <p:by x="200000" y="200000"/>
+                                    </p:animScale>
+                                  </p:childTnLst>
+                                </p:cTn>
+                              </p:par>
+                            </p:childTnLst>
+                          </p:cTn>
+                        </p:par>
+                      </p:childTnLst>
+                    </p:cTn>
+                  </p:par>
+                  <p:par>
+                    <p:cTn id="16" fill="hold">
+                      <p:stCondLst>
+                        <p:cond delay="indefinite"/>
+                      </p:stCondLst>
+                      <p:childTnLst>
+                        <p:par>
+                          <p:cTn id="17" fill="hold">
+                            <p:stCondLst>
+                              <p:cond delay="0"/>
+                            </p:stCondLst>
+                            <p:childTnLst>
+                              <p:par>
+                                <p:cTn id="18" presetID="9" presetClass="emph" presetSubtype="0" nodeType="clickEffect">
+                                  <p:stCondLst>
+                                    <p:cond delay="0"/>
+                                  </p:stCondLst>
+                                  <p:childTnLst>
+                                    <p:set>
+                                      <p:cBhvr rctx="PPT">
+                                        <p:cTn id="19" dur="indefinite"/>
+                                        <p:tgtEl>
+                                          <p:spTgt spid="11"/>
+                                        </p:tgtEl>
+                                        <p:attrNameLst>
+                                          <p:attrName>style.opacity</p:attrName>
+                                        </p:attrNameLst>
+                                      </p:cBhvr>
+                                      <p:to>
+                                        <p:strVal val="1"/>
+                                      </p:to>
+                                    </p:set>
+                                    <p:animEffect filter="image" prLst="opacity: 1">
+                                      <p:cBhvr rctx="IE">
+                                        <p:cTn id="20" dur="indefinite"/>
+                                        <p:tgtEl>
+                                          <p:spTgt spid="11"/>
+                                        </p:tgtEl>
+                                      </p:cBhvr>
+                                    </p:animEffect>
+                                  </p:childTnLst>
+                                </p:cTn>
+                              </p:par>
+                            </p:childTnLst>
+                          </p:cTn>
+                        </p:par>
+                      </p:childTnLst>
+                    </p:cTn>
+                  </p:par>
+                </p:childTnLst>
+              </p:cTn>
+              <p:prevCondLst>
+                <p:cond evt="onPrev" delay="0">
+                  <p:tgtEl>
+                    <p:sldTgt/>
+                  </p:tgtEl>
+                </p:cond>
+              </p:prevCondLst>
+              <p:nextCondLst>
+                <p:cond evt="onNext" delay="0">
+                  <p:tgtEl>
+                    <p:sldTgt/>
+                  </p:tgtEl>
+                </p:cond>
+              </p:nextCondLst>
+            </p:seq>
+          </p:childTnLst>
+        </p:cTn>
       </p:par>
     </p:tnLst>
   </p:timing>
@@ -8510,8 +9544,10 @@
                 </a:solidFill>
                 <a:latin typeface="+mj-lt"/>
               </a:rPr>
-              <a:t>EMET all Windows Default </a:t>
-            </a:r>
+              <a:t>EMET all Windows Default Executables</a:t>
+            </a:r>
+          </a:p>
+          <a:p>
             <a:r>
               <a:rPr lang="en-GB" sz="6000" dirty="0" smtClean="0">
                 <a:solidFill>
@@ -8519,34 +9555,8 @@
                 </a:solidFill>
                 <a:latin typeface="+mj-lt"/>
               </a:rPr>
-              <a:t>Executables</a:t>
-            </a:r>
-          </a:p>
-          <a:p>
-            <a:r>
-              <a:rPr lang="en-GB" sz="6000" dirty="0" smtClean="0">
-                <a:solidFill>
-                  <a:schemeClr val="bg1"/>
-                </a:solidFill>
-                <a:latin typeface="+mj-lt"/>
-              </a:rPr>
-              <a:t>Viable? </a:t>
-            </a:r>
-            <a:r>
-              <a:rPr lang="en-GB" sz="6000" smtClean="0">
-                <a:solidFill>
-                  <a:schemeClr val="bg1"/>
-                </a:solidFill>
-                <a:latin typeface="+mj-lt"/>
-              </a:rPr>
-              <a:t>Probably not</a:t>
-            </a:r>
-            <a:endParaRPr lang="en-GB" sz="6000" dirty="0" smtClean="0">
-              <a:solidFill>
-                <a:schemeClr val="bg1"/>
-              </a:solidFill>
-              <a:latin typeface="+mj-lt"/>
-            </a:endParaRPr>
+              <a:t>Viable? Probably not</a:t>
+            </a:r>
           </a:p>
           <a:p>
             <a:endParaRPr lang="en-GB" sz="6000" dirty="0" smtClean="0">
@@ -9135,6 +10145,1669 @@
                                     <p:animEffect filter="image" prLst="opacity: 1">
                                       <p:cBhvr rctx="IE">
                                         <p:cTn id="46" dur="indefinite"/>
+                                        <p:tgtEl>
+                                          <p:spTgt spid="6">
+                                            <p:txEl>
+                                              <p:pRg st="4" end="4"/>
+                                            </p:txEl>
+                                          </p:spTgt>
+                                        </p:tgtEl>
+                                      </p:cBhvr>
+                                    </p:animEffect>
+                                  </p:childTnLst>
+                                </p:cTn>
+                              </p:par>
+                            </p:childTnLst>
+                          </p:cTn>
+                        </p:par>
+                      </p:childTnLst>
+                    </p:cTn>
+                  </p:par>
+                </p:childTnLst>
+              </p:cTn>
+              <p:prevCondLst>
+                <p:cond evt="onPrev" delay="0">
+                  <p:tgtEl>
+                    <p:sldTgt/>
+                  </p:tgtEl>
+                </p:cond>
+              </p:prevCondLst>
+              <p:nextCondLst>
+                <p:cond evt="onNext" delay="0">
+                  <p:tgtEl>
+                    <p:sldTgt/>
+                  </p:tgtEl>
+                </p:cond>
+              </p:nextCondLst>
+            </p:seq>
+          </p:childTnLst>
+        </p:cTn>
+      </p:par>
+    </p:tnLst>
+  </p:timing>
+</p:sld>
+</file>
+
+<file path=ppt/slides/slide17.xml><?xml version="1.0" encoding="utf-8"?>
+<p:sld xmlns:a="http://schemas.openxmlformats.org/drawingml/2006/main" xmlns:r="http://schemas.openxmlformats.org/officeDocument/2006/relationships" xmlns:p="http://schemas.openxmlformats.org/presentationml/2006/main">
+  <p:cSld>
+    <p:spTree>
+      <p:nvGrpSpPr>
+        <p:cNvPr id="1" name=""/>
+        <p:cNvGrpSpPr/>
+        <p:nvPr/>
+      </p:nvGrpSpPr>
+      <p:grpSpPr>
+        <a:xfrm>
+          <a:off x="0" y="0"/>
+          <a:ext cx="0" cy="0"/>
+          <a:chOff x="0" y="0"/>
+          <a:chExt cx="0" cy="0"/>
+        </a:xfrm>
+      </p:grpSpPr>
+      <p:sp>
+        <p:nvSpPr>
+          <p:cNvPr id="5" name="Title 4"/>
+          <p:cNvSpPr>
+            <a:spLocks noGrp="1"/>
+          </p:cNvSpPr>
+          <p:nvPr>
+            <p:ph type="title"/>
+          </p:nvPr>
+        </p:nvSpPr>
+        <p:spPr/>
+        <p:txBody>
+          <a:bodyPr/>
+          <a:lstStyle/>
+          <a:p>
+            <a:r>
+              <a:rPr lang="en-GB" dirty="0" smtClean="0">
+                <a:solidFill>
+                  <a:schemeClr val="bg1"/>
+                </a:solidFill>
+              </a:rPr>
+              <a:t>Anti-</a:t>
+            </a:r>
+            <a:r>
+              <a:rPr lang="en-GB" dirty="0" err="1" smtClean="0">
+                <a:solidFill>
+                  <a:schemeClr val="bg1"/>
+                </a:solidFill>
+              </a:rPr>
+              <a:t>WePWNise</a:t>
+            </a:r>
+            <a:endParaRPr lang="en-GB" dirty="0">
+              <a:solidFill>
+                <a:schemeClr val="bg1"/>
+              </a:solidFill>
+            </a:endParaRPr>
+          </a:p>
+        </p:txBody>
+      </p:sp>
+      <p:sp>
+        <p:nvSpPr>
+          <p:cNvPr id="6" name="Text Placeholder 5"/>
+          <p:cNvSpPr>
+            <a:spLocks noGrp="1"/>
+          </p:cNvSpPr>
+          <p:nvPr>
+            <p:ph type="body" sz="quarter" idx="10"/>
+          </p:nvPr>
+        </p:nvSpPr>
+        <p:spPr>
+          <a:xfrm>
+            <a:off x="1504949" y="4404360"/>
+            <a:ext cx="18845767" cy="7853077"/>
+          </a:xfrm>
+        </p:spPr>
+        <p:txBody>
+          <a:bodyPr>
+            <a:normAutofit/>
+          </a:bodyPr>
+          <a:lstStyle/>
+          <a:p>
+            <a:r>
+              <a:rPr lang="en-GB" sz="6000" dirty="0" smtClean="0">
+                <a:solidFill>
+                  <a:schemeClr val="bg1"/>
+                </a:solidFill>
+                <a:latin typeface="+mj-lt"/>
+              </a:rPr>
+              <a:t>Applicable to Many Areas</a:t>
+            </a:r>
+          </a:p>
+          <a:p>
+            <a:r>
+              <a:rPr lang="en-GB" sz="6000" dirty="0" smtClean="0">
+                <a:solidFill>
+                  <a:schemeClr val="bg1"/>
+                </a:solidFill>
+                <a:latin typeface="+mj-lt"/>
+              </a:rPr>
+              <a:t>Not only EMET</a:t>
+            </a:r>
+          </a:p>
+          <a:p>
+            <a:r>
+              <a:rPr lang="en-GB" sz="6000" dirty="0" err="1" smtClean="0">
+                <a:solidFill>
+                  <a:schemeClr val="bg1"/>
+                </a:solidFill>
+                <a:latin typeface="+mj-lt"/>
+              </a:rPr>
+              <a:t>AppLocker</a:t>
+            </a:r>
+            <a:endParaRPr lang="en-GB" sz="6000" dirty="0">
+              <a:solidFill>
+                <a:schemeClr val="bg1"/>
+              </a:solidFill>
+              <a:latin typeface="+mj-lt"/>
+            </a:endParaRPr>
+          </a:p>
+          <a:p>
+            <a:r>
+              <a:rPr lang="en-GB" sz="6000" dirty="0" err="1" smtClean="0">
+                <a:solidFill>
+                  <a:schemeClr val="bg1"/>
+                </a:solidFill>
+                <a:latin typeface="+mj-lt"/>
+              </a:rPr>
+              <a:t>AntiVirus</a:t>
+            </a:r>
+            <a:r>
+              <a:rPr lang="en-GB" sz="6000" dirty="0" smtClean="0">
+                <a:solidFill>
+                  <a:schemeClr val="bg1"/>
+                </a:solidFill>
+                <a:latin typeface="+mj-lt"/>
+              </a:rPr>
+              <a:t> Excluded Paths / Binaries</a:t>
+            </a:r>
+          </a:p>
+          <a:p>
+            <a:r>
+              <a:rPr lang="en-GB" sz="6000" dirty="0" smtClean="0">
+                <a:solidFill>
+                  <a:schemeClr val="bg1"/>
+                </a:solidFill>
+              </a:rPr>
+              <a:t>Firewall Excluded Paths / Binaries</a:t>
+            </a:r>
+            <a:endParaRPr lang="en-GB" sz="6000" dirty="0">
+              <a:solidFill>
+                <a:schemeClr val="bg1"/>
+              </a:solidFill>
+              <a:latin typeface="+mj-lt"/>
+            </a:endParaRPr>
+          </a:p>
+          <a:p>
+            <a:endParaRPr lang="en-GB" sz="6000" dirty="0" smtClean="0">
+              <a:solidFill>
+                <a:schemeClr val="bg1"/>
+              </a:solidFill>
+              <a:latin typeface="+mj-lt"/>
+            </a:endParaRPr>
+          </a:p>
+        </p:txBody>
+      </p:sp>
+      <p:sp>
+        <p:nvSpPr>
+          <p:cNvPr id="7" name="Text Placeholder 6"/>
+          <p:cNvSpPr>
+            <a:spLocks noGrp="1"/>
+          </p:cNvSpPr>
+          <p:nvPr>
+            <p:ph type="body" sz="quarter" idx="11"/>
+          </p:nvPr>
+        </p:nvSpPr>
+        <p:spPr/>
+        <p:txBody>
+          <a:bodyPr>
+            <a:normAutofit/>
+          </a:bodyPr>
+          <a:lstStyle/>
+          <a:p>
+            <a:r>
+              <a:rPr lang="en-GB" sz="3600" dirty="0" smtClean="0">
+                <a:solidFill>
+                  <a:schemeClr val="bg2"/>
+                </a:solidFill>
+              </a:rPr>
+              <a:t>Future Work in Configuration</a:t>
+            </a:r>
+            <a:endParaRPr lang="en-GB" sz="3600" dirty="0">
+              <a:solidFill>
+                <a:schemeClr val="bg2"/>
+              </a:solidFill>
+            </a:endParaRPr>
+          </a:p>
+        </p:txBody>
+      </p:sp>
+    </p:spTree>
+    <p:extLst>
+      <p:ext uri="{BB962C8B-B14F-4D97-AF65-F5344CB8AC3E}">
+        <p14:creationId xmlns:p14="http://schemas.microsoft.com/office/powerpoint/2010/main" val="2863774205"/>
+      </p:ext>
+    </p:extLst>
+  </p:cSld>
+  <p:clrMapOvr>
+    <a:masterClrMapping/>
+  </p:clrMapOvr>
+  <p:transition spd="med"/>
+  <p:timing>
+    <p:tnLst>
+      <p:par>
+        <p:cTn id="1" dur="indefinite" restart="never" nodeType="tmRoot">
+          <p:childTnLst>
+            <p:seq concurrent="1" nextAc="seek">
+              <p:cTn id="2" dur="indefinite" nodeType="mainSeq">
+                <p:childTnLst>
+                  <p:par>
+                    <p:cTn id="3" fill="hold">
+                      <p:stCondLst>
+                        <p:cond delay="indefinite"/>
+                        <p:cond evt="onBegin" delay="0">
+                          <p:tn val="2"/>
+                        </p:cond>
+                      </p:stCondLst>
+                      <p:childTnLst>
+                        <p:par>
+                          <p:cTn id="4" fill="hold">
+                            <p:stCondLst>
+                              <p:cond delay="0"/>
+                            </p:stCondLst>
+                            <p:childTnLst>
+                              <p:par>
+                                <p:cTn id="5" presetID="9" presetClass="emph" presetSubtype="0" nodeType="withEffect">
+                                  <p:stCondLst>
+                                    <p:cond delay="0"/>
+                                  </p:stCondLst>
+                                  <p:childTnLst>
+                                    <p:set>
+                                      <p:cBhvr rctx="PPT">
+                                        <p:cTn id="6" dur="indefinite"/>
+                                        <p:tgtEl>
+                                          <p:spTgt spid="6">
+                                            <p:txEl>
+                                              <p:pRg st="0" end="0"/>
+                                            </p:txEl>
+                                          </p:spTgt>
+                                        </p:tgtEl>
+                                        <p:attrNameLst>
+                                          <p:attrName>style.opacity</p:attrName>
+                                        </p:attrNameLst>
+                                      </p:cBhvr>
+                                      <p:to>
+                                        <p:strVal val="1"/>
+                                      </p:to>
+                                    </p:set>
+                                    <p:animEffect filter="image" prLst="opacity: 1">
+                                      <p:cBhvr rctx="IE">
+                                        <p:cTn id="7" dur="indefinite"/>
+                                        <p:tgtEl>
+                                          <p:spTgt spid="6">
+                                            <p:txEl>
+                                              <p:pRg st="0" end="0"/>
+                                            </p:txEl>
+                                          </p:spTgt>
+                                        </p:tgtEl>
+                                      </p:cBhvr>
+                                    </p:animEffect>
+                                  </p:childTnLst>
+                                </p:cTn>
+                              </p:par>
+                              <p:par>
+                                <p:cTn id="8" presetID="9" presetClass="emph" presetSubtype="0" nodeType="withEffect">
+                                  <p:stCondLst>
+                                    <p:cond delay="0"/>
+                                  </p:stCondLst>
+                                  <p:childTnLst>
+                                    <p:set>
+                                      <p:cBhvr rctx="PPT">
+                                        <p:cTn id="9" dur="indefinite"/>
+                                        <p:tgtEl>
+                                          <p:spTgt spid="6">
+                                            <p:txEl>
+                                              <p:pRg st="1" end="1"/>
+                                            </p:txEl>
+                                          </p:spTgt>
+                                        </p:tgtEl>
+                                        <p:attrNameLst>
+                                          <p:attrName>style.opacity</p:attrName>
+                                        </p:attrNameLst>
+                                      </p:cBhvr>
+                                      <p:to>
+                                        <p:strVal val="0.25"/>
+                                      </p:to>
+                                    </p:set>
+                                    <p:animEffect filter="image" prLst="opacity: 0.25">
+                                      <p:cBhvr rctx="IE">
+                                        <p:cTn id="10" dur="indefinite"/>
+                                        <p:tgtEl>
+                                          <p:spTgt spid="6">
+                                            <p:txEl>
+                                              <p:pRg st="1" end="1"/>
+                                            </p:txEl>
+                                          </p:spTgt>
+                                        </p:tgtEl>
+                                      </p:cBhvr>
+                                    </p:animEffect>
+                                  </p:childTnLst>
+                                </p:cTn>
+                              </p:par>
+                              <p:par>
+                                <p:cTn id="11" presetID="9" presetClass="emph" presetSubtype="0" nodeType="withEffect">
+                                  <p:stCondLst>
+                                    <p:cond delay="0"/>
+                                  </p:stCondLst>
+                                  <p:childTnLst>
+                                    <p:set>
+                                      <p:cBhvr rctx="PPT">
+                                        <p:cTn id="12" dur="indefinite"/>
+                                        <p:tgtEl>
+                                          <p:spTgt spid="6">
+                                            <p:txEl>
+                                              <p:pRg st="2" end="2"/>
+                                            </p:txEl>
+                                          </p:spTgt>
+                                        </p:tgtEl>
+                                        <p:attrNameLst>
+                                          <p:attrName>style.opacity</p:attrName>
+                                        </p:attrNameLst>
+                                      </p:cBhvr>
+                                      <p:to>
+                                        <p:strVal val="0.25"/>
+                                      </p:to>
+                                    </p:set>
+                                    <p:animEffect filter="image" prLst="opacity: 0.25">
+                                      <p:cBhvr rctx="IE">
+                                        <p:cTn id="13" dur="indefinite"/>
+                                        <p:tgtEl>
+                                          <p:spTgt spid="6">
+                                            <p:txEl>
+                                              <p:pRg st="2" end="2"/>
+                                            </p:txEl>
+                                          </p:spTgt>
+                                        </p:tgtEl>
+                                      </p:cBhvr>
+                                    </p:animEffect>
+                                  </p:childTnLst>
+                                </p:cTn>
+                              </p:par>
+                              <p:par>
+                                <p:cTn id="14" presetID="9" presetClass="emph" presetSubtype="0" nodeType="withEffect">
+                                  <p:stCondLst>
+                                    <p:cond delay="0"/>
+                                  </p:stCondLst>
+                                  <p:childTnLst>
+                                    <p:set>
+                                      <p:cBhvr rctx="PPT">
+                                        <p:cTn id="15" dur="indefinite"/>
+                                        <p:tgtEl>
+                                          <p:spTgt spid="6">
+                                            <p:txEl>
+                                              <p:pRg st="3" end="3"/>
+                                            </p:txEl>
+                                          </p:spTgt>
+                                        </p:tgtEl>
+                                        <p:attrNameLst>
+                                          <p:attrName>style.opacity</p:attrName>
+                                        </p:attrNameLst>
+                                      </p:cBhvr>
+                                      <p:to>
+                                        <p:strVal val="0.25"/>
+                                      </p:to>
+                                    </p:set>
+                                    <p:animEffect filter="image" prLst="opacity: 0.25">
+                                      <p:cBhvr rctx="IE">
+                                        <p:cTn id="16" dur="indefinite"/>
+                                        <p:tgtEl>
+                                          <p:spTgt spid="6">
+                                            <p:txEl>
+                                              <p:pRg st="3" end="3"/>
+                                            </p:txEl>
+                                          </p:spTgt>
+                                        </p:tgtEl>
+                                      </p:cBhvr>
+                                    </p:animEffect>
+                                  </p:childTnLst>
+                                </p:cTn>
+                              </p:par>
+                              <p:par>
+                                <p:cTn id="17" presetID="9" presetClass="emph" presetSubtype="0" nodeType="withEffect">
+                                  <p:stCondLst>
+                                    <p:cond delay="0"/>
+                                  </p:stCondLst>
+                                  <p:childTnLst>
+                                    <p:set>
+                                      <p:cBhvr rctx="PPT">
+                                        <p:cTn id="18" dur="indefinite"/>
+                                        <p:tgtEl>
+                                          <p:spTgt spid="6">
+                                            <p:txEl>
+                                              <p:pRg st="4" end="4"/>
+                                            </p:txEl>
+                                          </p:spTgt>
+                                        </p:tgtEl>
+                                        <p:attrNameLst>
+                                          <p:attrName>style.opacity</p:attrName>
+                                        </p:attrNameLst>
+                                      </p:cBhvr>
+                                      <p:to>
+                                        <p:strVal val="0.25"/>
+                                      </p:to>
+                                    </p:set>
+                                    <p:animEffect filter="image" prLst="opacity: 0.25">
+                                      <p:cBhvr rctx="IE">
+                                        <p:cTn id="19" dur="indefinite"/>
+                                        <p:tgtEl>
+                                          <p:spTgt spid="6">
+                                            <p:txEl>
+                                              <p:pRg st="4" end="4"/>
+                                            </p:txEl>
+                                          </p:spTgt>
+                                        </p:tgtEl>
+                                      </p:cBhvr>
+                                    </p:animEffect>
+                                  </p:childTnLst>
+                                </p:cTn>
+                              </p:par>
+                            </p:childTnLst>
+                          </p:cTn>
+                        </p:par>
+                      </p:childTnLst>
+                    </p:cTn>
+                  </p:par>
+                  <p:par>
+                    <p:cTn id="20" fill="hold">
+                      <p:stCondLst>
+                        <p:cond delay="indefinite"/>
+                      </p:stCondLst>
+                      <p:childTnLst>
+                        <p:par>
+                          <p:cTn id="21" fill="hold">
+                            <p:stCondLst>
+                              <p:cond delay="0"/>
+                            </p:stCondLst>
+                            <p:childTnLst>
+                              <p:par>
+                                <p:cTn id="22" presetID="9" presetClass="emph" presetSubtype="0" nodeType="clickEffect">
+                                  <p:stCondLst>
+                                    <p:cond delay="0"/>
+                                  </p:stCondLst>
+                                  <p:childTnLst>
+                                    <p:set>
+                                      <p:cBhvr rctx="PPT">
+                                        <p:cTn id="23" dur="indefinite"/>
+                                        <p:tgtEl>
+                                          <p:spTgt spid="6">
+                                            <p:txEl>
+                                              <p:pRg st="0" end="0"/>
+                                            </p:txEl>
+                                          </p:spTgt>
+                                        </p:tgtEl>
+                                        <p:attrNameLst>
+                                          <p:attrName>style.opacity</p:attrName>
+                                        </p:attrNameLst>
+                                      </p:cBhvr>
+                                      <p:to>
+                                        <p:strVal val="0.25"/>
+                                      </p:to>
+                                    </p:set>
+                                    <p:animEffect filter="image" prLst="opacity: 0.25">
+                                      <p:cBhvr rctx="IE">
+                                        <p:cTn id="24" dur="indefinite"/>
+                                        <p:tgtEl>
+                                          <p:spTgt spid="6">
+                                            <p:txEl>
+                                              <p:pRg st="0" end="0"/>
+                                            </p:txEl>
+                                          </p:spTgt>
+                                        </p:tgtEl>
+                                      </p:cBhvr>
+                                    </p:animEffect>
+                                  </p:childTnLst>
+                                </p:cTn>
+                              </p:par>
+                              <p:par>
+                                <p:cTn id="25" presetID="9" presetClass="emph" presetSubtype="0" nodeType="withEffect">
+                                  <p:stCondLst>
+                                    <p:cond delay="0"/>
+                                  </p:stCondLst>
+                                  <p:childTnLst>
+                                    <p:set>
+                                      <p:cBhvr rctx="PPT">
+                                        <p:cTn id="26" dur="indefinite"/>
+                                        <p:tgtEl>
+                                          <p:spTgt spid="6">
+                                            <p:txEl>
+                                              <p:pRg st="1" end="1"/>
+                                            </p:txEl>
+                                          </p:spTgt>
+                                        </p:tgtEl>
+                                        <p:attrNameLst>
+                                          <p:attrName>style.opacity</p:attrName>
+                                        </p:attrNameLst>
+                                      </p:cBhvr>
+                                      <p:to>
+                                        <p:strVal val="1"/>
+                                      </p:to>
+                                    </p:set>
+                                    <p:animEffect filter="image" prLst="opacity: 1">
+                                      <p:cBhvr rctx="IE">
+                                        <p:cTn id="27" dur="indefinite"/>
+                                        <p:tgtEl>
+                                          <p:spTgt spid="6">
+                                            <p:txEl>
+                                              <p:pRg st="1" end="1"/>
+                                            </p:txEl>
+                                          </p:spTgt>
+                                        </p:tgtEl>
+                                      </p:cBhvr>
+                                    </p:animEffect>
+                                  </p:childTnLst>
+                                </p:cTn>
+                              </p:par>
+                            </p:childTnLst>
+                          </p:cTn>
+                        </p:par>
+                      </p:childTnLst>
+                    </p:cTn>
+                  </p:par>
+                  <p:par>
+                    <p:cTn id="28" fill="hold">
+                      <p:stCondLst>
+                        <p:cond delay="indefinite"/>
+                      </p:stCondLst>
+                      <p:childTnLst>
+                        <p:par>
+                          <p:cTn id="29" fill="hold">
+                            <p:stCondLst>
+                              <p:cond delay="0"/>
+                            </p:stCondLst>
+                            <p:childTnLst>
+                              <p:par>
+                                <p:cTn id="30" presetID="9" presetClass="emph" presetSubtype="0" nodeType="clickEffect">
+                                  <p:stCondLst>
+                                    <p:cond delay="0"/>
+                                  </p:stCondLst>
+                                  <p:childTnLst>
+                                    <p:set>
+                                      <p:cBhvr rctx="PPT">
+                                        <p:cTn id="31" dur="indefinite"/>
+                                        <p:tgtEl>
+                                          <p:spTgt spid="6">
+                                            <p:txEl>
+                                              <p:pRg st="1" end="1"/>
+                                            </p:txEl>
+                                          </p:spTgt>
+                                        </p:tgtEl>
+                                        <p:attrNameLst>
+                                          <p:attrName>style.opacity</p:attrName>
+                                        </p:attrNameLst>
+                                      </p:cBhvr>
+                                      <p:to>
+                                        <p:strVal val="0.25"/>
+                                      </p:to>
+                                    </p:set>
+                                    <p:animEffect filter="image" prLst="opacity: 0.25">
+                                      <p:cBhvr rctx="IE">
+                                        <p:cTn id="32" dur="indefinite"/>
+                                        <p:tgtEl>
+                                          <p:spTgt spid="6">
+                                            <p:txEl>
+                                              <p:pRg st="1" end="1"/>
+                                            </p:txEl>
+                                          </p:spTgt>
+                                        </p:tgtEl>
+                                      </p:cBhvr>
+                                    </p:animEffect>
+                                  </p:childTnLst>
+                                </p:cTn>
+                              </p:par>
+                              <p:par>
+                                <p:cTn id="33" presetID="9" presetClass="emph" presetSubtype="0" nodeType="withEffect">
+                                  <p:stCondLst>
+                                    <p:cond delay="0"/>
+                                  </p:stCondLst>
+                                  <p:childTnLst>
+                                    <p:set>
+                                      <p:cBhvr rctx="PPT">
+                                        <p:cTn id="34" dur="indefinite"/>
+                                        <p:tgtEl>
+                                          <p:spTgt spid="6">
+                                            <p:txEl>
+                                              <p:pRg st="2" end="2"/>
+                                            </p:txEl>
+                                          </p:spTgt>
+                                        </p:tgtEl>
+                                        <p:attrNameLst>
+                                          <p:attrName>style.opacity</p:attrName>
+                                        </p:attrNameLst>
+                                      </p:cBhvr>
+                                      <p:to>
+                                        <p:strVal val="1"/>
+                                      </p:to>
+                                    </p:set>
+                                    <p:animEffect filter="image" prLst="opacity: 1">
+                                      <p:cBhvr rctx="IE">
+                                        <p:cTn id="35" dur="indefinite"/>
+                                        <p:tgtEl>
+                                          <p:spTgt spid="6">
+                                            <p:txEl>
+                                              <p:pRg st="2" end="2"/>
+                                            </p:txEl>
+                                          </p:spTgt>
+                                        </p:tgtEl>
+                                      </p:cBhvr>
+                                    </p:animEffect>
+                                  </p:childTnLst>
+                                </p:cTn>
+                              </p:par>
+                            </p:childTnLst>
+                          </p:cTn>
+                        </p:par>
+                      </p:childTnLst>
+                    </p:cTn>
+                  </p:par>
+                  <p:par>
+                    <p:cTn id="36" fill="hold">
+                      <p:stCondLst>
+                        <p:cond delay="indefinite"/>
+                      </p:stCondLst>
+                      <p:childTnLst>
+                        <p:par>
+                          <p:cTn id="37" fill="hold">
+                            <p:stCondLst>
+                              <p:cond delay="0"/>
+                            </p:stCondLst>
+                            <p:childTnLst>
+                              <p:par>
+                                <p:cTn id="38" presetID="9" presetClass="emph" presetSubtype="0" nodeType="clickEffect">
+                                  <p:stCondLst>
+                                    <p:cond delay="0"/>
+                                  </p:stCondLst>
+                                  <p:childTnLst>
+                                    <p:set>
+                                      <p:cBhvr rctx="PPT">
+                                        <p:cTn id="39" dur="indefinite"/>
+                                        <p:tgtEl>
+                                          <p:spTgt spid="6">
+                                            <p:txEl>
+                                              <p:pRg st="2" end="2"/>
+                                            </p:txEl>
+                                          </p:spTgt>
+                                        </p:tgtEl>
+                                        <p:attrNameLst>
+                                          <p:attrName>style.opacity</p:attrName>
+                                        </p:attrNameLst>
+                                      </p:cBhvr>
+                                      <p:to>
+                                        <p:strVal val="0.25"/>
+                                      </p:to>
+                                    </p:set>
+                                    <p:animEffect filter="image" prLst="opacity: 0.25">
+                                      <p:cBhvr rctx="IE">
+                                        <p:cTn id="40" dur="indefinite"/>
+                                        <p:tgtEl>
+                                          <p:spTgt spid="6">
+                                            <p:txEl>
+                                              <p:pRg st="2" end="2"/>
+                                            </p:txEl>
+                                          </p:spTgt>
+                                        </p:tgtEl>
+                                      </p:cBhvr>
+                                    </p:animEffect>
+                                  </p:childTnLst>
+                                </p:cTn>
+                              </p:par>
+                              <p:par>
+                                <p:cTn id="41" presetID="9" presetClass="emph" presetSubtype="0" nodeType="withEffect">
+                                  <p:stCondLst>
+                                    <p:cond delay="0"/>
+                                  </p:stCondLst>
+                                  <p:childTnLst>
+                                    <p:set>
+                                      <p:cBhvr rctx="PPT">
+                                        <p:cTn id="42" dur="indefinite"/>
+                                        <p:tgtEl>
+                                          <p:spTgt spid="6">
+                                            <p:txEl>
+                                              <p:pRg st="3" end="3"/>
+                                            </p:txEl>
+                                          </p:spTgt>
+                                        </p:tgtEl>
+                                        <p:attrNameLst>
+                                          <p:attrName>style.opacity</p:attrName>
+                                        </p:attrNameLst>
+                                      </p:cBhvr>
+                                      <p:to>
+                                        <p:strVal val="1"/>
+                                      </p:to>
+                                    </p:set>
+                                    <p:animEffect filter="image" prLst="opacity: 1">
+                                      <p:cBhvr rctx="IE">
+                                        <p:cTn id="43" dur="indefinite"/>
+                                        <p:tgtEl>
+                                          <p:spTgt spid="6">
+                                            <p:txEl>
+                                              <p:pRg st="3" end="3"/>
+                                            </p:txEl>
+                                          </p:spTgt>
+                                        </p:tgtEl>
+                                      </p:cBhvr>
+                                    </p:animEffect>
+                                  </p:childTnLst>
+                                </p:cTn>
+                              </p:par>
+                            </p:childTnLst>
+                          </p:cTn>
+                        </p:par>
+                      </p:childTnLst>
+                    </p:cTn>
+                  </p:par>
+                  <p:par>
+                    <p:cTn id="44" fill="hold">
+                      <p:stCondLst>
+                        <p:cond delay="indefinite"/>
+                      </p:stCondLst>
+                      <p:childTnLst>
+                        <p:par>
+                          <p:cTn id="45" fill="hold">
+                            <p:stCondLst>
+                              <p:cond delay="0"/>
+                            </p:stCondLst>
+                            <p:childTnLst>
+                              <p:par>
+                                <p:cTn id="46" presetID="9" presetClass="emph" presetSubtype="0" nodeType="clickEffect">
+                                  <p:stCondLst>
+                                    <p:cond delay="0"/>
+                                  </p:stCondLst>
+                                  <p:childTnLst>
+                                    <p:set>
+                                      <p:cBhvr rctx="PPT">
+                                        <p:cTn id="47" dur="indefinite"/>
+                                        <p:tgtEl>
+                                          <p:spTgt spid="6">
+                                            <p:txEl>
+                                              <p:pRg st="3" end="3"/>
+                                            </p:txEl>
+                                          </p:spTgt>
+                                        </p:tgtEl>
+                                        <p:attrNameLst>
+                                          <p:attrName>style.opacity</p:attrName>
+                                        </p:attrNameLst>
+                                      </p:cBhvr>
+                                      <p:to>
+                                        <p:strVal val="0.25"/>
+                                      </p:to>
+                                    </p:set>
+                                    <p:animEffect filter="image" prLst="opacity: 0.25">
+                                      <p:cBhvr rctx="IE">
+                                        <p:cTn id="48" dur="indefinite"/>
+                                        <p:tgtEl>
+                                          <p:spTgt spid="6">
+                                            <p:txEl>
+                                              <p:pRg st="3" end="3"/>
+                                            </p:txEl>
+                                          </p:spTgt>
+                                        </p:tgtEl>
+                                      </p:cBhvr>
+                                    </p:animEffect>
+                                  </p:childTnLst>
+                                </p:cTn>
+                              </p:par>
+                              <p:par>
+                                <p:cTn id="49" presetID="9" presetClass="emph" presetSubtype="0" nodeType="withEffect">
+                                  <p:stCondLst>
+                                    <p:cond delay="0"/>
+                                  </p:stCondLst>
+                                  <p:childTnLst>
+                                    <p:set>
+                                      <p:cBhvr rctx="PPT">
+                                        <p:cTn id="50" dur="indefinite"/>
+                                        <p:tgtEl>
+                                          <p:spTgt spid="6">
+                                            <p:txEl>
+                                              <p:pRg st="4" end="4"/>
+                                            </p:txEl>
+                                          </p:spTgt>
+                                        </p:tgtEl>
+                                        <p:attrNameLst>
+                                          <p:attrName>style.opacity</p:attrName>
+                                        </p:attrNameLst>
+                                      </p:cBhvr>
+                                      <p:to>
+                                        <p:strVal val="1"/>
+                                      </p:to>
+                                    </p:set>
+                                    <p:animEffect filter="image" prLst="opacity: 1">
+                                      <p:cBhvr rctx="IE">
+                                        <p:cTn id="51" dur="indefinite"/>
+                                        <p:tgtEl>
+                                          <p:spTgt spid="6">
+                                            <p:txEl>
+                                              <p:pRg st="4" end="4"/>
+                                            </p:txEl>
+                                          </p:spTgt>
+                                        </p:tgtEl>
+                                      </p:cBhvr>
+                                    </p:animEffect>
+                                  </p:childTnLst>
+                                </p:cTn>
+                              </p:par>
+                            </p:childTnLst>
+                          </p:cTn>
+                        </p:par>
+                      </p:childTnLst>
+                    </p:cTn>
+                  </p:par>
+                </p:childTnLst>
+              </p:cTn>
+              <p:prevCondLst>
+                <p:cond evt="onPrev" delay="0">
+                  <p:tgtEl>
+                    <p:sldTgt/>
+                  </p:tgtEl>
+                </p:cond>
+              </p:prevCondLst>
+              <p:nextCondLst>
+                <p:cond evt="onNext" delay="0">
+                  <p:tgtEl>
+                    <p:sldTgt/>
+                  </p:tgtEl>
+                </p:cond>
+              </p:nextCondLst>
+            </p:seq>
+          </p:childTnLst>
+        </p:cTn>
+      </p:par>
+    </p:tnLst>
+  </p:timing>
+</p:sld>
+</file>
+
+<file path=ppt/slides/slide18.xml><?xml version="1.0" encoding="utf-8"?>
+<p:sld xmlns:a="http://schemas.openxmlformats.org/drawingml/2006/main" xmlns:r="http://schemas.openxmlformats.org/officeDocument/2006/relationships" xmlns:p="http://schemas.openxmlformats.org/presentationml/2006/main">
+  <p:cSld>
+    <p:spTree>
+      <p:nvGrpSpPr>
+        <p:cNvPr id="1" name=""/>
+        <p:cNvGrpSpPr/>
+        <p:nvPr/>
+      </p:nvGrpSpPr>
+      <p:grpSpPr>
+        <a:xfrm>
+          <a:off x="0" y="0"/>
+          <a:ext cx="0" cy="0"/>
+          <a:chOff x="0" y="0"/>
+          <a:chExt cx="0" cy="0"/>
+        </a:xfrm>
+      </p:grpSpPr>
+      <p:sp>
+        <p:nvSpPr>
+          <p:cNvPr id="5" name="Title 4"/>
+          <p:cNvSpPr>
+            <a:spLocks noGrp="1"/>
+          </p:cNvSpPr>
+          <p:nvPr>
+            <p:ph type="title"/>
+          </p:nvPr>
+        </p:nvSpPr>
+        <p:spPr/>
+        <p:txBody>
+          <a:bodyPr/>
+          <a:lstStyle/>
+          <a:p>
+            <a:r>
+              <a:rPr lang="en-GB" dirty="0" smtClean="0">
+                <a:solidFill>
+                  <a:schemeClr val="bg1"/>
+                </a:solidFill>
+              </a:rPr>
+              <a:t>Anti-</a:t>
+            </a:r>
+            <a:r>
+              <a:rPr lang="en-GB" dirty="0" err="1" smtClean="0">
+                <a:solidFill>
+                  <a:schemeClr val="bg1"/>
+                </a:solidFill>
+              </a:rPr>
+              <a:t>WePWNise</a:t>
+            </a:r>
+            <a:endParaRPr lang="en-GB" dirty="0">
+              <a:solidFill>
+                <a:schemeClr val="bg1"/>
+              </a:solidFill>
+            </a:endParaRPr>
+          </a:p>
+        </p:txBody>
+      </p:sp>
+      <p:sp>
+        <p:nvSpPr>
+          <p:cNvPr id="6" name="Text Placeholder 5"/>
+          <p:cNvSpPr>
+            <a:spLocks noGrp="1"/>
+          </p:cNvSpPr>
+          <p:nvPr>
+            <p:ph type="body" sz="quarter" idx="10"/>
+          </p:nvPr>
+        </p:nvSpPr>
+        <p:spPr>
+          <a:xfrm>
+            <a:off x="1504949" y="4404360"/>
+            <a:ext cx="18845767" cy="7853077"/>
+          </a:xfrm>
+        </p:spPr>
+        <p:txBody>
+          <a:bodyPr>
+            <a:normAutofit/>
+          </a:bodyPr>
+          <a:lstStyle/>
+          <a:p>
+            <a:r>
+              <a:rPr lang="en-GB" sz="6000" dirty="0" smtClean="0">
+                <a:solidFill>
+                  <a:schemeClr val="bg1"/>
+                </a:solidFill>
+                <a:latin typeface="+mj-lt"/>
+              </a:rPr>
+              <a:t>Dummy Implants to Gather Intel</a:t>
+            </a:r>
+          </a:p>
+          <a:p>
+            <a:r>
+              <a:rPr lang="en-GB" sz="6000" dirty="0" smtClean="0">
+                <a:solidFill>
+                  <a:schemeClr val="bg1"/>
+                </a:solidFill>
+                <a:latin typeface="+mj-lt"/>
+              </a:rPr>
+              <a:t>Targeted Implants with Keying</a:t>
+            </a:r>
+          </a:p>
+          <a:p>
+            <a:r>
+              <a:rPr lang="en-GB" sz="6000" dirty="0" smtClean="0">
+                <a:solidFill>
+                  <a:schemeClr val="bg1"/>
+                </a:solidFill>
+                <a:latin typeface="+mj-lt"/>
+              </a:rPr>
+              <a:t>VBA Code Obfuscation</a:t>
+            </a:r>
+          </a:p>
+          <a:p>
+            <a:r>
+              <a:rPr lang="en-GB" sz="6000" dirty="0" smtClean="0">
+                <a:solidFill>
+                  <a:schemeClr val="bg1"/>
+                </a:solidFill>
+              </a:rPr>
+              <a:t>Shell Code Mutation</a:t>
+            </a:r>
+          </a:p>
+          <a:p>
+            <a:r>
+              <a:rPr lang="en-GB" sz="6000" dirty="0" smtClean="0">
+                <a:solidFill>
+                  <a:schemeClr val="bg1"/>
+                </a:solidFill>
+                <a:latin typeface="+mj-lt"/>
+              </a:rPr>
+              <a:t>Flow Obfuscation</a:t>
+            </a:r>
+            <a:endParaRPr lang="en-GB" sz="6000" dirty="0">
+              <a:solidFill>
+                <a:schemeClr val="bg1"/>
+              </a:solidFill>
+              <a:latin typeface="+mj-lt"/>
+            </a:endParaRPr>
+          </a:p>
+          <a:p>
+            <a:endParaRPr lang="en-GB" sz="6000" dirty="0" smtClean="0">
+              <a:solidFill>
+                <a:schemeClr val="bg1"/>
+              </a:solidFill>
+              <a:latin typeface="+mj-lt"/>
+            </a:endParaRPr>
+          </a:p>
+        </p:txBody>
+      </p:sp>
+      <p:sp>
+        <p:nvSpPr>
+          <p:cNvPr id="7" name="Text Placeholder 6"/>
+          <p:cNvSpPr>
+            <a:spLocks noGrp="1"/>
+          </p:cNvSpPr>
+          <p:nvPr>
+            <p:ph type="body" sz="quarter" idx="11"/>
+          </p:nvPr>
+        </p:nvSpPr>
+        <p:spPr/>
+        <p:txBody>
+          <a:bodyPr>
+            <a:normAutofit/>
+          </a:bodyPr>
+          <a:lstStyle/>
+          <a:p>
+            <a:r>
+              <a:rPr lang="en-GB" sz="3600" dirty="0" smtClean="0">
+                <a:solidFill>
+                  <a:schemeClr val="bg2"/>
+                </a:solidFill>
+              </a:rPr>
+              <a:t>Future Work in Implant Generation</a:t>
+            </a:r>
+            <a:endParaRPr lang="en-GB" sz="3600" dirty="0">
+              <a:solidFill>
+                <a:schemeClr val="bg2"/>
+              </a:solidFill>
+            </a:endParaRPr>
+          </a:p>
+        </p:txBody>
+      </p:sp>
+    </p:spTree>
+    <p:extLst>
+      <p:ext uri="{BB962C8B-B14F-4D97-AF65-F5344CB8AC3E}">
+        <p14:creationId xmlns:p14="http://schemas.microsoft.com/office/powerpoint/2010/main" val="2554117453"/>
+      </p:ext>
+    </p:extLst>
+  </p:cSld>
+  <p:clrMapOvr>
+    <a:masterClrMapping/>
+  </p:clrMapOvr>
+  <p:transition spd="med"/>
+  <p:timing>
+    <p:tnLst>
+      <p:par>
+        <p:cTn id="1" dur="indefinite" restart="never" nodeType="tmRoot">
+          <p:childTnLst>
+            <p:seq concurrent="1" nextAc="seek">
+              <p:cTn id="2" dur="indefinite" nodeType="mainSeq">
+                <p:childTnLst>
+                  <p:par>
+                    <p:cTn id="3" fill="hold">
+                      <p:stCondLst>
+                        <p:cond delay="indefinite"/>
+                        <p:cond evt="onBegin" delay="0">
+                          <p:tn val="2"/>
+                        </p:cond>
+                      </p:stCondLst>
+                      <p:childTnLst>
+                        <p:par>
+                          <p:cTn id="4" fill="hold">
+                            <p:stCondLst>
+                              <p:cond delay="0"/>
+                            </p:stCondLst>
+                            <p:childTnLst>
+                              <p:par>
+                                <p:cTn id="5" presetID="9" presetClass="emph" presetSubtype="0" nodeType="withEffect">
+                                  <p:stCondLst>
+                                    <p:cond delay="0"/>
+                                  </p:stCondLst>
+                                  <p:childTnLst>
+                                    <p:set>
+                                      <p:cBhvr rctx="PPT">
+                                        <p:cTn id="6" dur="indefinite"/>
+                                        <p:tgtEl>
+                                          <p:spTgt spid="6">
+                                            <p:txEl>
+                                              <p:pRg st="0" end="0"/>
+                                            </p:txEl>
+                                          </p:spTgt>
+                                        </p:tgtEl>
+                                        <p:attrNameLst>
+                                          <p:attrName>style.opacity</p:attrName>
+                                        </p:attrNameLst>
+                                      </p:cBhvr>
+                                      <p:to>
+                                        <p:strVal val="1"/>
+                                      </p:to>
+                                    </p:set>
+                                    <p:animEffect filter="image" prLst="opacity: 1">
+                                      <p:cBhvr rctx="IE">
+                                        <p:cTn id="7" dur="indefinite"/>
+                                        <p:tgtEl>
+                                          <p:spTgt spid="6">
+                                            <p:txEl>
+                                              <p:pRg st="0" end="0"/>
+                                            </p:txEl>
+                                          </p:spTgt>
+                                        </p:tgtEl>
+                                      </p:cBhvr>
+                                    </p:animEffect>
+                                  </p:childTnLst>
+                                </p:cTn>
+                              </p:par>
+                              <p:par>
+                                <p:cTn id="8" presetID="9" presetClass="emph" presetSubtype="0" nodeType="withEffect">
+                                  <p:stCondLst>
+                                    <p:cond delay="0"/>
+                                  </p:stCondLst>
+                                  <p:childTnLst>
+                                    <p:set>
+                                      <p:cBhvr rctx="PPT">
+                                        <p:cTn id="9" dur="indefinite"/>
+                                        <p:tgtEl>
+                                          <p:spTgt spid="6">
+                                            <p:txEl>
+                                              <p:pRg st="1" end="1"/>
+                                            </p:txEl>
+                                          </p:spTgt>
+                                        </p:tgtEl>
+                                        <p:attrNameLst>
+                                          <p:attrName>style.opacity</p:attrName>
+                                        </p:attrNameLst>
+                                      </p:cBhvr>
+                                      <p:to>
+                                        <p:strVal val="0.25"/>
+                                      </p:to>
+                                    </p:set>
+                                    <p:animEffect filter="image" prLst="opacity: 0.25">
+                                      <p:cBhvr rctx="IE">
+                                        <p:cTn id="10" dur="indefinite"/>
+                                        <p:tgtEl>
+                                          <p:spTgt spid="6">
+                                            <p:txEl>
+                                              <p:pRg st="1" end="1"/>
+                                            </p:txEl>
+                                          </p:spTgt>
+                                        </p:tgtEl>
+                                      </p:cBhvr>
+                                    </p:animEffect>
+                                  </p:childTnLst>
+                                </p:cTn>
+                              </p:par>
+                              <p:par>
+                                <p:cTn id="11" presetID="9" presetClass="emph" presetSubtype="0" nodeType="withEffect">
+                                  <p:stCondLst>
+                                    <p:cond delay="0"/>
+                                  </p:stCondLst>
+                                  <p:childTnLst>
+                                    <p:set>
+                                      <p:cBhvr rctx="PPT">
+                                        <p:cTn id="12" dur="indefinite"/>
+                                        <p:tgtEl>
+                                          <p:spTgt spid="6">
+                                            <p:txEl>
+                                              <p:pRg st="2" end="2"/>
+                                            </p:txEl>
+                                          </p:spTgt>
+                                        </p:tgtEl>
+                                        <p:attrNameLst>
+                                          <p:attrName>style.opacity</p:attrName>
+                                        </p:attrNameLst>
+                                      </p:cBhvr>
+                                      <p:to>
+                                        <p:strVal val="0.25"/>
+                                      </p:to>
+                                    </p:set>
+                                    <p:animEffect filter="image" prLst="opacity: 0.25">
+                                      <p:cBhvr rctx="IE">
+                                        <p:cTn id="13" dur="indefinite"/>
+                                        <p:tgtEl>
+                                          <p:spTgt spid="6">
+                                            <p:txEl>
+                                              <p:pRg st="2" end="2"/>
+                                            </p:txEl>
+                                          </p:spTgt>
+                                        </p:tgtEl>
+                                      </p:cBhvr>
+                                    </p:animEffect>
+                                  </p:childTnLst>
+                                </p:cTn>
+                              </p:par>
+                              <p:par>
+                                <p:cTn id="14" presetID="9" presetClass="emph" presetSubtype="0" nodeType="withEffect">
+                                  <p:stCondLst>
+                                    <p:cond delay="0"/>
+                                  </p:stCondLst>
+                                  <p:childTnLst>
+                                    <p:set>
+                                      <p:cBhvr rctx="PPT">
+                                        <p:cTn id="15" dur="indefinite"/>
+                                        <p:tgtEl>
+                                          <p:spTgt spid="6">
+                                            <p:txEl>
+                                              <p:pRg st="3" end="3"/>
+                                            </p:txEl>
+                                          </p:spTgt>
+                                        </p:tgtEl>
+                                        <p:attrNameLst>
+                                          <p:attrName>style.opacity</p:attrName>
+                                        </p:attrNameLst>
+                                      </p:cBhvr>
+                                      <p:to>
+                                        <p:strVal val="0.25"/>
+                                      </p:to>
+                                    </p:set>
+                                    <p:animEffect filter="image" prLst="opacity: 0.25">
+                                      <p:cBhvr rctx="IE">
+                                        <p:cTn id="16" dur="indefinite"/>
+                                        <p:tgtEl>
+                                          <p:spTgt spid="6">
+                                            <p:txEl>
+                                              <p:pRg st="3" end="3"/>
+                                            </p:txEl>
+                                          </p:spTgt>
+                                        </p:tgtEl>
+                                      </p:cBhvr>
+                                    </p:animEffect>
+                                  </p:childTnLst>
+                                </p:cTn>
+                              </p:par>
+                              <p:par>
+                                <p:cTn id="17" presetID="9" presetClass="emph" presetSubtype="0" nodeType="withEffect">
+                                  <p:stCondLst>
+                                    <p:cond delay="0"/>
+                                  </p:stCondLst>
+                                  <p:childTnLst>
+                                    <p:set>
+                                      <p:cBhvr rctx="PPT">
+                                        <p:cTn id="18" dur="indefinite"/>
+                                        <p:tgtEl>
+                                          <p:spTgt spid="6">
+                                            <p:txEl>
+                                              <p:pRg st="4" end="4"/>
+                                            </p:txEl>
+                                          </p:spTgt>
+                                        </p:tgtEl>
+                                        <p:attrNameLst>
+                                          <p:attrName>style.opacity</p:attrName>
+                                        </p:attrNameLst>
+                                      </p:cBhvr>
+                                      <p:to>
+                                        <p:strVal val="0.25"/>
+                                      </p:to>
+                                    </p:set>
+                                    <p:animEffect filter="image" prLst="opacity: 0.25">
+                                      <p:cBhvr rctx="IE">
+                                        <p:cTn id="19" dur="indefinite"/>
+                                        <p:tgtEl>
+                                          <p:spTgt spid="6">
+                                            <p:txEl>
+                                              <p:pRg st="4" end="4"/>
+                                            </p:txEl>
+                                          </p:spTgt>
+                                        </p:tgtEl>
+                                      </p:cBhvr>
+                                    </p:animEffect>
+                                  </p:childTnLst>
+                                </p:cTn>
+                              </p:par>
+                            </p:childTnLst>
+                          </p:cTn>
+                        </p:par>
+                      </p:childTnLst>
+                    </p:cTn>
+                  </p:par>
+                  <p:par>
+                    <p:cTn id="20" fill="hold">
+                      <p:stCondLst>
+                        <p:cond delay="indefinite"/>
+                      </p:stCondLst>
+                      <p:childTnLst>
+                        <p:par>
+                          <p:cTn id="21" fill="hold">
+                            <p:stCondLst>
+                              <p:cond delay="0"/>
+                            </p:stCondLst>
+                            <p:childTnLst>
+                              <p:par>
+                                <p:cTn id="22" presetID="9" presetClass="emph" presetSubtype="0" nodeType="clickEffect">
+                                  <p:stCondLst>
+                                    <p:cond delay="0"/>
+                                  </p:stCondLst>
+                                  <p:childTnLst>
+                                    <p:set>
+                                      <p:cBhvr rctx="PPT">
+                                        <p:cTn id="23" dur="indefinite"/>
+                                        <p:tgtEl>
+                                          <p:spTgt spid="6">
+                                            <p:txEl>
+                                              <p:pRg st="0" end="0"/>
+                                            </p:txEl>
+                                          </p:spTgt>
+                                        </p:tgtEl>
+                                        <p:attrNameLst>
+                                          <p:attrName>style.opacity</p:attrName>
+                                        </p:attrNameLst>
+                                      </p:cBhvr>
+                                      <p:to>
+                                        <p:strVal val="0.25"/>
+                                      </p:to>
+                                    </p:set>
+                                    <p:animEffect filter="image" prLst="opacity: 0.25">
+                                      <p:cBhvr rctx="IE">
+                                        <p:cTn id="24" dur="indefinite"/>
+                                        <p:tgtEl>
+                                          <p:spTgt spid="6">
+                                            <p:txEl>
+                                              <p:pRg st="0" end="0"/>
+                                            </p:txEl>
+                                          </p:spTgt>
+                                        </p:tgtEl>
+                                      </p:cBhvr>
+                                    </p:animEffect>
+                                  </p:childTnLst>
+                                </p:cTn>
+                              </p:par>
+                              <p:par>
+                                <p:cTn id="25" presetID="9" presetClass="emph" presetSubtype="0" nodeType="withEffect">
+                                  <p:stCondLst>
+                                    <p:cond delay="0"/>
+                                  </p:stCondLst>
+                                  <p:childTnLst>
+                                    <p:set>
+                                      <p:cBhvr rctx="PPT">
+                                        <p:cTn id="26" dur="indefinite"/>
+                                        <p:tgtEl>
+                                          <p:spTgt spid="6">
+                                            <p:txEl>
+                                              <p:pRg st="1" end="1"/>
+                                            </p:txEl>
+                                          </p:spTgt>
+                                        </p:tgtEl>
+                                        <p:attrNameLst>
+                                          <p:attrName>style.opacity</p:attrName>
+                                        </p:attrNameLst>
+                                      </p:cBhvr>
+                                      <p:to>
+                                        <p:strVal val="1"/>
+                                      </p:to>
+                                    </p:set>
+                                    <p:animEffect filter="image" prLst="opacity: 1">
+                                      <p:cBhvr rctx="IE">
+                                        <p:cTn id="27" dur="indefinite"/>
+                                        <p:tgtEl>
+                                          <p:spTgt spid="6">
+                                            <p:txEl>
+                                              <p:pRg st="1" end="1"/>
+                                            </p:txEl>
+                                          </p:spTgt>
+                                        </p:tgtEl>
+                                      </p:cBhvr>
+                                    </p:animEffect>
+                                  </p:childTnLst>
+                                </p:cTn>
+                              </p:par>
+                            </p:childTnLst>
+                          </p:cTn>
+                        </p:par>
+                      </p:childTnLst>
+                    </p:cTn>
+                  </p:par>
+                  <p:par>
+                    <p:cTn id="28" fill="hold">
+                      <p:stCondLst>
+                        <p:cond delay="indefinite"/>
+                      </p:stCondLst>
+                      <p:childTnLst>
+                        <p:par>
+                          <p:cTn id="29" fill="hold">
+                            <p:stCondLst>
+                              <p:cond delay="0"/>
+                            </p:stCondLst>
+                            <p:childTnLst>
+                              <p:par>
+                                <p:cTn id="30" presetID="9" presetClass="emph" presetSubtype="0" nodeType="clickEffect">
+                                  <p:stCondLst>
+                                    <p:cond delay="0"/>
+                                  </p:stCondLst>
+                                  <p:childTnLst>
+                                    <p:set>
+                                      <p:cBhvr rctx="PPT">
+                                        <p:cTn id="31" dur="indefinite"/>
+                                        <p:tgtEl>
+                                          <p:spTgt spid="6">
+                                            <p:txEl>
+                                              <p:pRg st="1" end="1"/>
+                                            </p:txEl>
+                                          </p:spTgt>
+                                        </p:tgtEl>
+                                        <p:attrNameLst>
+                                          <p:attrName>style.opacity</p:attrName>
+                                        </p:attrNameLst>
+                                      </p:cBhvr>
+                                      <p:to>
+                                        <p:strVal val="0.25"/>
+                                      </p:to>
+                                    </p:set>
+                                    <p:animEffect filter="image" prLst="opacity: 0.25">
+                                      <p:cBhvr rctx="IE">
+                                        <p:cTn id="32" dur="indefinite"/>
+                                        <p:tgtEl>
+                                          <p:spTgt spid="6">
+                                            <p:txEl>
+                                              <p:pRg st="1" end="1"/>
+                                            </p:txEl>
+                                          </p:spTgt>
+                                        </p:tgtEl>
+                                      </p:cBhvr>
+                                    </p:animEffect>
+                                  </p:childTnLst>
+                                </p:cTn>
+                              </p:par>
+                              <p:par>
+                                <p:cTn id="33" presetID="9" presetClass="emph" presetSubtype="0" nodeType="withEffect">
+                                  <p:stCondLst>
+                                    <p:cond delay="0"/>
+                                  </p:stCondLst>
+                                  <p:childTnLst>
+                                    <p:set>
+                                      <p:cBhvr rctx="PPT">
+                                        <p:cTn id="34" dur="indefinite"/>
+                                        <p:tgtEl>
+                                          <p:spTgt spid="6">
+                                            <p:txEl>
+                                              <p:pRg st="2" end="2"/>
+                                            </p:txEl>
+                                          </p:spTgt>
+                                        </p:tgtEl>
+                                        <p:attrNameLst>
+                                          <p:attrName>style.opacity</p:attrName>
+                                        </p:attrNameLst>
+                                      </p:cBhvr>
+                                      <p:to>
+                                        <p:strVal val="1"/>
+                                      </p:to>
+                                    </p:set>
+                                    <p:animEffect filter="image" prLst="opacity: 1">
+                                      <p:cBhvr rctx="IE">
+                                        <p:cTn id="35" dur="indefinite"/>
+                                        <p:tgtEl>
+                                          <p:spTgt spid="6">
+                                            <p:txEl>
+                                              <p:pRg st="2" end="2"/>
+                                            </p:txEl>
+                                          </p:spTgt>
+                                        </p:tgtEl>
+                                      </p:cBhvr>
+                                    </p:animEffect>
+                                  </p:childTnLst>
+                                </p:cTn>
+                              </p:par>
+                            </p:childTnLst>
+                          </p:cTn>
+                        </p:par>
+                      </p:childTnLst>
+                    </p:cTn>
+                  </p:par>
+                  <p:par>
+                    <p:cTn id="36" fill="hold">
+                      <p:stCondLst>
+                        <p:cond delay="indefinite"/>
+                      </p:stCondLst>
+                      <p:childTnLst>
+                        <p:par>
+                          <p:cTn id="37" fill="hold">
+                            <p:stCondLst>
+                              <p:cond delay="0"/>
+                            </p:stCondLst>
+                            <p:childTnLst>
+                              <p:par>
+                                <p:cTn id="38" presetID="9" presetClass="emph" presetSubtype="0" nodeType="clickEffect">
+                                  <p:stCondLst>
+                                    <p:cond delay="0"/>
+                                  </p:stCondLst>
+                                  <p:childTnLst>
+                                    <p:set>
+                                      <p:cBhvr rctx="PPT">
+                                        <p:cTn id="39" dur="indefinite"/>
+                                        <p:tgtEl>
+                                          <p:spTgt spid="6">
+                                            <p:txEl>
+                                              <p:pRg st="2" end="2"/>
+                                            </p:txEl>
+                                          </p:spTgt>
+                                        </p:tgtEl>
+                                        <p:attrNameLst>
+                                          <p:attrName>style.opacity</p:attrName>
+                                        </p:attrNameLst>
+                                      </p:cBhvr>
+                                      <p:to>
+                                        <p:strVal val="0.25"/>
+                                      </p:to>
+                                    </p:set>
+                                    <p:animEffect filter="image" prLst="opacity: 0.25">
+                                      <p:cBhvr rctx="IE">
+                                        <p:cTn id="40" dur="indefinite"/>
+                                        <p:tgtEl>
+                                          <p:spTgt spid="6">
+                                            <p:txEl>
+                                              <p:pRg st="2" end="2"/>
+                                            </p:txEl>
+                                          </p:spTgt>
+                                        </p:tgtEl>
+                                      </p:cBhvr>
+                                    </p:animEffect>
+                                  </p:childTnLst>
+                                </p:cTn>
+                              </p:par>
+                              <p:par>
+                                <p:cTn id="41" presetID="9" presetClass="emph" presetSubtype="0" nodeType="withEffect">
+                                  <p:stCondLst>
+                                    <p:cond delay="0"/>
+                                  </p:stCondLst>
+                                  <p:childTnLst>
+                                    <p:set>
+                                      <p:cBhvr rctx="PPT">
+                                        <p:cTn id="42" dur="indefinite"/>
+                                        <p:tgtEl>
+                                          <p:spTgt spid="6">
+                                            <p:txEl>
+                                              <p:pRg st="3" end="3"/>
+                                            </p:txEl>
+                                          </p:spTgt>
+                                        </p:tgtEl>
+                                        <p:attrNameLst>
+                                          <p:attrName>style.opacity</p:attrName>
+                                        </p:attrNameLst>
+                                      </p:cBhvr>
+                                      <p:to>
+                                        <p:strVal val="1"/>
+                                      </p:to>
+                                    </p:set>
+                                    <p:animEffect filter="image" prLst="opacity: 1">
+                                      <p:cBhvr rctx="IE">
+                                        <p:cTn id="43" dur="indefinite"/>
+                                        <p:tgtEl>
+                                          <p:spTgt spid="6">
+                                            <p:txEl>
+                                              <p:pRg st="3" end="3"/>
+                                            </p:txEl>
+                                          </p:spTgt>
+                                        </p:tgtEl>
+                                      </p:cBhvr>
+                                    </p:animEffect>
+                                  </p:childTnLst>
+                                </p:cTn>
+                              </p:par>
+                            </p:childTnLst>
+                          </p:cTn>
+                        </p:par>
+                      </p:childTnLst>
+                    </p:cTn>
+                  </p:par>
+                  <p:par>
+                    <p:cTn id="44" fill="hold">
+                      <p:stCondLst>
+                        <p:cond delay="indefinite"/>
+                      </p:stCondLst>
+                      <p:childTnLst>
+                        <p:par>
+                          <p:cTn id="45" fill="hold">
+                            <p:stCondLst>
+                              <p:cond delay="0"/>
+                            </p:stCondLst>
+                            <p:childTnLst>
+                              <p:par>
+                                <p:cTn id="46" presetID="9" presetClass="emph" presetSubtype="0" nodeType="clickEffect">
+                                  <p:stCondLst>
+                                    <p:cond delay="0"/>
+                                  </p:stCondLst>
+                                  <p:childTnLst>
+                                    <p:set>
+                                      <p:cBhvr rctx="PPT">
+                                        <p:cTn id="47" dur="indefinite"/>
+                                        <p:tgtEl>
+                                          <p:spTgt spid="6">
+                                            <p:txEl>
+                                              <p:pRg st="3" end="3"/>
+                                            </p:txEl>
+                                          </p:spTgt>
+                                        </p:tgtEl>
+                                        <p:attrNameLst>
+                                          <p:attrName>style.opacity</p:attrName>
+                                        </p:attrNameLst>
+                                      </p:cBhvr>
+                                      <p:to>
+                                        <p:strVal val="0.25"/>
+                                      </p:to>
+                                    </p:set>
+                                    <p:animEffect filter="image" prLst="opacity: 0.25">
+                                      <p:cBhvr rctx="IE">
+                                        <p:cTn id="48" dur="indefinite"/>
+                                        <p:tgtEl>
+                                          <p:spTgt spid="6">
+                                            <p:txEl>
+                                              <p:pRg st="3" end="3"/>
+                                            </p:txEl>
+                                          </p:spTgt>
+                                        </p:tgtEl>
+                                      </p:cBhvr>
+                                    </p:animEffect>
+                                  </p:childTnLst>
+                                </p:cTn>
+                              </p:par>
+                              <p:par>
+                                <p:cTn id="49" presetID="9" presetClass="emph" presetSubtype="0" nodeType="withEffect">
+                                  <p:stCondLst>
+                                    <p:cond delay="0"/>
+                                  </p:stCondLst>
+                                  <p:childTnLst>
+                                    <p:set>
+                                      <p:cBhvr rctx="PPT">
+                                        <p:cTn id="50" dur="indefinite"/>
+                                        <p:tgtEl>
+                                          <p:spTgt spid="6">
+                                            <p:txEl>
+                                              <p:pRg st="4" end="4"/>
+                                            </p:txEl>
+                                          </p:spTgt>
+                                        </p:tgtEl>
+                                        <p:attrNameLst>
+                                          <p:attrName>style.opacity</p:attrName>
+                                        </p:attrNameLst>
+                                      </p:cBhvr>
+                                      <p:to>
+                                        <p:strVal val="1"/>
+                                      </p:to>
+                                    </p:set>
+                                    <p:animEffect filter="image" prLst="opacity: 1">
+                                      <p:cBhvr rctx="IE">
+                                        <p:cTn id="51" dur="indefinite"/>
                                         <p:tgtEl>
                                           <p:spTgt spid="6">
                                             <p:txEl>

--- a/one-template-to-rule-them-all_emet-part.pptx
+++ b/one-template-to-rule-them-all_emet-part.pptx
@@ -685,7 +685,6 @@
               <a:rPr lang="en-GB" baseline="0" dirty="0" smtClean="0"/>
               <a:t>Create Remote Thread basically instantiates and runs the shell code we injected.</a:t>
             </a:r>
-            <a:endParaRPr lang="en-GB" baseline="0" dirty="0" smtClean="0"/>
           </a:p>
         </p:txBody>
       </p:sp>
@@ -780,7 +779,6 @@
               <a:rPr lang="en-GB" baseline="0" dirty="0" smtClean="0"/>
               <a:t>It will terminate the process if a suspended process is made but for some reason defences stopped it from being able to create a connection back to our C2 server.</a:t>
             </a:r>
-            <a:endParaRPr lang="en-GB" baseline="0" dirty="0" smtClean="0"/>
           </a:p>
         </p:txBody>
       </p:sp>
@@ -1103,11 +1101,7 @@
           <a:p>
             <a:r>
               <a:rPr lang="en-GB" baseline="0" dirty="0" smtClean="0"/>
-              <a:t>As the script tells us, we must start up our listeners. So we do that </a:t>
-            </a:r>
-            <a:r>
-              <a:rPr lang="en-GB" baseline="0" dirty="0" smtClean="0"/>
-              <a:t>on the left now.</a:t>
+              <a:t>As the script tells us, we must start up our listeners. So we do that on the left now.</a:t>
             </a:r>
           </a:p>
           <a:p>
@@ -1312,11 +1306,7 @@
           <a:p>
             <a:r>
               <a:rPr lang="en-GB" baseline="0" dirty="0" smtClean="0"/>
-              <a:t>In </a:t>
-            </a:r>
-            <a:r>
-              <a:rPr lang="en-GB" baseline="0" dirty="0" smtClean="0"/>
-              <a:t>the case of EMET, </a:t>
+              <a:t>In the case of EMET, </a:t>
             </a:r>
             <a:r>
               <a:rPr lang="en-GB" baseline="0" dirty="0" err="1" smtClean="0"/>
@@ -1363,11 +1353,7 @@
             </a:r>
             <a:r>
               <a:rPr lang="en-GB" baseline="0" dirty="0" smtClean="0"/>
-              <a:t> creates a call back through the use of shell code injection. This is written in native VBA as we do not want to have a dependency on PowerShell</a:t>
-            </a:r>
-            <a:r>
-              <a:rPr lang="en-GB" baseline="0" dirty="0" smtClean="0"/>
-              <a:t>.</a:t>
+              <a:t> creates a call back through the use of shell code injection. This is written in native VBA as we do not want to have a dependency on PowerShell.</a:t>
             </a:r>
           </a:p>
           <a:p>
@@ -1412,7 +1398,6 @@
               <a:rPr lang="en-GB" baseline="0" dirty="0" smtClean="0"/>
               <a:t>We later found that using EMET protected paths on all binaries is not viable.</a:t>
             </a:r>
-            <a:endParaRPr lang="en-GB" baseline="0" dirty="0" smtClean="0"/>
           </a:p>
         </p:txBody>
       </p:sp>
